--- a/translations/en-us/advanced/GyroTurn.pptx
+++ b/translations/en-us/advanced/GyroTurn.pptx
@@ -1,30 +1,35 @@
 
 <file path=ppt/presentation.xml><?xml version="1.0" encoding="utf-8"?>
-<p:presentation xmlns:a="http://schemas.openxmlformats.org/drawingml/2006/main" xmlns:r="http://schemas.openxmlformats.org/officeDocument/2006/relationships" xmlns:p="http://schemas.openxmlformats.org/presentationml/2006/main" showSpecialPlsOnTitleSld="0" saveSubsetFonts="1">
+<p:presentation xmlns:a="http://schemas.openxmlformats.org/drawingml/2006/main" xmlns:r="http://schemas.openxmlformats.org/officeDocument/2006/relationships" xmlns:p="http://schemas.openxmlformats.org/presentationml/2006/main" saveSubsetFonts="1">
   <p:sldMasterIdLst>
     <p:sldMasterId id="2147483818" r:id="rId1"/>
   </p:sldMasterIdLst>
   <p:notesMasterIdLst>
-    <p:notesMasterId r:id="rId16"/>
+    <p:notesMasterId r:id="rId21"/>
   </p:notesMasterIdLst>
   <p:handoutMasterIdLst>
-    <p:handoutMasterId r:id="rId17"/>
+    <p:handoutMasterId r:id="rId22"/>
   </p:handoutMasterIdLst>
   <p:sldIdLst>
     <p:sldId id="258" r:id="rId2"/>
     <p:sldId id="289" r:id="rId3"/>
     <p:sldId id="280" r:id="rId4"/>
-    <p:sldId id="286" r:id="rId5"/>
-    <p:sldId id="281" r:id="rId6"/>
-    <p:sldId id="282" r:id="rId7"/>
-    <p:sldId id="283" r:id="rId8"/>
-    <p:sldId id="284" r:id="rId9"/>
-    <p:sldId id="285" r:id="rId10"/>
-    <p:sldId id="277" r:id="rId11"/>
-    <p:sldId id="287" r:id="rId12"/>
-    <p:sldId id="288" r:id="rId13"/>
-    <p:sldId id="290" r:id="rId14"/>
-    <p:sldId id="274" r:id="rId15"/>
+    <p:sldId id="296" r:id="rId5"/>
+    <p:sldId id="293" r:id="rId6"/>
+    <p:sldId id="286" r:id="rId7"/>
+    <p:sldId id="281" r:id="rId8"/>
+    <p:sldId id="297" r:id="rId9"/>
+    <p:sldId id="291" r:id="rId10"/>
+    <p:sldId id="292" r:id="rId11"/>
+    <p:sldId id="283" r:id="rId12"/>
+    <p:sldId id="284" r:id="rId13"/>
+    <p:sldId id="285" r:id="rId14"/>
+    <p:sldId id="277" r:id="rId15"/>
+    <p:sldId id="294" r:id="rId16"/>
+    <p:sldId id="288" r:id="rId17"/>
+    <p:sldId id="287" r:id="rId18"/>
+    <p:sldId id="290" r:id="rId19"/>
+    <p:sldId id="274" r:id="rId20"/>
   </p:sldIdLst>
   <p:sldSz cx="9144000" cy="6858000" type="screen4x3"/>
   <p:notesSz cx="6858000" cy="9144000"/>
@@ -125,7 +130,7 @@
   </p:defaultTextStyle>
   <p:extLst>
     <p:ext uri="{EFAFB233-063F-42B5-8137-9DF3F51BA10A}">
-      <p15:sldGuideLst xmlns:p15="http://schemas.microsoft.com/office/powerpoint/2012/main" xmlns="">
+      <p15:sldGuideLst xmlns:p15="http://schemas.microsoft.com/office/powerpoint/2012/main">
         <p15:guide id="1" orient="horz" pos="2160">
           <p15:clr>
             <a:srgbClr val="A4A3A4"/>
@@ -224,7 +229,7 @@
           <a:p>
             <a:fld id="{E354B44E-40A3-0E46-B16A-9BF1250A248B}" type="datetimeFigureOut">
               <a:rPr lang="en-US" smtClean="0"/>
-              <a:t>4/9/15</a:t>
+              <a:t>11/12/2015</a:t>
             </a:fld>
             <a:endParaRPr lang="en-US"/>
           </a:p>
@@ -390,7 +395,7 @@
           <a:p>
             <a:fld id="{C86AD16C-2DB4-6642-BAD4-9ED973A087A0}" type="datetimeFigureOut">
               <a:rPr lang="en-US" smtClean="0"/>
-              <a:t>4/9/15</a:t>
+              <a:t>11/12/2015</a:t>
             </a:fld>
             <a:endParaRPr lang="en-US"/>
           </a:p>
@@ -703,7 +708,7 @@
           <a:bodyPr/>
           <a:lstStyle/>
           <a:p>
-            <a:endParaRPr lang="en-US"/>
+            <a:endParaRPr lang="en-US" dirty="0"/>
           </a:p>
         </p:txBody>
       </p:sp>
@@ -726,7 +731,7 @@
               <a:rPr lang="en-US" smtClean="0"/>
               <a:t>1</a:t>
             </a:fld>
-            <a:endParaRPr lang="en-US"/>
+            <a:endParaRPr lang="en-US" dirty="0"/>
           </a:p>
         </p:txBody>
       </p:sp>
@@ -787,7 +792,7 @@
           <a:bodyPr/>
           <a:lstStyle/>
           <a:p>
-            <a:endParaRPr lang="en-US"/>
+            <a:endParaRPr lang="en-US" dirty="0"/>
           </a:p>
         </p:txBody>
       </p:sp>
@@ -808,9 +813,9 @@
           <a:p>
             <a:fld id="{1E5BF589-3978-3C45-966B-D7B7A71F2A02}" type="slidenum">
               <a:rPr lang="en-US" smtClean="0"/>
-              <a:t>13</a:t>
+              <a:t>18</a:t>
             </a:fld>
-            <a:endParaRPr lang="en-US"/>
+            <a:endParaRPr lang="en-US" dirty="0"/>
           </a:p>
         </p:txBody>
       </p:sp>
@@ -892,7 +897,7 @@
           <a:p>
             <a:fld id="{1E5BF589-3978-3C45-966B-D7B7A71F2A02}" type="slidenum">
               <a:rPr lang="en-US" smtClean="0"/>
-              <a:t>14</a:t>
+              <a:t>19</a:t>
             </a:fld>
             <a:endParaRPr lang="en-US"/>
           </a:p>
@@ -943,9 +948,9 @@
           <a:bodyPr/>
           <a:lstStyle/>
           <a:p>
-            <a:fld id="{9F6093A6-3F04-AB47-8BCC-C23FEC7B1BC4}" type="datetime1">
-              <a:rPr lang="en-US" smtClean="0"/>
-              <a:t>4/9/15</a:t>
+            <a:fld id="{03D03224-C78A-48B8-ACAD-0B29C3D7860E}" type="datetime1">
+              <a:rPr lang="en-US" smtClean="0"/>
+              <a:t>11/12/2015</a:t>
             </a:fld>
             <a:endParaRPr lang="en-US"/>
           </a:p>
@@ -968,7 +973,7 @@
           <a:p>
             <a:r>
               <a:rPr lang="en-US" smtClean="0"/>
-              <a:t>© 2015 EV3Lessons.com, Last edit 4/8/2015</a:t>
+              <a:t>© 2015 EV3Lessons.com, Last edit 11/10/2015</a:t>
             </a:r>
             <a:endParaRPr lang="en-US"/>
           </a:p>
@@ -1437,7 +1442,7 @@
   <p:timing>
     <p:tnLst>
       <p:par>
-        <p:cTn xmlns:p14="http://schemas.microsoft.com/office/powerpoint/2010/main" id="1" dur="indefinite" restart="never" nodeType="tmRoot"/>
+        <p:cTn id="1" dur="indefinite" restart="never" nodeType="tmRoot"/>
       </p:par>
     </p:tnLst>
   </p:timing>
@@ -1563,9 +1568,9 @@
           <a:bodyPr/>
           <a:lstStyle/>
           <a:p>
-            <a:fld id="{54B9A58F-C793-CB4A-A4BF-663FCC04C8C9}" type="datetime1">
-              <a:rPr lang="en-US" smtClean="0"/>
-              <a:t>4/9/15</a:t>
+            <a:fld id="{001D888E-E3C8-44B0-B2E0-06E87BFCDB74}" type="datetime1">
+              <a:rPr lang="en-US" smtClean="0"/>
+              <a:t>11/12/2015</a:t>
             </a:fld>
             <a:endParaRPr lang="en-US" dirty="0"/>
           </a:p>
@@ -1588,7 +1593,7 @@
           <a:p>
             <a:r>
               <a:rPr lang="en-US" smtClean="0"/>
-              <a:t>© 2015 EV3Lessons.com, Last edit 4/8/2015</a:t>
+              <a:t>© 2015 EV3Lessons.com, Last edit 11/10/2015</a:t>
             </a:r>
             <a:endParaRPr lang="en-US" dirty="0"/>
           </a:p>
@@ -1969,7 +1974,7 @@
   <p:timing>
     <p:tnLst>
       <p:par>
-        <p:cTn xmlns:p14="http://schemas.microsoft.com/office/powerpoint/2010/main" id="1" dur="indefinite" restart="never" nodeType="tmRoot"/>
+        <p:cTn id="1" dur="indefinite" restart="never" nodeType="tmRoot"/>
       </p:par>
     </p:tnLst>
   </p:timing>
@@ -2391,9 +2396,9 @@
           <a:bodyPr/>
           <a:lstStyle/>
           <a:p>
-            <a:fld id="{A0B6DD20-8D04-6B44-B04C-9247F789EDE2}" type="datetime1">
-              <a:rPr lang="en-US" smtClean="0"/>
-              <a:t>4/9/15</a:t>
+            <a:fld id="{6A972658-D3F2-4DA7-93D9-610E497BF3E1}" type="datetime1">
+              <a:rPr lang="en-US" smtClean="0"/>
+              <a:t>11/12/2015</a:t>
             </a:fld>
             <a:endParaRPr lang="en-US" dirty="0"/>
           </a:p>
@@ -2416,7 +2421,7 @@
           <a:p>
             <a:r>
               <a:rPr lang="en-US" smtClean="0"/>
-              <a:t>© 2015 EV3Lessons.com, Last edit 4/8/2015</a:t>
+              <a:t>© 2015 EV3Lessons.com, Last edit 11/10/2015</a:t>
             </a:r>
             <a:endParaRPr lang="en-US" dirty="0"/>
           </a:p>
@@ -2587,7 +2592,7 @@
   <p:timing>
     <p:tnLst>
       <p:par>
-        <p:cTn xmlns:p14="http://schemas.microsoft.com/office/powerpoint/2010/main" id="1" dur="indefinite" restart="never" nodeType="tmRoot"/>
+        <p:cTn id="1" dur="indefinite" restart="never" nodeType="tmRoot"/>
       </p:par>
     </p:tnLst>
   </p:timing>
@@ -2913,9 +2918,9 @@
           <a:bodyPr/>
           <a:lstStyle/>
           <a:p>
-            <a:fld id="{31C14AF0-EF73-3140-8C6C-F73921C2F382}" type="datetime1">
-              <a:rPr lang="en-US" smtClean="0"/>
-              <a:t>4/9/15</a:t>
+            <a:fld id="{2D62DFCC-42FA-4151-A3BC-7A02EE95FA20}" type="datetime1">
+              <a:rPr lang="en-US" smtClean="0"/>
+              <a:t>11/12/2015</a:t>
             </a:fld>
             <a:endParaRPr lang="en-US"/>
           </a:p>
@@ -2938,7 +2943,7 @@
           <a:p>
             <a:r>
               <a:rPr lang="en-US" smtClean="0"/>
-              <a:t>© 2015 EV3Lessons.com, Last edit 4/8/2015</a:t>
+              <a:t>© 2015 EV3Lessons.com, Last edit 11/10/2015</a:t>
             </a:r>
             <a:endParaRPr lang="en-US"/>
           </a:p>
@@ -2975,7 +2980,7 @@
   <p:timing>
     <p:tnLst>
       <p:par>
-        <p:cTn xmlns:p14="http://schemas.microsoft.com/office/powerpoint/2010/main" id="1" dur="indefinite" restart="never" nodeType="tmRoot"/>
+        <p:cTn id="1" dur="indefinite" restart="never" nodeType="tmRoot"/>
       </p:par>
     </p:tnLst>
   </p:timing>
@@ -3157,9 +3162,9 @@
           <a:bodyPr/>
           <a:lstStyle/>
           <a:p>
-            <a:fld id="{A11E988A-0464-1F44-BCAE-9D926D2CE1A2}" type="datetime1">
-              <a:rPr lang="en-US" smtClean="0"/>
-              <a:t>4/9/15</a:t>
+            <a:fld id="{634138B8-64FD-4912-85B2-4445A010F270}" type="datetime1">
+              <a:rPr lang="en-US" smtClean="0"/>
+              <a:t>11/12/2015</a:t>
             </a:fld>
             <a:endParaRPr lang="en-US"/>
           </a:p>
@@ -3182,7 +3187,7 @@
           <a:p>
             <a:r>
               <a:rPr lang="en-US" smtClean="0"/>
-              <a:t>© 2015 EV3Lessons.com, Last edit 4/8/2015</a:t>
+              <a:t>© 2015 EV3Lessons.com, Last edit 11/10/2015</a:t>
             </a:r>
             <a:endParaRPr lang="en-US"/>
           </a:p>
@@ -3372,7 +3377,7 @@
   <p:timing>
     <p:tnLst>
       <p:par>
-        <p:cTn xmlns:p14="http://schemas.microsoft.com/office/powerpoint/2010/main" id="1" dur="indefinite" restart="never" nodeType="tmRoot"/>
+        <p:cTn id="1" dur="indefinite" restart="never" nodeType="tmRoot"/>
       </p:par>
     </p:tnLst>
   </p:timing>
@@ -3695,9 +3700,9 @@
           <a:bodyPr/>
           <a:lstStyle/>
           <a:p>
-            <a:fld id="{211A87C0-55A3-274F-A634-9C411AA59126}" type="datetime1">
-              <a:rPr lang="en-US" smtClean="0"/>
-              <a:t>4/9/15</a:t>
+            <a:fld id="{63262B27-BCFD-478F-A21D-598A0BF1DA83}" type="datetime1">
+              <a:rPr lang="en-US" smtClean="0"/>
+              <a:t>11/12/2015</a:t>
             </a:fld>
             <a:endParaRPr lang="en-US"/>
           </a:p>
@@ -3720,7 +3725,7 @@
           <a:p>
             <a:r>
               <a:rPr lang="en-US" smtClean="0"/>
-              <a:t>© 2015 EV3Lessons.com, Last edit 4/8/2015</a:t>
+              <a:t>© 2015 EV3Lessons.com, Last edit 11/10/2015</a:t>
             </a:r>
             <a:endParaRPr lang="en-US"/>
           </a:p>
@@ -3757,7 +3762,7 @@
   <p:timing>
     <p:tnLst>
       <p:par>
-        <p:cTn xmlns:p14="http://schemas.microsoft.com/office/powerpoint/2010/main" id="1" dur="indefinite" restart="never" nodeType="tmRoot"/>
+        <p:cTn id="1" dur="indefinite" restart="never" nodeType="tmRoot"/>
       </p:par>
     </p:tnLst>
   </p:timing>
@@ -3841,9 +3846,9 @@
           <a:bodyPr/>
           <a:lstStyle/>
           <a:p>
-            <a:fld id="{2E6EE759-9221-6E4D-B2C9-1D1A5ECA1C34}" type="datetime1">
-              <a:rPr lang="en-US" smtClean="0"/>
-              <a:t>4/9/15</a:t>
+            <a:fld id="{23D6D190-0146-476A-ABDB-25C129936575}" type="datetime1">
+              <a:rPr lang="en-US" smtClean="0"/>
+              <a:t>11/12/2015</a:t>
             </a:fld>
             <a:endParaRPr lang="en-US"/>
           </a:p>
@@ -3866,7 +3871,7 @@
           <a:p>
             <a:r>
               <a:rPr lang="en-US" smtClean="0"/>
-              <a:t>© 2015 EV3Lessons.com, Last edit 4/8/2015</a:t>
+              <a:t>© 2015 EV3Lessons.com, Last edit 11/10/2015</a:t>
             </a:r>
             <a:endParaRPr lang="en-US"/>
           </a:p>
@@ -4252,7 +4257,7 @@
   <p:timing>
     <p:tnLst>
       <p:par>
-        <p:cTn xmlns:p14="http://schemas.microsoft.com/office/powerpoint/2010/main" id="1" dur="indefinite" restart="never" nodeType="tmRoot"/>
+        <p:cTn id="1" dur="indefinite" restart="never" nodeType="tmRoot"/>
       </p:par>
     </p:tnLst>
   </p:timing>
@@ -4711,9 +4716,9 @@
           <a:bodyPr/>
           <a:lstStyle/>
           <a:p>
-            <a:fld id="{E8F54D8E-A5CA-3E48-BEA2-290C18877C46}" type="datetime1">
-              <a:rPr lang="en-US" smtClean="0"/>
-              <a:t>4/9/15</a:t>
+            <a:fld id="{7E1584FB-7979-4182-BDC4-BE8F5E969862}" type="datetime1">
+              <a:rPr lang="en-US" smtClean="0"/>
+              <a:t>11/12/2015</a:t>
             </a:fld>
             <a:endParaRPr lang="en-US"/>
           </a:p>
@@ -4736,7 +4741,7 @@
           <a:p>
             <a:r>
               <a:rPr lang="en-US" smtClean="0"/>
-              <a:t>© 2015 EV3Lessons.com, Last edit 4/8/2015</a:t>
+              <a:t>© 2015 EV3Lessons.com, Last edit 11/10/2015</a:t>
             </a:r>
             <a:endParaRPr lang="en-US"/>
           </a:p>
@@ -4773,7 +4778,7 @@
   <p:timing>
     <p:tnLst>
       <p:par>
-        <p:cTn xmlns:p14="http://schemas.microsoft.com/office/powerpoint/2010/main" id="1" dur="indefinite" restart="never" nodeType="tmRoot"/>
+        <p:cTn id="1" dur="indefinite" restart="never" nodeType="tmRoot"/>
       </p:par>
     </p:tnLst>
   </p:timing>
@@ -4845,9 +4850,9 @@
           <a:bodyPr/>
           <a:lstStyle/>
           <a:p>
-            <a:fld id="{3532F4B0-6B27-A64F-93D2-9F36469B4E3E}" type="datetime1">
-              <a:rPr lang="en-US" smtClean="0"/>
-              <a:t>4/9/15</a:t>
+            <a:fld id="{EC06FD87-F18D-457A-806B-AA5D1A76FFA4}" type="datetime1">
+              <a:rPr lang="en-US" smtClean="0"/>
+              <a:t>11/12/2015</a:t>
             </a:fld>
             <a:endParaRPr lang="en-US" dirty="0"/>
           </a:p>
@@ -5278,7 +5283,7 @@
   <p:timing>
     <p:tnLst>
       <p:par>
-        <p:cTn xmlns:p14="http://schemas.microsoft.com/office/powerpoint/2010/main" id="1" dur="indefinite" restart="never" nodeType="tmRoot"/>
+        <p:cTn id="1" dur="indefinite" restart="never" nodeType="tmRoot"/>
       </p:par>
     </p:tnLst>
   </p:timing>
@@ -5719,9 +5724,9 @@
           <a:bodyPr/>
           <a:lstStyle/>
           <a:p>
-            <a:fld id="{AA80D331-669F-1E46-9CDF-0232A1893433}" type="datetime1">
-              <a:rPr lang="en-US" smtClean="0"/>
-              <a:t>4/9/15</a:t>
+            <a:fld id="{C0284210-0621-4985-A7D5-2E097962EC1A}" type="datetime1">
+              <a:rPr lang="en-US" smtClean="0"/>
+              <a:t>11/12/2015</a:t>
             </a:fld>
             <a:endParaRPr lang="en-US"/>
           </a:p>
@@ -5758,7 +5763,7 @@
   <p:timing>
     <p:tnLst>
       <p:par>
-        <p:cTn xmlns:p14="http://schemas.microsoft.com/office/powerpoint/2010/main" id="1" dur="indefinite" restart="never" nodeType="tmRoot"/>
+        <p:cTn id="1" dur="indefinite" restart="never" nodeType="tmRoot"/>
       </p:par>
     </p:tnLst>
   </p:timing>
@@ -6355,9 +6360,9 @@
           <a:bodyPr/>
           <a:lstStyle/>
           <a:p>
-            <a:fld id="{7267343F-EB94-2A4D-82CA-B4CE0C957985}" type="datetime1">
-              <a:rPr lang="en-US" smtClean="0"/>
-              <a:t>4/9/15</a:t>
+            <a:fld id="{DE62B863-8F6A-4F0F-9561-6E711C04B361}" type="datetime1">
+              <a:rPr lang="en-US" smtClean="0"/>
+              <a:t>11/12/2015</a:t>
             </a:fld>
             <a:endParaRPr lang="en-US"/>
           </a:p>
@@ -6380,7 +6385,7 @@
           <a:p>
             <a:r>
               <a:rPr lang="en-US" smtClean="0"/>
-              <a:t>© 2015 EV3Lessons.com, Last edit 4/8/2015</a:t>
+              <a:t>© 2015 EV3Lessons.com, Last edit 11/10/2015</a:t>
             </a:r>
             <a:endParaRPr lang="en-US"/>
           </a:p>
@@ -6417,7 +6422,7 @@
   <p:timing>
     <p:tnLst>
       <p:par>
-        <p:cTn xmlns:p14="http://schemas.microsoft.com/office/powerpoint/2010/main" id="1" dur="indefinite" restart="never" nodeType="tmRoot"/>
+        <p:cTn id="1" dur="indefinite" restart="never" nodeType="tmRoot"/>
       </p:par>
     </p:tnLst>
   </p:timing>
@@ -6684,9 +6689,9 @@
           <a:bodyPr/>
           <a:lstStyle/>
           <a:p>
-            <a:fld id="{9F1F4F43-1CA3-1B45-9C14-A1BA125A1E34}" type="datetime1">
-              <a:rPr lang="en-US" smtClean="0"/>
-              <a:t>4/9/15</a:t>
+            <a:fld id="{7647E5A3-DA8C-4E40-8E2B-382623E75419}" type="datetime1">
+              <a:rPr lang="en-US" smtClean="0"/>
+              <a:t>11/12/2015</a:t>
             </a:fld>
             <a:endParaRPr lang="en-US"/>
           </a:p>
@@ -6709,7 +6714,7 @@
           <a:p>
             <a:r>
               <a:rPr lang="en-US" smtClean="0"/>
-              <a:t>© 2015 EV3Lessons.com, Last edit 4/8/2015</a:t>
+              <a:t>© 2015 EV3Lessons.com, Last edit 11/10/2015</a:t>
             </a:r>
             <a:endParaRPr lang="en-US"/>
           </a:p>
@@ -6746,7 +6751,7 @@
   <p:timing>
     <p:tnLst>
       <p:par>
-        <p:cTn xmlns:p14="http://schemas.microsoft.com/office/powerpoint/2010/main" id="1" dur="indefinite" restart="never" nodeType="tmRoot"/>
+        <p:cTn id="1" dur="indefinite" restart="never" nodeType="tmRoot"/>
       </p:par>
     </p:tnLst>
   </p:timing>
@@ -7166,9 +7171,9 @@
           <a:bodyPr/>
           <a:lstStyle/>
           <a:p>
-            <a:fld id="{22A07842-547B-7A42-809B-2573F6F496FB}" type="datetime1">
-              <a:rPr lang="en-US" smtClean="0"/>
-              <a:t>4/9/15</a:t>
+            <a:fld id="{43482767-80F5-47AB-876A-9FA9E8365339}" type="datetime1">
+              <a:rPr lang="en-US" smtClean="0"/>
+              <a:t>11/12/2015</a:t>
             </a:fld>
             <a:endParaRPr lang="en-US"/>
           </a:p>
@@ -7191,7 +7196,7 @@
           <a:p>
             <a:r>
               <a:rPr lang="en-US" smtClean="0"/>
-              <a:t>© 2015 EV3Lessons.com, Last edit 4/8/2015</a:t>
+              <a:t>© 2015 EV3Lessons.com, Last edit 11/10/2015</a:t>
             </a:r>
             <a:endParaRPr lang="en-US"/>
           </a:p>
@@ -7228,7 +7233,7 @@
   <p:timing>
     <p:tnLst>
       <p:par>
-        <p:cTn xmlns:p14="http://schemas.microsoft.com/office/powerpoint/2010/main" id="1" dur="indefinite" restart="never" nodeType="tmRoot"/>
+        <p:cTn id="1" dur="indefinite" restart="never" nodeType="tmRoot"/>
       </p:par>
     </p:tnLst>
   </p:timing>
@@ -7352,9 +7357,9 @@
             </a:lvl1pPr>
           </a:lstStyle>
           <a:p>
-            <a:fld id="{5331AAC0-7A33-6C44-9094-61B109EB1FE0}" type="datetime1">
-              <a:rPr lang="en-US" smtClean="0"/>
-              <a:t>4/9/15</a:t>
+            <a:fld id="{FCE16FEE-4A79-4781-AACB-61C8F868F7BA}" type="datetime1">
+              <a:rPr lang="en-US" smtClean="0"/>
+              <a:t>11/12/2015</a:t>
             </a:fld>
             <a:endParaRPr lang="en-US" dirty="0"/>
           </a:p>
@@ -7395,7 +7400,7 @@
           <a:p>
             <a:r>
               <a:rPr lang="en-US" smtClean="0"/>
-              <a:t>© 2015 EV3Lessons.com, Last edit 4/8/2015</a:t>
+              <a:t>© 2015 EV3Lessons.com, Last edit 11/10/2015</a:t>
             </a:r>
             <a:endParaRPr lang="en-US" dirty="0"/>
           </a:p>
@@ -7504,7 +7509,7 @@
   <p:timing>
     <p:tnLst>
       <p:par>
-        <p:cTn xmlns:p14="http://schemas.microsoft.com/office/powerpoint/2010/main" id="1" dur="indefinite" restart="never" nodeType="tmRoot"/>
+        <p:cTn id="1" dur="indefinite" restart="never" nodeType="tmRoot"/>
       </p:par>
     </p:tnLst>
   </p:timing>
@@ -7887,14 +7892,14 @@
           <a:lstStyle/>
           <a:p>
             <a:r>
-              <a:rPr lang="en-US" sz="6600" smtClean="0">
+              <a:rPr lang="en-US" sz="4400" dirty="0" smtClean="0">
                 <a:solidFill>
                   <a:srgbClr val="FF0000"/>
                 </a:solidFill>
               </a:rPr>
               <a:t>Gyro Turns</a:t>
             </a:r>
-            <a:endParaRPr lang="en-US" dirty="0">
+            <a:endParaRPr lang="en-US" sz="2800" dirty="0">
               <a:solidFill>
                 <a:srgbClr val="FF0000"/>
               </a:solidFill>
@@ -7910,8 +7915,8 @@
         </p:nvSpPr>
         <p:spPr>
           <a:xfrm>
-            <a:off x="329321" y="353342"/>
-            <a:ext cx="7754284" cy="1569660"/>
+            <a:off x="329321" y="454946"/>
+            <a:ext cx="5352131" cy="1323439"/>
           </a:xfrm>
           <a:prstGeom prst="rect">
             <a:avLst/>
@@ -7925,64 +7930,18 @@
           <a:lstStyle/>
           <a:p>
             <a:r>
-              <a:rPr lang="en-US" sz="4800" dirty="0" smtClean="0">
+              <a:rPr lang="en-US" sz="4000" dirty="0" smtClean="0">
                 <a:solidFill>
                   <a:schemeClr val="bg1"/>
                 </a:solidFill>
               </a:rPr>
               <a:t>ADVANCED EV3 PROGRAMMING LESSON</a:t>
             </a:r>
-            <a:endParaRPr lang="en-US" sz="4800" dirty="0">
+            <a:endParaRPr lang="en-US" sz="4000" dirty="0">
               <a:solidFill>
                 <a:schemeClr val="bg1"/>
               </a:solidFill>
             </a:endParaRPr>
-          </a:p>
-        </p:txBody>
-      </p:sp>
-      <p:sp>
-        <p:nvSpPr>
-          <p:cNvPr id="10" name="Footer Placeholder 9"/>
-          <p:cNvSpPr>
-            <a:spLocks noGrp="1"/>
-          </p:cNvSpPr>
-          <p:nvPr>
-            <p:ph type="ftr" sz="quarter" idx="11"/>
-          </p:nvPr>
-        </p:nvSpPr>
-        <p:spPr/>
-        <p:txBody>
-          <a:bodyPr/>
-          <a:lstStyle/>
-          <a:p>
-            <a:r>
-              <a:rPr lang="en-US" smtClean="0"/>
-              <a:t>© 2015 EV3Lessons.com, Last edit 4/8/2015</a:t>
-            </a:r>
-            <a:endParaRPr lang="en-US"/>
-          </a:p>
-        </p:txBody>
-      </p:sp>
-      <p:sp>
-        <p:nvSpPr>
-          <p:cNvPr id="5" name="Slide Number Placeholder 4"/>
-          <p:cNvSpPr>
-            <a:spLocks noGrp="1"/>
-          </p:cNvSpPr>
-          <p:nvPr>
-            <p:ph type="sldNum" sz="quarter" idx="12"/>
-          </p:nvPr>
-        </p:nvSpPr>
-        <p:spPr/>
-        <p:txBody>
-          <a:bodyPr/>
-          <a:lstStyle/>
-          <a:p>
-            <a:fld id="{7F5CE407-6216-4202-80E4-A30DC2F709B2}" type="slidenum">
-              <a:rPr lang="en-US" smtClean="0"/>
-              <a:t>1</a:t>
-            </a:fld>
-            <a:endParaRPr lang="en-US"/>
           </a:p>
         </p:txBody>
       </p:sp>
@@ -8009,7 +7968,7 @@
         </p:blipFill>
         <p:spPr bwMode="auto">
           <a:xfrm>
-            <a:off x="5996763" y="5577133"/>
+            <a:off x="5783052" y="614039"/>
             <a:ext cx="2940317" cy="1092118"/>
           </a:xfrm>
           <a:prstGeom prst="rect">
@@ -8018,7 +7977,7 @@
           <a:noFill/>
           <a:extLst>
             <a:ext uri="{909E8E84-426E-40dd-AFC4-6F175D3DCCD1}">
-              <a14:hiddenFill xmlns:a14="http://schemas.microsoft.com/office/drawing/2010/main">
+              <a14:hiddenFill xmlns="" xmlns:a14="http://schemas.microsoft.com/office/drawing/2010/main">
                 <a:solidFill>
                   <a:srgbClr val="FFFFFF"/>
                 </a:solidFill>
@@ -8029,13 +7988,11 @@
       </p:pic>
       <p:pic>
         <p:nvPicPr>
-          <p:cNvPr id="16" name="Picture Placeholder 5" descr="Droidslogo2.png"/>
+          <p:cNvPr id="6" name="Picture 5"/>
           <p:cNvPicPr>
-            <a:picLocks noGrp="1" noChangeAspect="1"/>
+            <a:picLocks noChangeAspect="1"/>
           </p:cNvPicPr>
-          <p:nvPr>
-            <p:ph type="pic" sz="quarter" idx="13"/>
-          </p:nvPr>
+          <p:nvPr/>
         </p:nvPicPr>
         <p:blipFill>
           <a:blip r:embed="rId4" cstate="email">
@@ -8045,16 +8002,18 @@
               </a:ext>
             </a:extLst>
           </a:blip>
-          <a:srcRect t="2627" b="2627"/>
           <a:stretch>
             <a:fillRect/>
           </a:stretch>
         </p:blipFill>
         <p:spPr>
           <a:xfrm>
-            <a:off x="247673" y="5252598"/>
-            <a:ext cx="1209338" cy="1145791"/>
+            <a:off x="329321" y="5469467"/>
+            <a:ext cx="1371546" cy="1312112"/>
           </a:xfrm>
+          <a:prstGeom prst="rect">
+            <a:avLst/>
+          </a:prstGeom>
         </p:spPr>
       </p:pic>
       <p:sp>
@@ -8067,7 +8026,7 @@
         </p:nvSpPr>
         <p:spPr>
           <a:xfrm>
-            <a:off x="1576397" y="5252598"/>
+            <a:off x="1736414" y="6068887"/>
             <a:ext cx="3749229" cy="484094"/>
           </a:xfrm>
           <a:prstGeom prst="rect">
@@ -8076,7 +8035,7 @@
         </p:spPr>
         <p:txBody>
           <a:bodyPr vert="horz" lIns="91440" tIns="45720" rIns="91440" bIns="45720" rtlCol="0">
-            <a:normAutofit/>
+            <a:normAutofit fontScale="85000" lnSpcReduction="20000"/>
           </a:bodyPr>
           <a:lstStyle>
             <a:lvl1pPr marL="0" indent="0" algn="l" defTabSz="914400" rtl="0" eaLnBrk="1" latinLnBrk="0" hangingPunct="1">
@@ -8294,18 +8253,29 @@
           </a:lstStyle>
           <a:p>
             <a:r>
-              <a:rPr lang="en-US" smtClean="0">
+              <a:rPr lang="en-US" dirty="0" smtClean="0">
                 <a:solidFill>
                   <a:schemeClr val="tx1"/>
                 </a:solidFill>
               </a:rPr>
               <a:t>By Droids Robotics</a:t>
             </a:r>
-            <a:endParaRPr lang="en-US" dirty="0">
-              <a:solidFill>
-                <a:schemeClr val="tx1"/>
-              </a:solidFill>
-            </a:endParaRPr>
+            <a:r>
+              <a:rPr lang="en-US" dirty="0">
+                <a:solidFill>
+                  <a:schemeClr val="tx1"/>
+                </a:solidFill>
+              </a:rPr>
+              <a:t> </a:t>
+            </a:r>
+            <a:r>
+              <a:rPr lang="en-US" dirty="0" smtClean="0">
+                <a:solidFill>
+                  <a:schemeClr val="tx1"/>
+                </a:solidFill>
+              </a:rPr>
+              <a:t>and Construction Mavericks</a:t>
+            </a:r>
           </a:p>
         </p:txBody>
       </p:sp>
@@ -8322,7 +8292,7 @@
   <p:timing>
     <p:tnLst>
       <p:par>
-        <p:cTn xmlns:p14="http://schemas.microsoft.com/office/powerpoint/2010/main" id="1" dur="indefinite" restart="never" nodeType="tmRoot"/>
+        <p:cTn id="1" dur="indefinite" restart="never" nodeType="tmRoot"/>
       </p:par>
     </p:tnLst>
   </p:timing>
@@ -8357,24 +8327,35 @@
           </p:nvPr>
         </p:nvSpPr>
         <p:spPr>
+          <a:xfrm>
+            <a:off x="387791" y="527106"/>
+            <a:ext cx="8245475" cy="997211"/>
+          </a:xfrm>
           <a:noFill/>
         </p:spPr>
         <p:txBody>
-          <a:bodyPr>
-            <a:normAutofit fontScale="90000"/>
-          </a:bodyPr>
+          <a:bodyPr/>
           <a:lstStyle/>
           <a:p>
             <a:r>
               <a:rPr lang="en-US" dirty="0" smtClean="0"/>
-              <a:t>Proportional Gyro Turns</a:t>
-            </a:r>
-            <a:br>
+              <a:t>Stage </a:t>
+            </a:r>
+            <a:r>
+              <a:rPr lang="en-US" dirty="0"/>
+              <a:t>3</a:t>
+            </a:r>
+            <a:r>
               <a:rPr lang="en-US" dirty="0" smtClean="0"/>
-            </a:br>
-            <a:r>
-              <a:rPr lang="en-US" sz="3100" dirty="0" smtClean="0"/>
-              <a:t>by The Construction Mavericks</a:t>
+              <a:t>B: Wire the </a:t>
+            </a:r>
+            <a:r>
+              <a:rPr lang="en-US" dirty="0"/>
+              <a:t>M</a:t>
+            </a:r>
+            <a:r>
+              <a:rPr lang="en-US" dirty="0" smtClean="0"/>
+              <a:t>y Block</a:t>
             </a:r>
             <a:endParaRPr lang="en-US" dirty="0"/>
           </a:p>
@@ -8382,159 +8363,173 @@
       </p:sp>
       <p:sp>
         <p:nvSpPr>
-          <p:cNvPr id="3" name="Content Placeholder 2"/>
-          <p:cNvSpPr>
-            <a:spLocks noGrp="1"/>
-          </p:cNvSpPr>
-          <p:nvPr>
-            <p:ph idx="1"/>
-          </p:nvPr>
-        </p:nvSpPr>
+          <p:cNvPr id="4" name="Footer Placeholder 3"/>
+          <p:cNvSpPr>
+            <a:spLocks noGrp="1"/>
+          </p:cNvSpPr>
+          <p:nvPr>
+            <p:ph type="ftr" sz="quarter" idx="11"/>
+          </p:nvPr>
+        </p:nvSpPr>
+        <p:spPr/>
+        <p:txBody>
+          <a:bodyPr/>
+          <a:lstStyle/>
+          <a:p>
+            <a:r>
+              <a:rPr lang="en-US" dirty="0" smtClean="0"/>
+              <a:t>© 2015 EV3Lessons.com, Last edit 11/10/2015</a:t>
+            </a:r>
+            <a:endParaRPr lang="en-US" dirty="0"/>
+          </a:p>
+        </p:txBody>
+      </p:sp>
+      <p:sp>
+        <p:nvSpPr>
+          <p:cNvPr id="3" name="Slide Number Placeholder 2"/>
+          <p:cNvSpPr>
+            <a:spLocks noGrp="1"/>
+          </p:cNvSpPr>
+          <p:nvPr>
+            <p:ph type="sldNum" sz="quarter" idx="12"/>
+          </p:nvPr>
+        </p:nvSpPr>
+        <p:spPr/>
+        <p:txBody>
+          <a:bodyPr/>
+          <a:lstStyle/>
+          <a:p>
+            <a:fld id="{4382A7F7-08BF-4252-8141-63FB96055BBB}" type="slidenum">
+              <a:rPr lang="en-US" smtClean="0"/>
+              <a:t>10</a:t>
+            </a:fld>
+            <a:endParaRPr lang="en-US" dirty="0"/>
+          </a:p>
+        </p:txBody>
+      </p:sp>
+      <p:pic>
+        <p:nvPicPr>
+          <p:cNvPr id="7" name="Picture 6" descr="Screen Clipping"/>
+          <p:cNvPicPr>
+            <a:picLocks noChangeAspect="1"/>
+          </p:cNvPicPr>
+          <p:nvPr/>
+        </p:nvPicPr>
+        <p:blipFill rotWithShape="1">
+          <a:blip r:embed="rId2">
+            <a:extLst>
+              <a:ext uri="{28A0092B-C50C-407E-A947-70E740481C1C}">
+                <a14:useLocalDpi xmlns:a14="http://schemas.microsoft.com/office/drawing/2010/main" val="0"/>
+              </a:ext>
+            </a:extLst>
+          </a:blip>
+          <a:srcRect t="28488"/>
+          <a:stretch/>
+        </p:blipFill>
         <p:spPr>
           <a:xfrm>
-            <a:off x="284162" y="1887025"/>
-            <a:ext cx="8574087" cy="4373563"/>
+            <a:off x="112386" y="2760133"/>
+            <a:ext cx="8824694" cy="1513368"/>
           </a:xfrm>
+          <a:prstGeom prst="rect">
+            <a:avLst/>
+          </a:prstGeom>
         </p:spPr>
-        <p:txBody>
-          <a:bodyPr>
-            <a:normAutofit fontScale="92500" lnSpcReduction="10000"/>
+      </p:pic>
+      <p:sp>
+        <p:nvSpPr>
+          <p:cNvPr id="5" name="TextBox 4"/>
+          <p:cNvSpPr txBox="1"/>
+          <p:nvPr/>
+        </p:nvSpPr>
+        <p:spPr>
+          <a:xfrm>
+            <a:off x="1227668" y="3842012"/>
+            <a:ext cx="1066800" cy="253916"/>
+          </a:xfrm>
+          <a:prstGeom prst="rect">
+            <a:avLst/>
+          </a:prstGeom>
+          <a:noFill/>
+        </p:spPr>
+        <p:txBody>
+          <a:bodyPr wrap="square" rtlCol="0">
+            <a:spAutoFit/>
           </a:bodyPr>
           <a:lstStyle/>
           <a:p>
-            <a:pPr marL="342900" indent="-342900">
-              <a:buFont typeface="Arial"/>
-              <a:buChar char="•"/>
-            </a:pPr>
-            <a:r>
-              <a:rPr lang="en-US" b="0" dirty="0" smtClean="0"/>
-              <a:t>This method improves over the simple overshoot correction mechanism from earlier by using proportional control</a:t>
-            </a:r>
-          </a:p>
-          <a:p>
-            <a:pPr marL="803275" lvl="1" indent="-342900">
-              <a:buFont typeface="Arial"/>
-              <a:buChar char="•"/>
-            </a:pPr>
+            <a:r>
+              <a:rPr lang="en-US" sz="1050" dirty="0" smtClean="0"/>
+              <a:t>degrees</a:t>
+            </a:r>
+            <a:endParaRPr lang="en-US" sz="1050" dirty="0"/>
+          </a:p>
+        </p:txBody>
+      </p:sp>
+      <p:sp>
+        <p:nvSpPr>
+          <p:cNvPr id="8" name="TextBox 7"/>
+          <p:cNvSpPr txBox="1"/>
+          <p:nvPr/>
+        </p:nvSpPr>
+        <p:spPr>
+          <a:xfrm>
+            <a:off x="2057398" y="4087502"/>
+            <a:ext cx="1066800" cy="253916"/>
+          </a:xfrm>
+          <a:prstGeom prst="rect">
+            <a:avLst/>
+          </a:prstGeom>
+          <a:noFill/>
+        </p:spPr>
+        <p:txBody>
+          <a:bodyPr wrap="square" rtlCol="0">
+            <a:spAutoFit/>
+          </a:bodyPr>
+          <a:lstStyle/>
+          <a:p>
+            <a:r>
+              <a:rPr lang="en-US" sz="1050" dirty="0" smtClean="0"/>
+              <a:t>power</a:t>
+            </a:r>
+            <a:endParaRPr lang="en-US" sz="1050" dirty="0"/>
+          </a:p>
+        </p:txBody>
+      </p:sp>
+      <p:sp>
+        <p:nvSpPr>
+          <p:cNvPr id="6" name="TextBox 5"/>
+          <p:cNvSpPr txBox="1"/>
+          <p:nvPr/>
+        </p:nvSpPr>
+        <p:spPr>
+          <a:xfrm>
+            <a:off x="387791" y="4341418"/>
+            <a:ext cx="8070409" cy="646331"/>
+          </a:xfrm>
+          <a:prstGeom prst="rect">
+            <a:avLst/>
+          </a:prstGeom>
+          <a:noFill/>
+        </p:spPr>
+        <p:txBody>
+          <a:bodyPr wrap="square" rtlCol="0">
+            <a:spAutoFit/>
+          </a:bodyPr>
+          <a:lstStyle/>
+          <a:p>
             <a:r>
               <a:rPr lang="en-US" dirty="0" smtClean="0"/>
-              <a:t>If you are unfamiliar with proportional control, please see the advanced lesson on proportional control before continuing.</a:t>
+              <a:t>Connect the degrees value into the math block and the power into the move steering block</a:t>
             </a:r>
             <a:endParaRPr lang="en-US" dirty="0"/>
-          </a:p>
-          <a:p>
-            <a:pPr marL="803275" lvl="1" indent="-342900">
-              <a:buFont typeface="Arial"/>
-              <a:buChar char="•"/>
-            </a:pPr>
-            <a:r>
-              <a:rPr lang="en-US" dirty="0" smtClean="0"/>
-              <a:t>The basic idea is to use </a:t>
-            </a:r>
-            <a:r>
-              <a:rPr lang="en-US" b="0" dirty="0" smtClean="0"/>
-              <a:t>the </a:t>
-            </a:r>
-            <a:r>
-              <a:rPr lang="en-US" b="0" dirty="0"/>
-              <a:t>current gyro position and where it wants to point to determine how to set the motor power.  </a:t>
-            </a:r>
-            <a:endParaRPr lang="en-US" b="0" dirty="0" smtClean="0"/>
-          </a:p>
-          <a:p>
-            <a:pPr marL="342900" indent="-342900">
-              <a:buFont typeface="Arial"/>
-              <a:buChar char="•"/>
-            </a:pPr>
-            <a:r>
-              <a:rPr lang="en-US" b="0" dirty="0" smtClean="0"/>
-              <a:t>Note from Construction Mavericks: It's </a:t>
-            </a:r>
-            <a:r>
-              <a:rPr lang="en-US" b="0" dirty="0"/>
-              <a:t>not perfect, but we have had much better success with these blocks than the </a:t>
-            </a:r>
-            <a:r>
-              <a:rPr lang="en-US" b="0" dirty="0" smtClean="0"/>
-              <a:t>overshoot</a:t>
-            </a:r>
-            <a:r>
-              <a:rPr lang="en-US" b="0" dirty="0"/>
-              <a:t>-corrected ones.  </a:t>
-            </a:r>
-            <a:endParaRPr lang="en-US" b="0" dirty="0" smtClean="0"/>
-          </a:p>
-          <a:p>
-            <a:pPr marL="342900" indent="-342900">
-              <a:buFont typeface="Arial"/>
-              <a:buChar char="•"/>
-            </a:pPr>
-            <a:r>
-              <a:rPr lang="en-US" b="0" dirty="0" smtClean="0"/>
-              <a:t>Tip from Construction Mavericks: Try to set </a:t>
-            </a:r>
-            <a:r>
-              <a:rPr lang="en-US" b="0" dirty="0"/>
-              <a:t>the outer loop to an infinite loop.  Once the robot settles into place, pick it up and rotate it and watch it try to get back to where it wants to be</a:t>
-            </a:r>
-            <a:r>
-              <a:rPr lang="en-US" b="0" dirty="0" smtClean="0"/>
-              <a:t>.</a:t>
-            </a:r>
-            <a:endParaRPr lang="en-US" b="0" dirty="0"/>
-          </a:p>
-        </p:txBody>
-      </p:sp>
-      <p:sp>
-        <p:nvSpPr>
-          <p:cNvPr id="4" name="Footer Placeholder 3"/>
-          <p:cNvSpPr>
-            <a:spLocks noGrp="1"/>
-          </p:cNvSpPr>
-          <p:nvPr>
-            <p:ph type="ftr" sz="quarter" idx="11"/>
-          </p:nvPr>
-        </p:nvSpPr>
-        <p:spPr/>
-        <p:txBody>
-          <a:bodyPr/>
-          <a:lstStyle/>
-          <a:p>
-            <a:r>
-              <a:rPr lang="en-US" smtClean="0"/>
-              <a:t>© 2015 EV3Lessons.com, Last edit 4/8/2015</a:t>
-            </a:r>
-            <a:endParaRPr lang="en-US" dirty="0"/>
-          </a:p>
-        </p:txBody>
-      </p:sp>
-      <p:sp>
-        <p:nvSpPr>
-          <p:cNvPr id="5" name="Slide Number Placeholder 4"/>
-          <p:cNvSpPr>
-            <a:spLocks noGrp="1"/>
-          </p:cNvSpPr>
-          <p:nvPr>
-            <p:ph type="sldNum" sz="quarter" idx="12"/>
-          </p:nvPr>
-        </p:nvSpPr>
-        <p:spPr/>
-        <p:txBody>
-          <a:bodyPr/>
-          <a:lstStyle/>
-          <a:p>
-            <a:fld id="{4382A7F7-08BF-4252-8141-63FB96055BBB}" type="slidenum">
-              <a:rPr lang="en-US" smtClean="0"/>
-              <a:t>10</a:t>
-            </a:fld>
-            <a:endParaRPr lang="en-US"/>
           </a:p>
         </p:txBody>
       </p:sp>
     </p:spTree>
     <p:extLst>
       <p:ext uri="{BB962C8B-B14F-4D97-AF65-F5344CB8AC3E}">
-        <p14:creationId xmlns:p14="http://schemas.microsoft.com/office/powerpoint/2010/main" val="3719007101"/>
+        <p14:creationId xmlns:p14="http://schemas.microsoft.com/office/powerpoint/2010/main" val="1913116357"/>
       </p:ext>
     </p:extLst>
   </p:cSld>
@@ -8544,7 +8539,7 @@
   <p:timing>
     <p:tnLst>
       <p:par>
-        <p:cTn xmlns:p14="http://schemas.microsoft.com/office/powerpoint/2010/main" id="1" dur="indefinite" restart="never" nodeType="tmRoot"/>
+        <p:cTn id="1" dur="indefinite" restart="never" nodeType="tmRoot"/>
       </p:par>
     </p:tnLst>
   </p:timing>
@@ -8579,6 +8574,10 @@
           </p:nvPr>
         </p:nvSpPr>
         <p:spPr>
+          <a:xfrm>
+            <a:off x="203210" y="152718"/>
+            <a:ext cx="8245475" cy="1371600"/>
+          </a:xfrm>
           <a:noFill/>
         </p:spPr>
         <p:txBody>
@@ -8587,7 +8586,7 @@
           <a:p>
             <a:r>
               <a:rPr lang="en-US" dirty="0" smtClean="0"/>
-              <a:t>Proportional Left Turn </a:t>
+              <a:t>Stage 4: Using the My Block</a:t>
             </a:r>
             <a:endParaRPr lang="en-US" dirty="0"/>
           </a:p>
@@ -8609,16 +8608,16 @@
           <a:lstStyle/>
           <a:p>
             <a:r>
-              <a:rPr lang="en-US" smtClean="0"/>
-              <a:t>© 2015 EV3Lessons.com, Last edit 4/8/2015</a:t>
-            </a:r>
-            <a:endParaRPr lang="en-US"/>
-          </a:p>
-        </p:txBody>
-      </p:sp>
-      <p:sp>
-        <p:nvSpPr>
-          <p:cNvPr id="5" name="Slide Number Placeholder 4"/>
+              <a:rPr lang="en-US" dirty="0" smtClean="0"/>
+              <a:t>© 2015 EV3Lessons.com, Last edit 11/10/2015</a:t>
+            </a:r>
+            <a:endParaRPr lang="en-US" dirty="0"/>
+          </a:p>
+        </p:txBody>
+      </p:sp>
+      <p:sp>
+        <p:nvSpPr>
+          <p:cNvPr id="3" name="Slide Number Placeholder 2"/>
           <p:cNvSpPr>
             <a:spLocks noGrp="1"/>
           </p:cNvSpPr>
@@ -8635,36 +8634,1049 @@
               <a:rPr lang="en-US" smtClean="0"/>
               <a:t>11</a:t>
             </a:fld>
-            <a:endParaRPr lang="en-US"/>
+            <a:endParaRPr lang="en-US" dirty="0"/>
           </a:p>
         </p:txBody>
       </p:sp>
       <p:pic>
         <p:nvPicPr>
-          <p:cNvPr id="7" name="Content Placeholder 7"/>
+          <p:cNvPr id="6" name="Picture 5" descr="Screen Clipping"/>
           <p:cNvPicPr>
-            <a:picLocks noGrp="1" noChangeAspect="1"/>
+            <a:picLocks noChangeAspect="1"/>
           </p:cNvPicPr>
-          <p:nvPr>
-            <p:ph idx="1"/>
-          </p:nvPr>
+          <p:nvPr/>
         </p:nvPicPr>
         <p:blipFill>
-          <a:blip r:embed="rId2"/>
+          <a:blip r:embed="rId2">
+            <a:extLst>
+              <a:ext uri="{28A0092B-C50C-407E-A947-70E740481C1C}">
+                <a14:useLocalDpi xmlns:a14="http://schemas.microsoft.com/office/drawing/2010/main" val="0"/>
+              </a:ext>
+            </a:extLst>
+          </a:blip>
           <a:stretch>
             <a:fillRect/>
           </a:stretch>
         </p:blipFill>
         <p:spPr>
           <a:xfrm>
-            <a:off x="431321" y="1921222"/>
-            <a:ext cx="8426929" cy="4698372"/>
+            <a:off x="199698" y="1858793"/>
+            <a:ext cx="8808946" cy="3581028"/>
           </a:xfrm>
           <a:prstGeom prst="rect">
             <a:avLst/>
           </a:prstGeom>
         </p:spPr>
       </p:pic>
+    </p:spTree>
+    <p:extLst>
+      <p:ext uri="{BB962C8B-B14F-4D97-AF65-F5344CB8AC3E}">
+        <p14:creationId xmlns:p14="http://schemas.microsoft.com/office/powerpoint/2010/main" val="921220472"/>
+      </p:ext>
+    </p:extLst>
+  </p:cSld>
+  <p:clrMapOvr>
+    <a:masterClrMapping/>
+  </p:clrMapOvr>
+  <p:timing>
+    <p:tnLst>
+      <p:par>
+        <p:cTn id="1" dur="indefinite" restart="never" nodeType="tmRoot"/>
+      </p:par>
+    </p:tnLst>
+  </p:timing>
+</p:sld>
+</file>
+
+<file path=ppt/slides/slide12.xml><?xml version="1.0" encoding="utf-8"?>
+<p:sld xmlns:a="http://schemas.openxmlformats.org/drawingml/2006/main" xmlns:r="http://schemas.openxmlformats.org/officeDocument/2006/relationships" xmlns:p="http://schemas.openxmlformats.org/presentationml/2006/main">
+  <p:cSld>
+    <p:spTree>
+      <p:nvGrpSpPr>
+        <p:cNvPr id="1" name=""/>
+        <p:cNvGrpSpPr/>
+        <p:nvPr/>
+      </p:nvGrpSpPr>
+      <p:grpSpPr>
+        <a:xfrm>
+          <a:off x="0" y="0"/>
+          <a:ext cx="0" cy="0"/>
+          <a:chOff x="0" y="0"/>
+          <a:chExt cx="0" cy="0"/>
+        </a:xfrm>
+      </p:grpSpPr>
+      <p:sp>
+        <p:nvSpPr>
+          <p:cNvPr id="2" name="Title 1"/>
+          <p:cNvSpPr>
+            <a:spLocks noGrp="1"/>
+          </p:cNvSpPr>
+          <p:nvPr>
+            <p:ph type="title"/>
+          </p:nvPr>
+        </p:nvSpPr>
+        <p:spPr>
+          <a:xfrm>
+            <a:off x="26423" y="363732"/>
+            <a:ext cx="8798271" cy="1371600"/>
+          </a:xfrm>
+          <a:noFill/>
+        </p:spPr>
+        <p:txBody>
+          <a:bodyPr>
+            <a:normAutofit/>
+          </a:bodyPr>
+          <a:lstStyle/>
+          <a:p>
+            <a:r>
+              <a:rPr lang="en-US" dirty="0" smtClean="0"/>
+              <a:t>Step 4: Turn Degrees Right</a:t>
+            </a:r>
+            <a:endParaRPr lang="en-US" dirty="0"/>
+          </a:p>
+        </p:txBody>
+      </p:sp>
+      <p:sp>
+        <p:nvSpPr>
+          <p:cNvPr id="4" name="Footer Placeholder 3"/>
+          <p:cNvSpPr>
+            <a:spLocks noGrp="1"/>
+          </p:cNvSpPr>
+          <p:nvPr>
+            <p:ph type="ftr" sz="quarter" idx="11"/>
+          </p:nvPr>
+        </p:nvSpPr>
+        <p:spPr/>
+        <p:txBody>
+          <a:bodyPr/>
+          <a:lstStyle/>
+          <a:p>
+            <a:r>
+              <a:rPr lang="en-US" dirty="0" smtClean="0"/>
+              <a:t>© 2015 EV3Lessons.com, Last edit 11/10/2015</a:t>
+            </a:r>
+            <a:endParaRPr lang="en-US" dirty="0"/>
+          </a:p>
+        </p:txBody>
+      </p:sp>
+      <p:sp>
+        <p:nvSpPr>
+          <p:cNvPr id="3" name="Slide Number Placeholder 2"/>
+          <p:cNvSpPr>
+            <a:spLocks noGrp="1"/>
+          </p:cNvSpPr>
+          <p:nvPr>
+            <p:ph type="sldNum" sz="quarter" idx="12"/>
+          </p:nvPr>
+        </p:nvSpPr>
+        <p:spPr/>
+        <p:txBody>
+          <a:bodyPr/>
+          <a:lstStyle/>
+          <a:p>
+            <a:fld id="{4382A7F7-08BF-4252-8141-63FB96055BBB}" type="slidenum">
+              <a:rPr lang="en-US" smtClean="0"/>
+              <a:t>12</a:t>
+            </a:fld>
+            <a:endParaRPr lang="en-US" dirty="0"/>
+          </a:p>
+        </p:txBody>
+      </p:sp>
+      <p:pic>
+        <p:nvPicPr>
+          <p:cNvPr id="5" name="Picture 4" descr="Screen Clipping"/>
+          <p:cNvPicPr>
+            <a:picLocks noChangeAspect="1"/>
+          </p:cNvPicPr>
+          <p:nvPr/>
+        </p:nvPicPr>
+        <p:blipFill>
+          <a:blip r:embed="rId2">
+            <a:extLst>
+              <a:ext uri="{28A0092B-C50C-407E-A947-70E740481C1C}">
+                <a14:useLocalDpi xmlns:a14="http://schemas.microsoft.com/office/drawing/2010/main" val="0"/>
+              </a:ext>
+            </a:extLst>
+          </a:blip>
+          <a:stretch>
+            <a:fillRect/>
+          </a:stretch>
+        </p:blipFill>
+        <p:spPr>
+          <a:xfrm>
+            <a:off x="40937" y="2325055"/>
+            <a:ext cx="8986586" cy="2029229"/>
+          </a:xfrm>
+          <a:prstGeom prst="rect">
+            <a:avLst/>
+          </a:prstGeom>
+        </p:spPr>
+      </p:pic>
+    </p:spTree>
+    <p:extLst>
+      <p:ext uri="{BB962C8B-B14F-4D97-AF65-F5344CB8AC3E}">
+        <p14:creationId xmlns:p14="http://schemas.microsoft.com/office/powerpoint/2010/main" val="10254334"/>
+      </p:ext>
+    </p:extLst>
+  </p:cSld>
+  <p:clrMapOvr>
+    <a:masterClrMapping/>
+  </p:clrMapOvr>
+  <p:timing>
+    <p:tnLst>
+      <p:par>
+        <p:cTn id="1" dur="indefinite" restart="never" nodeType="tmRoot"/>
+      </p:par>
+    </p:tnLst>
+  </p:timing>
+</p:sld>
+</file>
+
+<file path=ppt/slides/slide13.xml><?xml version="1.0" encoding="utf-8"?>
+<p:sld xmlns:a="http://schemas.openxmlformats.org/drawingml/2006/main" xmlns:r="http://schemas.openxmlformats.org/officeDocument/2006/relationships" xmlns:p="http://schemas.openxmlformats.org/presentationml/2006/main">
+  <p:cSld>
+    <p:spTree>
+      <p:nvGrpSpPr>
+        <p:cNvPr id="1" name=""/>
+        <p:cNvGrpSpPr/>
+        <p:nvPr/>
+      </p:nvGrpSpPr>
+      <p:grpSpPr>
+        <a:xfrm>
+          <a:off x="0" y="0"/>
+          <a:ext cx="0" cy="0"/>
+          <a:chOff x="0" y="0"/>
+          <a:chExt cx="0" cy="0"/>
+        </a:xfrm>
+      </p:grpSpPr>
+      <p:sp>
+        <p:nvSpPr>
+          <p:cNvPr id="2" name="Title 1"/>
+          <p:cNvSpPr>
+            <a:spLocks noGrp="1"/>
+          </p:cNvSpPr>
+          <p:nvPr>
+            <p:ph type="title"/>
+          </p:nvPr>
+        </p:nvSpPr>
+        <p:spPr>
+          <a:xfrm>
+            <a:off x="105313" y="340286"/>
+            <a:ext cx="8742029" cy="1371600"/>
+          </a:xfrm>
+          <a:noFill/>
+        </p:spPr>
+        <p:txBody>
+          <a:bodyPr>
+            <a:normAutofit/>
+          </a:bodyPr>
+          <a:lstStyle/>
+          <a:p>
+            <a:r>
+              <a:rPr lang="en-US" dirty="0" smtClean="0"/>
+              <a:t>Step 4: Turn Degrees Left</a:t>
+            </a:r>
+            <a:endParaRPr lang="en-US" dirty="0"/>
+          </a:p>
+        </p:txBody>
+      </p:sp>
+      <p:sp>
+        <p:nvSpPr>
+          <p:cNvPr id="4" name="Footer Placeholder 3"/>
+          <p:cNvSpPr>
+            <a:spLocks noGrp="1"/>
+          </p:cNvSpPr>
+          <p:nvPr>
+            <p:ph type="ftr" sz="quarter" idx="11"/>
+          </p:nvPr>
+        </p:nvSpPr>
+        <p:spPr/>
+        <p:txBody>
+          <a:bodyPr/>
+          <a:lstStyle/>
+          <a:p>
+            <a:r>
+              <a:rPr lang="en-US" dirty="0" smtClean="0"/>
+              <a:t>© 2015 EV3Lessons.com, Last edit 11/10/2015</a:t>
+            </a:r>
+            <a:endParaRPr lang="en-US" dirty="0"/>
+          </a:p>
+        </p:txBody>
+      </p:sp>
+      <p:sp>
+        <p:nvSpPr>
+          <p:cNvPr id="3" name="Slide Number Placeholder 2"/>
+          <p:cNvSpPr>
+            <a:spLocks noGrp="1"/>
+          </p:cNvSpPr>
+          <p:nvPr>
+            <p:ph type="sldNum" sz="quarter" idx="12"/>
+          </p:nvPr>
+        </p:nvSpPr>
+        <p:spPr/>
+        <p:txBody>
+          <a:bodyPr/>
+          <a:lstStyle/>
+          <a:p>
+            <a:fld id="{4382A7F7-08BF-4252-8141-63FB96055BBB}" type="slidenum">
+              <a:rPr lang="en-US" smtClean="0"/>
+              <a:t>13</a:t>
+            </a:fld>
+            <a:endParaRPr lang="en-US" dirty="0"/>
+          </a:p>
+        </p:txBody>
+      </p:sp>
+      <p:pic>
+        <p:nvPicPr>
+          <p:cNvPr id="5" name="Picture 4" descr="Screen Clipping"/>
+          <p:cNvPicPr>
+            <a:picLocks noChangeAspect="1"/>
+          </p:cNvPicPr>
+          <p:nvPr/>
+        </p:nvPicPr>
+        <p:blipFill>
+          <a:blip r:embed="rId2">
+            <a:extLst>
+              <a:ext uri="{28A0092B-C50C-407E-A947-70E740481C1C}">
+                <a14:useLocalDpi xmlns:a14="http://schemas.microsoft.com/office/drawing/2010/main" val="0"/>
+              </a:ext>
+            </a:extLst>
+          </a:blip>
+          <a:stretch>
+            <a:fillRect/>
+          </a:stretch>
+        </p:blipFill>
+        <p:spPr>
+          <a:xfrm>
+            <a:off x="199698" y="1884825"/>
+            <a:ext cx="8817788" cy="2440432"/>
+          </a:xfrm>
+          <a:prstGeom prst="rect">
+            <a:avLst/>
+          </a:prstGeom>
+        </p:spPr>
+      </p:pic>
+    </p:spTree>
+    <p:extLst>
+      <p:ext uri="{BB962C8B-B14F-4D97-AF65-F5344CB8AC3E}">
+        <p14:creationId xmlns:p14="http://schemas.microsoft.com/office/powerpoint/2010/main" val="1748496806"/>
+      </p:ext>
+    </p:extLst>
+  </p:cSld>
+  <p:clrMapOvr>
+    <a:masterClrMapping/>
+  </p:clrMapOvr>
+  <p:timing>
+    <p:tnLst>
+      <p:par>
+        <p:cTn id="1" dur="indefinite" restart="never" nodeType="tmRoot"/>
+      </p:par>
+    </p:tnLst>
+  </p:timing>
+</p:sld>
+</file>
+
+<file path=ppt/slides/slide14.xml><?xml version="1.0" encoding="utf-8"?>
+<p:sld xmlns:a="http://schemas.openxmlformats.org/drawingml/2006/main" xmlns:r="http://schemas.openxmlformats.org/officeDocument/2006/relationships" xmlns:p="http://schemas.openxmlformats.org/presentationml/2006/main">
+  <p:cSld>
+    <p:spTree>
+      <p:nvGrpSpPr>
+        <p:cNvPr id="1" name=""/>
+        <p:cNvGrpSpPr/>
+        <p:nvPr/>
+      </p:nvGrpSpPr>
+      <p:grpSpPr>
+        <a:xfrm>
+          <a:off x="0" y="0"/>
+          <a:ext cx="0" cy="0"/>
+          <a:chOff x="0" y="0"/>
+          <a:chExt cx="0" cy="0"/>
+        </a:xfrm>
+      </p:grpSpPr>
+      <p:sp>
+        <p:nvSpPr>
+          <p:cNvPr id="2" name="Title 1"/>
+          <p:cNvSpPr>
+            <a:spLocks noGrp="1"/>
+          </p:cNvSpPr>
+          <p:nvPr>
+            <p:ph type="title"/>
+          </p:nvPr>
+        </p:nvSpPr>
+        <p:spPr>
+          <a:noFill/>
+        </p:spPr>
+        <p:txBody>
+          <a:bodyPr>
+            <a:normAutofit fontScale="90000"/>
+          </a:bodyPr>
+          <a:lstStyle/>
+          <a:p>
+            <a:r>
+              <a:rPr lang="en-US" dirty="0" smtClean="0"/>
+              <a:t>Proportional Gyro Turns</a:t>
+            </a:r>
+            <a:br>
+              <a:rPr lang="en-US" dirty="0" smtClean="0"/>
+            </a:br>
+            <a:r>
+              <a:rPr lang="en-US" sz="3100" dirty="0" smtClean="0"/>
+              <a:t>by The Construction Mavericks</a:t>
+            </a:r>
+            <a:endParaRPr lang="en-US" dirty="0"/>
+          </a:p>
+        </p:txBody>
+      </p:sp>
+      <p:sp>
+        <p:nvSpPr>
+          <p:cNvPr id="3" name="Content Placeholder 2"/>
+          <p:cNvSpPr>
+            <a:spLocks noGrp="1"/>
+          </p:cNvSpPr>
+          <p:nvPr>
+            <p:ph idx="1"/>
+          </p:nvPr>
+        </p:nvSpPr>
+        <p:spPr>
+          <a:xfrm>
+            <a:off x="284162" y="1887025"/>
+            <a:ext cx="8574087" cy="4373563"/>
+          </a:xfrm>
+        </p:spPr>
+        <p:txBody>
+          <a:bodyPr>
+            <a:normAutofit fontScale="85000" lnSpcReduction="10000"/>
+          </a:bodyPr>
+          <a:lstStyle/>
+          <a:p>
+            <a:pPr marL="342900" indent="-342900">
+              <a:buFont typeface="Arial"/>
+              <a:buChar char="•"/>
+            </a:pPr>
+            <a:r>
+              <a:rPr lang="en-US" b="0" dirty="0" smtClean="0"/>
+              <a:t>The </a:t>
+            </a:r>
+            <a:r>
+              <a:rPr lang="en-US" dirty="0" smtClean="0"/>
+              <a:t>remainder of this lesson is a contribution by The Construction Mavericks.</a:t>
+            </a:r>
+          </a:p>
+          <a:p>
+            <a:pPr marL="342900" indent="-342900">
+              <a:buFont typeface="Arial"/>
+              <a:buChar char="•"/>
+            </a:pPr>
+            <a:r>
+              <a:rPr lang="en-US" b="0" dirty="0" smtClean="0"/>
+              <a:t>This </a:t>
+            </a:r>
+            <a:r>
+              <a:rPr lang="en-US" b="0" dirty="0" smtClean="0"/>
+              <a:t>method improves over the simple overshoot correction mechanism from earlier by using proportional control</a:t>
+            </a:r>
+          </a:p>
+          <a:p>
+            <a:pPr marL="803275" lvl="1" indent="-342900">
+              <a:buFont typeface="Arial"/>
+              <a:buChar char="•"/>
+            </a:pPr>
+            <a:r>
+              <a:rPr lang="en-US" dirty="0" smtClean="0"/>
+              <a:t>If you are unfamiliar with proportional control, please see the advanced lesson on proportional control before continuing.</a:t>
+            </a:r>
+            <a:endParaRPr lang="en-US" dirty="0"/>
+          </a:p>
+          <a:p>
+            <a:pPr marL="803275" lvl="1" indent="-342900">
+              <a:buFont typeface="Arial"/>
+              <a:buChar char="•"/>
+            </a:pPr>
+            <a:r>
+              <a:rPr lang="en-US" dirty="0" smtClean="0"/>
+              <a:t>The basic idea is to use </a:t>
+            </a:r>
+            <a:r>
+              <a:rPr lang="en-US" b="0" dirty="0" smtClean="0"/>
+              <a:t>the </a:t>
+            </a:r>
+            <a:r>
+              <a:rPr lang="en-US" b="0" dirty="0"/>
+              <a:t>current gyro position and where it wants to point to determine how to set the motor power.  </a:t>
+            </a:r>
+            <a:endParaRPr lang="en-US" b="0" dirty="0" smtClean="0"/>
+          </a:p>
+          <a:p>
+            <a:pPr marL="342900" indent="-342900">
+              <a:buFont typeface="Arial"/>
+              <a:buChar char="•"/>
+            </a:pPr>
+            <a:r>
+              <a:rPr lang="en-US" b="0" dirty="0" smtClean="0"/>
+              <a:t>Note from Construction Mavericks: It's </a:t>
+            </a:r>
+            <a:r>
+              <a:rPr lang="en-US" b="0" dirty="0"/>
+              <a:t>not perfect, but we have had much better success with these blocks than the </a:t>
+            </a:r>
+            <a:r>
+              <a:rPr lang="en-US" b="0" dirty="0" smtClean="0"/>
+              <a:t>overshoot</a:t>
+            </a:r>
+            <a:r>
+              <a:rPr lang="en-US" b="0" dirty="0"/>
+              <a:t>-corrected ones.  </a:t>
+            </a:r>
+            <a:endParaRPr lang="en-US" b="0" dirty="0" smtClean="0"/>
+          </a:p>
+          <a:p>
+            <a:pPr marL="342900" indent="-342900">
+              <a:buFont typeface="Arial"/>
+              <a:buChar char="•"/>
+            </a:pPr>
+            <a:r>
+              <a:rPr lang="en-US" b="0" dirty="0" smtClean="0"/>
+              <a:t>Tip from Construction Mavericks: Try to set </a:t>
+            </a:r>
+            <a:r>
+              <a:rPr lang="en-US" b="0" dirty="0"/>
+              <a:t>the outer loop to an infinite loop.  Once the robot settles into place, pick it up and rotate it and watch it try to get back to where it wants to be</a:t>
+            </a:r>
+            <a:r>
+              <a:rPr lang="en-US" b="0" dirty="0" smtClean="0"/>
+              <a:t>.</a:t>
+            </a:r>
+            <a:endParaRPr lang="en-US" b="0" dirty="0"/>
+          </a:p>
+        </p:txBody>
+      </p:sp>
+      <p:sp>
+        <p:nvSpPr>
+          <p:cNvPr id="4" name="Footer Placeholder 3"/>
+          <p:cNvSpPr>
+            <a:spLocks noGrp="1"/>
+          </p:cNvSpPr>
+          <p:nvPr>
+            <p:ph type="ftr" sz="quarter" idx="11"/>
+          </p:nvPr>
+        </p:nvSpPr>
+        <p:spPr/>
+        <p:txBody>
+          <a:bodyPr/>
+          <a:lstStyle/>
+          <a:p>
+            <a:r>
+              <a:rPr lang="en-US" dirty="0" smtClean="0"/>
+              <a:t>© 2015 EV3Lessons.com, Last edit 11/10/2015</a:t>
+            </a:r>
+            <a:endParaRPr lang="en-US" dirty="0"/>
+          </a:p>
+        </p:txBody>
+      </p:sp>
+      <p:sp>
+        <p:nvSpPr>
+          <p:cNvPr id="5" name="Slide Number Placeholder 4"/>
+          <p:cNvSpPr>
+            <a:spLocks noGrp="1"/>
+          </p:cNvSpPr>
+          <p:nvPr>
+            <p:ph type="sldNum" sz="quarter" idx="12"/>
+          </p:nvPr>
+        </p:nvSpPr>
+        <p:spPr/>
+        <p:txBody>
+          <a:bodyPr/>
+          <a:lstStyle/>
+          <a:p>
+            <a:fld id="{4382A7F7-08BF-4252-8141-63FB96055BBB}" type="slidenum">
+              <a:rPr lang="en-US" smtClean="0"/>
+              <a:t>14</a:t>
+            </a:fld>
+            <a:endParaRPr lang="en-US" dirty="0"/>
+          </a:p>
+        </p:txBody>
+      </p:sp>
+    </p:spTree>
+    <p:extLst>
+      <p:ext uri="{BB962C8B-B14F-4D97-AF65-F5344CB8AC3E}">
+        <p14:creationId xmlns:p14="http://schemas.microsoft.com/office/powerpoint/2010/main" val="3719007101"/>
+      </p:ext>
+    </p:extLst>
+  </p:cSld>
+  <p:clrMapOvr>
+    <a:masterClrMapping/>
+  </p:clrMapOvr>
+  <p:timing>
+    <p:tnLst>
+      <p:par>
+        <p:cTn id="1" dur="indefinite" restart="never" nodeType="tmRoot"/>
+      </p:par>
+    </p:tnLst>
+  </p:timing>
+</p:sld>
+</file>
+
+<file path=ppt/slides/slide15.xml><?xml version="1.0" encoding="utf-8"?>
+<p:sld xmlns:a="http://schemas.openxmlformats.org/drawingml/2006/main" xmlns:r="http://schemas.openxmlformats.org/officeDocument/2006/relationships" xmlns:p="http://schemas.openxmlformats.org/presentationml/2006/main">
+  <p:cSld>
+    <p:spTree>
+      <p:nvGrpSpPr>
+        <p:cNvPr id="1" name=""/>
+        <p:cNvGrpSpPr/>
+        <p:nvPr/>
+      </p:nvGrpSpPr>
+      <p:grpSpPr>
+        <a:xfrm>
+          <a:off x="0" y="0"/>
+          <a:ext cx="0" cy="0"/>
+          <a:chOff x="0" y="0"/>
+          <a:chExt cx="0" cy="0"/>
+        </a:xfrm>
+      </p:grpSpPr>
+      <p:sp>
+        <p:nvSpPr>
+          <p:cNvPr id="2" name="Title 1"/>
+          <p:cNvSpPr>
+            <a:spLocks noGrp="1"/>
+          </p:cNvSpPr>
+          <p:nvPr>
+            <p:ph type="title"/>
+          </p:nvPr>
+        </p:nvSpPr>
+        <p:spPr/>
+        <p:txBody>
+          <a:bodyPr/>
+          <a:lstStyle/>
+          <a:p>
+            <a:r>
+              <a:rPr lang="en-US" dirty="0" smtClean="0"/>
+              <a:t>Sample: Proportional Gyro Right Turn</a:t>
+            </a:r>
+            <a:endParaRPr lang="en-US" dirty="0"/>
+          </a:p>
+        </p:txBody>
+      </p:sp>
+      <p:sp>
+        <p:nvSpPr>
+          <p:cNvPr id="3" name="Content Placeholder 2"/>
+          <p:cNvSpPr>
+            <a:spLocks noGrp="1"/>
+          </p:cNvSpPr>
+          <p:nvPr>
+            <p:ph idx="1"/>
+          </p:nvPr>
+        </p:nvSpPr>
+        <p:spPr>
+          <a:xfrm>
+            <a:off x="284163" y="1818870"/>
+            <a:ext cx="8395379" cy="4307294"/>
+          </a:xfrm>
+        </p:spPr>
+        <p:txBody>
+          <a:bodyPr>
+            <a:normAutofit/>
+          </a:bodyPr>
+          <a:lstStyle/>
+          <a:p>
+            <a:pPr marL="457200" indent="-457200">
+              <a:buAutoNum type="arabicParenR"/>
+            </a:pPr>
+            <a:r>
+              <a:rPr lang="en-US" dirty="0"/>
+              <a:t>R</a:t>
+            </a:r>
+            <a:r>
+              <a:rPr lang="en-US" dirty="0" smtClean="0"/>
+              <a:t>ead </a:t>
+            </a:r>
+            <a:r>
+              <a:rPr lang="en-US" dirty="0"/>
+              <a:t>the gyro </a:t>
+            </a:r>
+            <a:r>
+              <a:rPr lang="en-US" dirty="0" smtClean="0"/>
+              <a:t>value</a:t>
+            </a:r>
+          </a:p>
+          <a:p>
+            <a:pPr marL="457200" indent="-457200">
+              <a:buAutoNum type="arabicParenR"/>
+            </a:pPr>
+            <a:r>
+              <a:rPr lang="en-US" dirty="0" smtClean="0"/>
+              <a:t>Compute Error: Subtract </a:t>
+            </a:r>
+            <a:r>
+              <a:rPr lang="en-US" dirty="0"/>
+              <a:t>the gyro value from </a:t>
+            </a:r>
+            <a:r>
+              <a:rPr lang="en-US" dirty="0" smtClean="0"/>
+              <a:t>the target amount of degrees to turn. </a:t>
+            </a:r>
+            <a:r>
+              <a:rPr lang="en-US" dirty="0"/>
+              <a:t>Use scaling </a:t>
+            </a:r>
+            <a:r>
+              <a:rPr lang="en-US" dirty="0" smtClean="0"/>
+              <a:t>(multiply to tweak how much to adjust the power) if </a:t>
+            </a:r>
+            <a:r>
+              <a:rPr lang="en-US" dirty="0"/>
+              <a:t>necessary</a:t>
+            </a:r>
+            <a:r>
+              <a:rPr lang="en-US" dirty="0" smtClean="0"/>
+              <a:t>.</a:t>
+            </a:r>
+          </a:p>
+          <a:p>
+            <a:pPr marL="457200" indent="-457200">
+              <a:buAutoNum type="arabicParenR"/>
+            </a:pPr>
+            <a:r>
+              <a:rPr lang="en-US" dirty="0" smtClean="0"/>
+              <a:t>Apply Correction: Use data wires to wire </a:t>
+            </a:r>
+            <a:r>
+              <a:rPr lang="en-US" dirty="0"/>
+              <a:t>the result </a:t>
+            </a:r>
+            <a:r>
+              <a:rPr lang="en-US" dirty="0" smtClean="0"/>
+              <a:t>from the previous step to </a:t>
+            </a:r>
+            <a:r>
+              <a:rPr lang="en-US" dirty="0"/>
+              <a:t>the M</a:t>
+            </a:r>
+            <a:r>
+              <a:rPr lang="en-US" dirty="0" smtClean="0"/>
+              <a:t>ove </a:t>
+            </a:r>
+            <a:r>
+              <a:rPr lang="en-US" dirty="0"/>
+              <a:t>S</a:t>
+            </a:r>
+            <a:r>
+              <a:rPr lang="en-US" dirty="0" smtClean="0"/>
+              <a:t>teering block’s power input, with steering 50</a:t>
+            </a:r>
+          </a:p>
+          <a:p>
+            <a:pPr marL="457200" indent="-457200">
+              <a:buAutoNum type="arabicParenR"/>
+            </a:pPr>
+            <a:r>
+              <a:rPr lang="en-US" dirty="0"/>
+              <a:t> Repeat for the specified duration</a:t>
+            </a:r>
+            <a:endParaRPr lang="en-US" dirty="0"/>
+          </a:p>
+        </p:txBody>
+      </p:sp>
+      <p:sp>
+        <p:nvSpPr>
+          <p:cNvPr id="4" name="Footer Placeholder 3"/>
+          <p:cNvSpPr>
+            <a:spLocks noGrp="1"/>
+          </p:cNvSpPr>
+          <p:nvPr>
+            <p:ph type="ftr" sz="quarter" idx="11"/>
+          </p:nvPr>
+        </p:nvSpPr>
+        <p:spPr/>
+        <p:txBody>
+          <a:bodyPr/>
+          <a:lstStyle/>
+          <a:p>
+            <a:r>
+              <a:rPr lang="en-US" dirty="0" smtClean="0"/>
+              <a:t>© 2015 EV3Lessons.com, Last edit 11/10/2015</a:t>
+            </a:r>
+            <a:endParaRPr lang="en-US" dirty="0"/>
+          </a:p>
+        </p:txBody>
+      </p:sp>
+      <p:sp>
+        <p:nvSpPr>
+          <p:cNvPr id="5" name="Slide Number Placeholder 4"/>
+          <p:cNvSpPr>
+            <a:spLocks noGrp="1"/>
+          </p:cNvSpPr>
+          <p:nvPr>
+            <p:ph type="sldNum" sz="quarter" idx="12"/>
+          </p:nvPr>
+        </p:nvSpPr>
+        <p:spPr/>
+        <p:txBody>
+          <a:bodyPr/>
+          <a:lstStyle/>
+          <a:p>
+            <a:fld id="{4382A7F7-08BF-4252-8141-63FB96055BBB}" type="slidenum">
+              <a:rPr lang="en-US" smtClean="0"/>
+              <a:t>15</a:t>
+            </a:fld>
+            <a:endParaRPr lang="en-US" dirty="0"/>
+          </a:p>
+        </p:txBody>
+      </p:sp>
+    </p:spTree>
+    <p:extLst>
+      <p:ext uri="{BB962C8B-B14F-4D97-AF65-F5344CB8AC3E}">
+        <p14:creationId xmlns:p14="http://schemas.microsoft.com/office/powerpoint/2010/main" val="1567009795"/>
+      </p:ext>
+    </p:extLst>
+  </p:cSld>
+  <p:clrMapOvr>
+    <a:masterClrMapping/>
+  </p:clrMapOvr>
+  <p:timing>
+    <p:tnLst>
+      <p:par>
+        <p:cTn id="1" dur="indefinite" restart="never" nodeType="tmRoot"/>
+      </p:par>
+    </p:tnLst>
+  </p:timing>
+</p:sld>
+</file>
+
+<file path=ppt/slides/slide16.xml><?xml version="1.0" encoding="utf-8"?>
+<p:sld xmlns:a="http://schemas.openxmlformats.org/drawingml/2006/main" xmlns:r="http://schemas.openxmlformats.org/officeDocument/2006/relationships" xmlns:p="http://schemas.openxmlformats.org/presentationml/2006/main">
+  <p:cSld>
+    <p:spTree>
+      <p:nvGrpSpPr>
+        <p:cNvPr id="1" name=""/>
+        <p:cNvGrpSpPr/>
+        <p:nvPr/>
+      </p:nvGrpSpPr>
+      <p:grpSpPr>
+        <a:xfrm>
+          <a:off x="0" y="0"/>
+          <a:ext cx="0" cy="0"/>
+          <a:chOff x="0" y="0"/>
+          <a:chExt cx="0" cy="0"/>
+        </a:xfrm>
+      </p:grpSpPr>
+      <p:sp>
+        <p:nvSpPr>
+          <p:cNvPr id="2" name="Title 1"/>
+          <p:cNvSpPr>
+            <a:spLocks noGrp="1"/>
+          </p:cNvSpPr>
+          <p:nvPr>
+            <p:ph type="title"/>
+          </p:nvPr>
+        </p:nvSpPr>
+        <p:spPr>
+          <a:noFill/>
+        </p:spPr>
+        <p:txBody>
+          <a:bodyPr/>
+          <a:lstStyle/>
+          <a:p>
+            <a:r>
+              <a:rPr lang="en-US" dirty="0"/>
+              <a:t> Proportional Right </a:t>
+            </a:r>
+            <a:r>
+              <a:rPr lang="en-US" dirty="0" smtClean="0"/>
+              <a:t>Turn</a:t>
+            </a:r>
+            <a:endParaRPr lang="en-US" dirty="0"/>
+          </a:p>
+        </p:txBody>
+      </p:sp>
+      <p:sp>
+        <p:nvSpPr>
+          <p:cNvPr id="4" name="Footer Placeholder 3"/>
+          <p:cNvSpPr>
+            <a:spLocks noGrp="1"/>
+          </p:cNvSpPr>
+          <p:nvPr>
+            <p:ph type="ftr" sz="quarter" idx="11"/>
+          </p:nvPr>
+        </p:nvSpPr>
+        <p:spPr/>
+        <p:txBody>
+          <a:bodyPr/>
+          <a:lstStyle/>
+          <a:p>
+            <a:r>
+              <a:rPr lang="en-US" dirty="0" smtClean="0"/>
+              <a:t>© 2015 EV3Lessons.com, Last edit 11/10/2015</a:t>
+            </a:r>
+            <a:endParaRPr lang="en-US" dirty="0"/>
+          </a:p>
+        </p:txBody>
+      </p:sp>
+      <p:sp>
+        <p:nvSpPr>
+          <p:cNvPr id="3" name="Slide Number Placeholder 2"/>
+          <p:cNvSpPr>
+            <a:spLocks noGrp="1"/>
+          </p:cNvSpPr>
+          <p:nvPr>
+            <p:ph type="sldNum" sz="quarter" idx="12"/>
+          </p:nvPr>
+        </p:nvSpPr>
+        <p:spPr/>
+        <p:txBody>
+          <a:bodyPr/>
+          <a:lstStyle/>
+          <a:p>
+            <a:fld id="{4382A7F7-08BF-4252-8141-63FB96055BBB}" type="slidenum">
+              <a:rPr lang="en-US" smtClean="0"/>
+              <a:t>16</a:t>
+            </a:fld>
+            <a:endParaRPr lang="en-US" dirty="0"/>
+          </a:p>
+        </p:txBody>
+      </p:sp>
+      <p:pic>
+        <p:nvPicPr>
+          <p:cNvPr id="9" name="Content Placeholder 8" descr="Screen Clipping"/>
+          <p:cNvPicPr>
+            <a:picLocks noGrp="1" noChangeAspect="1"/>
+          </p:cNvPicPr>
+          <p:nvPr>
+            <p:ph idx="1"/>
+          </p:nvPr>
+        </p:nvPicPr>
+        <p:blipFill>
+          <a:blip r:embed="rId2" cstate="email">
+            <a:extLst>
+              <a:ext uri="{28A0092B-C50C-407E-A947-70E740481C1C}">
+                <a14:useLocalDpi xmlns:a14="http://schemas.microsoft.com/office/drawing/2010/main" val="0"/>
+              </a:ext>
+            </a:extLst>
+          </a:blip>
+          <a:stretch>
+            <a:fillRect/>
+          </a:stretch>
+        </p:blipFill>
+        <p:spPr>
+          <a:xfrm>
+            <a:off x="284163" y="2077451"/>
+            <a:ext cx="8574087" cy="3790536"/>
+          </a:xfrm>
+        </p:spPr>
+      </p:pic>
+    </p:spTree>
+    <p:extLst>
+      <p:ext uri="{BB962C8B-B14F-4D97-AF65-F5344CB8AC3E}">
+        <p14:creationId xmlns:p14="http://schemas.microsoft.com/office/powerpoint/2010/main" val="3367053584"/>
+      </p:ext>
+    </p:extLst>
+  </p:cSld>
+  <p:clrMapOvr>
+    <a:masterClrMapping/>
+  </p:clrMapOvr>
+  <p:timing>
+    <p:tnLst>
+      <p:par>
+        <p:cTn id="1" dur="indefinite" restart="never" nodeType="tmRoot"/>
+      </p:par>
+    </p:tnLst>
+  </p:timing>
+</p:sld>
+</file>
+
+<file path=ppt/slides/slide17.xml><?xml version="1.0" encoding="utf-8"?>
+<p:sld xmlns:a="http://schemas.openxmlformats.org/drawingml/2006/main" xmlns:r="http://schemas.openxmlformats.org/officeDocument/2006/relationships" xmlns:p="http://schemas.openxmlformats.org/presentationml/2006/main">
+  <p:cSld>
+    <p:spTree>
+      <p:nvGrpSpPr>
+        <p:cNvPr id="1" name=""/>
+        <p:cNvGrpSpPr/>
+        <p:nvPr/>
+      </p:nvGrpSpPr>
+      <p:grpSpPr>
+        <a:xfrm>
+          <a:off x="0" y="0"/>
+          <a:ext cx="0" cy="0"/>
+          <a:chOff x="0" y="0"/>
+          <a:chExt cx="0" cy="0"/>
+        </a:xfrm>
+      </p:grpSpPr>
+      <p:pic>
+        <p:nvPicPr>
+          <p:cNvPr id="8" name="Content Placeholder 7" descr="Screen Clipping"/>
+          <p:cNvPicPr>
+            <a:picLocks noGrp="1" noChangeAspect="1"/>
+          </p:cNvPicPr>
+          <p:nvPr>
+            <p:ph idx="1"/>
+          </p:nvPr>
+        </p:nvPicPr>
+        <p:blipFill>
+          <a:blip r:embed="rId2" cstate="email">
+            <a:extLst>
+              <a:ext uri="{28A0092B-C50C-407E-A947-70E740481C1C}">
+                <a14:useLocalDpi xmlns:a14="http://schemas.microsoft.com/office/drawing/2010/main" val="0"/>
+              </a:ext>
+            </a:extLst>
+          </a:blip>
+          <a:stretch>
+            <a:fillRect/>
+          </a:stretch>
+        </p:blipFill>
+        <p:spPr>
+          <a:xfrm>
+            <a:off x="284163" y="1795591"/>
+            <a:ext cx="8574087" cy="3888619"/>
+          </a:xfrm>
+        </p:spPr>
+      </p:pic>
+      <p:sp>
+        <p:nvSpPr>
+          <p:cNvPr id="2" name="Title 1"/>
+          <p:cNvSpPr>
+            <a:spLocks noGrp="1"/>
+          </p:cNvSpPr>
+          <p:nvPr>
+            <p:ph type="title"/>
+          </p:nvPr>
+        </p:nvSpPr>
+        <p:spPr>
+          <a:noFill/>
+        </p:spPr>
+        <p:txBody>
+          <a:bodyPr/>
+          <a:lstStyle/>
+          <a:p>
+            <a:r>
+              <a:rPr lang="en-US" dirty="0" smtClean="0"/>
+              <a:t>Proportional Left Turn </a:t>
+            </a:r>
+            <a:endParaRPr lang="en-US" dirty="0"/>
+          </a:p>
+        </p:txBody>
+      </p:sp>
+      <p:sp>
+        <p:nvSpPr>
+          <p:cNvPr id="5" name="Slide Number Placeholder 4"/>
+          <p:cNvSpPr>
+            <a:spLocks noGrp="1"/>
+          </p:cNvSpPr>
+          <p:nvPr>
+            <p:ph type="sldNum" sz="quarter" idx="12"/>
+          </p:nvPr>
+        </p:nvSpPr>
+        <p:spPr/>
+        <p:txBody>
+          <a:bodyPr/>
+          <a:lstStyle/>
+          <a:p>
+            <a:fld id="{4382A7F7-08BF-4252-8141-63FB96055BBB}" type="slidenum">
+              <a:rPr lang="en-US" smtClean="0"/>
+              <a:t>17</a:t>
+            </a:fld>
+            <a:endParaRPr lang="en-US" dirty="0"/>
+          </a:p>
+        </p:txBody>
+      </p:sp>
       <p:sp>
         <p:nvSpPr>
           <p:cNvPr id="6" name="Content Placeholder 2"/>
@@ -8954,6 +9966,34 @@
           </a:p>
         </p:txBody>
       </p:sp>
+      <p:sp>
+        <p:nvSpPr>
+          <p:cNvPr id="4" name="Footer Placeholder 3"/>
+          <p:cNvSpPr>
+            <a:spLocks noGrp="1"/>
+          </p:cNvSpPr>
+          <p:nvPr>
+            <p:ph type="ftr" sz="quarter" idx="11"/>
+          </p:nvPr>
+        </p:nvSpPr>
+        <p:spPr>
+          <a:xfrm>
+            <a:off x="82935" y="6734537"/>
+            <a:ext cx="6124902" cy="133216"/>
+          </a:xfrm>
+        </p:spPr>
+        <p:txBody>
+          <a:bodyPr/>
+          <a:lstStyle/>
+          <a:p>
+            <a:r>
+              <a:rPr lang="en-US" dirty="0" smtClean="0"/>
+              <a:t>© 2015 EV3Lessons.com, Last edit 11/10/2015</a:t>
+            </a:r>
+            <a:endParaRPr lang="en-US" dirty="0"/>
+          </a:p>
+        </p:txBody>
+      </p:sp>
     </p:spTree>
     <p:extLst>
       <p:ext uri="{BB962C8B-B14F-4D97-AF65-F5344CB8AC3E}">
@@ -8964,10 +10004,17 @@
   <p:clrMapOvr>
     <a:masterClrMapping/>
   </p:clrMapOvr>
+  <p:timing>
+    <p:tnLst>
+      <p:par>
+        <p:cTn id="1" dur="indefinite" restart="never" nodeType="tmRoot"/>
+      </p:par>
+    </p:tnLst>
+  </p:timing>
 </p:sld>
 </file>
 
-<file path=ppt/slides/slide12.xml><?xml version="1.0" encoding="utf-8"?>
+<file path=ppt/slides/slide18.xml><?xml version="1.0" encoding="utf-8"?>
 <p:sld xmlns:a="http://schemas.openxmlformats.org/drawingml/2006/main" xmlns:r="http://schemas.openxmlformats.org/officeDocument/2006/relationships" xmlns:p="http://schemas.openxmlformats.org/presentationml/2006/main">
   <p:cSld>
     <p:spTree>
@@ -9002,137 +10049,6 @@
           <a:lstStyle/>
           <a:p>
             <a:r>
-              <a:rPr lang="en-US" dirty="0"/>
-              <a:t> Proportional Right </a:t>
-            </a:r>
-            <a:r>
-              <a:rPr lang="en-US" dirty="0" smtClean="0"/>
-              <a:t>Turn</a:t>
-            </a:r>
-            <a:endParaRPr lang="en-US" dirty="0"/>
-          </a:p>
-        </p:txBody>
-      </p:sp>
-      <p:sp>
-        <p:nvSpPr>
-          <p:cNvPr id="4" name="Footer Placeholder 3"/>
-          <p:cNvSpPr>
-            <a:spLocks noGrp="1"/>
-          </p:cNvSpPr>
-          <p:nvPr>
-            <p:ph type="ftr" sz="quarter" idx="11"/>
-          </p:nvPr>
-        </p:nvSpPr>
-        <p:spPr/>
-        <p:txBody>
-          <a:bodyPr/>
-          <a:lstStyle/>
-          <a:p>
-            <a:r>
-              <a:rPr lang="en-US" smtClean="0"/>
-              <a:t>© 2015 EV3Lessons.com, Last edit 4/8/2015</a:t>
-            </a:r>
-            <a:endParaRPr lang="en-US"/>
-          </a:p>
-        </p:txBody>
-      </p:sp>
-      <p:sp>
-        <p:nvSpPr>
-          <p:cNvPr id="3" name="Slide Number Placeholder 2"/>
-          <p:cNvSpPr>
-            <a:spLocks noGrp="1"/>
-          </p:cNvSpPr>
-          <p:nvPr>
-            <p:ph type="sldNum" sz="quarter" idx="12"/>
-          </p:nvPr>
-        </p:nvSpPr>
-        <p:spPr/>
-        <p:txBody>
-          <a:bodyPr/>
-          <a:lstStyle/>
-          <a:p>
-            <a:fld id="{4382A7F7-08BF-4252-8141-63FB96055BBB}" type="slidenum">
-              <a:rPr lang="en-US" smtClean="0"/>
-              <a:t>12</a:t>
-            </a:fld>
-            <a:endParaRPr lang="en-US"/>
-          </a:p>
-        </p:txBody>
-      </p:sp>
-      <p:pic>
-        <p:nvPicPr>
-          <p:cNvPr id="7" name="Content Placeholder 6"/>
-          <p:cNvPicPr>
-            <a:picLocks noGrp="1" noChangeAspect="1"/>
-          </p:cNvPicPr>
-          <p:nvPr>
-            <p:ph idx="1"/>
-          </p:nvPr>
-        </p:nvPicPr>
-        <p:blipFill>
-          <a:blip r:embed="rId2"/>
-          <a:stretch>
-            <a:fillRect/>
-          </a:stretch>
-        </p:blipFill>
-        <p:spPr>
-          <a:xfrm>
-            <a:off x="302578" y="1815978"/>
-            <a:ext cx="8341090" cy="4752482"/>
-          </a:xfrm>
-          <a:prstGeom prst="rect">
-            <a:avLst/>
-          </a:prstGeom>
-        </p:spPr>
-      </p:pic>
-    </p:spTree>
-    <p:extLst>
-      <p:ext uri="{BB962C8B-B14F-4D97-AF65-F5344CB8AC3E}">
-        <p14:creationId xmlns:p14="http://schemas.microsoft.com/office/powerpoint/2010/main" val="3367053584"/>
-      </p:ext>
-    </p:extLst>
-  </p:cSld>
-  <p:clrMapOvr>
-    <a:masterClrMapping/>
-  </p:clrMapOvr>
-</p:sld>
-</file>
-
-<file path=ppt/slides/slide13.xml><?xml version="1.0" encoding="utf-8"?>
-<p:sld xmlns:a="http://schemas.openxmlformats.org/drawingml/2006/main" xmlns:r="http://schemas.openxmlformats.org/officeDocument/2006/relationships" xmlns:p="http://schemas.openxmlformats.org/presentationml/2006/main">
-  <p:cSld>
-    <p:spTree>
-      <p:nvGrpSpPr>
-        <p:cNvPr id="1" name=""/>
-        <p:cNvGrpSpPr/>
-        <p:nvPr/>
-      </p:nvGrpSpPr>
-      <p:grpSpPr>
-        <a:xfrm>
-          <a:off x="0" y="0"/>
-          <a:ext cx="0" cy="0"/>
-          <a:chOff x="0" y="0"/>
-          <a:chExt cx="0" cy="0"/>
-        </a:xfrm>
-      </p:grpSpPr>
-      <p:sp>
-        <p:nvSpPr>
-          <p:cNvPr id="2" name="Title 1"/>
-          <p:cNvSpPr>
-            <a:spLocks noGrp="1"/>
-          </p:cNvSpPr>
-          <p:nvPr>
-            <p:ph type="title"/>
-          </p:nvPr>
-        </p:nvSpPr>
-        <p:spPr>
-          <a:noFill/>
-        </p:spPr>
-        <p:txBody>
-          <a:bodyPr/>
-          <a:lstStyle/>
-          <a:p>
-            <a:r>
               <a:rPr lang="en-US" dirty="0" smtClean="0">
                 <a:latin typeface="+mn-lt"/>
               </a:rPr>
@@ -9195,15 +10111,7 @@
             </a:br>
             <a:r>
               <a:rPr lang="en-US" dirty="0" smtClean="0"/>
-              <a:t>Ans. The gyro sensor’s reading </a:t>
-            </a:r>
-            <a:r>
-              <a:rPr lang="en-US" dirty="0" smtClean="0"/>
-              <a:t>lags </a:t>
-            </a:r>
-            <a:r>
-              <a:rPr lang="en-US" dirty="0" smtClean="0"/>
-              <a:t>behind the true reading</a:t>
+              <a:t>Ans. The gyro sensor’s reading lags behind the true reading</a:t>
             </a:r>
             <a:endParaRPr lang="en-US" dirty="0"/>
           </a:p>
@@ -9275,10 +10183,10 @@
           <a:lstStyle/>
           <a:p>
             <a:r>
-              <a:rPr lang="en-US" smtClean="0"/>
-              <a:t>© 2015 EV3Lessons.com, Last edit 4/8/2015</a:t>
-            </a:r>
-            <a:endParaRPr lang="en-US"/>
+              <a:rPr lang="en-US" dirty="0" smtClean="0"/>
+              <a:t>© 2015 EV3Lessons.com, Last edit 11/10/2015</a:t>
+            </a:r>
+            <a:endParaRPr lang="en-US" dirty="0"/>
           </a:p>
         </p:txBody>
       </p:sp>
@@ -9299,9 +10207,9 @@
           <a:p>
             <a:fld id="{4382A7F7-08BF-4252-8141-63FB96055BBB}" type="slidenum">
               <a:rPr lang="en-US" smtClean="0"/>
-              <a:t>13</a:t>
+              <a:t>18</a:t>
             </a:fld>
-            <a:endParaRPr lang="en-US"/>
+            <a:endParaRPr lang="en-US" dirty="0"/>
           </a:p>
         </p:txBody>
       </p:sp>
@@ -9326,14 +10234,14 @@
   <p:timing>
     <p:tnLst>
       <p:par>
-        <p:cTn xmlns:p14="http://schemas.microsoft.com/office/powerpoint/2010/main" id="1" dur="indefinite" restart="never" nodeType="tmRoot"/>
+        <p:cTn id="1" dur="indefinite" restart="never" nodeType="tmRoot"/>
       </p:par>
     </p:tnLst>
   </p:timing>
 </p:sld>
 </file>
 
-<file path=ppt/slides/slide14.xml><?xml version="1.0" encoding="utf-8"?>
+<file path=ppt/slides/slide19.xml><?xml version="1.0" encoding="utf-8"?>
 <p:sld xmlns:a="http://schemas.openxmlformats.org/drawingml/2006/main" xmlns:r="http://schemas.openxmlformats.org/officeDocument/2006/relationships" xmlns:p="http://schemas.openxmlformats.org/presentationml/2006/main">
   <p:cSld>
     <p:spTree>
@@ -9462,10 +10370,10 @@
           <a:lstStyle/>
           <a:p>
             <a:r>
-              <a:rPr lang="en-US" smtClean="0"/>
-              <a:t>© 2015 EV3Lessons.com, Last edit 4/8/2015</a:t>
-            </a:r>
-            <a:endParaRPr lang="en-US"/>
+              <a:rPr lang="en-US" dirty="0" smtClean="0"/>
+              <a:t>© 2015 EV3Lessons.com, Last edit 11/10/2015</a:t>
+            </a:r>
+            <a:endParaRPr lang="en-US" dirty="0"/>
           </a:p>
         </p:txBody>
       </p:sp>
@@ -9494,7 +10402,7 @@
           <a:effectLst/>
           <a:extLst>
             <a:ext uri="{91240B29-F687-4f45-9708-019B960494DF}">
-              <a14:hiddenLine xmlns:a14="http://schemas.microsoft.com/office/drawing/2010/main" w="9525">
+              <a14:hiddenLine xmlns="" xmlns:a14="http://schemas.microsoft.com/office/drawing/2010/main" w="9525">
                 <a:solidFill>
                   <a:schemeClr val="tx1"/>
                 </a:solidFill>
@@ -9504,7 +10412,7 @@
               </a14:hiddenLine>
             </a:ext>
             <a:ext uri="{AF507438-7753-43e0-B8FC-AC1667EBCBE1}">
-              <a14:hiddenEffects xmlns:a14="http://schemas.microsoft.com/office/drawing/2010/main">
+              <a14:hiddenEffects xmlns="" xmlns:a14="http://schemas.microsoft.com/office/drawing/2010/main">
                 <a:effectLst>
                   <a:outerShdw dist="35921" dir="2700000" algn="ctr" rotWithShape="0">
                     <a:schemeClr val="bg2"/>
@@ -9857,7 +10765,7 @@
           <a:noFill/>
           <a:extLst>
             <a:ext uri="{909E8E84-426E-40dd-AFC4-6F175D3DCCD1}">
-              <a14:hiddenFill xmlns:a14="http://schemas.microsoft.com/office/drawing/2010/main">
+              <a14:hiddenFill xmlns="" xmlns:a14="http://schemas.microsoft.com/office/drawing/2010/main">
                 <a:solidFill>
                   <a:srgbClr val="FFFFFF"/>
                 </a:solidFill>
@@ -9883,7 +10791,7 @@
           <a:p>
             <a:fld id="{4382A7F7-08BF-4252-8141-63FB96055BBB}" type="slidenum">
               <a:rPr lang="en-US" smtClean="0"/>
-              <a:t>14</a:t>
+              <a:t>19</a:t>
             </a:fld>
             <a:endParaRPr lang="en-US"/>
           </a:p>
@@ -9910,7 +10818,7 @@
   <p:timing>
     <p:tnLst>
       <p:par>
-        <p:cTn xmlns:p14="http://schemas.microsoft.com/office/powerpoint/2010/main" id="1" dur="indefinite" restart="never" nodeType="tmRoot"/>
+        <p:cTn id="1" dur="indefinite" restart="never" nodeType="tmRoot"/>
       </p:par>
     </p:tnLst>
   </p:timing>
@@ -10031,10 +10939,10 @@
           <a:lstStyle/>
           <a:p>
             <a:r>
-              <a:rPr lang="en-US" smtClean="0"/>
-              <a:t>© 2015 EV3Lessons.com, Last edit 4/8/2015</a:t>
-            </a:r>
-            <a:endParaRPr lang="en-US"/>
+              <a:rPr lang="en-US" dirty="0" smtClean="0"/>
+              <a:t>© 2015 EV3Lessons.com, Last edit 11/10/2015</a:t>
+            </a:r>
+            <a:endParaRPr lang="en-US" dirty="0"/>
           </a:p>
         </p:txBody>
       </p:sp>
@@ -10058,7 +10966,7 @@
               <a:pPr/>
               <a:t>2</a:t>
             </a:fld>
-            <a:endParaRPr lang="en-US"/>
+            <a:endParaRPr lang="en-US" dirty="0"/>
           </a:p>
         </p:txBody>
       </p:sp>
@@ -10075,7 +10983,7 @@
   <p:timing>
     <p:tnLst>
       <p:par>
-        <p:cTn xmlns:p14="http://schemas.microsoft.com/office/powerpoint/2010/main" id="1" dur="indefinite" restart="never" nodeType="tmRoot"/>
+        <p:cTn id="1" dur="indefinite" restart="never" nodeType="tmRoot"/>
       </p:par>
     </p:tnLst>
   </p:timing>
@@ -10168,11 +11076,7 @@
             </a:pPr>
             <a:r>
               <a:rPr lang="en-US" dirty="0" smtClean="0"/>
-              <a:t>Reduce the amount of angle that you turn to compensate for lag (slides </a:t>
-            </a:r>
-            <a:r>
-              <a:rPr lang="en-US" dirty="0" smtClean="0"/>
-              <a:t>4-</a:t>
+              <a:t>Reduce the amount of angle that you turn to compensate for lag (slides 4-</a:t>
             </a:r>
             <a:r>
               <a:rPr lang="en-US" dirty="0"/>
@@ -10182,7 +11086,6 @@
               <a:rPr lang="en-US" dirty="0" smtClean="0"/>
               <a:t>)</a:t>
             </a:r>
-            <a:endParaRPr lang="en-US" dirty="0" smtClean="0"/>
           </a:p>
           <a:p>
             <a:pPr lvl="1">
@@ -10191,39 +11094,34 @@
             </a:pPr>
             <a:r>
               <a:rPr lang="en-US" dirty="0" smtClean="0"/>
-              <a:t>Use proportional control to continue performing your turn for a requested duration (slides </a:t>
-            </a:r>
+              <a:t>Use proportional control to continue performing your turn for a requested duration (slides 10-12)</a:t>
+            </a:r>
+          </a:p>
+          <a:p>
+            <a:endParaRPr lang="en-US" dirty="0"/>
+          </a:p>
+        </p:txBody>
+      </p:sp>
+      <p:sp>
+        <p:nvSpPr>
+          <p:cNvPr id="4" name="Footer Placeholder 3"/>
+          <p:cNvSpPr>
+            <a:spLocks noGrp="1"/>
+          </p:cNvSpPr>
+          <p:nvPr>
+            <p:ph type="ftr" sz="quarter" idx="11"/>
+          </p:nvPr>
+        </p:nvSpPr>
+        <p:spPr/>
+        <p:txBody>
+          <a:bodyPr/>
+          <a:lstStyle/>
+          <a:p>
             <a:r>
               <a:rPr lang="en-US" dirty="0" smtClean="0"/>
-              <a:t>10-12)</a:t>
-            </a:r>
-            <a:endParaRPr lang="en-US" dirty="0" smtClean="0"/>
-          </a:p>
-          <a:p>
+              <a:t>© 2015 EV3Lessons.com, Last edit 11/10/2015</a:t>
+            </a:r>
             <a:endParaRPr lang="en-US" dirty="0"/>
-          </a:p>
-        </p:txBody>
-      </p:sp>
-      <p:sp>
-        <p:nvSpPr>
-          <p:cNvPr id="4" name="Footer Placeholder 3"/>
-          <p:cNvSpPr>
-            <a:spLocks noGrp="1"/>
-          </p:cNvSpPr>
-          <p:nvPr>
-            <p:ph type="ftr" sz="quarter" idx="11"/>
-          </p:nvPr>
-        </p:nvSpPr>
-        <p:spPr/>
-        <p:txBody>
-          <a:bodyPr/>
-          <a:lstStyle/>
-          <a:p>
-            <a:r>
-              <a:rPr lang="en-US" smtClean="0"/>
-              <a:t>© 2015 EV3Lessons.com, Last edit 4/8/2015</a:t>
-            </a:r>
-            <a:endParaRPr lang="en-US"/>
           </a:p>
         </p:txBody>
       </p:sp>
@@ -10247,7 +11145,7 @@
               <a:pPr/>
               <a:t>3</a:t>
             </a:fld>
-            <a:endParaRPr lang="en-US"/>
+            <a:endParaRPr lang="en-US" dirty="0"/>
           </a:p>
         </p:txBody>
       </p:sp>
@@ -10264,7 +11162,7 @@
   <p:timing>
     <p:tnLst>
       <p:par>
-        <p:cTn xmlns:p14="http://schemas.microsoft.com/office/powerpoint/2010/main" id="1" dur="indefinite" restart="never" nodeType="tmRoot"/>
+        <p:cTn id="1" dur="indefinite" restart="never" nodeType="tmRoot"/>
       </p:par>
     </p:tnLst>
   </p:timing>
@@ -10298,28 +11196,22 @@
             <p:ph type="title"/>
           </p:nvPr>
         </p:nvSpPr>
-        <p:spPr>
-          <a:xfrm>
-            <a:off x="641806" y="347227"/>
-            <a:ext cx="8245475" cy="1371600"/>
-          </a:xfrm>
-          <a:noFill/>
-        </p:spPr>
+        <p:spPr/>
         <p:txBody>
           <a:bodyPr/>
           <a:lstStyle/>
           <a:p>
             <a:r>
               <a:rPr lang="en-US" dirty="0" smtClean="0"/>
-              <a:t>Stage 1: Simple Gyro </a:t>
+              <a:t>Change Mode in Wait </a:t>
             </a:r>
             <a:r>
               <a:rPr lang="en-US" dirty="0"/>
-              <a:t>T</a:t>
+              <a:t>B</a:t>
             </a:r>
             <a:r>
               <a:rPr lang="en-US" dirty="0" smtClean="0"/>
-              <a:t>urn </a:t>
+              <a:t>lock</a:t>
             </a:r>
             <a:endParaRPr lang="en-US" dirty="0"/>
           </a:p>
@@ -10342,69 +11234,266 @@
           <a:p>
             <a:r>
               <a:rPr lang="en-US" smtClean="0"/>
-              <a:t>© 2015 EV3Lessons.com, Last edit 4/8/2015</a:t>
-            </a:r>
+              <a:t>© 2015 EV3Lessons.com, Last edit 11/10/2015</a:t>
+            </a:r>
+            <a:endParaRPr lang="en-US"/>
+          </a:p>
+        </p:txBody>
+      </p:sp>
+      <p:sp>
+        <p:nvSpPr>
+          <p:cNvPr id="5" name="Slide Number Placeholder 4"/>
+          <p:cNvSpPr>
+            <a:spLocks noGrp="1"/>
+          </p:cNvSpPr>
+          <p:nvPr>
+            <p:ph type="sldNum" sz="quarter" idx="12"/>
+          </p:nvPr>
+        </p:nvSpPr>
+        <p:spPr/>
+        <p:txBody>
+          <a:bodyPr/>
+          <a:lstStyle/>
+          <a:p>
+            <a:fld id="{4382A7F7-08BF-4252-8141-63FB96055BBB}" type="slidenum">
+              <a:rPr lang="en-US" smtClean="0"/>
+              <a:t>4</a:t>
+            </a:fld>
             <a:endParaRPr lang="en-US"/>
           </a:p>
         </p:txBody>
       </p:sp>
       <p:pic>
         <p:nvPicPr>
-          <p:cNvPr id="5" name="Picture 4" descr="Screen Shot 2014-09-29 at 4.48.14 PM.png"/>
+          <p:cNvPr id="6" name="Content Placeholder 5" descr="Screen Clipping"/>
           <p:cNvPicPr>
-            <a:picLocks noChangeAspect="1"/>
+            <a:picLocks noGrp="1" noChangeAspect="1"/>
           </p:cNvPicPr>
-          <p:nvPr/>
+          <p:nvPr>
+            <p:ph idx="1"/>
+          </p:nvPr>
         </p:nvPicPr>
-        <p:blipFill>
-          <a:blip r:embed="rId2" cstate="email">
+        <p:blipFill rotWithShape="1">
+          <a:blip r:embed="rId2">
             <a:extLst>
               <a:ext uri="{28A0092B-C50C-407E-A947-70E740481C1C}">
                 <a14:useLocalDpi xmlns:a14="http://schemas.microsoft.com/office/drawing/2010/main" val="0"/>
               </a:ext>
             </a:extLst>
           </a:blip>
-          <a:stretch>
-            <a:fillRect/>
-          </a:stretch>
+          <a:srcRect l="68279" t="47657" r="13121" b="29760"/>
+          <a:stretch/>
         </p:blipFill>
         <p:spPr>
           <a:xfrm>
-            <a:off x="81072" y="1899958"/>
-            <a:ext cx="8806209" cy="4537074"/>
+            <a:off x="5801360" y="1778001"/>
+            <a:ext cx="2682240" cy="1706880"/>
           </a:xfrm>
           <a:prstGeom prst="rect">
             <a:avLst/>
           </a:prstGeom>
         </p:spPr>
       </p:pic>
-      <p:sp>
-        <p:nvSpPr>
-          <p:cNvPr id="3" name="Slide Number Placeholder 2"/>
-          <p:cNvSpPr>
-            <a:spLocks noGrp="1"/>
-          </p:cNvSpPr>
-          <p:nvPr>
-            <p:ph type="sldNum" sz="quarter" idx="12"/>
-          </p:nvPr>
-        </p:nvSpPr>
-        <p:spPr/>
-        <p:txBody>
-          <a:bodyPr/>
-          <a:lstStyle/>
-          <a:p>
-            <a:fld id="{4382A7F7-08BF-4252-8141-63FB96055BBB}" type="slidenum">
-              <a:rPr lang="en-US" smtClean="0"/>
-              <a:t>4</a:t>
-            </a:fld>
-            <a:endParaRPr lang="en-US"/>
+      <p:pic>
+        <p:nvPicPr>
+          <p:cNvPr id="8" name="Picture 7" descr="LEGO MINDSTORMS Education EV3 Teacher Edition"/>
+          <p:cNvPicPr>
+            <a:picLocks noChangeAspect="1"/>
+          </p:cNvPicPr>
+          <p:nvPr/>
+        </p:nvPicPr>
+        <p:blipFill rotWithShape="1">
+          <a:blip r:embed="rId3" cstate="email">
+            <a:extLst>
+              <a:ext uri="{28A0092B-C50C-407E-A947-70E740481C1C}">
+                <a14:useLocalDpi xmlns:a14="http://schemas.microsoft.com/office/drawing/2010/main" val="0"/>
+              </a:ext>
+            </a:extLst>
+          </a:blip>
+          <a:srcRect l="32334" t="34320" r="46111" b="29987"/>
+          <a:stretch/>
+        </p:blipFill>
+        <p:spPr>
+          <a:xfrm>
+            <a:off x="5801360" y="3484881"/>
+            <a:ext cx="3342640" cy="3135879"/>
+          </a:xfrm>
+          <a:prstGeom prst="rect">
+            <a:avLst/>
+          </a:prstGeom>
+        </p:spPr>
+      </p:pic>
+      <p:sp>
+        <p:nvSpPr>
+          <p:cNvPr id="9" name="TextBox 8"/>
+          <p:cNvSpPr txBox="1"/>
+          <p:nvPr/>
+        </p:nvSpPr>
+        <p:spPr>
+          <a:xfrm>
+            <a:off x="355600" y="2082800"/>
+            <a:ext cx="5445760" cy="4524315"/>
+          </a:xfrm>
+          <a:prstGeom prst="rect">
+            <a:avLst/>
+          </a:prstGeom>
+          <a:noFill/>
+        </p:spPr>
+        <p:txBody>
+          <a:bodyPr wrap="square" rtlCol="0">
+            <a:spAutoFit/>
+          </a:bodyPr>
+          <a:lstStyle/>
+          <a:p>
+            <a:pPr marL="342900" indent="-342900">
+              <a:buFont typeface="+mj-lt"/>
+              <a:buAutoNum type="arabicPeriod"/>
+            </a:pPr>
+            <a:r>
+              <a:rPr lang="en-US" dirty="0" smtClean="0"/>
+              <a:t>In this lesson we use the Wait </a:t>
+            </a:r>
+            <a:r>
+              <a:rPr lang="en-US" dirty="0"/>
+              <a:t>B</a:t>
+            </a:r>
+            <a:r>
+              <a:rPr lang="en-US" dirty="0" smtClean="0"/>
+              <a:t>lock (gyro sensor) in Change </a:t>
+            </a:r>
+            <a:r>
+              <a:rPr lang="en-US" dirty="0"/>
+              <a:t>M</a:t>
+            </a:r>
+            <a:r>
+              <a:rPr lang="en-US" dirty="0" smtClean="0"/>
+              <a:t>ode</a:t>
+            </a:r>
+          </a:p>
+          <a:p>
+            <a:pPr marL="342900" indent="-342900">
+              <a:buFont typeface="+mj-lt"/>
+              <a:buAutoNum type="arabicPeriod"/>
+            </a:pPr>
+            <a:r>
+              <a:rPr lang="en-US" dirty="0" smtClean="0"/>
+              <a:t>Advantages over Compare </a:t>
+            </a:r>
+            <a:r>
+              <a:rPr lang="en-US" dirty="0"/>
+              <a:t>M</a:t>
+            </a:r>
+            <a:r>
+              <a:rPr lang="en-US" dirty="0" smtClean="0"/>
+              <a:t>ode:</a:t>
+            </a:r>
+          </a:p>
+          <a:p>
+            <a:pPr marL="742950" lvl="1" indent="-285750">
+              <a:buFont typeface="Arial" panose="020B0604020202020204" pitchFamily="34" charset="0"/>
+              <a:buChar char="•"/>
+            </a:pPr>
+            <a:r>
+              <a:rPr lang="en-US" dirty="0" smtClean="0"/>
+              <a:t>You do not need to reset the gyro beforehand</a:t>
+            </a:r>
+          </a:p>
+          <a:p>
+            <a:pPr marL="742950" lvl="1" indent="-285750">
+              <a:buFont typeface="Arial" panose="020B0604020202020204" pitchFamily="34" charset="0"/>
+              <a:buChar char="•"/>
+            </a:pPr>
+            <a:r>
+              <a:rPr lang="en-US" dirty="0" smtClean="0"/>
+              <a:t>You can measure if the value has changed the target degrees by both decreasing or increasing (no need to change the wait block for a left turn)</a:t>
+            </a:r>
+          </a:p>
+          <a:p>
+            <a:pPr marL="342900" indent="-342900">
+              <a:buFont typeface="+mj-lt"/>
+              <a:buAutoNum type="arabicPeriod"/>
+            </a:pPr>
+            <a:r>
+              <a:rPr lang="en-US" dirty="0" smtClean="0"/>
+              <a:t>Direction (the first input) defines:</a:t>
+            </a:r>
+          </a:p>
+          <a:p>
+            <a:pPr marL="800100" lvl="1" indent="-342900">
+              <a:buFont typeface="Arial" panose="020B0604020202020204" pitchFamily="34" charset="0"/>
+              <a:buChar char="•"/>
+            </a:pPr>
+            <a:r>
+              <a:rPr lang="en-US" dirty="0" smtClean="0"/>
+              <a:t>0 – check if the value has increased the desired degrees</a:t>
+            </a:r>
+          </a:p>
+          <a:p>
+            <a:pPr marL="800100" lvl="1" indent="-342900">
+              <a:buFont typeface="Arial" panose="020B0604020202020204" pitchFamily="34" charset="0"/>
+              <a:buChar char="•"/>
+            </a:pPr>
+            <a:r>
+              <a:rPr lang="en-US" dirty="0" smtClean="0"/>
+              <a:t>1 – </a:t>
+            </a:r>
+            <a:r>
+              <a:rPr lang="en-US" dirty="0"/>
+              <a:t>check if the value has </a:t>
+            </a:r>
+            <a:r>
+              <a:rPr lang="en-US" dirty="0" smtClean="0"/>
+              <a:t>decreased </a:t>
+            </a:r>
+            <a:r>
+              <a:rPr lang="en-US" dirty="0"/>
+              <a:t>the desired </a:t>
+            </a:r>
+            <a:r>
+              <a:rPr lang="en-US" dirty="0" smtClean="0"/>
+              <a:t>degrees</a:t>
+            </a:r>
+          </a:p>
+          <a:p>
+            <a:pPr marL="800100" lvl="1" indent="-342900">
+              <a:buFont typeface="Arial" panose="020B0604020202020204" pitchFamily="34" charset="0"/>
+              <a:buChar char="•"/>
+            </a:pPr>
+            <a:r>
+              <a:rPr lang="en-US" dirty="0" smtClean="0"/>
+              <a:t>2 – check </a:t>
+            </a:r>
+            <a:r>
+              <a:rPr lang="en-US" dirty="0"/>
+              <a:t>if the value has </a:t>
+            </a:r>
+            <a:r>
+              <a:rPr lang="en-US" dirty="0" smtClean="0"/>
+              <a:t>either increased or decreased the </a:t>
+            </a:r>
+            <a:r>
+              <a:rPr lang="en-US" dirty="0"/>
+              <a:t>desired </a:t>
+            </a:r>
+            <a:r>
+              <a:rPr lang="en-US" dirty="0" smtClean="0"/>
+              <a:t>degrees</a:t>
+            </a:r>
+            <a:endParaRPr lang="en-US" dirty="0"/>
+          </a:p>
+          <a:p>
+            <a:pPr marL="800100" lvl="1" indent="-342900">
+              <a:buFont typeface="Arial" panose="020B0604020202020204" pitchFamily="34" charset="0"/>
+              <a:buChar char="•"/>
+            </a:pPr>
+            <a:endParaRPr lang="en-US" dirty="0"/>
           </a:p>
         </p:txBody>
       </p:sp>
     </p:spTree>
     <p:extLst>
       <p:ext uri="{BB962C8B-B14F-4D97-AF65-F5344CB8AC3E}">
-        <p14:creationId xmlns:p14="http://schemas.microsoft.com/office/powerpoint/2010/main" val="358182663"/>
+        <p14:creationId xmlns:p14="http://schemas.microsoft.com/office/powerpoint/2010/main" val="752017440"/>
       </p:ext>
     </p:extLst>
   </p:cSld>
@@ -10414,7 +11503,7 @@
   <p:timing>
     <p:tnLst>
       <p:par>
-        <p:cTn xmlns:p14="http://schemas.microsoft.com/office/powerpoint/2010/main" id="1" dur="indefinite" restart="never" nodeType="tmRoot"/>
+        <p:cTn id="1" dur="indefinite" restart="never" nodeType="tmRoot"/>
       </p:par>
     </p:tnLst>
   </p:timing>
@@ -10448,20 +11537,132 @@
             <p:ph type="title"/>
           </p:nvPr>
         </p:nvSpPr>
+        <p:spPr/>
+        <p:txBody>
+          <a:bodyPr/>
+          <a:lstStyle/>
+          <a:p>
+            <a:r>
+              <a:rPr lang="en-US" dirty="0" smtClean="0"/>
+              <a:t>Gyro Turn in Four Easy Steps</a:t>
+            </a:r>
+            <a:endParaRPr lang="en-US" dirty="0"/>
+          </a:p>
+        </p:txBody>
+      </p:sp>
+      <p:sp>
+        <p:nvSpPr>
+          <p:cNvPr id="3" name="Content Placeholder 2"/>
+          <p:cNvSpPr>
+            <a:spLocks noGrp="1"/>
+          </p:cNvSpPr>
+          <p:nvPr>
+            <p:ph idx="1"/>
+          </p:nvPr>
+        </p:nvSpPr>
         <p:spPr>
           <a:xfrm>
-            <a:off x="387791" y="527106"/>
-            <a:ext cx="8245475" cy="997211"/>
+            <a:off x="284164" y="1818870"/>
+            <a:ext cx="4863570" cy="4307294"/>
           </a:xfrm>
-          <a:noFill/>
         </p:spPr>
         <p:txBody>
+          <a:bodyPr>
+            <a:normAutofit fontScale="70000" lnSpcReduction="20000"/>
+          </a:bodyPr>
+          <a:lstStyle/>
+          <a:p>
+            <a:pPr marL="0" indent="0">
+              <a:buNone/>
+            </a:pPr>
+            <a:r>
+              <a:rPr lang="en-US" dirty="0" smtClean="0"/>
+              <a:t>STEP 1: Create a simple Gyro Turn program that turns 90 degrees using the Wait for Gyro block in Change Mode</a:t>
+            </a:r>
+          </a:p>
+          <a:p>
+            <a:pPr marL="457200" lvl="1" indent="0">
+              <a:buNone/>
+            </a:pPr>
+            <a:r>
+              <a:rPr lang="en-US" dirty="0" smtClean="0"/>
+              <a:t>Remember to Calibrate the Gyro before the Wait For Block (see Gyro Lesson for help)</a:t>
+            </a:r>
+          </a:p>
+          <a:p>
+            <a:pPr marL="0" indent="0">
+              <a:buNone/>
+            </a:pPr>
+            <a:r>
+              <a:rPr lang="en-US" dirty="0" smtClean="0"/>
+              <a:t>STEP 2: Compensate for Lag</a:t>
+            </a:r>
+          </a:p>
+          <a:p>
+            <a:pPr marL="576263" indent="-228600">
+              <a:buAutoNum type="alphaUcPeriod"/>
+            </a:pPr>
+            <a:r>
+              <a:rPr lang="en-US" dirty="0" smtClean="0"/>
+              <a:t>Compensate for the lag by reducing the amount of angle to turn based on your robot (</a:t>
+            </a:r>
+            <a:r>
+              <a:rPr lang="en-US" dirty="0" err="1" smtClean="0"/>
+              <a:t>e.g</a:t>
+            </a:r>
+            <a:r>
+              <a:rPr lang="en-US" dirty="0" smtClean="0"/>
+              <a:t> 86 degrees instead of 90 degrees)</a:t>
+            </a:r>
+          </a:p>
+          <a:p>
+            <a:pPr marL="576263" indent="-228600">
+              <a:buAutoNum type="alphaUcPeriod"/>
+            </a:pPr>
+            <a:r>
+              <a:rPr lang="en-US" dirty="0" smtClean="0"/>
+              <a:t>Use a Math Block to create an automatic calculator to compensate for lag</a:t>
+            </a:r>
+          </a:p>
+          <a:p>
+            <a:pPr marL="0" indent="0">
+              <a:buNone/>
+            </a:pPr>
+            <a:r>
+              <a:rPr lang="en-US" dirty="0" smtClean="0"/>
+              <a:t>STEP 3: Create and Wire the My Block</a:t>
+            </a:r>
+          </a:p>
+          <a:p>
+            <a:pPr marL="0" indent="0">
+              <a:buNone/>
+            </a:pPr>
+            <a:r>
+              <a:rPr lang="en-US" dirty="0" smtClean="0"/>
+              <a:t>STEP 4: Repeat the steps to make one for Left Turns vs. one for Right Turns.</a:t>
+            </a:r>
+            <a:endParaRPr lang="en-US" dirty="0"/>
+          </a:p>
+        </p:txBody>
+      </p:sp>
+      <p:sp>
+        <p:nvSpPr>
+          <p:cNvPr id="4" name="Footer Placeholder 3"/>
+          <p:cNvSpPr>
+            <a:spLocks noGrp="1"/>
+          </p:cNvSpPr>
+          <p:nvPr>
+            <p:ph type="ftr" sz="quarter" idx="11"/>
+          </p:nvPr>
+        </p:nvSpPr>
+        <p:spPr/>
+        <p:txBody>
           <a:bodyPr/>
           <a:lstStyle/>
           <a:p>
             <a:r>
               <a:rPr lang="en-US" dirty="0" smtClean="0"/>
-              <a:t>Stage 2: Dealing with Lag</a:t>
+              <a:t>© 2015 EV3Lessons.com, Last edit 11/10/2015</a:t>
             </a:r>
             <a:endParaRPr lang="en-US" dirty="0"/>
           </a:p>
@@ -10469,12 +11670,12 @@
       </p:sp>
       <p:sp>
         <p:nvSpPr>
-          <p:cNvPr id="4" name="Footer Placeholder 3"/>
-          <p:cNvSpPr>
-            <a:spLocks noGrp="1"/>
-          </p:cNvSpPr>
-          <p:nvPr>
-            <p:ph type="ftr" sz="quarter" idx="11"/>
+          <p:cNvPr id="5" name="Slide Number Placeholder 4"/>
+          <p:cNvSpPr>
+            <a:spLocks noGrp="1"/>
+          </p:cNvSpPr>
+          <p:nvPr>
+            <p:ph type="sldNum" sz="quarter" idx="12"/>
           </p:nvPr>
         </p:nvSpPr>
         <p:spPr/>
@@ -10482,23 +11683,23 @@
           <a:bodyPr/>
           <a:lstStyle/>
           <a:p>
-            <a:r>
-              <a:rPr lang="en-US" smtClean="0"/>
-              <a:t>© 2015 EV3Lessons.com, Last edit 4/8/2015</a:t>
-            </a:r>
-            <a:endParaRPr lang="en-US"/>
+            <a:fld id="{4382A7F7-08BF-4252-8141-63FB96055BBB}" type="slidenum">
+              <a:rPr lang="en-US" smtClean="0"/>
+              <a:t>5</a:t>
+            </a:fld>
+            <a:endParaRPr lang="en-US" dirty="0"/>
           </a:p>
         </p:txBody>
       </p:sp>
       <p:pic>
         <p:nvPicPr>
-          <p:cNvPr id="5" name="Picture 4" descr="Screen Shot 2014-09-29 at 4.48.52 PM.png"/>
+          <p:cNvPr id="6" name="Picture 5" descr="Screen Clipping"/>
           <p:cNvPicPr>
             <a:picLocks noChangeAspect="1"/>
           </p:cNvPicPr>
           <p:nvPr/>
         </p:nvPicPr>
-        <p:blipFill>
+        <p:blipFill rotWithShape="1">
           <a:blip r:embed="rId2" cstate="email">
             <a:extLst>
               <a:ext uri="{28A0092B-C50C-407E-A947-70E740481C1C}">
@@ -10506,47 +11707,81 @@
               </a:ext>
             </a:extLst>
           </a:blip>
-          <a:stretch>
-            <a:fillRect/>
-          </a:stretch>
+          <a:srcRect l="47662" t="42861" r="10210" b="38856"/>
+          <a:stretch/>
         </p:blipFill>
         <p:spPr>
           <a:xfrm>
-            <a:off x="176395" y="1966176"/>
-            <a:ext cx="8913560" cy="4269913"/>
+            <a:off x="5245613" y="1979508"/>
+            <a:ext cx="3691467" cy="829732"/>
           </a:xfrm>
           <a:prstGeom prst="rect">
             <a:avLst/>
           </a:prstGeom>
         </p:spPr>
       </p:pic>
-      <p:sp>
-        <p:nvSpPr>
-          <p:cNvPr id="3" name="Slide Number Placeholder 2"/>
-          <p:cNvSpPr>
-            <a:spLocks noGrp="1"/>
-          </p:cNvSpPr>
-          <p:nvPr>
-            <p:ph type="sldNum" sz="quarter" idx="12"/>
-          </p:nvPr>
-        </p:nvSpPr>
-        <p:spPr/>
-        <p:txBody>
-          <a:bodyPr/>
-          <a:lstStyle/>
-          <a:p>
-            <a:fld id="{4382A7F7-08BF-4252-8141-63FB96055BBB}" type="slidenum">
-              <a:rPr lang="en-US" smtClean="0"/>
-              <a:t>5</a:t>
-            </a:fld>
-            <a:endParaRPr lang="en-US"/>
-          </a:p>
-        </p:txBody>
-      </p:sp>
+      <p:pic>
+        <p:nvPicPr>
+          <p:cNvPr id="8" name="Picture 7" descr="Screen Clipping"/>
+          <p:cNvPicPr>
+            <a:picLocks noChangeAspect="1"/>
+          </p:cNvPicPr>
+          <p:nvPr/>
+        </p:nvPicPr>
+        <p:blipFill rotWithShape="1">
+          <a:blip r:embed="rId2" cstate="email">
+            <a:extLst>
+              <a:ext uri="{28A0092B-C50C-407E-A947-70E740481C1C}">
+                <a14:useLocalDpi xmlns:a14="http://schemas.microsoft.com/office/drawing/2010/main" val="0"/>
+              </a:ext>
+            </a:extLst>
+          </a:blip>
+          <a:srcRect l="10191" t="41947" r="59668" b="38576"/>
+          <a:stretch/>
+        </p:blipFill>
+        <p:spPr>
+          <a:xfrm>
+            <a:off x="5245613" y="2809240"/>
+            <a:ext cx="2641087" cy="883920"/>
+          </a:xfrm>
+          <a:prstGeom prst="rect">
+            <a:avLst/>
+          </a:prstGeom>
+        </p:spPr>
+      </p:pic>
+      <p:pic>
+        <p:nvPicPr>
+          <p:cNvPr id="10" name="Content Placeholder 7" descr="Screen Clipping"/>
+          <p:cNvPicPr>
+            <a:picLocks noChangeAspect="1"/>
+          </p:cNvPicPr>
+          <p:nvPr/>
+        </p:nvPicPr>
+        <p:blipFill rotWithShape="1">
+          <a:blip r:embed="rId3" cstate="email">
+            <a:extLst>
+              <a:ext uri="{28A0092B-C50C-407E-A947-70E740481C1C}">
+                <a14:useLocalDpi xmlns:a14="http://schemas.microsoft.com/office/drawing/2010/main" val="0"/>
+              </a:ext>
+            </a:extLst>
+          </a:blip>
+          <a:srcRect l="53279" t="38761" r="11955" b="34613"/>
+          <a:stretch/>
+        </p:blipFill>
+        <p:spPr>
+          <a:xfrm>
+            <a:off x="5245613" y="4261641"/>
+            <a:ext cx="2980268" cy="1016000"/>
+          </a:xfrm>
+          <a:prstGeom prst="rect">
+            <a:avLst/>
+          </a:prstGeom>
+        </p:spPr>
+      </p:pic>
     </p:spTree>
     <p:extLst>
       <p:ext uri="{BB962C8B-B14F-4D97-AF65-F5344CB8AC3E}">
-        <p14:creationId xmlns:p14="http://schemas.microsoft.com/office/powerpoint/2010/main" val="317730813"/>
+        <p14:creationId xmlns:p14="http://schemas.microsoft.com/office/powerpoint/2010/main" val="798568295"/>
       </p:ext>
     </p:extLst>
   </p:cSld>
@@ -10556,7 +11791,7 @@
   <p:timing>
     <p:tnLst>
       <p:par>
-        <p:cTn xmlns:p14="http://schemas.microsoft.com/office/powerpoint/2010/main" id="1" dur="indefinite" restart="never" nodeType="tmRoot"/>
+        <p:cTn id="1" dur="indefinite" restart="never" nodeType="tmRoot"/>
       </p:par>
     </p:tnLst>
   </p:timing>
@@ -10592,8 +11827,8 @@
         </p:nvSpPr>
         <p:spPr>
           <a:xfrm>
-            <a:off x="280511" y="435428"/>
-            <a:ext cx="8245475" cy="1088889"/>
+            <a:off x="641806" y="347227"/>
+            <a:ext cx="8245475" cy="1371600"/>
           </a:xfrm>
           <a:noFill/>
         </p:spPr>
@@ -10603,11 +11838,15 @@
           <a:p>
             <a:r>
               <a:rPr lang="en-US" dirty="0" smtClean="0"/>
-              <a:t>Stage 3: Making a My </a:t>
+              <a:t>Step 1: Simple Gyro </a:t>
+            </a:r>
+            <a:r>
+              <a:rPr lang="en-US" dirty="0"/>
+              <a:t>T</a:t>
             </a:r>
             <a:r>
               <a:rPr lang="en-US" dirty="0" smtClean="0"/>
-              <a:t>Block</a:t>
+              <a:t>urn </a:t>
             </a:r>
             <a:endParaRPr lang="en-US" dirty="0"/>
           </a:p>
@@ -10629,23 +11868,46 @@
           <a:lstStyle/>
           <a:p>
             <a:r>
-              <a:rPr lang="en-US" smtClean="0"/>
-              <a:t>© 2015 EV3Lessons.com, Last edit 4/8/2015</a:t>
-            </a:r>
-            <a:endParaRPr lang="en-US"/>
+              <a:rPr lang="en-US" dirty="0" smtClean="0"/>
+              <a:t>© 2015 EV3Lessons.com, Last edit 11/10/2015</a:t>
+            </a:r>
+            <a:endParaRPr lang="en-US" dirty="0"/>
+          </a:p>
+        </p:txBody>
+      </p:sp>
+      <p:sp>
+        <p:nvSpPr>
+          <p:cNvPr id="3" name="Slide Number Placeholder 2"/>
+          <p:cNvSpPr>
+            <a:spLocks noGrp="1"/>
+          </p:cNvSpPr>
+          <p:nvPr>
+            <p:ph type="sldNum" sz="quarter" idx="12"/>
+          </p:nvPr>
+        </p:nvSpPr>
+        <p:spPr/>
+        <p:txBody>
+          <a:bodyPr/>
+          <a:lstStyle/>
+          <a:p>
+            <a:fld id="{4382A7F7-08BF-4252-8141-63FB96055BBB}" type="slidenum">
+              <a:rPr lang="en-US" smtClean="0"/>
+              <a:t>6</a:t>
+            </a:fld>
+            <a:endParaRPr lang="en-US" dirty="0"/>
           </a:p>
         </p:txBody>
       </p:sp>
       <p:pic>
         <p:nvPicPr>
-          <p:cNvPr id="5" name="Picture 4" descr="Screen Shot 2014-09-29 at 4.49.53 PM.png"/>
+          <p:cNvPr id="8" name="Picture 7" descr="Screen Clipping"/>
           <p:cNvPicPr>
             <a:picLocks noChangeAspect="1"/>
           </p:cNvPicPr>
           <p:nvPr/>
         </p:nvPicPr>
         <p:blipFill>
-          <a:blip r:embed="rId2" cstate="email">
+          <a:blip r:embed="rId2">
             <a:extLst>
               <a:ext uri="{28A0092B-C50C-407E-A947-70E740481C1C}">
                 <a14:useLocalDpi xmlns:a14="http://schemas.microsoft.com/office/drawing/2010/main" val="0"/>
@@ -10658,41 +11920,18 @@
         </p:blipFill>
         <p:spPr>
           <a:xfrm>
-            <a:off x="280511" y="2291138"/>
-            <a:ext cx="8513511" cy="2989477"/>
+            <a:off x="343436" y="1898707"/>
+            <a:ext cx="7708364" cy="4528412"/>
           </a:xfrm>
           <a:prstGeom prst="rect">
             <a:avLst/>
           </a:prstGeom>
         </p:spPr>
       </p:pic>
-      <p:sp>
-        <p:nvSpPr>
-          <p:cNvPr id="3" name="Slide Number Placeholder 2"/>
-          <p:cNvSpPr>
-            <a:spLocks noGrp="1"/>
-          </p:cNvSpPr>
-          <p:nvPr>
-            <p:ph type="sldNum" sz="quarter" idx="12"/>
-          </p:nvPr>
-        </p:nvSpPr>
-        <p:spPr/>
-        <p:txBody>
-          <a:bodyPr/>
-          <a:lstStyle/>
-          <a:p>
-            <a:fld id="{4382A7F7-08BF-4252-8141-63FB96055BBB}" type="slidenum">
-              <a:rPr lang="en-US" smtClean="0"/>
-              <a:t>6</a:t>
-            </a:fld>
-            <a:endParaRPr lang="en-US"/>
-          </a:p>
-        </p:txBody>
-      </p:sp>
     </p:spTree>
     <p:extLst>
       <p:ext uri="{BB962C8B-B14F-4D97-AF65-F5344CB8AC3E}">
-        <p14:creationId xmlns:p14="http://schemas.microsoft.com/office/powerpoint/2010/main" val="802826735"/>
+        <p14:creationId xmlns:p14="http://schemas.microsoft.com/office/powerpoint/2010/main" val="358182663"/>
       </p:ext>
     </p:extLst>
   </p:cSld>
@@ -10702,7 +11941,7 @@
   <p:timing>
     <p:tnLst>
       <p:par>
-        <p:cTn xmlns:p14="http://schemas.microsoft.com/office/powerpoint/2010/main" id="1" dur="indefinite" restart="never" nodeType="tmRoot"/>
+        <p:cTn id="1" dur="indefinite" restart="never" nodeType="tmRoot"/>
       </p:par>
     </p:tnLst>
   </p:timing>
@@ -10726,61 +11965,9 @@
           <a:chExt cx="0" cy="0"/>
         </a:xfrm>
       </p:grpSpPr>
-      <p:sp>
-        <p:nvSpPr>
-          <p:cNvPr id="2" name="Title 1"/>
-          <p:cNvSpPr>
-            <a:spLocks noGrp="1"/>
-          </p:cNvSpPr>
-          <p:nvPr>
-            <p:ph type="title"/>
-          </p:nvPr>
-        </p:nvSpPr>
-        <p:spPr>
-          <a:xfrm>
-            <a:off x="203210" y="152718"/>
-            <a:ext cx="8245475" cy="1371600"/>
-          </a:xfrm>
-          <a:noFill/>
-        </p:spPr>
-        <p:txBody>
-          <a:bodyPr/>
-          <a:lstStyle/>
-          <a:p>
-            <a:r>
-              <a:rPr lang="en-US" dirty="0" smtClean="0"/>
-              <a:t>Stage 4: Using the My Block</a:t>
-            </a:r>
-            <a:endParaRPr lang="en-US" dirty="0"/>
-          </a:p>
-        </p:txBody>
-      </p:sp>
-      <p:sp>
-        <p:nvSpPr>
-          <p:cNvPr id="4" name="Footer Placeholder 3"/>
-          <p:cNvSpPr>
-            <a:spLocks noGrp="1"/>
-          </p:cNvSpPr>
-          <p:nvPr>
-            <p:ph type="ftr" sz="quarter" idx="11"/>
-          </p:nvPr>
-        </p:nvSpPr>
-        <p:spPr/>
-        <p:txBody>
-          <a:bodyPr/>
-          <a:lstStyle/>
-          <a:p>
-            <a:r>
-              <a:rPr lang="en-US" smtClean="0"/>
-              <a:t>© 2015 EV3Lessons.com, Last edit 4/8/2015</a:t>
-            </a:r>
-            <a:endParaRPr lang="en-US"/>
-          </a:p>
-        </p:txBody>
-      </p:sp>
       <p:pic>
         <p:nvPicPr>
-          <p:cNvPr id="5" name="Picture 4" descr="Screen Shot 2014-09-29 at 4.51.04 PM.png"/>
+          <p:cNvPr id="7" name="Picture 6" descr="Screen Clipping"/>
           <p:cNvPicPr>
             <a:picLocks noChangeAspect="1"/>
           </p:cNvPicPr>
@@ -10800,8 +11987,8 @@
         </p:blipFill>
         <p:spPr>
           <a:xfrm>
-            <a:off x="0" y="2587362"/>
-            <a:ext cx="9144000" cy="3163705"/>
+            <a:off x="538363" y="1826956"/>
+            <a:ext cx="8198607" cy="4768577"/>
           </a:xfrm>
           <a:prstGeom prst="rect">
             <a:avLst/>
@@ -10810,6 +11997,58 @@
       </p:pic>
       <p:sp>
         <p:nvSpPr>
+          <p:cNvPr id="2" name="Title 1"/>
+          <p:cNvSpPr>
+            <a:spLocks noGrp="1"/>
+          </p:cNvSpPr>
+          <p:nvPr>
+            <p:ph type="title"/>
+          </p:nvPr>
+        </p:nvSpPr>
+        <p:spPr>
+          <a:xfrm>
+            <a:off x="387791" y="527106"/>
+            <a:ext cx="8245475" cy="997211"/>
+          </a:xfrm>
+          <a:noFill/>
+        </p:spPr>
+        <p:txBody>
+          <a:bodyPr/>
+          <a:lstStyle/>
+          <a:p>
+            <a:r>
+              <a:rPr lang="en-US" dirty="0" smtClean="0"/>
+              <a:t>Step 2A: Dealing with Lag</a:t>
+            </a:r>
+            <a:endParaRPr lang="en-US" dirty="0"/>
+          </a:p>
+        </p:txBody>
+      </p:sp>
+      <p:sp>
+        <p:nvSpPr>
+          <p:cNvPr id="4" name="Footer Placeholder 3"/>
+          <p:cNvSpPr>
+            <a:spLocks noGrp="1"/>
+          </p:cNvSpPr>
+          <p:nvPr>
+            <p:ph type="ftr" sz="quarter" idx="11"/>
+          </p:nvPr>
+        </p:nvSpPr>
+        <p:spPr/>
+        <p:txBody>
+          <a:bodyPr/>
+          <a:lstStyle/>
+          <a:p>
+            <a:r>
+              <a:rPr lang="en-US" dirty="0" smtClean="0"/>
+              <a:t>© 2015 EV3Lessons.com, Last edit 11/10/2015</a:t>
+            </a:r>
+            <a:endParaRPr lang="en-US" dirty="0"/>
+          </a:p>
+        </p:txBody>
+      </p:sp>
+      <p:sp>
+        <p:nvSpPr>
           <p:cNvPr id="3" name="Slide Number Placeholder 2"/>
           <p:cNvSpPr>
             <a:spLocks noGrp="1"/>
@@ -10827,14 +12066,14 @@
               <a:rPr lang="en-US" smtClean="0"/>
               <a:t>7</a:t>
             </a:fld>
-            <a:endParaRPr lang="en-US"/>
+            <a:endParaRPr lang="en-US" dirty="0"/>
           </a:p>
         </p:txBody>
       </p:sp>
     </p:spTree>
     <p:extLst>
       <p:ext uri="{BB962C8B-B14F-4D97-AF65-F5344CB8AC3E}">
-        <p14:creationId xmlns:p14="http://schemas.microsoft.com/office/powerpoint/2010/main" val="921220472"/>
+        <p14:creationId xmlns:p14="http://schemas.microsoft.com/office/powerpoint/2010/main" val="317730813"/>
       </p:ext>
     </p:extLst>
   </p:cSld>
@@ -10844,7 +12083,7 @@
   <p:timing>
     <p:tnLst>
       <p:par>
-        <p:cTn xmlns:p14="http://schemas.microsoft.com/office/powerpoint/2010/main" id="1" dur="indefinite" restart="never" nodeType="tmRoot"/>
+        <p:cTn id="1" dur="indefinite" restart="never" nodeType="tmRoot"/>
       </p:par>
     </p:tnLst>
   </p:timing>
@@ -10878,13 +12117,7 @@
             <p:ph type="title"/>
           </p:nvPr>
         </p:nvSpPr>
-        <p:spPr>
-          <a:xfrm>
-            <a:off x="26423" y="363732"/>
-            <a:ext cx="8798271" cy="1371600"/>
-          </a:xfrm>
-          <a:noFill/>
-        </p:spPr>
+        <p:spPr/>
         <p:txBody>
           <a:bodyPr>
             <a:normAutofit fontScale="90000"/>
@@ -10893,14 +12126,7 @@
           <a:p>
             <a:r>
               <a:rPr lang="en-US" dirty="0" smtClean="0"/>
-              <a:t>Inside the My Block: </a:t>
-            </a:r>
-            <a:br>
-              <a:rPr lang="en-US" dirty="0" smtClean="0"/>
-            </a:br>
-            <a:r>
-              <a:rPr lang="en-US" dirty="0" smtClean="0"/>
-              <a:t>Turn Degrees Right</a:t>
+              <a:t>Step 2B: Automatically Correct for Lag</a:t>
             </a:r>
             <a:endParaRPr lang="en-US" dirty="0"/>
           </a:p>
@@ -10923,22 +12149,47 @@
           <a:p>
             <a:r>
               <a:rPr lang="en-US" smtClean="0"/>
-              <a:t>© 2015 EV3Lessons.com, Last edit 4/8/2015</a:t>
-            </a:r>
+              <a:t>© 2015 EV3Lessons.com, Last edit 11/10/2015</a:t>
+            </a:r>
+            <a:endParaRPr lang="en-US"/>
+          </a:p>
+        </p:txBody>
+      </p:sp>
+      <p:sp>
+        <p:nvSpPr>
+          <p:cNvPr id="5" name="Slide Number Placeholder 4"/>
+          <p:cNvSpPr>
+            <a:spLocks noGrp="1"/>
+          </p:cNvSpPr>
+          <p:nvPr>
+            <p:ph type="sldNum" sz="quarter" idx="12"/>
+          </p:nvPr>
+        </p:nvSpPr>
+        <p:spPr/>
+        <p:txBody>
+          <a:bodyPr/>
+          <a:lstStyle/>
+          <a:p>
+            <a:fld id="{4382A7F7-08BF-4252-8141-63FB96055BBB}" type="slidenum">
+              <a:rPr lang="en-US" smtClean="0"/>
+              <a:t>8</a:t>
+            </a:fld>
             <a:endParaRPr lang="en-US"/>
           </a:p>
         </p:txBody>
       </p:sp>
       <p:pic>
         <p:nvPicPr>
-          <p:cNvPr id="5" name="Picture 4" descr="Screen Shot 2014-09-29 at 4.51.30 PM.png"/>
+          <p:cNvPr id="8" name="Content Placeholder 7" descr="Screen Clipping"/>
           <p:cNvPicPr>
-            <a:picLocks noChangeAspect="1"/>
+            <a:picLocks noGrp="1" noChangeAspect="1"/>
           </p:cNvPicPr>
-          <p:nvPr/>
+          <p:nvPr>
+            <p:ph idx="1"/>
+          </p:nvPr>
         </p:nvPicPr>
         <p:blipFill>
-          <a:blip r:embed="rId2">
+          <a:blip r:embed="rId2" cstate="email">
             <a:extLst>
               <a:ext uri="{28A0092B-C50C-407E-A947-70E740481C1C}">
                 <a14:useLocalDpi xmlns:a14="http://schemas.microsoft.com/office/drawing/2010/main" val="0"/>
@@ -10951,41 +12202,15 @@
         </p:blipFill>
         <p:spPr>
           <a:xfrm>
-            <a:off x="213991" y="2423082"/>
-            <a:ext cx="8686800" cy="2032422"/>
+            <a:off x="284163" y="1805959"/>
+            <a:ext cx="8572228" cy="3815908"/>
           </a:xfrm>
-          <a:prstGeom prst="rect">
-            <a:avLst/>
-          </a:prstGeom>
         </p:spPr>
       </p:pic>
-      <p:sp>
-        <p:nvSpPr>
-          <p:cNvPr id="3" name="Slide Number Placeholder 2"/>
-          <p:cNvSpPr>
-            <a:spLocks noGrp="1"/>
-          </p:cNvSpPr>
-          <p:nvPr>
-            <p:ph type="sldNum" sz="quarter" idx="12"/>
-          </p:nvPr>
-        </p:nvSpPr>
-        <p:spPr/>
-        <p:txBody>
-          <a:bodyPr/>
-          <a:lstStyle/>
-          <a:p>
-            <a:fld id="{4382A7F7-08BF-4252-8141-63FB96055BBB}" type="slidenum">
-              <a:rPr lang="en-US" smtClean="0"/>
-              <a:t>8</a:t>
-            </a:fld>
-            <a:endParaRPr lang="en-US"/>
-          </a:p>
-        </p:txBody>
-      </p:sp>
     </p:spTree>
     <p:extLst>
       <p:ext uri="{BB962C8B-B14F-4D97-AF65-F5344CB8AC3E}">
-        <p14:creationId xmlns:p14="http://schemas.microsoft.com/office/powerpoint/2010/main" val="10254334"/>
+        <p14:creationId xmlns:p14="http://schemas.microsoft.com/office/powerpoint/2010/main" val="668171923"/>
       </p:ext>
     </p:extLst>
   </p:cSld>
@@ -10995,7 +12220,7 @@
   <p:timing>
     <p:tnLst>
       <p:par>
-        <p:cTn xmlns:p14="http://schemas.microsoft.com/office/powerpoint/2010/main" id="1" dur="indefinite" restart="never" nodeType="tmRoot"/>
+        <p:cTn id="1" dur="indefinite" restart="never" nodeType="tmRoot"/>
       </p:par>
     </p:tnLst>
   </p:timing>
@@ -11029,67 +12254,277 @@
             <p:ph type="title"/>
           </p:nvPr>
         </p:nvSpPr>
+        <p:spPr/>
+        <p:txBody>
+          <a:bodyPr>
+            <a:normAutofit/>
+          </a:bodyPr>
+          <a:lstStyle/>
+          <a:p>
+            <a:r>
+              <a:rPr lang="en-US" dirty="0" smtClean="0"/>
+              <a:t>Step </a:t>
+            </a:r>
+            <a:r>
+              <a:rPr lang="en-US" dirty="0"/>
+              <a:t>3</a:t>
+            </a:r>
+            <a:r>
+              <a:rPr lang="en-US" dirty="0" smtClean="0"/>
+              <a:t>A: Create a My Block</a:t>
+            </a:r>
+            <a:endParaRPr lang="en-US" dirty="0"/>
+          </a:p>
+        </p:txBody>
+      </p:sp>
+      <p:sp>
+        <p:nvSpPr>
+          <p:cNvPr id="4" name="Footer Placeholder 3"/>
+          <p:cNvSpPr>
+            <a:spLocks noGrp="1"/>
+          </p:cNvSpPr>
+          <p:nvPr>
+            <p:ph type="ftr" sz="quarter" idx="11"/>
+          </p:nvPr>
+        </p:nvSpPr>
+        <p:spPr/>
+        <p:txBody>
+          <a:bodyPr/>
+          <a:lstStyle/>
+          <a:p>
+            <a:r>
+              <a:rPr lang="en-US" dirty="0" smtClean="0"/>
+              <a:t>© 2015 EV3Lessons.com, Last edit 11/10/2015</a:t>
+            </a:r>
+            <a:endParaRPr lang="en-US" dirty="0"/>
+          </a:p>
+        </p:txBody>
+      </p:sp>
+      <p:sp>
+        <p:nvSpPr>
+          <p:cNvPr id="11" name="TextBox 10"/>
+          <p:cNvSpPr txBox="1"/>
+          <p:nvPr/>
+        </p:nvSpPr>
         <p:spPr>
           <a:xfrm>
-            <a:off x="105313" y="340286"/>
-            <a:ext cx="8742029" cy="1371600"/>
+            <a:off x="540329" y="1875281"/>
+            <a:ext cx="3178206" cy="4524315"/>
           </a:xfrm>
+          <a:prstGeom prst="rect">
+            <a:avLst/>
+          </a:prstGeom>
           <a:noFill/>
         </p:spPr>
         <p:txBody>
-          <a:bodyPr>
-            <a:normAutofit fontScale="90000"/>
+          <a:bodyPr wrap="square" rtlCol="0">
+            <a:spAutoFit/>
           </a:bodyPr>
           <a:lstStyle/>
           <a:p>
-            <a:r>
-              <a:rPr lang="en-US" dirty="0" smtClean="0"/>
-              <a:t>Inside the My  Block: </a:t>
-            </a:r>
-            <a:br>
-              <a:rPr lang="en-US" dirty="0" smtClean="0"/>
-            </a:br>
-            <a:r>
-              <a:rPr lang="en-US" dirty="0" smtClean="0"/>
-              <a:t>Turn Degrees Left</a:t>
-            </a:r>
-            <a:endParaRPr lang="en-US" dirty="0"/>
-          </a:p>
-        </p:txBody>
-      </p:sp>
-      <p:sp>
-        <p:nvSpPr>
-          <p:cNvPr id="4" name="Footer Placeholder 3"/>
-          <p:cNvSpPr>
-            <a:spLocks noGrp="1"/>
-          </p:cNvSpPr>
-          <p:nvPr>
-            <p:ph type="ftr" sz="quarter" idx="11"/>
-          </p:nvPr>
-        </p:nvSpPr>
-        <p:spPr/>
-        <p:txBody>
-          <a:bodyPr/>
-          <a:lstStyle/>
-          <a:p>
-            <a:r>
-              <a:rPr lang="en-US" smtClean="0"/>
-              <a:t>© 2015 EV3Lessons.com, Last edit 4/8/2015</a:t>
-            </a:r>
-            <a:endParaRPr lang="en-US"/>
+            <a:pPr marL="342900" indent="-342900">
+              <a:buFont typeface="+mj-lt"/>
+              <a:buAutoNum type="alphaUcPeriod"/>
+            </a:pPr>
+            <a:r>
+              <a:rPr lang="en-US" sz="2400" dirty="0" smtClean="0">
+                <a:solidFill>
+                  <a:srgbClr val="00B0F0"/>
+                </a:solidFill>
+              </a:rPr>
+              <a:t>Highlight all the blocks then go to My Block Builder</a:t>
+            </a:r>
+          </a:p>
+          <a:p>
+            <a:pPr marL="342900" indent="-342900">
+              <a:buFont typeface="+mj-lt"/>
+              <a:buAutoNum type="alphaUcPeriod"/>
+            </a:pPr>
+            <a:endParaRPr lang="en-US" sz="2400" dirty="0" smtClean="0">
+              <a:solidFill>
+                <a:srgbClr val="00B050"/>
+              </a:solidFill>
+            </a:endParaRPr>
+          </a:p>
+          <a:p>
+            <a:pPr marL="342900" indent="-342900">
+              <a:buFont typeface="+mj-lt"/>
+              <a:buAutoNum type="alphaUcPeriod"/>
+            </a:pPr>
+            <a:r>
+              <a:rPr lang="en-US" sz="2400" dirty="0" smtClean="0">
+                <a:solidFill>
+                  <a:srgbClr val="FF0000"/>
+                </a:solidFill>
+              </a:rPr>
+              <a:t>Add 2 inputs: one for power and one for and degrees</a:t>
+            </a:r>
+            <a:r>
+              <a:rPr lang="en-US" sz="2400" dirty="0" smtClean="0">
+                <a:solidFill>
+                  <a:srgbClr val="00B050"/>
+                </a:solidFill>
+              </a:rPr>
+              <a:t> </a:t>
+            </a:r>
+          </a:p>
+          <a:p>
+            <a:pPr marL="342900" indent="-342900">
+              <a:buFont typeface="+mj-lt"/>
+              <a:buAutoNum type="alphaUcPeriod"/>
+            </a:pPr>
+            <a:endParaRPr lang="en-US" sz="2400" dirty="0" smtClean="0">
+              <a:solidFill>
+                <a:srgbClr val="00B050"/>
+              </a:solidFill>
+            </a:endParaRPr>
+          </a:p>
+          <a:p>
+            <a:r>
+              <a:rPr lang="en-US" sz="2400" dirty="0"/>
+              <a:t>Refer to the My Blocks with Inputs &amp; Outputs lesson if you need help setting up the My Block</a:t>
+            </a:r>
+            <a:endParaRPr lang="en-US" sz="2400" dirty="0">
+              <a:solidFill>
+                <a:srgbClr val="00B050"/>
+              </a:solidFill>
+            </a:endParaRPr>
+          </a:p>
+        </p:txBody>
+      </p:sp>
+      <p:sp>
+        <p:nvSpPr>
+          <p:cNvPr id="13" name="TextBox 12"/>
+          <p:cNvSpPr txBox="1"/>
+          <p:nvPr/>
+        </p:nvSpPr>
+        <p:spPr>
+          <a:xfrm>
+            <a:off x="4052657" y="4245161"/>
+            <a:ext cx="426128" cy="523220"/>
+          </a:xfrm>
+          <a:prstGeom prst="rect">
+            <a:avLst/>
+          </a:prstGeom>
+          <a:noFill/>
+        </p:spPr>
+        <p:txBody>
+          <a:bodyPr wrap="square" rtlCol="0">
+            <a:spAutoFit/>
+          </a:bodyPr>
+          <a:lstStyle/>
+          <a:p>
+            <a:r>
+              <a:rPr lang="en-US" sz="2800" b="1" dirty="0" smtClean="0">
+                <a:solidFill>
+                  <a:srgbClr val="FF0000"/>
+                </a:solidFill>
+              </a:rPr>
+              <a:t>B</a:t>
+            </a:r>
+            <a:endParaRPr lang="en-US" sz="2800" b="1" dirty="0">
+              <a:solidFill>
+                <a:srgbClr val="FF0000"/>
+              </a:solidFill>
+            </a:endParaRPr>
           </a:p>
         </p:txBody>
       </p:sp>
       <p:pic>
         <p:nvPicPr>
-          <p:cNvPr id="5" name="Picture 4" descr="Screen Shot 2014-09-29 at 4.52.15 PM.png"/>
+          <p:cNvPr id="12" name="Picture 11" descr="Screen Clipping"/>
+          <p:cNvPicPr>
+            <a:picLocks noChangeAspect="1"/>
+          </p:cNvPicPr>
+          <p:nvPr/>
+        </p:nvPicPr>
+        <p:blipFill rotWithShape="1">
+          <a:blip r:embed="rId2" cstate="email">
+            <a:extLst>
+              <a:ext uri="{28A0092B-C50C-407E-A947-70E740481C1C}">
+                <a14:useLocalDpi xmlns:a14="http://schemas.microsoft.com/office/drawing/2010/main" val="0"/>
+              </a:ext>
+            </a:extLst>
+          </a:blip>
+          <a:srcRect t="47451" b="29228"/>
+          <a:stretch/>
+        </p:blipFill>
+        <p:spPr>
+          <a:xfrm>
+            <a:off x="4059166" y="2308594"/>
+            <a:ext cx="5084834" cy="643597"/>
+          </a:xfrm>
+          <a:prstGeom prst="rect">
+            <a:avLst/>
+          </a:prstGeom>
+        </p:spPr>
+      </p:pic>
+      <p:sp>
+        <p:nvSpPr>
+          <p:cNvPr id="9" name="Rectangle 8"/>
+          <p:cNvSpPr/>
+          <p:nvPr/>
+        </p:nvSpPr>
+        <p:spPr>
+          <a:xfrm>
+            <a:off x="4533847" y="2308593"/>
+            <a:ext cx="4475242" cy="735293"/>
+          </a:xfrm>
+          <a:prstGeom prst="rect">
+            <a:avLst/>
+          </a:prstGeom>
+          <a:noFill/>
+          <a:ln w="76200">
+            <a:solidFill>
+              <a:srgbClr val="00B0F0"/>
+            </a:solidFill>
+          </a:ln>
+        </p:spPr>
+        <p:style>
+          <a:lnRef idx="1">
+            <a:schemeClr val="accent1"/>
+          </a:lnRef>
+          <a:fillRef idx="3">
+            <a:schemeClr val="accent1"/>
+          </a:fillRef>
+          <a:effectRef idx="2">
+            <a:schemeClr val="accent1"/>
+          </a:effectRef>
+          <a:fontRef idx="minor">
+            <a:schemeClr val="lt1"/>
+          </a:fontRef>
+        </p:style>
+        <p:txBody>
+          <a:bodyPr rtlCol="0" anchor="ctr"/>
+          <a:lstStyle/>
+          <a:p>
+            <a:pPr algn="ctr"/>
+            <a:r>
+              <a:rPr lang="en-US" sz="2800" b="1" dirty="0" smtClean="0">
+                <a:solidFill>
+                  <a:srgbClr val="00B0F0"/>
+                </a:solidFill>
+              </a:rPr>
+              <a:t>A</a:t>
+            </a:r>
+            <a:endParaRPr lang="en-US" b="1" dirty="0">
+              <a:solidFill>
+                <a:srgbClr val="00B0F0"/>
+              </a:solidFill>
+            </a:endParaRPr>
+          </a:p>
+        </p:txBody>
+      </p:sp>
+      <p:pic>
+        <p:nvPicPr>
+          <p:cNvPr id="3" name="Picture 2" descr="Screen Clipping"/>
           <p:cNvPicPr>
             <a:picLocks noChangeAspect="1"/>
           </p:cNvPicPr>
           <p:nvPr/>
         </p:nvPicPr>
         <p:blipFill>
-          <a:blip r:embed="rId2">
+          <a:blip r:embed="rId3" cstate="email">
             <a:extLst>
               <a:ext uri="{28A0092B-C50C-407E-A947-70E740481C1C}">
                 <a14:useLocalDpi xmlns:a14="http://schemas.microsoft.com/office/drawing/2010/main" val="0"/>
@@ -11102,8 +12537,8 @@
         </p:blipFill>
         <p:spPr>
           <a:xfrm>
-            <a:off x="324470" y="2279079"/>
-            <a:ext cx="8522872" cy="2080701"/>
+            <a:off x="4571205" y="3324766"/>
+            <a:ext cx="3778315" cy="3433671"/>
           </a:xfrm>
           <a:prstGeom prst="rect">
             <a:avLst/>
@@ -11112,7 +12547,7 @@
       </p:pic>
       <p:sp>
         <p:nvSpPr>
-          <p:cNvPr id="3" name="Slide Number Placeholder 2"/>
+          <p:cNvPr id="5" name="Slide Number Placeholder 4"/>
           <p:cNvSpPr>
             <a:spLocks noGrp="1"/>
           </p:cNvSpPr>
@@ -11129,14 +12564,14 @@
               <a:rPr lang="en-US" smtClean="0"/>
               <a:t>9</a:t>
             </a:fld>
-            <a:endParaRPr lang="en-US"/>
+            <a:endParaRPr lang="en-US" dirty="0"/>
           </a:p>
         </p:txBody>
       </p:sp>
     </p:spTree>
     <p:extLst>
       <p:ext uri="{BB962C8B-B14F-4D97-AF65-F5344CB8AC3E}">
-        <p14:creationId xmlns:p14="http://schemas.microsoft.com/office/powerpoint/2010/main" val="1748496806"/>
+        <p14:creationId xmlns:p14="http://schemas.microsoft.com/office/powerpoint/2010/main" val="3806522717"/>
       </p:ext>
     </p:extLst>
   </p:cSld>
@@ -11146,7 +12581,7 @@
   <p:timing>
     <p:tnLst>
       <p:par>
-        <p:cTn xmlns:p14="http://schemas.microsoft.com/office/powerpoint/2010/main" id="1" dur="indefinite" restart="never" nodeType="tmRoot"/>
+        <p:cTn id="1" dur="indefinite" restart="never" nodeType="tmRoot"/>
       </p:par>
     </p:tnLst>
   </p:timing>

--- a/translations/en-us/advanced/GyroTurn.pptx
+++ b/translations/en-us/advanced/GyroTurn.pptx
@@ -2,7 +2,7 @@
 <file path=ppt/presentation.xml><?xml version="1.0" encoding="utf-8"?>
 <p:presentation xmlns:a="http://schemas.openxmlformats.org/drawingml/2006/main" xmlns:r="http://schemas.openxmlformats.org/officeDocument/2006/relationships" xmlns:p="http://schemas.openxmlformats.org/presentationml/2006/main" saveSubsetFonts="1">
   <p:sldMasterIdLst>
-    <p:sldMasterId id="2147483818" r:id="rId1"/>
+    <p:sldMasterId id="2147483835" r:id="rId1"/>
   </p:sldMasterIdLst>
   <p:notesMasterIdLst>
     <p:notesMasterId r:id="rId21"/>
@@ -229,7 +229,7 @@
           <a:p>
             <a:fld id="{E354B44E-40A3-0E46-B16A-9BF1250A248B}" type="datetimeFigureOut">
               <a:rPr lang="en-US" smtClean="0"/>
-              <a:t>11/12/2015</a:t>
+              <a:t>11/15/15</a:t>
             </a:fld>
             <a:endParaRPr lang="en-US"/>
           </a:p>
@@ -395,7 +395,7 @@
           <a:p>
             <a:fld id="{C86AD16C-2DB4-6642-BAD4-9ED973A087A0}" type="datetimeFigureOut">
               <a:rPr lang="en-US" smtClean="0"/>
-              <a:t>11/12/2015</a:t>
+              <a:t>11/15/15</a:t>
             </a:fld>
             <a:endParaRPr lang="en-US"/>
           </a:p>
@@ -950,7 +950,7 @@
           <a:p>
             <a:fld id="{03D03224-C78A-48B8-ACAD-0B29C3D7860E}" type="datetime1">
               <a:rPr lang="en-US" smtClean="0"/>
-              <a:t>11/12/2015</a:t>
+              <a:t>11/15/15</a:t>
             </a:fld>
             <a:endParaRPr lang="en-US"/>
           </a:p>
@@ -1010,17 +1010,15 @@
         </p:nvSpPr>
         <p:spPr>
           <a:xfrm>
-            <a:off x="284163" y="444728"/>
-            <a:ext cx="8574087" cy="1468437"/>
+            <a:off x="1" y="-1"/>
+            <a:ext cx="9144000" cy="1920240"/>
           </a:xfrm>
           <a:prstGeom prst="rect">
             <a:avLst/>
           </a:prstGeom>
           <a:solidFill>
-            <a:schemeClr val="tx1">
-              <a:lumMod val="85000"/>
-              <a:lumOff val="15000"/>
-              <a:alpha val="85000"/>
+            <a:schemeClr val="bg2">
+              <a:lumMod val="25000"/>
             </a:schemeClr>
           </a:solidFill>
         </p:spPr>
@@ -1038,7 +1036,10 @@
             </a:pPr>
             <a:endParaRPr sz="4200" kern="1200">
               <a:solidFill>
-                <a:schemeClr val="bg1"/>
+                <a:schemeClr val="tx1">
+                  <a:lumMod val="85000"/>
+                  <a:lumOff val="15000"/>
+                </a:schemeClr>
               </a:solidFill>
               <a:latin typeface="+mj-lt"/>
               <a:ea typeface="+mj-ea"/>
@@ -1055,8 +1056,8 @@
         </p:nvGrpSpPr>
         <p:grpSpPr>
           <a:xfrm>
-            <a:off x="284163" y="1906542"/>
-            <a:ext cx="8576373" cy="137411"/>
+            <a:off x="0" y="1920240"/>
+            <a:ext cx="9144000" cy="137411"/>
             <a:chOff x="284163" y="1759424"/>
             <a:chExt cx="8576373" cy="137411"/>
           </a:xfrm>
@@ -1207,13 +1208,13 @@
             <a:spLocks noGrp="1"/>
           </p:cNvSpPr>
           <p:nvPr>
-            <p:ph type="ctrTitle" hasCustomPrompt="1"/>
+            <p:ph type="ctrTitle"/>
           </p:nvPr>
         </p:nvSpPr>
         <p:spPr>
           <a:xfrm>
-            <a:off x="421341" y="449005"/>
-            <a:ext cx="7808976" cy="1088136"/>
+            <a:off x="457200" y="2855890"/>
+            <a:ext cx="8229600" cy="1088136"/>
           </a:xfrm>
           <a:noFill/>
         </p:spPr>
@@ -1222,7 +1223,7 @@
             <a:normAutofit/>
           </a:bodyPr>
           <a:lstStyle>
-            <a:lvl1pPr marL="0" algn="l" defTabSz="914400" rtl="0" eaLnBrk="1" latinLnBrk="0" hangingPunct="1">
+            <a:lvl1pPr marL="0" algn="ctr" defTabSz="914400" rtl="0" eaLnBrk="1" latinLnBrk="0" hangingPunct="1">
               <a:lnSpc>
                 <a:spcPts val="4600"/>
               </a:lnSpc>
@@ -1230,9 +1231,9 @@
                 <a:spcPct val="0"/>
               </a:spcBef>
               <a:buNone/>
-              <a:defRPr sz="4200" kern="1200" baseline="0">
+              <a:defRPr sz="4000" kern="1200" baseline="0">
                 <a:solidFill>
-                  <a:schemeClr val="bg1"/>
+                  <a:schemeClr val="tx1"/>
                 </a:solidFill>
                 <a:latin typeface="+mj-lt"/>
                 <a:ea typeface="+mj-ea"/>
@@ -1242,8 +1243,8 @@
           </a:lstStyle>
           <a:p>
             <a:r>
-              <a:rPr lang="en-US" dirty="0" smtClean="0"/>
-              <a:t>Advanced Programming Lesson</a:t>
+              <a:rPr lang="en-US" smtClean="0"/>
+              <a:t>Click to edit Master title style</a:t>
             </a:r>
             <a:endParaRPr dirty="0"/>
           </a:p>
@@ -1261,8 +1262,8 @@
         </p:nvSpPr>
         <p:spPr>
           <a:xfrm>
-            <a:off x="476205" y="1532427"/>
-            <a:ext cx="7754112" cy="484632"/>
+            <a:off x="457200" y="4075497"/>
+            <a:ext cx="8229600" cy="484632"/>
           </a:xfrm>
         </p:spPr>
         <p:txBody>
@@ -1270,7 +1271,7 @@
             <a:normAutofit/>
           </a:bodyPr>
           <a:lstStyle>
-            <a:lvl1pPr marL="0" indent="0" algn="l" defTabSz="914400" rtl="0" eaLnBrk="1" latinLnBrk="0" hangingPunct="1">
+            <a:lvl1pPr marL="0" indent="0" algn="ctr" defTabSz="914400" rtl="0" eaLnBrk="1" latinLnBrk="0" hangingPunct="1">
               <a:lnSpc>
                 <a:spcPct val="100000"/>
               </a:lnSpc>
@@ -1287,7 +1288,7 @@
               <a:buNone/>
               <a:defRPr sz="1800" kern="1200">
                 <a:solidFill>
-                  <a:schemeClr val="bg1"/>
+                  <a:schemeClr val="tx1"/>
                 </a:solidFill>
                 <a:latin typeface="+mn-lt"/>
                 <a:ea typeface="+mn-ea"/>
@@ -1399,11 +1400,7 @@
             <a:avLst/>
           </a:prstGeom>
           <a:solidFill>
-            <a:schemeClr val="tx1">
-              <a:lumMod val="85000"/>
-              <a:lumOff val="15000"/>
-              <a:alpha val="70000"/>
-            </a:schemeClr>
+            <a:schemeClr val="tx1"/>
           </a:solidFill>
           <a:ln>
             <a:noFill/>
@@ -1434,7 +1431,408 @@
           </a:p>
         </p:txBody>
       </p:sp>
+      <p:sp>
+        <p:nvSpPr>
+          <p:cNvPr id="14" name="TextBox 13"/>
+          <p:cNvSpPr txBox="1"/>
+          <p:nvPr/>
+        </p:nvSpPr>
+        <p:spPr>
+          <a:xfrm>
+            <a:off x="329321" y="365291"/>
+            <a:ext cx="5046247" cy="1200329"/>
+          </a:xfrm>
+          <a:prstGeom prst="rect">
+            <a:avLst/>
+          </a:prstGeom>
+          <a:noFill/>
+        </p:spPr>
+        <p:txBody>
+          <a:bodyPr wrap="square" rtlCol="0">
+            <a:spAutoFit/>
+          </a:bodyPr>
+          <a:lstStyle/>
+          <a:p>
+            <a:r>
+              <a:rPr lang="en-US" sz="3600" dirty="0" smtClean="0">
+                <a:solidFill>
+                  <a:schemeClr val="bg1"/>
+                </a:solidFill>
+              </a:rPr>
+              <a:t>ADVANCED EV3 PROGRAMMING LESSON</a:t>
+            </a:r>
+            <a:endParaRPr lang="en-US" sz="3600" dirty="0">
+              <a:solidFill>
+                <a:schemeClr val="bg1"/>
+              </a:solidFill>
+            </a:endParaRPr>
+          </a:p>
+        </p:txBody>
+      </p:sp>
+      <p:pic>
+        <p:nvPicPr>
+          <p:cNvPr id="15" name="Picture 14" descr="EV3Lessons.com"/>
+          <p:cNvPicPr>
+            <a:picLocks noChangeAspect="1" noChangeArrowheads="1"/>
+          </p:cNvPicPr>
+          <p:nvPr/>
+        </p:nvPicPr>
+        <p:blipFill>
+          <a:blip r:embed="rId2" cstate="email">
+            <a:extLst>
+              <a:ext uri="{28A0092B-C50C-407E-A947-70E740481C1C}">
+                <a14:useLocalDpi xmlns:a14="http://schemas.microsoft.com/office/drawing/2010/main" val="0"/>
+              </a:ext>
+            </a:extLst>
+          </a:blip>
+          <a:srcRect/>
+          <a:stretch>
+            <a:fillRect/>
+          </a:stretch>
+        </p:blipFill>
+        <p:spPr bwMode="auto">
+          <a:xfrm>
+            <a:off x="5820917" y="473502"/>
+            <a:ext cx="2940317" cy="1092118"/>
+          </a:xfrm>
+          <a:prstGeom prst="rect">
+            <a:avLst/>
+          </a:prstGeom>
+          <a:noFill/>
+          <a:extLst>
+            <a:ext uri="{909E8E84-426E-40dd-AFC4-6F175D3DCCD1}">
+              <a14:hiddenFill xmlns="" xmlns:a14="http://schemas.microsoft.com/office/drawing/2010/main">
+                <a:solidFill>
+                  <a:srgbClr val="FFFFFF"/>
+                </a:solidFill>
+              </a14:hiddenFill>
+            </a:ext>
+          </a:extLst>
+        </p:spPr>
+      </p:pic>
+      <p:cxnSp>
+        <p:nvCxnSpPr>
+          <p:cNvPr id="17" name="Straight Connector 16"/>
+          <p:cNvCxnSpPr/>
+          <p:nvPr/>
+        </p:nvCxnSpPr>
+        <p:spPr>
+          <a:xfrm>
+            <a:off x="457200" y="4012165"/>
+            <a:ext cx="8229600" cy="0"/>
+          </a:xfrm>
+          <a:prstGeom prst="line">
+            <a:avLst/>
+          </a:prstGeom>
+          <a:ln>
+            <a:solidFill>
+              <a:schemeClr val="tx1"/>
+            </a:solidFill>
+          </a:ln>
+        </p:spPr>
+        <p:style>
+          <a:lnRef idx="2">
+            <a:schemeClr val="accent1"/>
+          </a:lnRef>
+          <a:fillRef idx="0">
+            <a:schemeClr val="accent1"/>
+          </a:fillRef>
+          <a:effectRef idx="1">
+            <a:schemeClr val="accent1"/>
+          </a:effectRef>
+          <a:fontRef idx="minor">
+            <a:schemeClr val="tx1"/>
+          </a:fontRef>
+        </p:style>
+      </p:cxnSp>
+      <p:pic>
+        <p:nvPicPr>
+          <p:cNvPr id="12" name="Picture 11"/>
+          <p:cNvPicPr>
+            <a:picLocks noChangeAspect="1"/>
+          </p:cNvPicPr>
+          <p:nvPr/>
+        </p:nvPicPr>
+        <p:blipFill>
+          <a:blip r:embed="rId3">
+            <a:extLst>
+              <a:ext uri="{28A0092B-C50C-407E-A947-70E740481C1C}">
+                <a14:useLocalDpi xmlns:a14="http://schemas.microsoft.com/office/drawing/2010/main" val="0"/>
+              </a:ext>
+            </a:extLst>
+          </a:blip>
+          <a:stretch>
+            <a:fillRect/>
+          </a:stretch>
+        </p:blipFill>
+        <p:spPr>
+          <a:xfrm>
+            <a:off x="284163" y="4948514"/>
+            <a:ext cx="1265237" cy="1210410"/>
+          </a:xfrm>
+          <a:prstGeom prst="rect">
+            <a:avLst/>
+          </a:prstGeom>
+        </p:spPr>
+      </p:pic>
+      <p:sp>
+        <p:nvSpPr>
+          <p:cNvPr id="18" name="Subtitle 3"/>
+          <p:cNvSpPr txBox="1">
+            <a:spLocks/>
+          </p:cNvSpPr>
+          <p:nvPr/>
+        </p:nvSpPr>
+        <p:spPr>
+          <a:xfrm>
+            <a:off x="1549400" y="5829838"/>
+            <a:ext cx="3749229" cy="484094"/>
+          </a:xfrm>
+          <a:prstGeom prst="rect">
+            <a:avLst/>
+          </a:prstGeom>
+        </p:spPr>
+        <p:txBody>
+          <a:bodyPr vert="horz" lIns="91440" tIns="45720" rIns="91440" bIns="45720" rtlCol="0">
+            <a:normAutofit/>
+          </a:bodyPr>
+          <a:lstStyle>
+            <a:lvl1pPr marL="0" indent="0" algn="l" defTabSz="914400" rtl="0" eaLnBrk="1" latinLnBrk="0" hangingPunct="1">
+              <a:lnSpc>
+                <a:spcPct val="100000"/>
+              </a:lnSpc>
+              <a:spcBef>
+                <a:spcPts val="0"/>
+              </a:spcBef>
+              <a:buClr>
+                <a:schemeClr val="bg1">
+                  <a:lumMod val="65000"/>
+                </a:schemeClr>
+              </a:buClr>
+              <a:buSzPct val="90000"/>
+              <a:buFont typeface="Wingdings" pitchFamily="2" charset="2"/>
+              <a:buNone/>
+              <a:defRPr sz="1800" kern="1200">
+                <a:solidFill>
+                  <a:schemeClr val="bg1"/>
+                </a:solidFill>
+                <a:latin typeface="+mn-lt"/>
+                <a:ea typeface="+mn-ea"/>
+                <a:cs typeface="+mn-cs"/>
+              </a:defRPr>
+            </a:lvl1pPr>
+            <a:lvl2pPr marL="457200" indent="0" algn="ctr" defTabSz="914400" rtl="0" eaLnBrk="1" latinLnBrk="0" hangingPunct="1">
+              <a:spcBef>
+                <a:spcPts val="600"/>
+              </a:spcBef>
+              <a:buClr>
+                <a:schemeClr val="tx1">
+                  <a:lumMod val="75000"/>
+                  <a:lumOff val="25000"/>
+                </a:schemeClr>
+              </a:buClr>
+              <a:buSzPct val="90000"/>
+              <a:buFont typeface="Wingdings" pitchFamily="2" charset="2"/>
+              <a:buNone/>
+              <a:defRPr sz="2200" kern="1200">
+                <a:solidFill>
+                  <a:schemeClr val="tx1">
+                    <a:tint val="75000"/>
+                  </a:schemeClr>
+                </a:solidFill>
+                <a:latin typeface="+mn-lt"/>
+                <a:ea typeface="+mn-ea"/>
+                <a:cs typeface="+mn-cs"/>
+              </a:defRPr>
+            </a:lvl2pPr>
+            <a:lvl3pPr marL="914400" indent="0" algn="ctr" defTabSz="914400" rtl="0" eaLnBrk="1" latinLnBrk="0" hangingPunct="1">
+              <a:spcBef>
+                <a:spcPts val="600"/>
+              </a:spcBef>
+              <a:buClr>
+                <a:schemeClr val="bg1">
+                  <a:lumMod val="65000"/>
+                </a:schemeClr>
+              </a:buClr>
+              <a:buSzPct val="90000"/>
+              <a:buFont typeface="Wingdings" pitchFamily="2" charset="2"/>
+              <a:buNone/>
+              <a:defRPr sz="2000" kern="1200">
+                <a:solidFill>
+                  <a:schemeClr val="tx1">
+                    <a:tint val="75000"/>
+                  </a:schemeClr>
+                </a:solidFill>
+                <a:latin typeface="+mn-lt"/>
+                <a:ea typeface="+mn-ea"/>
+                <a:cs typeface="+mn-cs"/>
+              </a:defRPr>
+            </a:lvl3pPr>
+            <a:lvl4pPr marL="1371600" indent="0" algn="ctr" defTabSz="914400" rtl="0" eaLnBrk="1" latinLnBrk="0" hangingPunct="1">
+              <a:spcBef>
+                <a:spcPts val="600"/>
+              </a:spcBef>
+              <a:buClr>
+                <a:schemeClr val="tx1">
+                  <a:lumMod val="75000"/>
+                  <a:lumOff val="25000"/>
+                </a:schemeClr>
+              </a:buClr>
+              <a:buSzPct val="90000"/>
+              <a:buFont typeface="Wingdings" pitchFamily="2" charset="2"/>
+              <a:buNone/>
+              <a:defRPr sz="1800" kern="1200">
+                <a:solidFill>
+                  <a:schemeClr val="tx1">
+                    <a:tint val="75000"/>
+                  </a:schemeClr>
+                </a:solidFill>
+                <a:latin typeface="+mn-lt"/>
+                <a:ea typeface="+mn-ea"/>
+                <a:cs typeface="+mn-cs"/>
+              </a:defRPr>
+            </a:lvl4pPr>
+            <a:lvl5pPr marL="1828800" indent="0" algn="ctr" defTabSz="914400" rtl="0" eaLnBrk="1" latinLnBrk="0" hangingPunct="1">
+              <a:spcBef>
+                <a:spcPts val="600"/>
+              </a:spcBef>
+              <a:buClr>
+                <a:schemeClr val="bg1">
+                  <a:lumMod val="65000"/>
+                </a:schemeClr>
+              </a:buClr>
+              <a:buSzPct val="90000"/>
+              <a:buFont typeface="Wingdings" pitchFamily="2" charset="2"/>
+              <a:buNone/>
+              <a:defRPr sz="1800" kern="1200">
+                <a:solidFill>
+                  <a:schemeClr val="tx1">
+                    <a:tint val="75000"/>
+                  </a:schemeClr>
+                </a:solidFill>
+                <a:latin typeface="+mn-lt"/>
+                <a:ea typeface="+mn-ea"/>
+                <a:cs typeface="+mn-cs"/>
+              </a:defRPr>
+            </a:lvl5pPr>
+            <a:lvl6pPr marL="2286000" indent="0" algn="ctr" defTabSz="914400" rtl="0" eaLnBrk="1" latinLnBrk="0" hangingPunct="1">
+              <a:spcBef>
+                <a:spcPts val="600"/>
+              </a:spcBef>
+              <a:buClr>
+                <a:schemeClr val="tx1">
+                  <a:lumMod val="75000"/>
+                  <a:lumOff val="25000"/>
+                </a:schemeClr>
+              </a:buClr>
+              <a:buSzPct val="90000"/>
+              <a:buFont typeface="Wingdings" pitchFamily="2" charset="2"/>
+              <a:buNone/>
+              <a:defRPr lang="en-US" sz="1800" kern="1200">
+                <a:solidFill>
+                  <a:schemeClr val="tx1">
+                    <a:tint val="75000"/>
+                  </a:schemeClr>
+                </a:solidFill>
+                <a:latin typeface="+mn-lt"/>
+                <a:ea typeface="+mn-ea"/>
+                <a:cs typeface="+mn-cs"/>
+              </a:defRPr>
+            </a:lvl6pPr>
+            <a:lvl7pPr marL="2743200" indent="0" algn="ctr" defTabSz="914400" rtl="0" eaLnBrk="1" latinLnBrk="0" hangingPunct="1">
+              <a:spcBef>
+                <a:spcPts val="600"/>
+              </a:spcBef>
+              <a:buClr>
+                <a:schemeClr val="bg1">
+                  <a:lumMod val="65000"/>
+                </a:schemeClr>
+              </a:buClr>
+              <a:buSzPct val="90000"/>
+              <a:buFont typeface="Wingdings" pitchFamily="2" charset="2"/>
+              <a:buNone/>
+              <a:defRPr lang="en-US" sz="1800" kern="1200">
+                <a:solidFill>
+                  <a:schemeClr val="tx1">
+                    <a:tint val="75000"/>
+                  </a:schemeClr>
+                </a:solidFill>
+                <a:latin typeface="+mn-lt"/>
+                <a:ea typeface="+mn-ea"/>
+                <a:cs typeface="+mn-cs"/>
+              </a:defRPr>
+            </a:lvl7pPr>
+            <a:lvl8pPr marL="3200400" indent="0" algn="ctr" defTabSz="914400" rtl="0" eaLnBrk="1" latinLnBrk="0" hangingPunct="1">
+              <a:spcBef>
+                <a:spcPts val="600"/>
+              </a:spcBef>
+              <a:buClr>
+                <a:schemeClr val="tx1">
+                  <a:lumMod val="75000"/>
+                  <a:lumOff val="25000"/>
+                </a:schemeClr>
+              </a:buClr>
+              <a:buSzPct val="90000"/>
+              <a:buFont typeface="Wingdings" pitchFamily="2" charset="2"/>
+              <a:buNone/>
+              <a:defRPr lang="en-US" sz="1800" kern="1200">
+                <a:solidFill>
+                  <a:schemeClr val="tx1">
+                    <a:tint val="75000"/>
+                  </a:schemeClr>
+                </a:solidFill>
+                <a:latin typeface="+mn-lt"/>
+                <a:ea typeface="+mn-ea"/>
+                <a:cs typeface="+mn-cs"/>
+              </a:defRPr>
+            </a:lvl8pPr>
+            <a:lvl9pPr marL="3657600" indent="0" algn="ctr" defTabSz="914400" rtl="0" eaLnBrk="1" latinLnBrk="0" hangingPunct="1">
+              <a:spcBef>
+                <a:spcPts val="600"/>
+              </a:spcBef>
+              <a:buClr>
+                <a:schemeClr val="bg1">
+                  <a:lumMod val="65000"/>
+                </a:schemeClr>
+              </a:buClr>
+              <a:buSzPct val="90000"/>
+              <a:buFont typeface="Wingdings" pitchFamily="2" charset="2"/>
+              <a:buNone/>
+              <a:defRPr lang="en-US" sz="1800" kern="1200">
+                <a:solidFill>
+                  <a:schemeClr val="tx1">
+                    <a:tint val="75000"/>
+                  </a:schemeClr>
+                </a:solidFill>
+                <a:latin typeface="+mn-lt"/>
+                <a:ea typeface="+mn-ea"/>
+                <a:cs typeface="+mn-cs"/>
+              </a:defRPr>
+            </a:lvl9pPr>
+          </a:lstStyle>
+          <a:p>
+            <a:r>
+              <a:rPr lang="en-US" dirty="0" smtClean="0">
+                <a:solidFill>
+                  <a:schemeClr val="tx1"/>
+                </a:solidFill>
+              </a:rPr>
+              <a:t>By Droids Robotics</a:t>
+            </a:r>
+            <a:endParaRPr lang="en-US" dirty="0">
+              <a:solidFill>
+                <a:schemeClr val="tx1"/>
+              </a:solidFill>
+            </a:endParaRPr>
+          </a:p>
+        </p:txBody>
+      </p:sp>
     </p:spTree>
+    <p:extLst>
+      <p:ext uri="{BB962C8B-B14F-4D97-AF65-F5344CB8AC3E}">
+        <p14:creationId xmlns:p14="http://schemas.microsoft.com/office/powerpoint/2010/main" val="1990452345"/>
+      </p:ext>
+    </p:extLst>
   </p:cSld>
   <p:clrMapOvr>
     <a:masterClrMapping/>
@@ -1450,2327 +1848,7 @@
 </file>
 
 <file path=ppt/slideLayouts/slideLayout10.xml><?xml version="1.0" encoding="utf-8"?>
-<p:sldLayout xmlns:a="http://schemas.openxmlformats.org/drawingml/2006/main" xmlns:r="http://schemas.openxmlformats.org/officeDocument/2006/relationships" xmlns:p="http://schemas.openxmlformats.org/presentationml/2006/main" preserve="1">
-  <p:cSld name="Content, Picture, and Caption">
-    <p:spTree>
-      <p:nvGrpSpPr>
-        <p:cNvPr id="1" name=""/>
-        <p:cNvGrpSpPr/>
-        <p:nvPr/>
-      </p:nvGrpSpPr>
-      <p:grpSpPr>
-        <a:xfrm>
-          <a:off x="0" y="0"/>
-          <a:ext cx="0" cy="0"/>
-          <a:chOff x="0" y="0"/>
-          <a:chExt cx="0" cy="0"/>
-        </a:xfrm>
-      </p:grpSpPr>
-      <p:sp>
-        <p:nvSpPr>
-          <p:cNvPr id="3" name="Content Placeholder 2"/>
-          <p:cNvSpPr>
-            <a:spLocks noGrp="1"/>
-          </p:cNvSpPr>
-          <p:nvPr>
-            <p:ph idx="1"/>
-          </p:nvPr>
-        </p:nvSpPr>
-        <p:spPr>
-          <a:xfrm>
-            <a:off x="3657600" y="914400"/>
-            <a:ext cx="5195047" cy="5211763"/>
-          </a:xfrm>
-        </p:spPr>
-        <p:txBody>
-          <a:bodyPr>
-            <a:normAutofit/>
-          </a:bodyPr>
-          <a:lstStyle>
-            <a:lvl1pPr>
-              <a:defRPr sz="2200"/>
-            </a:lvl1pPr>
-            <a:lvl2pPr>
-              <a:defRPr sz="2000"/>
-            </a:lvl2pPr>
-            <a:lvl3pPr>
-              <a:defRPr sz="1800"/>
-            </a:lvl3pPr>
-            <a:lvl4pPr>
-              <a:defRPr sz="1800"/>
-            </a:lvl4pPr>
-            <a:lvl5pPr>
-              <a:defRPr sz="1800"/>
-            </a:lvl5pPr>
-            <a:lvl6pPr>
-              <a:defRPr sz="1800"/>
-            </a:lvl6pPr>
-            <a:lvl7pPr>
-              <a:defRPr sz="1800"/>
-            </a:lvl7pPr>
-            <a:lvl8pPr>
-              <a:defRPr sz="1800"/>
-            </a:lvl8pPr>
-            <a:lvl9pPr>
-              <a:defRPr sz="1800"/>
-            </a:lvl9pPr>
-          </a:lstStyle>
-          <a:p>
-            <a:pPr lvl="0"/>
-            <a:r>
-              <a:rPr lang="en-US" smtClean="0"/>
-              <a:t>Click to edit Master text styles</a:t>
-            </a:r>
-          </a:p>
-          <a:p>
-            <a:pPr lvl="1"/>
-            <a:r>
-              <a:rPr lang="en-US" smtClean="0"/>
-              <a:t>Second level</a:t>
-            </a:r>
-          </a:p>
-          <a:p>
-            <a:pPr lvl="2"/>
-            <a:r>
-              <a:rPr lang="en-US" smtClean="0"/>
-              <a:t>Third level</a:t>
-            </a:r>
-          </a:p>
-          <a:p>
-            <a:pPr lvl="3"/>
-            <a:r>
-              <a:rPr lang="en-US" smtClean="0"/>
-              <a:t>Fourth level</a:t>
-            </a:r>
-          </a:p>
-          <a:p>
-            <a:pPr lvl="4"/>
-            <a:r>
-              <a:rPr lang="en-US" smtClean="0"/>
-              <a:t>Fifth level</a:t>
-            </a:r>
-            <a:endParaRPr dirty="0"/>
-          </a:p>
-        </p:txBody>
-      </p:sp>
-      <p:sp>
-        <p:nvSpPr>
-          <p:cNvPr id="5" name="Date Placeholder 4"/>
-          <p:cNvSpPr>
-            <a:spLocks noGrp="1"/>
-          </p:cNvSpPr>
-          <p:nvPr>
-            <p:ph type="dt" sz="half" idx="10"/>
-          </p:nvPr>
-        </p:nvSpPr>
-        <p:spPr/>
-        <p:txBody>
-          <a:bodyPr/>
-          <a:lstStyle/>
-          <a:p>
-            <a:fld id="{001D888E-E3C8-44B0-B2E0-06E87BFCDB74}" type="datetime1">
-              <a:rPr lang="en-US" smtClean="0"/>
-              <a:t>11/12/2015</a:t>
-            </a:fld>
-            <a:endParaRPr lang="en-US" dirty="0"/>
-          </a:p>
-        </p:txBody>
-      </p:sp>
-      <p:sp>
-        <p:nvSpPr>
-          <p:cNvPr id="6" name="Footer Placeholder 5"/>
-          <p:cNvSpPr>
-            <a:spLocks noGrp="1"/>
-          </p:cNvSpPr>
-          <p:nvPr>
-            <p:ph type="ftr" sz="quarter" idx="11"/>
-          </p:nvPr>
-        </p:nvSpPr>
-        <p:spPr/>
-        <p:txBody>
-          <a:bodyPr/>
-          <a:lstStyle/>
-          <a:p>
-            <a:r>
-              <a:rPr lang="en-US" smtClean="0"/>
-              <a:t>© 2015 EV3Lessons.com, Last edit 11/10/2015</a:t>
-            </a:r>
-            <a:endParaRPr lang="en-US" dirty="0"/>
-          </a:p>
-        </p:txBody>
-      </p:sp>
-      <p:sp>
-        <p:nvSpPr>
-          <p:cNvPr id="7" name="Slide Number Placeholder 6"/>
-          <p:cNvSpPr>
-            <a:spLocks noGrp="1"/>
-          </p:cNvSpPr>
-          <p:nvPr>
-            <p:ph type="sldNum" sz="quarter" idx="12"/>
-          </p:nvPr>
-        </p:nvSpPr>
-        <p:spPr/>
-        <p:txBody>
-          <a:bodyPr/>
-          <a:lstStyle/>
-          <a:p>
-            <a:fld id="{4382A7F7-08BF-4252-8141-63FB96055BBB}" type="slidenum">
-              <a:rPr lang="en-US" smtClean="0"/>
-              <a:t>‹#›</a:t>
-            </a:fld>
-            <a:endParaRPr lang="en-US"/>
-          </a:p>
-        </p:txBody>
-      </p:sp>
-      <p:sp>
-        <p:nvSpPr>
-          <p:cNvPr id="12" name="Rectangle 11"/>
-          <p:cNvSpPr/>
-          <p:nvPr/>
-        </p:nvSpPr>
-        <p:spPr>
-          <a:xfrm>
-            <a:off x="284163" y="4267200"/>
-            <a:ext cx="2743200" cy="2120153"/>
-          </a:xfrm>
-          <a:prstGeom prst="rect">
-            <a:avLst/>
-          </a:prstGeom>
-          <a:solidFill>
-            <a:schemeClr val="tx1">
-              <a:lumMod val="85000"/>
-              <a:lumOff val="15000"/>
-              <a:alpha val="85000"/>
-            </a:schemeClr>
-          </a:solidFill>
-        </p:spPr>
-        <p:txBody>
-          <a:bodyPr vert="horz" lIns="91440" tIns="45720" rIns="182880" bIns="365760" rtlCol="0" anchor="b" anchorCtr="0">
-            <a:normAutofit/>
-          </a:bodyPr>
-          <a:lstStyle/>
-          <a:p>
-            <a:pPr algn="l" defTabSz="914400" rtl="0" eaLnBrk="1" latinLnBrk="0" hangingPunct="1">
-              <a:spcBef>
-                <a:spcPct val="0"/>
-              </a:spcBef>
-              <a:buNone/>
-            </a:pPr>
-            <a:endParaRPr sz="4200" kern="1200">
-              <a:solidFill>
-                <a:schemeClr val="bg1"/>
-              </a:solidFill>
-              <a:latin typeface="+mj-lt"/>
-              <a:ea typeface="+mj-ea"/>
-              <a:cs typeface="+mj-cs"/>
-            </a:endParaRPr>
-          </a:p>
-        </p:txBody>
-      </p:sp>
-      <p:sp>
-        <p:nvSpPr>
-          <p:cNvPr id="4" name="Text Placeholder 3"/>
-          <p:cNvSpPr>
-            <a:spLocks noGrp="1"/>
-          </p:cNvSpPr>
-          <p:nvPr>
-            <p:ph type="body" sz="half" idx="2"/>
-          </p:nvPr>
-        </p:nvSpPr>
-        <p:spPr>
-          <a:xfrm>
-            <a:off x="419101" y="4953001"/>
-            <a:ext cx="2472017" cy="1246094"/>
-          </a:xfrm>
-        </p:spPr>
-        <p:txBody>
-          <a:bodyPr>
-            <a:normAutofit/>
-          </a:bodyPr>
-          <a:lstStyle>
-            <a:lvl1pPr marL="0" indent="0" algn="l">
-              <a:spcBef>
-                <a:spcPts val="0"/>
-              </a:spcBef>
-              <a:buNone/>
-              <a:defRPr sz="1400">
-                <a:solidFill>
-                  <a:schemeClr val="bg1"/>
-                </a:solidFill>
-              </a:defRPr>
-            </a:lvl1pPr>
-            <a:lvl2pPr marL="457200" indent="0">
-              <a:buNone/>
-              <a:defRPr sz="1200"/>
-            </a:lvl2pPr>
-            <a:lvl3pPr marL="914400" indent="0">
-              <a:buNone/>
-              <a:defRPr sz="1000"/>
-            </a:lvl3pPr>
-            <a:lvl4pPr marL="1371600" indent="0">
-              <a:buNone/>
-              <a:defRPr sz="900"/>
-            </a:lvl4pPr>
-            <a:lvl5pPr marL="1828800" indent="0">
-              <a:buNone/>
-              <a:defRPr sz="900"/>
-            </a:lvl5pPr>
-            <a:lvl6pPr marL="2286000" indent="0">
-              <a:buNone/>
-              <a:defRPr sz="900"/>
-            </a:lvl6pPr>
-            <a:lvl7pPr marL="2743200" indent="0">
-              <a:buNone/>
-              <a:defRPr sz="900"/>
-            </a:lvl7pPr>
-            <a:lvl8pPr marL="3200400" indent="0">
-              <a:buNone/>
-              <a:defRPr sz="900"/>
-            </a:lvl8pPr>
-            <a:lvl9pPr marL="3657600" indent="0">
-              <a:buNone/>
-              <a:defRPr sz="900"/>
-            </a:lvl9pPr>
-          </a:lstStyle>
-          <a:p>
-            <a:pPr lvl="0"/>
-            <a:r>
-              <a:rPr lang="en-US" smtClean="0"/>
-              <a:t>Click to edit Master text styles</a:t>
-            </a:r>
-          </a:p>
-        </p:txBody>
-      </p:sp>
-      <p:sp>
-        <p:nvSpPr>
-          <p:cNvPr id="2" name="Title 1"/>
-          <p:cNvSpPr>
-            <a:spLocks noGrp="1"/>
-          </p:cNvSpPr>
-          <p:nvPr>
-            <p:ph type="title"/>
-          </p:nvPr>
-        </p:nvSpPr>
-        <p:spPr>
-          <a:xfrm>
-            <a:off x="410764" y="4419600"/>
-            <a:ext cx="2475395" cy="510988"/>
-          </a:xfrm>
-          <a:noFill/>
-        </p:spPr>
-        <p:txBody>
-          <a:bodyPr anchor="b">
-            <a:normAutofit/>
-          </a:bodyPr>
-          <a:lstStyle>
-            <a:lvl1pPr algn="l">
-              <a:defRPr sz="2000" b="1">
-                <a:solidFill>
-                  <a:schemeClr val="bg1"/>
-                </a:solidFill>
-              </a:defRPr>
-            </a:lvl1pPr>
-          </a:lstStyle>
-          <a:p>
-            <a:r>
-              <a:rPr lang="en-US" smtClean="0"/>
-              <a:t>Click to edit Master title style</a:t>
-            </a:r>
-            <a:endParaRPr/>
-          </a:p>
-        </p:txBody>
-      </p:sp>
-      <p:sp>
-        <p:nvSpPr>
-          <p:cNvPr id="14" name="Picture Placeholder 13"/>
-          <p:cNvSpPr>
-            <a:spLocks noGrp="1"/>
-          </p:cNvSpPr>
-          <p:nvPr>
-            <p:ph type="pic" sz="quarter" idx="13"/>
-          </p:nvPr>
-        </p:nvSpPr>
-        <p:spPr>
-          <a:xfrm>
-            <a:off x="284164" y="594360"/>
-            <a:ext cx="2743200" cy="3675888"/>
-          </a:xfrm>
-        </p:spPr>
-        <p:txBody>
-          <a:bodyPr/>
-          <a:lstStyle>
-            <a:lvl1pPr>
-              <a:buNone/>
-              <a:defRPr/>
-            </a:lvl1pPr>
-          </a:lstStyle>
-          <a:p>
-            <a:r>
-              <a:rPr lang="en-US" smtClean="0"/>
-              <a:t>Drag picture to placeholder or click icon to add</a:t>
-            </a:r>
-            <a:endParaRPr/>
-          </a:p>
-        </p:txBody>
-      </p:sp>
-      <p:grpSp>
-        <p:nvGrpSpPr>
-          <p:cNvPr id="8" name="Group 14"/>
-          <p:cNvGrpSpPr/>
-          <p:nvPr/>
-        </p:nvGrpSpPr>
-        <p:grpSpPr>
-          <a:xfrm>
-            <a:off x="284163" y="461682"/>
-            <a:ext cx="8576373" cy="137411"/>
-            <a:chOff x="284163" y="1759424"/>
-            <a:chExt cx="8576373" cy="137411"/>
-          </a:xfrm>
-        </p:grpSpPr>
-        <p:sp>
-          <p:nvSpPr>
-            <p:cNvPr id="16" name="Rectangle 15"/>
-            <p:cNvSpPr/>
-            <p:nvPr/>
-          </p:nvSpPr>
-          <p:spPr>
-            <a:xfrm>
-              <a:off x="284163" y="1759424"/>
-              <a:ext cx="2743200" cy="137411"/>
-            </a:xfrm>
-            <a:prstGeom prst="rect">
-              <a:avLst/>
-            </a:prstGeom>
-            <a:solidFill>
-              <a:schemeClr val="accent1"/>
-            </a:solidFill>
-            <a:ln>
-              <a:noFill/>
-            </a:ln>
-          </p:spPr>
-          <p:style>
-            <a:lnRef idx="2">
-              <a:schemeClr val="accent1">
-                <a:shade val="50000"/>
-              </a:schemeClr>
-            </a:lnRef>
-            <a:fillRef idx="1">
-              <a:schemeClr val="accent1"/>
-            </a:fillRef>
-            <a:effectRef idx="0">
-              <a:schemeClr val="accent1"/>
-            </a:effectRef>
-            <a:fontRef idx="minor">
-              <a:schemeClr val="lt1"/>
-            </a:fontRef>
-          </p:style>
-          <p:txBody>
-            <a:bodyPr rtlCol="0" anchor="ctr"/>
-            <a:lstStyle/>
-            <a:p>
-              <a:pPr algn="ctr"/>
-              <a:endParaRPr/>
-            </a:p>
-          </p:txBody>
-        </p:sp>
-        <p:sp>
-          <p:nvSpPr>
-            <p:cNvPr id="17" name="Rectangle 16"/>
-            <p:cNvSpPr/>
-            <p:nvPr/>
-          </p:nvSpPr>
-          <p:spPr>
-            <a:xfrm>
-              <a:off x="3026392" y="1759424"/>
-              <a:ext cx="1600200" cy="137411"/>
-            </a:xfrm>
-            <a:prstGeom prst="rect">
-              <a:avLst/>
-            </a:prstGeom>
-            <a:solidFill>
-              <a:schemeClr val="accent2"/>
-            </a:solidFill>
-            <a:ln>
-              <a:noFill/>
-            </a:ln>
-          </p:spPr>
-          <p:style>
-            <a:lnRef idx="2">
-              <a:schemeClr val="accent1">
-                <a:shade val="50000"/>
-              </a:schemeClr>
-            </a:lnRef>
-            <a:fillRef idx="1">
-              <a:schemeClr val="accent1"/>
-            </a:fillRef>
-            <a:effectRef idx="0">
-              <a:schemeClr val="accent1"/>
-            </a:effectRef>
-            <a:fontRef idx="minor">
-              <a:schemeClr val="lt1"/>
-            </a:fontRef>
-          </p:style>
-          <p:txBody>
-            <a:bodyPr rtlCol="0" anchor="ctr"/>
-            <a:lstStyle/>
-            <a:p>
-              <a:pPr algn="ctr"/>
-              <a:endParaRPr/>
-            </a:p>
-          </p:txBody>
-        </p:sp>
-        <p:sp>
-          <p:nvSpPr>
-            <p:cNvPr id="18" name="Rectangle 17"/>
-            <p:cNvSpPr/>
-            <p:nvPr/>
-          </p:nvSpPr>
-          <p:spPr>
-            <a:xfrm>
-              <a:off x="4626864" y="1759424"/>
-              <a:ext cx="4233672" cy="137411"/>
-            </a:xfrm>
-            <a:prstGeom prst="rect">
-              <a:avLst/>
-            </a:prstGeom>
-            <a:solidFill>
-              <a:schemeClr val="accent4"/>
-            </a:solidFill>
-            <a:ln>
-              <a:noFill/>
-            </a:ln>
-          </p:spPr>
-          <p:style>
-            <a:lnRef idx="2">
-              <a:schemeClr val="accent1">
-                <a:shade val="50000"/>
-              </a:schemeClr>
-            </a:lnRef>
-            <a:fillRef idx="1">
-              <a:schemeClr val="accent1"/>
-            </a:fillRef>
-            <a:effectRef idx="0">
-              <a:schemeClr val="accent1"/>
-            </a:effectRef>
-            <a:fontRef idx="minor">
-              <a:schemeClr val="lt1"/>
-            </a:fontRef>
-          </p:style>
-          <p:txBody>
-            <a:bodyPr rtlCol="0" anchor="ctr"/>
-            <a:lstStyle/>
-            <a:p>
-              <a:pPr algn="ctr"/>
-              <a:endParaRPr/>
-            </a:p>
-          </p:txBody>
-        </p:sp>
-      </p:grpSp>
-    </p:spTree>
-  </p:cSld>
-  <p:clrMapOvr>
-    <a:masterClrMapping/>
-  </p:clrMapOvr>
-  <p:timing>
-    <p:tnLst>
-      <p:par>
-        <p:cTn id="1" dur="indefinite" restart="never" nodeType="tmRoot"/>
-      </p:par>
-    </p:tnLst>
-  </p:timing>
-</p:sldLayout>
-</file>
-
-<file path=ppt/slideLayouts/slideLayout11.xml><?xml version="1.0" encoding="utf-8"?>
-<p:sldLayout xmlns:a="http://schemas.openxmlformats.org/drawingml/2006/main" xmlns:r="http://schemas.openxmlformats.org/officeDocument/2006/relationships" xmlns:p="http://schemas.openxmlformats.org/presentationml/2006/main" type="picTx" preserve="1">
-  <p:cSld name="3 Pictures with Caption">
-    <p:spTree>
-      <p:nvGrpSpPr>
-        <p:cNvPr id="1" name=""/>
-        <p:cNvGrpSpPr/>
-        <p:nvPr/>
-      </p:nvGrpSpPr>
-      <p:grpSpPr>
-        <a:xfrm>
-          <a:off x="0" y="0"/>
-          <a:ext cx="0" cy="0"/>
-          <a:chOff x="0" y="0"/>
-          <a:chExt cx="0" cy="0"/>
-        </a:xfrm>
-      </p:grpSpPr>
-      <p:sp>
-        <p:nvSpPr>
-          <p:cNvPr id="8" name="Rectangle 7"/>
-          <p:cNvSpPr/>
-          <p:nvPr/>
-        </p:nvSpPr>
-        <p:spPr>
-          <a:xfrm>
-            <a:off x="3021013" y="4801575"/>
-            <a:ext cx="5837237" cy="1468437"/>
-          </a:xfrm>
-          <a:prstGeom prst="rect">
-            <a:avLst/>
-          </a:prstGeom>
-          <a:solidFill>
-            <a:schemeClr val="tx1">
-              <a:lumMod val="85000"/>
-              <a:lumOff val="15000"/>
-              <a:alpha val="85000"/>
-            </a:schemeClr>
-          </a:solidFill>
-        </p:spPr>
-        <p:txBody>
-          <a:bodyPr vert="horz" lIns="91440" tIns="45720" rIns="182880" bIns="365760" rtlCol="0" anchor="b" anchorCtr="0">
-            <a:normAutofit/>
-          </a:bodyPr>
-          <a:lstStyle/>
-          <a:p>
-            <a:pPr algn="l" defTabSz="914400" rtl="0" eaLnBrk="1" latinLnBrk="0" hangingPunct="1">
-              <a:spcBef>
-                <a:spcPct val="0"/>
-              </a:spcBef>
-              <a:buNone/>
-            </a:pPr>
-            <a:endParaRPr sz="4200" kern="1200">
-              <a:solidFill>
-                <a:schemeClr val="bg1"/>
-              </a:solidFill>
-              <a:latin typeface="+mj-lt"/>
-              <a:ea typeface="+mj-ea"/>
-              <a:cs typeface="+mj-cs"/>
-            </a:endParaRPr>
-          </a:p>
-        </p:txBody>
-      </p:sp>
-      <p:grpSp>
-        <p:nvGrpSpPr>
-          <p:cNvPr id="9" name="Group 8"/>
-          <p:cNvGrpSpPr/>
-          <p:nvPr/>
-        </p:nvGrpSpPr>
-        <p:grpSpPr>
-          <a:xfrm>
-            <a:off x="284163" y="6263389"/>
-            <a:ext cx="8576373" cy="137411"/>
-            <a:chOff x="284163" y="1759424"/>
-            <a:chExt cx="8576373" cy="137411"/>
-          </a:xfrm>
-        </p:grpSpPr>
-        <p:sp>
-          <p:nvSpPr>
-            <p:cNvPr id="10" name="Rectangle 9"/>
-            <p:cNvSpPr/>
-            <p:nvPr/>
-          </p:nvSpPr>
-          <p:spPr>
-            <a:xfrm>
-              <a:off x="284163" y="1759424"/>
-              <a:ext cx="2743200" cy="137411"/>
-            </a:xfrm>
-            <a:prstGeom prst="rect">
-              <a:avLst/>
-            </a:prstGeom>
-            <a:solidFill>
-              <a:schemeClr val="accent1"/>
-            </a:solidFill>
-            <a:ln>
-              <a:noFill/>
-            </a:ln>
-          </p:spPr>
-          <p:style>
-            <a:lnRef idx="2">
-              <a:schemeClr val="accent1">
-                <a:shade val="50000"/>
-              </a:schemeClr>
-            </a:lnRef>
-            <a:fillRef idx="1">
-              <a:schemeClr val="accent1"/>
-            </a:fillRef>
-            <a:effectRef idx="0">
-              <a:schemeClr val="accent1"/>
-            </a:effectRef>
-            <a:fontRef idx="minor">
-              <a:schemeClr val="lt1"/>
-            </a:fontRef>
-          </p:style>
-          <p:txBody>
-            <a:bodyPr rtlCol="0" anchor="ctr"/>
-            <a:lstStyle/>
-            <a:p>
-              <a:pPr algn="ctr"/>
-              <a:endParaRPr/>
-            </a:p>
-          </p:txBody>
-        </p:sp>
-        <p:sp>
-          <p:nvSpPr>
-            <p:cNvPr id="11" name="Rectangle 10"/>
-            <p:cNvSpPr/>
-            <p:nvPr/>
-          </p:nvSpPr>
-          <p:spPr>
-            <a:xfrm>
-              <a:off x="3026392" y="1759424"/>
-              <a:ext cx="1600200" cy="137411"/>
-            </a:xfrm>
-            <a:prstGeom prst="rect">
-              <a:avLst/>
-            </a:prstGeom>
-            <a:solidFill>
-              <a:schemeClr val="accent2"/>
-            </a:solidFill>
-            <a:ln>
-              <a:noFill/>
-            </a:ln>
-          </p:spPr>
-          <p:style>
-            <a:lnRef idx="2">
-              <a:schemeClr val="accent1">
-                <a:shade val="50000"/>
-              </a:schemeClr>
-            </a:lnRef>
-            <a:fillRef idx="1">
-              <a:schemeClr val="accent1"/>
-            </a:fillRef>
-            <a:effectRef idx="0">
-              <a:schemeClr val="accent1"/>
-            </a:effectRef>
-            <a:fontRef idx="minor">
-              <a:schemeClr val="lt1"/>
-            </a:fontRef>
-          </p:style>
-          <p:txBody>
-            <a:bodyPr rtlCol="0" anchor="ctr"/>
-            <a:lstStyle/>
-            <a:p>
-              <a:pPr algn="ctr"/>
-              <a:endParaRPr/>
-            </a:p>
-          </p:txBody>
-        </p:sp>
-        <p:sp>
-          <p:nvSpPr>
-            <p:cNvPr id="12" name="Rectangle 11"/>
-            <p:cNvSpPr/>
-            <p:nvPr/>
-          </p:nvSpPr>
-          <p:spPr>
-            <a:xfrm>
-              <a:off x="4626864" y="1759424"/>
-              <a:ext cx="4233672" cy="137411"/>
-            </a:xfrm>
-            <a:prstGeom prst="rect">
-              <a:avLst/>
-            </a:prstGeom>
-            <a:solidFill>
-              <a:schemeClr val="accent4"/>
-            </a:solidFill>
-            <a:ln>
-              <a:noFill/>
-            </a:ln>
-          </p:spPr>
-          <p:style>
-            <a:lnRef idx="2">
-              <a:schemeClr val="accent1">
-                <a:shade val="50000"/>
-              </a:schemeClr>
-            </a:lnRef>
-            <a:fillRef idx="1">
-              <a:schemeClr val="accent1"/>
-            </a:fillRef>
-            <a:effectRef idx="0">
-              <a:schemeClr val="accent1"/>
-            </a:effectRef>
-            <a:fontRef idx="minor">
-              <a:schemeClr val="lt1"/>
-            </a:fontRef>
-          </p:style>
-          <p:txBody>
-            <a:bodyPr rtlCol="0" anchor="ctr"/>
-            <a:lstStyle/>
-            <a:p>
-              <a:pPr algn="ctr"/>
-              <a:endParaRPr/>
-            </a:p>
-          </p:txBody>
-        </p:sp>
-      </p:grpSp>
-      <p:sp>
-        <p:nvSpPr>
-          <p:cNvPr id="2" name="Title 1"/>
-          <p:cNvSpPr>
-            <a:spLocks noGrp="1"/>
-          </p:cNvSpPr>
-          <p:nvPr>
-            <p:ph type="title"/>
-          </p:nvPr>
-        </p:nvSpPr>
-        <p:spPr>
-          <a:xfrm>
-            <a:off x="3031661" y="4800600"/>
-            <a:ext cx="5691651" cy="566738"/>
-          </a:xfrm>
-          <a:noFill/>
-        </p:spPr>
-        <p:txBody>
-          <a:bodyPr vert="horz" lIns="91440" tIns="45720" rIns="91440" bIns="45720" rtlCol="0" anchor="b" anchorCtr="0">
-            <a:normAutofit/>
-          </a:bodyPr>
-          <a:lstStyle>
-            <a:lvl1pPr algn="l" defTabSz="914400" rtl="0" eaLnBrk="1" latinLnBrk="0" hangingPunct="1">
-              <a:spcBef>
-                <a:spcPct val="0"/>
-              </a:spcBef>
-              <a:buNone/>
-              <a:defRPr sz="2800" b="0" i="0" kern="1200" cap="none" baseline="0">
-                <a:solidFill>
-                  <a:schemeClr val="bg1"/>
-                </a:solidFill>
-                <a:latin typeface="+mj-lt"/>
-                <a:ea typeface="+mj-ea"/>
-                <a:cs typeface="+mj-cs"/>
-              </a:defRPr>
-            </a:lvl1pPr>
-          </a:lstStyle>
-          <a:p>
-            <a:r>
-              <a:rPr lang="en-US" smtClean="0"/>
-              <a:t>Click to edit Master title style</a:t>
-            </a:r>
-            <a:endParaRPr/>
-          </a:p>
-        </p:txBody>
-      </p:sp>
-      <p:sp>
-        <p:nvSpPr>
-          <p:cNvPr id="3" name="Picture Placeholder 2"/>
-          <p:cNvSpPr>
-            <a:spLocks noGrp="1"/>
-          </p:cNvSpPr>
-          <p:nvPr>
-            <p:ph type="pic" idx="1"/>
-          </p:nvPr>
-        </p:nvSpPr>
-        <p:spPr>
-          <a:xfrm>
-            <a:off x="3021014" y="457199"/>
-            <a:ext cx="5833872" cy="4352544"/>
-          </a:xfrm>
-        </p:spPr>
-        <p:txBody>
-          <a:bodyPr>
-            <a:normAutofit/>
-          </a:bodyPr>
-          <a:lstStyle>
-            <a:lvl1pPr marL="0" indent="0">
-              <a:buNone/>
-              <a:defRPr sz="2400"/>
-            </a:lvl1pPr>
-            <a:lvl2pPr marL="457200" indent="0">
-              <a:buNone/>
-              <a:defRPr sz="2800"/>
-            </a:lvl2pPr>
-            <a:lvl3pPr marL="914400" indent="0">
-              <a:buNone/>
-              <a:defRPr sz="2400"/>
-            </a:lvl3pPr>
-            <a:lvl4pPr marL="1371600" indent="0">
-              <a:buNone/>
-              <a:defRPr sz="2000"/>
-            </a:lvl4pPr>
-            <a:lvl5pPr marL="1828800" indent="0">
-              <a:buNone/>
-              <a:defRPr sz="2000"/>
-            </a:lvl5pPr>
-            <a:lvl6pPr marL="2286000" indent="0">
-              <a:buNone/>
-              <a:defRPr sz="2000"/>
-            </a:lvl6pPr>
-            <a:lvl7pPr marL="2743200" indent="0">
-              <a:buNone/>
-              <a:defRPr sz="2000"/>
-            </a:lvl7pPr>
-            <a:lvl8pPr marL="3200400" indent="0">
-              <a:buNone/>
-              <a:defRPr sz="2000"/>
-            </a:lvl8pPr>
-            <a:lvl9pPr marL="3657600" indent="0">
-              <a:buNone/>
-              <a:defRPr sz="2000"/>
-            </a:lvl9pPr>
-          </a:lstStyle>
-          <a:p>
-            <a:r>
-              <a:rPr lang="en-US" smtClean="0"/>
-              <a:t>Drag picture to placeholder or click icon to add</a:t>
-            </a:r>
-            <a:endParaRPr/>
-          </a:p>
-        </p:txBody>
-      </p:sp>
-      <p:sp>
-        <p:nvSpPr>
-          <p:cNvPr id="4" name="Text Placeholder 3"/>
-          <p:cNvSpPr>
-            <a:spLocks noGrp="1"/>
-          </p:cNvSpPr>
-          <p:nvPr>
-            <p:ph type="body" sz="half" idx="2"/>
-          </p:nvPr>
-        </p:nvSpPr>
-        <p:spPr>
-          <a:xfrm>
-            <a:off x="3069805" y="5367338"/>
-            <a:ext cx="5653507" cy="804862"/>
-          </a:xfrm>
-        </p:spPr>
-        <p:txBody>
-          <a:bodyPr/>
-          <a:lstStyle>
-            <a:lvl1pPr marL="0" indent="0">
-              <a:spcBef>
-                <a:spcPts val="0"/>
-              </a:spcBef>
-              <a:buNone/>
-              <a:defRPr sz="1400">
-                <a:solidFill>
-                  <a:schemeClr val="bg1"/>
-                </a:solidFill>
-              </a:defRPr>
-            </a:lvl1pPr>
-            <a:lvl2pPr marL="457200" indent="0">
-              <a:buNone/>
-              <a:defRPr sz="1200"/>
-            </a:lvl2pPr>
-            <a:lvl3pPr marL="914400" indent="0">
-              <a:buNone/>
-              <a:defRPr sz="1000"/>
-            </a:lvl3pPr>
-            <a:lvl4pPr marL="1371600" indent="0">
-              <a:buNone/>
-              <a:defRPr sz="900"/>
-            </a:lvl4pPr>
-            <a:lvl5pPr marL="1828800" indent="0">
-              <a:buNone/>
-              <a:defRPr sz="900"/>
-            </a:lvl5pPr>
-            <a:lvl6pPr marL="2286000" indent="0">
-              <a:buNone/>
-              <a:defRPr sz="900"/>
-            </a:lvl6pPr>
-            <a:lvl7pPr marL="2743200" indent="0">
-              <a:buNone/>
-              <a:defRPr sz="900"/>
-            </a:lvl7pPr>
-            <a:lvl8pPr marL="3200400" indent="0">
-              <a:buNone/>
-              <a:defRPr sz="900"/>
-            </a:lvl8pPr>
-            <a:lvl9pPr marL="3657600" indent="0">
-              <a:buNone/>
-              <a:defRPr sz="900"/>
-            </a:lvl9pPr>
-          </a:lstStyle>
-          <a:p>
-            <a:pPr lvl="0"/>
-            <a:r>
-              <a:rPr lang="en-US" smtClean="0"/>
-              <a:t>Click to edit Master text styles</a:t>
-            </a:r>
-          </a:p>
-        </p:txBody>
-      </p:sp>
-      <p:sp>
-        <p:nvSpPr>
-          <p:cNvPr id="5" name="Date Placeholder 4"/>
-          <p:cNvSpPr>
-            <a:spLocks noGrp="1"/>
-          </p:cNvSpPr>
-          <p:nvPr>
-            <p:ph type="dt" sz="half" idx="10"/>
-          </p:nvPr>
-        </p:nvSpPr>
-        <p:spPr/>
-        <p:txBody>
-          <a:bodyPr/>
-          <a:lstStyle/>
-          <a:p>
-            <a:fld id="{6A972658-D3F2-4DA7-93D9-610E497BF3E1}" type="datetime1">
-              <a:rPr lang="en-US" smtClean="0"/>
-              <a:t>11/12/2015</a:t>
-            </a:fld>
-            <a:endParaRPr lang="en-US" dirty="0"/>
-          </a:p>
-        </p:txBody>
-      </p:sp>
-      <p:sp>
-        <p:nvSpPr>
-          <p:cNvPr id="6" name="Footer Placeholder 5"/>
-          <p:cNvSpPr>
-            <a:spLocks noGrp="1"/>
-          </p:cNvSpPr>
-          <p:nvPr>
-            <p:ph type="ftr" sz="quarter" idx="11"/>
-          </p:nvPr>
-        </p:nvSpPr>
-        <p:spPr/>
-        <p:txBody>
-          <a:bodyPr/>
-          <a:lstStyle/>
-          <a:p>
-            <a:r>
-              <a:rPr lang="en-US" smtClean="0"/>
-              <a:t>© 2015 EV3Lessons.com, Last edit 11/10/2015</a:t>
-            </a:r>
-            <a:endParaRPr lang="en-US" dirty="0"/>
-          </a:p>
-        </p:txBody>
-      </p:sp>
-      <p:sp>
-        <p:nvSpPr>
-          <p:cNvPr id="7" name="Slide Number Placeholder 6"/>
-          <p:cNvSpPr>
-            <a:spLocks noGrp="1"/>
-          </p:cNvSpPr>
-          <p:nvPr>
-            <p:ph type="sldNum" sz="quarter" idx="12"/>
-          </p:nvPr>
-        </p:nvSpPr>
-        <p:spPr/>
-        <p:txBody>
-          <a:bodyPr/>
-          <a:lstStyle/>
-          <a:p>
-            <a:fld id="{4382A7F7-08BF-4252-8141-63FB96055BBB}" type="slidenum">
-              <a:rPr lang="en-US" smtClean="0"/>
-              <a:t>‹#›</a:t>
-            </a:fld>
-            <a:endParaRPr lang="en-US"/>
-          </a:p>
-        </p:txBody>
-      </p:sp>
-      <p:sp>
-        <p:nvSpPr>
-          <p:cNvPr id="13" name="Picture Placeholder 2"/>
-          <p:cNvSpPr>
-            <a:spLocks noGrp="1"/>
-          </p:cNvSpPr>
-          <p:nvPr>
-            <p:ph type="pic" idx="13"/>
-          </p:nvPr>
-        </p:nvSpPr>
-        <p:spPr>
-          <a:xfrm>
-            <a:off x="284164" y="457200"/>
-            <a:ext cx="2736850" cy="2907792"/>
-          </a:xfrm>
-        </p:spPr>
-        <p:txBody>
-          <a:bodyPr>
-            <a:normAutofit/>
-          </a:bodyPr>
-          <a:lstStyle>
-            <a:lvl1pPr marL="0" indent="0">
-              <a:buNone/>
-              <a:defRPr sz="2400"/>
-            </a:lvl1pPr>
-            <a:lvl2pPr marL="457200" indent="0">
-              <a:buNone/>
-              <a:defRPr sz="2800"/>
-            </a:lvl2pPr>
-            <a:lvl3pPr marL="914400" indent="0">
-              <a:buNone/>
-              <a:defRPr sz="2400"/>
-            </a:lvl3pPr>
-            <a:lvl4pPr marL="1371600" indent="0">
-              <a:buNone/>
-              <a:defRPr sz="2000"/>
-            </a:lvl4pPr>
-            <a:lvl5pPr marL="1828800" indent="0">
-              <a:buNone/>
-              <a:defRPr sz="2000"/>
-            </a:lvl5pPr>
-            <a:lvl6pPr marL="2286000" indent="0">
-              <a:buNone/>
-              <a:defRPr sz="2000"/>
-            </a:lvl6pPr>
-            <a:lvl7pPr marL="2743200" indent="0">
-              <a:buNone/>
-              <a:defRPr sz="2000"/>
-            </a:lvl7pPr>
-            <a:lvl8pPr marL="3200400" indent="0">
-              <a:buNone/>
-              <a:defRPr sz="2000"/>
-            </a:lvl8pPr>
-            <a:lvl9pPr marL="3657600" indent="0">
-              <a:buNone/>
-              <a:defRPr sz="2000"/>
-            </a:lvl9pPr>
-          </a:lstStyle>
-          <a:p>
-            <a:r>
-              <a:rPr lang="en-US" smtClean="0"/>
-              <a:t>Drag picture to placeholder or click icon to add</a:t>
-            </a:r>
-            <a:endParaRPr/>
-          </a:p>
-        </p:txBody>
-      </p:sp>
-      <p:sp>
-        <p:nvSpPr>
-          <p:cNvPr id="14" name="Picture Placeholder 2"/>
-          <p:cNvSpPr>
-            <a:spLocks noGrp="1"/>
-          </p:cNvSpPr>
-          <p:nvPr>
-            <p:ph type="pic" idx="14"/>
-          </p:nvPr>
-        </p:nvSpPr>
-        <p:spPr>
-          <a:xfrm>
-            <a:off x="284164" y="3364992"/>
-            <a:ext cx="2736850" cy="2898648"/>
-          </a:xfrm>
-        </p:spPr>
-        <p:txBody>
-          <a:bodyPr>
-            <a:normAutofit/>
-          </a:bodyPr>
-          <a:lstStyle>
-            <a:lvl1pPr marL="0" indent="0">
-              <a:buNone/>
-              <a:defRPr sz="2400"/>
-            </a:lvl1pPr>
-            <a:lvl2pPr marL="457200" indent="0">
-              <a:buNone/>
-              <a:defRPr sz="2800"/>
-            </a:lvl2pPr>
-            <a:lvl3pPr marL="914400" indent="0">
-              <a:buNone/>
-              <a:defRPr sz="2400"/>
-            </a:lvl3pPr>
-            <a:lvl4pPr marL="1371600" indent="0">
-              <a:buNone/>
-              <a:defRPr sz="2000"/>
-            </a:lvl4pPr>
-            <a:lvl5pPr marL="1828800" indent="0">
-              <a:buNone/>
-              <a:defRPr sz="2000"/>
-            </a:lvl5pPr>
-            <a:lvl6pPr marL="2286000" indent="0">
-              <a:buNone/>
-              <a:defRPr sz="2000"/>
-            </a:lvl6pPr>
-            <a:lvl7pPr marL="2743200" indent="0">
-              <a:buNone/>
-              <a:defRPr sz="2000"/>
-            </a:lvl7pPr>
-            <a:lvl8pPr marL="3200400" indent="0">
-              <a:buNone/>
-              <a:defRPr sz="2000"/>
-            </a:lvl8pPr>
-            <a:lvl9pPr marL="3657600" indent="0">
-              <a:buNone/>
-              <a:defRPr sz="2000"/>
-            </a:lvl9pPr>
-          </a:lstStyle>
-          <a:p>
-            <a:r>
-              <a:rPr lang="en-US" smtClean="0"/>
-              <a:t>Drag picture to placeholder or click icon to add</a:t>
-            </a:r>
-            <a:endParaRPr/>
-          </a:p>
-        </p:txBody>
-      </p:sp>
-    </p:spTree>
-  </p:cSld>
-  <p:clrMapOvr>
-    <a:masterClrMapping/>
-  </p:clrMapOvr>
-  <p:timing>
-    <p:tnLst>
-      <p:par>
-        <p:cTn id="1" dur="indefinite" restart="never" nodeType="tmRoot"/>
-      </p:par>
-    </p:tnLst>
-  </p:timing>
-</p:sldLayout>
-</file>
-
-<file path=ppt/slideLayouts/slideLayout12.xml><?xml version="1.0" encoding="utf-8"?>
-<p:sldLayout xmlns:a="http://schemas.openxmlformats.org/drawingml/2006/main" xmlns:r="http://schemas.openxmlformats.org/officeDocument/2006/relationships" xmlns:p="http://schemas.openxmlformats.org/presentationml/2006/main" type="vertTx" preserve="1">
-  <p:cSld name="Title and Vertical Text">
-    <p:spTree>
-      <p:nvGrpSpPr>
-        <p:cNvPr id="1" name=""/>
-        <p:cNvGrpSpPr/>
-        <p:nvPr/>
-      </p:nvGrpSpPr>
-      <p:grpSpPr>
-        <a:xfrm>
-          <a:off x="0" y="0"/>
-          <a:ext cx="0" cy="0"/>
-          <a:chOff x="0" y="0"/>
-          <a:chExt cx="0" cy="0"/>
-        </a:xfrm>
-      </p:grpSpPr>
-      <p:sp>
-        <p:nvSpPr>
-          <p:cNvPr id="7" name="Rectangle 6"/>
-          <p:cNvSpPr/>
-          <p:nvPr/>
-        </p:nvSpPr>
-        <p:spPr>
-          <a:xfrm>
-            <a:off x="284163" y="455773"/>
-            <a:ext cx="8574087" cy="1133949"/>
-          </a:xfrm>
-          <a:prstGeom prst="rect">
-            <a:avLst/>
-          </a:prstGeom>
-          <a:solidFill>
-            <a:schemeClr val="tx1">
-              <a:lumMod val="85000"/>
-              <a:lumOff val="15000"/>
-              <a:alpha val="70000"/>
-            </a:schemeClr>
-          </a:solidFill>
-          <a:ln>
-            <a:noFill/>
-          </a:ln>
-        </p:spPr>
-        <p:style>
-          <a:lnRef idx="2">
-            <a:schemeClr val="accent1">
-              <a:shade val="50000"/>
-            </a:schemeClr>
-          </a:lnRef>
-          <a:fillRef idx="1">
-            <a:schemeClr val="accent1"/>
-          </a:fillRef>
-          <a:effectRef idx="0">
-            <a:schemeClr val="accent1"/>
-          </a:effectRef>
-          <a:fontRef idx="minor">
-            <a:schemeClr val="lt1"/>
-          </a:fontRef>
-        </p:style>
-        <p:txBody>
-          <a:bodyPr rtlCol="0" anchor="ctr"/>
-          <a:lstStyle/>
-          <a:p>
-            <a:pPr algn="ctr"/>
-            <a:endParaRPr/>
-          </a:p>
-        </p:txBody>
-      </p:sp>
-      <p:grpSp>
-        <p:nvGrpSpPr>
-          <p:cNvPr id="8" name="Group 7"/>
-          <p:cNvGrpSpPr/>
-          <p:nvPr/>
-        </p:nvGrpSpPr>
-        <p:grpSpPr>
-          <a:xfrm>
-            <a:off x="284163" y="1577847"/>
-            <a:ext cx="8576373" cy="137411"/>
-            <a:chOff x="284163" y="1577847"/>
-            <a:chExt cx="8576373" cy="137411"/>
-          </a:xfrm>
-        </p:grpSpPr>
-        <p:sp>
-          <p:nvSpPr>
-            <p:cNvPr id="9" name="Rectangle 8"/>
-            <p:cNvSpPr/>
-            <p:nvPr/>
-          </p:nvSpPr>
-          <p:spPr>
-            <a:xfrm>
-              <a:off x="284163" y="1577847"/>
-              <a:ext cx="1600200" cy="137411"/>
-            </a:xfrm>
-            <a:prstGeom prst="rect">
-              <a:avLst/>
-            </a:prstGeom>
-            <a:solidFill>
-              <a:schemeClr val="accent1"/>
-            </a:solidFill>
-            <a:ln>
-              <a:noFill/>
-            </a:ln>
-          </p:spPr>
-          <p:style>
-            <a:lnRef idx="2">
-              <a:schemeClr val="accent1">
-                <a:shade val="50000"/>
-              </a:schemeClr>
-            </a:lnRef>
-            <a:fillRef idx="1">
-              <a:schemeClr val="accent1"/>
-            </a:fillRef>
-            <a:effectRef idx="0">
-              <a:schemeClr val="accent1"/>
-            </a:effectRef>
-            <a:fontRef idx="minor">
-              <a:schemeClr val="lt1"/>
-            </a:fontRef>
-          </p:style>
-          <p:txBody>
-            <a:bodyPr rtlCol="0" anchor="ctr"/>
-            <a:lstStyle/>
-            <a:p>
-              <a:pPr algn="ctr"/>
-              <a:endParaRPr/>
-            </a:p>
-          </p:txBody>
-        </p:sp>
-        <p:sp>
-          <p:nvSpPr>
-            <p:cNvPr id="10" name="Rectangle 9"/>
-            <p:cNvSpPr/>
-            <p:nvPr/>
-          </p:nvSpPr>
-          <p:spPr>
-            <a:xfrm>
-              <a:off x="1885174" y="1577847"/>
-              <a:ext cx="2743200" cy="137411"/>
-            </a:xfrm>
-            <a:prstGeom prst="rect">
-              <a:avLst/>
-            </a:prstGeom>
-            <a:solidFill>
-              <a:schemeClr val="accent2"/>
-            </a:solidFill>
-            <a:ln>
-              <a:noFill/>
-            </a:ln>
-          </p:spPr>
-          <p:style>
-            <a:lnRef idx="2">
-              <a:schemeClr val="accent1">
-                <a:shade val="50000"/>
-              </a:schemeClr>
-            </a:lnRef>
-            <a:fillRef idx="1">
-              <a:schemeClr val="accent1"/>
-            </a:fillRef>
-            <a:effectRef idx="0">
-              <a:schemeClr val="accent1"/>
-            </a:effectRef>
-            <a:fontRef idx="minor">
-              <a:schemeClr val="lt1"/>
-            </a:fontRef>
-          </p:style>
-          <p:txBody>
-            <a:bodyPr rtlCol="0" anchor="ctr"/>
-            <a:lstStyle/>
-            <a:p>
-              <a:pPr algn="ctr"/>
-              <a:endParaRPr/>
-            </a:p>
-          </p:txBody>
-        </p:sp>
-        <p:sp>
-          <p:nvSpPr>
-            <p:cNvPr id="11" name="Rectangle 10"/>
-            <p:cNvSpPr/>
-            <p:nvPr/>
-          </p:nvSpPr>
-          <p:spPr>
-            <a:xfrm>
-              <a:off x="4626864" y="1577847"/>
-              <a:ext cx="4233672" cy="137411"/>
-            </a:xfrm>
-            <a:prstGeom prst="rect">
-              <a:avLst/>
-            </a:prstGeom>
-            <a:solidFill>
-              <a:schemeClr val="accent4"/>
-            </a:solidFill>
-            <a:ln>
-              <a:noFill/>
-            </a:ln>
-          </p:spPr>
-          <p:style>
-            <a:lnRef idx="2">
-              <a:schemeClr val="accent1">
-                <a:shade val="50000"/>
-              </a:schemeClr>
-            </a:lnRef>
-            <a:fillRef idx="1">
-              <a:schemeClr val="accent1"/>
-            </a:fillRef>
-            <a:effectRef idx="0">
-              <a:schemeClr val="accent1"/>
-            </a:effectRef>
-            <a:fontRef idx="minor">
-              <a:schemeClr val="lt1"/>
-            </a:fontRef>
-          </p:style>
-          <p:txBody>
-            <a:bodyPr rtlCol="0" anchor="ctr"/>
-            <a:lstStyle/>
-            <a:p>
-              <a:pPr algn="ctr"/>
-              <a:endParaRPr/>
-            </a:p>
-          </p:txBody>
-        </p:sp>
-      </p:grpSp>
-      <p:sp>
-        <p:nvSpPr>
-          <p:cNvPr id="2" name="Title 1"/>
-          <p:cNvSpPr>
-            <a:spLocks noGrp="1"/>
-          </p:cNvSpPr>
-          <p:nvPr>
-            <p:ph type="title"/>
-          </p:nvPr>
-        </p:nvSpPr>
-        <p:spPr/>
-        <p:txBody>
-          <a:bodyPr/>
-          <a:lstStyle/>
-          <a:p>
-            <a:r>
-              <a:rPr lang="en-US" smtClean="0"/>
-              <a:t>Click to edit Master title style</a:t>
-            </a:r>
-            <a:endParaRPr/>
-          </a:p>
-        </p:txBody>
-      </p:sp>
-      <p:sp>
-        <p:nvSpPr>
-          <p:cNvPr id="3" name="Vertical Text Placeholder 2"/>
-          <p:cNvSpPr>
-            <a:spLocks noGrp="1"/>
-          </p:cNvSpPr>
-          <p:nvPr>
-            <p:ph type="body" orient="vert" idx="1"/>
-          </p:nvPr>
-        </p:nvSpPr>
-        <p:spPr>
-          <a:xfrm>
-            <a:off x="284163" y="2133600"/>
-            <a:ext cx="8574087" cy="4013200"/>
-          </a:xfrm>
-        </p:spPr>
-        <p:txBody>
-          <a:bodyPr vert="eaVert"/>
-          <a:lstStyle>
-            <a:lvl5pPr>
-              <a:defRPr/>
-            </a:lvl5pPr>
-          </a:lstStyle>
-          <a:p>
-            <a:pPr lvl="0"/>
-            <a:r>
-              <a:rPr lang="en-US" smtClean="0"/>
-              <a:t>Click to edit Master text styles</a:t>
-            </a:r>
-          </a:p>
-          <a:p>
-            <a:pPr lvl="1"/>
-            <a:r>
-              <a:rPr lang="en-US" smtClean="0"/>
-              <a:t>Second level</a:t>
-            </a:r>
-          </a:p>
-          <a:p>
-            <a:pPr lvl="2"/>
-            <a:r>
-              <a:rPr lang="en-US" smtClean="0"/>
-              <a:t>Third level</a:t>
-            </a:r>
-          </a:p>
-          <a:p>
-            <a:pPr lvl="3"/>
-            <a:r>
-              <a:rPr lang="en-US" smtClean="0"/>
-              <a:t>Fourth level</a:t>
-            </a:r>
-          </a:p>
-          <a:p>
-            <a:pPr lvl="4"/>
-            <a:r>
-              <a:rPr lang="en-US" smtClean="0"/>
-              <a:t>Fifth level</a:t>
-            </a:r>
-            <a:endParaRPr dirty="0"/>
-          </a:p>
-        </p:txBody>
-      </p:sp>
-      <p:sp>
-        <p:nvSpPr>
-          <p:cNvPr id="4" name="Date Placeholder 3"/>
-          <p:cNvSpPr>
-            <a:spLocks noGrp="1"/>
-          </p:cNvSpPr>
-          <p:nvPr>
-            <p:ph type="dt" sz="half" idx="10"/>
-          </p:nvPr>
-        </p:nvSpPr>
-        <p:spPr/>
-        <p:txBody>
-          <a:bodyPr/>
-          <a:lstStyle/>
-          <a:p>
-            <a:fld id="{2D62DFCC-42FA-4151-A3BC-7A02EE95FA20}" type="datetime1">
-              <a:rPr lang="en-US" smtClean="0"/>
-              <a:t>11/12/2015</a:t>
-            </a:fld>
-            <a:endParaRPr lang="en-US"/>
-          </a:p>
-        </p:txBody>
-      </p:sp>
-      <p:sp>
-        <p:nvSpPr>
-          <p:cNvPr id="5" name="Footer Placeholder 4"/>
-          <p:cNvSpPr>
-            <a:spLocks noGrp="1"/>
-          </p:cNvSpPr>
-          <p:nvPr>
-            <p:ph type="ftr" sz="quarter" idx="11"/>
-          </p:nvPr>
-        </p:nvSpPr>
-        <p:spPr/>
-        <p:txBody>
-          <a:bodyPr/>
-          <a:lstStyle/>
-          <a:p>
-            <a:r>
-              <a:rPr lang="en-US" smtClean="0"/>
-              <a:t>© 2015 EV3Lessons.com, Last edit 11/10/2015</a:t>
-            </a:r>
-            <a:endParaRPr lang="en-US"/>
-          </a:p>
-        </p:txBody>
-      </p:sp>
-      <p:sp>
-        <p:nvSpPr>
-          <p:cNvPr id="6" name="Slide Number Placeholder 5"/>
-          <p:cNvSpPr>
-            <a:spLocks noGrp="1"/>
-          </p:cNvSpPr>
-          <p:nvPr>
-            <p:ph type="sldNum" sz="quarter" idx="12"/>
-          </p:nvPr>
-        </p:nvSpPr>
-        <p:spPr/>
-        <p:txBody>
-          <a:bodyPr/>
-          <a:lstStyle/>
-          <a:p>
-            <a:fld id="{4382A7F7-08BF-4252-8141-63FB96055BBB}" type="slidenum">
-              <a:rPr lang="en-US" smtClean="0"/>
-              <a:t>‹#›</a:t>
-            </a:fld>
-            <a:endParaRPr lang="en-US"/>
-          </a:p>
-        </p:txBody>
-      </p:sp>
-    </p:spTree>
-  </p:cSld>
-  <p:clrMapOvr>
-    <a:masterClrMapping/>
-  </p:clrMapOvr>
-  <p:timing>
-    <p:tnLst>
-      <p:par>
-        <p:cTn id="1" dur="indefinite" restart="never" nodeType="tmRoot"/>
-      </p:par>
-    </p:tnLst>
-  </p:timing>
-</p:sldLayout>
-</file>
-
-<file path=ppt/slideLayouts/slideLayout13.xml><?xml version="1.0" encoding="utf-8"?>
-<p:sldLayout xmlns:a="http://schemas.openxmlformats.org/drawingml/2006/main" xmlns:r="http://schemas.openxmlformats.org/officeDocument/2006/relationships" xmlns:p="http://schemas.openxmlformats.org/presentationml/2006/main" type="vertTitleAndTx" preserve="1">
-  <p:cSld name="Vertical Title and Text">
-    <p:spTree>
-      <p:nvGrpSpPr>
-        <p:cNvPr id="1" name=""/>
-        <p:cNvGrpSpPr/>
-        <p:nvPr/>
-      </p:nvGrpSpPr>
-      <p:grpSpPr>
-        <a:xfrm>
-          <a:off x="0" y="0"/>
-          <a:ext cx="0" cy="0"/>
-          <a:chOff x="0" y="0"/>
-          <a:chExt cx="0" cy="0"/>
-        </a:xfrm>
-      </p:grpSpPr>
-      <p:sp>
-        <p:nvSpPr>
-          <p:cNvPr id="7" name="Rectangle 6"/>
-          <p:cNvSpPr/>
-          <p:nvPr/>
-        </p:nvSpPr>
-        <p:spPr>
-          <a:xfrm rot="5400000">
-            <a:off x="5313882" y="2857535"/>
-            <a:ext cx="5934615" cy="1133949"/>
-          </a:xfrm>
-          <a:prstGeom prst="rect">
-            <a:avLst/>
-          </a:prstGeom>
-          <a:solidFill>
-            <a:schemeClr val="tx1">
-              <a:lumMod val="85000"/>
-              <a:lumOff val="15000"/>
-              <a:alpha val="70000"/>
-            </a:schemeClr>
-          </a:solidFill>
-          <a:ln>
-            <a:noFill/>
-          </a:ln>
-        </p:spPr>
-        <p:style>
-          <a:lnRef idx="2">
-            <a:schemeClr val="accent1">
-              <a:shade val="50000"/>
-            </a:schemeClr>
-          </a:lnRef>
-          <a:fillRef idx="1">
-            <a:schemeClr val="accent1"/>
-          </a:fillRef>
-          <a:effectRef idx="0">
-            <a:schemeClr val="accent1"/>
-          </a:effectRef>
-          <a:fontRef idx="minor">
-            <a:schemeClr val="lt1"/>
-          </a:fontRef>
-        </p:style>
-        <p:txBody>
-          <a:bodyPr rtlCol="0" anchor="ctr"/>
-          <a:lstStyle/>
-          <a:p>
-            <a:pPr algn="ctr"/>
-            <a:endParaRPr/>
-          </a:p>
-        </p:txBody>
-      </p:sp>
-      <p:sp>
-        <p:nvSpPr>
-          <p:cNvPr id="2" name="Vertical Title 1"/>
-          <p:cNvSpPr>
-            <a:spLocks noGrp="1"/>
-          </p:cNvSpPr>
-          <p:nvPr>
-            <p:ph type="title" orient="vert"/>
-          </p:nvPr>
-        </p:nvSpPr>
-        <p:spPr>
-          <a:xfrm>
-            <a:off x="7695124" y="473075"/>
-            <a:ext cx="969264" cy="5921375"/>
-          </a:xfrm>
-        </p:spPr>
-        <p:txBody>
-          <a:bodyPr vert="eaVert"/>
-          <a:lstStyle>
-            <a:lvl1pPr algn="l">
-              <a:defRPr sz="3400"/>
-            </a:lvl1pPr>
-          </a:lstStyle>
-          <a:p>
-            <a:r>
-              <a:rPr lang="en-US" smtClean="0"/>
-              <a:t>Click to edit Master title style</a:t>
-            </a:r>
-            <a:endParaRPr/>
-          </a:p>
-        </p:txBody>
-      </p:sp>
-      <p:sp>
-        <p:nvSpPr>
-          <p:cNvPr id="3" name="Vertical Text Placeholder 2"/>
-          <p:cNvSpPr>
-            <a:spLocks noGrp="1"/>
-          </p:cNvSpPr>
-          <p:nvPr>
-            <p:ph type="body" orient="vert" idx="1"/>
-          </p:nvPr>
-        </p:nvSpPr>
-        <p:spPr>
-          <a:xfrm>
-            <a:off x="284163" y="457200"/>
-            <a:ext cx="6497637" cy="5937250"/>
-          </a:xfrm>
-        </p:spPr>
-        <p:txBody>
-          <a:bodyPr vert="eaVert"/>
-          <a:lstStyle>
-            <a:lvl5pPr algn="l">
-              <a:defRPr/>
-            </a:lvl5pPr>
-          </a:lstStyle>
-          <a:p>
-            <a:pPr lvl="0"/>
-            <a:r>
-              <a:rPr lang="en-US" smtClean="0"/>
-              <a:t>Click to edit Master text styles</a:t>
-            </a:r>
-          </a:p>
-          <a:p>
-            <a:pPr lvl="1"/>
-            <a:r>
-              <a:rPr lang="en-US" smtClean="0"/>
-              <a:t>Second level</a:t>
-            </a:r>
-          </a:p>
-          <a:p>
-            <a:pPr lvl="2"/>
-            <a:r>
-              <a:rPr lang="en-US" smtClean="0"/>
-              <a:t>Third level</a:t>
-            </a:r>
-          </a:p>
-          <a:p>
-            <a:pPr lvl="3"/>
-            <a:r>
-              <a:rPr lang="en-US" smtClean="0"/>
-              <a:t>Fourth level</a:t>
-            </a:r>
-          </a:p>
-          <a:p>
-            <a:pPr lvl="4"/>
-            <a:r>
-              <a:rPr lang="en-US" smtClean="0"/>
-              <a:t>Fifth level</a:t>
-            </a:r>
-            <a:endParaRPr dirty="0"/>
-          </a:p>
-        </p:txBody>
-      </p:sp>
-      <p:sp>
-        <p:nvSpPr>
-          <p:cNvPr id="4" name="Date Placeholder 3"/>
-          <p:cNvSpPr>
-            <a:spLocks noGrp="1"/>
-          </p:cNvSpPr>
-          <p:nvPr>
-            <p:ph type="dt" sz="half" idx="10"/>
-          </p:nvPr>
-        </p:nvSpPr>
-        <p:spPr/>
-        <p:txBody>
-          <a:bodyPr/>
-          <a:lstStyle/>
-          <a:p>
-            <a:fld id="{634138B8-64FD-4912-85B2-4445A010F270}" type="datetime1">
-              <a:rPr lang="en-US" smtClean="0"/>
-              <a:t>11/12/2015</a:t>
-            </a:fld>
-            <a:endParaRPr lang="en-US"/>
-          </a:p>
-        </p:txBody>
-      </p:sp>
-      <p:sp>
-        <p:nvSpPr>
-          <p:cNvPr id="5" name="Footer Placeholder 4"/>
-          <p:cNvSpPr>
-            <a:spLocks noGrp="1"/>
-          </p:cNvSpPr>
-          <p:nvPr>
-            <p:ph type="ftr" sz="quarter" idx="11"/>
-          </p:nvPr>
-        </p:nvSpPr>
-        <p:spPr/>
-        <p:txBody>
-          <a:bodyPr/>
-          <a:lstStyle/>
-          <a:p>
-            <a:r>
-              <a:rPr lang="en-US" smtClean="0"/>
-              <a:t>© 2015 EV3Lessons.com, Last edit 11/10/2015</a:t>
-            </a:r>
-            <a:endParaRPr lang="en-US"/>
-          </a:p>
-        </p:txBody>
-      </p:sp>
-      <p:sp>
-        <p:nvSpPr>
-          <p:cNvPr id="6" name="Slide Number Placeholder 5"/>
-          <p:cNvSpPr>
-            <a:spLocks noGrp="1"/>
-          </p:cNvSpPr>
-          <p:nvPr>
-            <p:ph type="sldNum" sz="quarter" idx="12"/>
-          </p:nvPr>
-        </p:nvSpPr>
-        <p:spPr/>
-        <p:txBody>
-          <a:bodyPr/>
-          <a:lstStyle/>
-          <a:p>
-            <a:fld id="{4382A7F7-08BF-4252-8141-63FB96055BBB}" type="slidenum">
-              <a:rPr lang="en-US" smtClean="0"/>
-              <a:t>‹#›</a:t>
-            </a:fld>
-            <a:endParaRPr lang="en-US"/>
-          </a:p>
-        </p:txBody>
-      </p:sp>
-      <p:grpSp>
-        <p:nvGrpSpPr>
-          <p:cNvPr id="8" name="Group 7"/>
-          <p:cNvGrpSpPr/>
-          <p:nvPr/>
-        </p:nvGrpSpPr>
-        <p:grpSpPr>
-          <a:xfrm rot="5400000">
-            <a:off x="4658724" y="3355723"/>
-            <a:ext cx="5934456" cy="137411"/>
-            <a:chOff x="284163" y="1577847"/>
-            <a:chExt cx="8576373" cy="137411"/>
-          </a:xfrm>
-        </p:grpSpPr>
-        <p:sp>
-          <p:nvSpPr>
-            <p:cNvPr id="9" name="Rectangle 8"/>
-            <p:cNvSpPr/>
-            <p:nvPr/>
-          </p:nvSpPr>
-          <p:spPr>
-            <a:xfrm>
-              <a:off x="284163" y="1577847"/>
-              <a:ext cx="1600200" cy="137411"/>
-            </a:xfrm>
-            <a:prstGeom prst="rect">
-              <a:avLst/>
-            </a:prstGeom>
-            <a:solidFill>
-              <a:schemeClr val="accent1"/>
-            </a:solidFill>
-            <a:ln>
-              <a:noFill/>
-            </a:ln>
-          </p:spPr>
-          <p:style>
-            <a:lnRef idx="2">
-              <a:schemeClr val="accent1">
-                <a:shade val="50000"/>
-              </a:schemeClr>
-            </a:lnRef>
-            <a:fillRef idx="1">
-              <a:schemeClr val="accent1"/>
-            </a:fillRef>
-            <a:effectRef idx="0">
-              <a:schemeClr val="accent1"/>
-            </a:effectRef>
-            <a:fontRef idx="minor">
-              <a:schemeClr val="lt1"/>
-            </a:fontRef>
-          </p:style>
-          <p:txBody>
-            <a:bodyPr rtlCol="0" anchor="ctr"/>
-            <a:lstStyle/>
-            <a:p>
-              <a:pPr algn="ctr"/>
-              <a:endParaRPr/>
-            </a:p>
-          </p:txBody>
-        </p:sp>
-        <p:sp>
-          <p:nvSpPr>
-            <p:cNvPr id="10" name="Rectangle 9"/>
-            <p:cNvSpPr/>
-            <p:nvPr/>
-          </p:nvSpPr>
-          <p:spPr>
-            <a:xfrm>
-              <a:off x="1885174" y="1577847"/>
-              <a:ext cx="2743200" cy="137411"/>
-            </a:xfrm>
-            <a:prstGeom prst="rect">
-              <a:avLst/>
-            </a:prstGeom>
-            <a:solidFill>
-              <a:schemeClr val="accent2"/>
-            </a:solidFill>
-            <a:ln>
-              <a:noFill/>
-            </a:ln>
-          </p:spPr>
-          <p:style>
-            <a:lnRef idx="2">
-              <a:schemeClr val="accent1">
-                <a:shade val="50000"/>
-              </a:schemeClr>
-            </a:lnRef>
-            <a:fillRef idx="1">
-              <a:schemeClr val="accent1"/>
-            </a:fillRef>
-            <a:effectRef idx="0">
-              <a:schemeClr val="accent1"/>
-            </a:effectRef>
-            <a:fontRef idx="minor">
-              <a:schemeClr val="lt1"/>
-            </a:fontRef>
-          </p:style>
-          <p:txBody>
-            <a:bodyPr rtlCol="0" anchor="ctr"/>
-            <a:lstStyle/>
-            <a:p>
-              <a:pPr algn="ctr"/>
-              <a:endParaRPr/>
-            </a:p>
-          </p:txBody>
-        </p:sp>
-        <p:sp>
-          <p:nvSpPr>
-            <p:cNvPr id="11" name="Rectangle 10"/>
-            <p:cNvSpPr/>
-            <p:nvPr/>
-          </p:nvSpPr>
-          <p:spPr>
-            <a:xfrm>
-              <a:off x="4626864" y="1577847"/>
-              <a:ext cx="4233672" cy="137411"/>
-            </a:xfrm>
-            <a:prstGeom prst="rect">
-              <a:avLst/>
-            </a:prstGeom>
-            <a:solidFill>
-              <a:schemeClr val="accent4"/>
-            </a:solidFill>
-            <a:ln>
-              <a:noFill/>
-            </a:ln>
-          </p:spPr>
-          <p:style>
-            <a:lnRef idx="2">
-              <a:schemeClr val="accent1">
-                <a:shade val="50000"/>
-              </a:schemeClr>
-            </a:lnRef>
-            <a:fillRef idx="1">
-              <a:schemeClr val="accent1"/>
-            </a:fillRef>
-            <a:effectRef idx="0">
-              <a:schemeClr val="accent1"/>
-            </a:effectRef>
-            <a:fontRef idx="minor">
-              <a:schemeClr val="lt1"/>
-            </a:fontRef>
-          </p:style>
-          <p:txBody>
-            <a:bodyPr rtlCol="0" anchor="ctr"/>
-            <a:lstStyle/>
-            <a:p>
-              <a:pPr algn="ctr"/>
-              <a:endParaRPr/>
-            </a:p>
-          </p:txBody>
-        </p:sp>
-      </p:grpSp>
-    </p:spTree>
-  </p:cSld>
-  <p:clrMapOvr>
-    <a:masterClrMapping/>
-  </p:clrMapOvr>
-  <p:timing>
-    <p:tnLst>
-      <p:par>
-        <p:cTn id="1" dur="indefinite" restart="never" nodeType="tmRoot"/>
-      </p:par>
-    </p:tnLst>
-  </p:timing>
-</p:sldLayout>
-</file>
-
-<file path=ppt/slideLayouts/slideLayout2.xml><?xml version="1.0" encoding="utf-8"?>
-<p:sldLayout xmlns:a="http://schemas.openxmlformats.org/drawingml/2006/main" xmlns:r="http://schemas.openxmlformats.org/officeDocument/2006/relationships" xmlns:p="http://schemas.openxmlformats.org/presentationml/2006/main" type="obj" preserve="1">
-  <p:cSld name="Title and Content">
-    <p:spTree>
-      <p:nvGrpSpPr>
-        <p:cNvPr id="1" name=""/>
-        <p:cNvGrpSpPr/>
-        <p:nvPr/>
-      </p:nvGrpSpPr>
-      <p:grpSpPr>
-        <a:xfrm>
-          <a:off x="0" y="0"/>
-          <a:ext cx="0" cy="0"/>
-          <a:chOff x="0" y="0"/>
-          <a:chExt cx="0" cy="0"/>
-        </a:xfrm>
-      </p:grpSpPr>
-      <p:sp>
-        <p:nvSpPr>
-          <p:cNvPr id="7" name="Rectangle 6"/>
-          <p:cNvSpPr/>
-          <p:nvPr/>
-        </p:nvSpPr>
-        <p:spPr>
-          <a:xfrm>
-            <a:off x="284163" y="455773"/>
-            <a:ext cx="8574087" cy="1133949"/>
-          </a:xfrm>
-          <a:prstGeom prst="rect">
-            <a:avLst/>
-          </a:prstGeom>
-          <a:solidFill>
-            <a:schemeClr val="tx1">
-              <a:lumMod val="85000"/>
-              <a:lumOff val="15000"/>
-              <a:alpha val="70000"/>
-            </a:schemeClr>
-          </a:solidFill>
-          <a:ln>
-            <a:noFill/>
-          </a:ln>
-        </p:spPr>
-        <p:style>
-          <a:lnRef idx="2">
-            <a:schemeClr val="accent1">
-              <a:shade val="50000"/>
-            </a:schemeClr>
-          </a:lnRef>
-          <a:fillRef idx="1">
-            <a:schemeClr val="accent1"/>
-          </a:fillRef>
-          <a:effectRef idx="0">
-            <a:schemeClr val="accent1"/>
-          </a:effectRef>
-          <a:fontRef idx="minor">
-            <a:schemeClr val="lt1"/>
-          </a:fontRef>
-        </p:style>
-        <p:txBody>
-          <a:bodyPr rtlCol="0" anchor="ctr"/>
-          <a:lstStyle/>
-          <a:p>
-            <a:pPr algn="ctr"/>
-            <a:endParaRPr/>
-          </a:p>
-        </p:txBody>
-      </p:sp>
-      <p:grpSp>
-        <p:nvGrpSpPr>
-          <p:cNvPr id="8" name="Group 7"/>
-          <p:cNvGrpSpPr/>
-          <p:nvPr/>
-        </p:nvGrpSpPr>
-        <p:grpSpPr>
-          <a:xfrm>
-            <a:off x="284163" y="1577847"/>
-            <a:ext cx="8576373" cy="137411"/>
-            <a:chOff x="284163" y="1577847"/>
-            <a:chExt cx="8576373" cy="137411"/>
-          </a:xfrm>
-        </p:grpSpPr>
-        <p:sp>
-          <p:nvSpPr>
-            <p:cNvPr id="9" name="Rectangle 8"/>
-            <p:cNvSpPr/>
-            <p:nvPr/>
-          </p:nvSpPr>
-          <p:spPr>
-            <a:xfrm>
-              <a:off x="284163" y="1577847"/>
-              <a:ext cx="1600200" cy="137411"/>
-            </a:xfrm>
-            <a:prstGeom prst="rect">
-              <a:avLst/>
-            </a:prstGeom>
-            <a:solidFill>
-              <a:srgbClr val="7030A0"/>
-            </a:solidFill>
-            <a:ln>
-              <a:noFill/>
-            </a:ln>
-          </p:spPr>
-          <p:style>
-            <a:lnRef idx="2">
-              <a:schemeClr val="accent1">
-                <a:shade val="50000"/>
-              </a:schemeClr>
-            </a:lnRef>
-            <a:fillRef idx="1">
-              <a:schemeClr val="accent1"/>
-            </a:fillRef>
-            <a:effectRef idx="0">
-              <a:schemeClr val="accent1"/>
-            </a:effectRef>
-            <a:fontRef idx="minor">
-              <a:schemeClr val="lt1"/>
-            </a:fontRef>
-          </p:style>
-          <p:txBody>
-            <a:bodyPr rtlCol="0" anchor="ctr"/>
-            <a:lstStyle/>
-            <a:p>
-              <a:pPr algn="ctr"/>
-              <a:endParaRPr/>
-            </a:p>
-          </p:txBody>
-        </p:sp>
-        <p:sp>
-          <p:nvSpPr>
-            <p:cNvPr id="10" name="Rectangle 9"/>
-            <p:cNvSpPr/>
-            <p:nvPr/>
-          </p:nvSpPr>
-          <p:spPr>
-            <a:xfrm>
-              <a:off x="1885174" y="1577847"/>
-              <a:ext cx="2743200" cy="137411"/>
-            </a:xfrm>
-            <a:prstGeom prst="rect">
-              <a:avLst/>
-            </a:prstGeom>
-            <a:solidFill>
-              <a:srgbClr val="00B050"/>
-            </a:solidFill>
-            <a:ln>
-              <a:noFill/>
-            </a:ln>
-          </p:spPr>
-          <p:style>
-            <a:lnRef idx="2">
-              <a:schemeClr val="accent1">
-                <a:shade val="50000"/>
-              </a:schemeClr>
-            </a:lnRef>
-            <a:fillRef idx="1">
-              <a:schemeClr val="accent1"/>
-            </a:fillRef>
-            <a:effectRef idx="0">
-              <a:schemeClr val="accent1"/>
-            </a:effectRef>
-            <a:fontRef idx="minor">
-              <a:schemeClr val="lt1"/>
-            </a:fontRef>
-          </p:style>
-          <p:txBody>
-            <a:bodyPr rtlCol="0" anchor="ctr"/>
-            <a:lstStyle/>
-            <a:p>
-              <a:pPr algn="ctr"/>
-              <a:endParaRPr/>
-            </a:p>
-          </p:txBody>
-        </p:sp>
-        <p:sp>
-          <p:nvSpPr>
-            <p:cNvPr id="11" name="Rectangle 10"/>
-            <p:cNvSpPr/>
-            <p:nvPr/>
-          </p:nvSpPr>
-          <p:spPr>
-            <a:xfrm>
-              <a:off x="4626864" y="1577847"/>
-              <a:ext cx="4233672" cy="137411"/>
-            </a:xfrm>
-            <a:prstGeom prst="rect">
-              <a:avLst/>
-            </a:prstGeom>
-            <a:solidFill>
-              <a:srgbClr val="0070C0"/>
-            </a:solidFill>
-            <a:ln>
-              <a:noFill/>
-            </a:ln>
-          </p:spPr>
-          <p:style>
-            <a:lnRef idx="2">
-              <a:schemeClr val="accent1">
-                <a:shade val="50000"/>
-              </a:schemeClr>
-            </a:lnRef>
-            <a:fillRef idx="1">
-              <a:schemeClr val="accent1"/>
-            </a:fillRef>
-            <a:effectRef idx="0">
-              <a:schemeClr val="accent1"/>
-            </a:effectRef>
-            <a:fontRef idx="minor">
-              <a:schemeClr val="lt1"/>
-            </a:fontRef>
-          </p:style>
-          <p:txBody>
-            <a:bodyPr rtlCol="0" anchor="ctr"/>
-            <a:lstStyle/>
-            <a:p>
-              <a:pPr algn="ctr"/>
-              <a:endParaRPr/>
-            </a:p>
-          </p:txBody>
-        </p:sp>
-      </p:grpSp>
-      <p:sp>
-        <p:nvSpPr>
-          <p:cNvPr id="2" name="Title 1"/>
-          <p:cNvSpPr>
-            <a:spLocks noGrp="1"/>
-          </p:cNvSpPr>
-          <p:nvPr>
-            <p:ph type="title"/>
-          </p:nvPr>
-        </p:nvSpPr>
-        <p:spPr>
-          <a:noFill/>
-        </p:spPr>
-        <p:txBody>
-          <a:bodyPr/>
-          <a:lstStyle/>
-          <a:p>
-            <a:r>
-              <a:rPr lang="en-US" smtClean="0"/>
-              <a:t>Click to edit Master title style</a:t>
-            </a:r>
-            <a:endParaRPr/>
-          </a:p>
-        </p:txBody>
-      </p:sp>
-      <p:sp>
-        <p:nvSpPr>
-          <p:cNvPr id="3" name="Content Placeholder 2"/>
-          <p:cNvSpPr>
-            <a:spLocks noGrp="1"/>
-          </p:cNvSpPr>
-          <p:nvPr>
-            <p:ph idx="1"/>
-          </p:nvPr>
-        </p:nvSpPr>
-        <p:spPr/>
-        <p:txBody>
-          <a:bodyPr/>
-          <a:lstStyle>
-            <a:lvl5pPr>
-              <a:defRPr/>
-            </a:lvl5pPr>
-          </a:lstStyle>
-          <a:p>
-            <a:pPr lvl="0"/>
-            <a:r>
-              <a:rPr lang="en-US" smtClean="0"/>
-              <a:t>Click to edit Master text styles</a:t>
-            </a:r>
-          </a:p>
-          <a:p>
-            <a:pPr lvl="1"/>
-            <a:r>
-              <a:rPr lang="en-US" smtClean="0"/>
-              <a:t>Second level</a:t>
-            </a:r>
-          </a:p>
-          <a:p>
-            <a:pPr lvl="2"/>
-            <a:r>
-              <a:rPr lang="en-US" smtClean="0"/>
-              <a:t>Third level</a:t>
-            </a:r>
-          </a:p>
-          <a:p>
-            <a:pPr lvl="3"/>
-            <a:r>
-              <a:rPr lang="en-US" smtClean="0"/>
-              <a:t>Fourth level</a:t>
-            </a:r>
-          </a:p>
-          <a:p>
-            <a:pPr lvl="4"/>
-            <a:r>
-              <a:rPr lang="en-US" smtClean="0"/>
-              <a:t>Fifth level</a:t>
-            </a:r>
-            <a:endParaRPr dirty="0"/>
-          </a:p>
-        </p:txBody>
-      </p:sp>
-      <p:sp>
-        <p:nvSpPr>
-          <p:cNvPr id="4" name="Date Placeholder 3"/>
-          <p:cNvSpPr>
-            <a:spLocks noGrp="1"/>
-          </p:cNvSpPr>
-          <p:nvPr>
-            <p:ph type="dt" sz="half" idx="10"/>
-          </p:nvPr>
-        </p:nvSpPr>
-        <p:spPr/>
-        <p:txBody>
-          <a:bodyPr/>
-          <a:lstStyle/>
-          <a:p>
-            <a:fld id="{63262B27-BCFD-478F-A21D-598A0BF1DA83}" type="datetime1">
-              <a:rPr lang="en-US" smtClean="0"/>
-              <a:t>11/12/2015</a:t>
-            </a:fld>
-            <a:endParaRPr lang="en-US"/>
-          </a:p>
-        </p:txBody>
-      </p:sp>
-      <p:sp>
-        <p:nvSpPr>
-          <p:cNvPr id="5" name="Footer Placeholder 4"/>
-          <p:cNvSpPr>
-            <a:spLocks noGrp="1"/>
-          </p:cNvSpPr>
-          <p:nvPr>
-            <p:ph type="ftr" sz="quarter" idx="11"/>
-          </p:nvPr>
-        </p:nvSpPr>
-        <p:spPr/>
-        <p:txBody>
-          <a:bodyPr/>
-          <a:lstStyle/>
-          <a:p>
-            <a:r>
-              <a:rPr lang="en-US" smtClean="0"/>
-              <a:t>© 2015 EV3Lessons.com, Last edit 11/10/2015</a:t>
-            </a:r>
-            <a:endParaRPr lang="en-US"/>
-          </a:p>
-        </p:txBody>
-      </p:sp>
-      <p:sp>
-        <p:nvSpPr>
-          <p:cNvPr id="6" name="Slide Number Placeholder 5"/>
-          <p:cNvSpPr>
-            <a:spLocks noGrp="1"/>
-          </p:cNvSpPr>
-          <p:nvPr>
-            <p:ph type="sldNum" sz="quarter" idx="12"/>
-          </p:nvPr>
-        </p:nvSpPr>
-        <p:spPr/>
-        <p:txBody>
-          <a:bodyPr/>
-          <a:lstStyle/>
-          <a:p>
-            <a:fld id="{4382A7F7-08BF-4252-8141-63FB96055BBB}" type="slidenum">
-              <a:rPr lang="en-US" smtClean="0"/>
-              <a:t>‹#›</a:t>
-            </a:fld>
-            <a:endParaRPr lang="en-US"/>
-          </a:p>
-        </p:txBody>
-      </p:sp>
-    </p:spTree>
-  </p:cSld>
-  <p:clrMapOvr>
-    <a:masterClrMapping/>
-  </p:clrMapOvr>
-  <p:timing>
-    <p:tnLst>
-      <p:par>
-        <p:cTn id="1" dur="indefinite" restart="never" nodeType="tmRoot"/>
-      </p:par>
-    </p:tnLst>
-  </p:timing>
-</p:sldLayout>
-</file>
-
-<file path=ppt/slideLayouts/slideLayout3.xml><?xml version="1.0" encoding="utf-8"?>
-<p:sldLayout xmlns:a="http://schemas.openxmlformats.org/drawingml/2006/main" xmlns:r="http://schemas.openxmlformats.org/officeDocument/2006/relationships" xmlns:p="http://schemas.openxmlformats.org/presentationml/2006/main" preserve="1">
+<p:sldLayout xmlns:a="http://schemas.openxmlformats.org/drawingml/2006/main" xmlns:r="http://schemas.openxmlformats.org/officeDocument/2006/relationships" xmlns:p="http://schemas.openxmlformats.org/presentationml/2006/main">
   <p:cSld name="Title Slide with Picture">
     <p:spTree>
       <p:nvGrpSpPr>
@@ -3788,51 +1866,6 @@
       </p:grpSpPr>
       <p:sp>
         <p:nvSpPr>
-          <p:cNvPr id="18" name="Rectangle 17"/>
-          <p:cNvSpPr/>
-          <p:nvPr/>
-        </p:nvSpPr>
-        <p:spPr>
-          <a:xfrm>
-            <a:off x="284163" y="444728"/>
-            <a:ext cx="8574087" cy="1468437"/>
-          </a:xfrm>
-          <a:prstGeom prst="rect">
-            <a:avLst/>
-          </a:prstGeom>
-          <a:solidFill>
-            <a:schemeClr val="tx1">
-              <a:lumMod val="85000"/>
-              <a:lumOff val="15000"/>
-              <a:alpha val="85000"/>
-            </a:schemeClr>
-          </a:solidFill>
-        </p:spPr>
-        <p:txBody>
-          <a:bodyPr vert="horz" lIns="91440" tIns="45720" rIns="182880" bIns="365760" rtlCol="0" anchor="b" anchorCtr="0">
-            <a:normAutofit/>
-          </a:bodyPr>
-          <a:lstStyle/>
-          <a:p>
-            <a:pPr algn="l" defTabSz="914400" rtl="0" eaLnBrk="1" latinLnBrk="0" hangingPunct="1">
-              <a:spcBef>
-                <a:spcPct val="0"/>
-              </a:spcBef>
-              <a:buNone/>
-            </a:pPr>
-            <a:endParaRPr sz="4200" kern="1200">
-              <a:solidFill>
-                <a:schemeClr val="bg1"/>
-              </a:solidFill>
-              <a:latin typeface="+mj-lt"/>
-              <a:ea typeface="+mj-ea"/>
-              <a:cs typeface="+mj-cs"/>
-            </a:endParaRPr>
-          </a:p>
-        </p:txBody>
-      </p:sp>
-      <p:sp>
-        <p:nvSpPr>
           <p:cNvPr id="4" name="Date Placeholder 3"/>
           <p:cNvSpPr>
             <a:spLocks noGrp="1"/>
@@ -3848,7 +1881,7 @@
           <a:p>
             <a:fld id="{23D6D190-0146-476A-ABDB-25C129936575}" type="datetime1">
               <a:rPr lang="en-US" smtClean="0"/>
-              <a:t>11/12/2015</a:t>
+              <a:t>11/15/15</a:t>
             </a:fld>
             <a:endParaRPr lang="en-US"/>
           </a:p>
@@ -4058,30 +2091,230 @@
           </a:p>
         </p:txBody>
       </p:sp>
+      <p:sp>
+        <p:nvSpPr>
+          <p:cNvPr id="2" name="Title 1"/>
+          <p:cNvSpPr>
+            <a:spLocks noGrp="1"/>
+          </p:cNvSpPr>
+          <p:nvPr>
+            <p:ph type="ctrTitle"/>
+          </p:nvPr>
+        </p:nvSpPr>
+        <p:spPr>
+          <a:xfrm>
+            <a:off x="418633" y="444728"/>
+            <a:ext cx="7810967" cy="1088237"/>
+          </a:xfrm>
+          <a:noFill/>
+        </p:spPr>
+        <p:txBody>
+          <a:bodyPr bIns="45720" anchor="b" anchorCtr="0">
+            <a:normAutofit/>
+          </a:bodyPr>
+          <a:lstStyle>
+            <a:lvl1pPr algn="l">
+              <a:lnSpc>
+                <a:spcPts val="4600"/>
+              </a:lnSpc>
+              <a:defRPr/>
+            </a:lvl1pPr>
+          </a:lstStyle>
+          <a:p>
+            <a:r>
+              <a:rPr lang="en-US" smtClean="0"/>
+              <a:t>Click to edit Master title style</a:t>
+            </a:r>
+            <a:endParaRPr/>
+          </a:p>
+        </p:txBody>
+      </p:sp>
+    </p:spTree>
+    <p:extLst>
+      <p:ext uri="{BB962C8B-B14F-4D97-AF65-F5344CB8AC3E}">
+        <p14:creationId xmlns:p14="http://schemas.microsoft.com/office/powerpoint/2010/main" val="2034861854"/>
+      </p:ext>
+    </p:extLst>
+  </p:cSld>
+  <p:clrMapOvr>
+    <a:masterClrMapping/>
+  </p:clrMapOvr>
+  <p:timing>
+    <p:tnLst>
+      <p:par>
+        <p:cTn id="1" dur="indefinite" restart="never" nodeType="tmRoot"/>
+      </p:par>
+    </p:tnLst>
+  </p:timing>
+</p:sldLayout>
+</file>
+
+<file path=ppt/slideLayouts/slideLayout2.xml><?xml version="1.0" encoding="utf-8"?>
+<p:sldLayout xmlns:a="http://schemas.openxmlformats.org/drawingml/2006/main" xmlns:r="http://schemas.openxmlformats.org/officeDocument/2006/relationships" xmlns:p="http://schemas.openxmlformats.org/presentationml/2006/main" preserve="1">
+  <p:cSld name="Title and Content">
+    <p:spTree>
+      <p:nvGrpSpPr>
+        <p:cNvPr id="1" name=""/>
+        <p:cNvGrpSpPr/>
+        <p:nvPr/>
+      </p:nvGrpSpPr>
+      <p:grpSpPr>
+        <a:xfrm>
+          <a:off x="0" y="0"/>
+          <a:ext cx="0" cy="0"/>
+          <a:chOff x="0" y="0"/>
+          <a:chExt cx="0" cy="0"/>
+        </a:xfrm>
+      </p:grpSpPr>
+      <p:sp>
+        <p:nvSpPr>
+          <p:cNvPr id="3" name="Content Placeholder 2"/>
+          <p:cNvSpPr>
+            <a:spLocks noGrp="1"/>
+          </p:cNvSpPr>
+          <p:nvPr>
+            <p:ph idx="1"/>
+          </p:nvPr>
+        </p:nvSpPr>
+        <p:spPr/>
+        <p:txBody>
+          <a:bodyPr/>
+          <a:lstStyle>
+            <a:lvl5pPr>
+              <a:defRPr/>
+            </a:lvl5pPr>
+          </a:lstStyle>
+          <a:p>
+            <a:pPr lvl="0"/>
+            <a:r>
+              <a:rPr lang="en-US" smtClean="0"/>
+              <a:t>Click to edit Master text styles</a:t>
+            </a:r>
+          </a:p>
+          <a:p>
+            <a:pPr lvl="1"/>
+            <a:r>
+              <a:rPr lang="en-US" smtClean="0"/>
+              <a:t>Second level</a:t>
+            </a:r>
+          </a:p>
+          <a:p>
+            <a:pPr lvl="2"/>
+            <a:r>
+              <a:rPr lang="en-US" smtClean="0"/>
+              <a:t>Third level</a:t>
+            </a:r>
+          </a:p>
+          <a:p>
+            <a:pPr lvl="3"/>
+            <a:r>
+              <a:rPr lang="en-US" smtClean="0"/>
+              <a:t>Fourth level</a:t>
+            </a:r>
+          </a:p>
+          <a:p>
+            <a:pPr lvl="4"/>
+            <a:r>
+              <a:rPr lang="en-US" smtClean="0"/>
+              <a:t>Fifth level</a:t>
+            </a:r>
+            <a:endParaRPr dirty="0"/>
+          </a:p>
+        </p:txBody>
+      </p:sp>
+      <p:sp>
+        <p:nvSpPr>
+          <p:cNvPr id="4" name="Date Placeholder 3"/>
+          <p:cNvSpPr>
+            <a:spLocks noGrp="1"/>
+          </p:cNvSpPr>
+          <p:nvPr>
+            <p:ph type="dt" sz="half" idx="10"/>
+          </p:nvPr>
+        </p:nvSpPr>
+        <p:spPr/>
+        <p:txBody>
+          <a:bodyPr/>
+          <a:lstStyle/>
+          <a:p>
+            <a:fld id="{63262B27-BCFD-478F-A21D-598A0BF1DA83}" type="datetime1">
+              <a:rPr lang="en-US" smtClean="0"/>
+              <a:t>11/15/15</a:t>
+            </a:fld>
+            <a:endParaRPr lang="en-US"/>
+          </a:p>
+        </p:txBody>
+      </p:sp>
+      <p:sp>
+        <p:nvSpPr>
+          <p:cNvPr id="5" name="Footer Placeholder 4"/>
+          <p:cNvSpPr>
+            <a:spLocks noGrp="1"/>
+          </p:cNvSpPr>
+          <p:nvPr>
+            <p:ph type="ftr" sz="quarter" idx="11"/>
+          </p:nvPr>
+        </p:nvSpPr>
+        <p:spPr/>
+        <p:txBody>
+          <a:bodyPr/>
+          <a:lstStyle/>
+          <a:p>
+            <a:r>
+              <a:rPr lang="en-US" smtClean="0"/>
+              <a:t>© 2015 EV3Lessons.com, Last edit 11/10/2015</a:t>
+            </a:r>
+            <a:endParaRPr lang="en-US"/>
+          </a:p>
+        </p:txBody>
+      </p:sp>
+      <p:sp>
+        <p:nvSpPr>
+          <p:cNvPr id="6" name="Slide Number Placeholder 5"/>
+          <p:cNvSpPr>
+            <a:spLocks noGrp="1"/>
+          </p:cNvSpPr>
+          <p:nvPr>
+            <p:ph type="sldNum" sz="quarter" idx="12"/>
+          </p:nvPr>
+        </p:nvSpPr>
+        <p:spPr/>
+        <p:txBody>
+          <a:bodyPr/>
+          <a:lstStyle/>
+          <a:p>
+            <a:fld id="{4382A7F7-08BF-4252-8141-63FB96055BBB}" type="slidenum">
+              <a:rPr lang="en-US" smtClean="0"/>
+              <a:t>‹#›</a:t>
+            </a:fld>
+            <a:endParaRPr lang="en-US"/>
+          </a:p>
+        </p:txBody>
+      </p:sp>
       <p:grpSp>
         <p:nvGrpSpPr>
-          <p:cNvPr id="7" name="Group 16"/>
+          <p:cNvPr id="12" name="Group 11"/>
           <p:cNvGrpSpPr/>
           <p:nvPr/>
         </p:nvGrpSpPr>
         <p:grpSpPr>
           <a:xfrm>
-            <a:off x="284163" y="1906542"/>
-            <a:ext cx="8576373" cy="137411"/>
-            <a:chOff x="284163" y="1759424"/>
+            <a:off x="0" y="1188720"/>
+            <a:ext cx="9144000" cy="137411"/>
+            <a:chOff x="284163" y="1577847"/>
             <a:chExt cx="8576373" cy="137411"/>
           </a:xfrm>
         </p:grpSpPr>
         <p:sp>
           <p:nvSpPr>
-            <p:cNvPr id="11" name="Rectangle 10"/>
+            <p:cNvPr id="13" name="Rectangle 12"/>
             <p:cNvSpPr/>
             <p:nvPr/>
           </p:nvSpPr>
           <p:spPr>
             <a:xfrm>
-              <a:off x="284163" y="1759424"/>
-              <a:ext cx="2743200" cy="137411"/>
+              <a:off x="284163" y="1577847"/>
+              <a:ext cx="1600200" cy="137411"/>
             </a:xfrm>
             <a:prstGeom prst="rect">
               <a:avLst/>
@@ -4120,14 +2353,14 @@
         </p:sp>
         <p:sp>
           <p:nvSpPr>
-            <p:cNvPr id="12" name="Rectangle 11"/>
+            <p:cNvPr id="14" name="Rectangle 13"/>
             <p:cNvSpPr/>
             <p:nvPr/>
           </p:nvSpPr>
           <p:spPr>
             <a:xfrm>
-              <a:off x="3026392" y="1759424"/>
-              <a:ext cx="1600200" cy="137411"/>
+              <a:off x="1885174" y="1577847"/>
+              <a:ext cx="2743200" cy="137411"/>
             </a:xfrm>
             <a:prstGeom prst="rect">
               <a:avLst/>
@@ -4166,13 +2399,13 @@
         </p:sp>
         <p:sp>
           <p:nvSpPr>
-            <p:cNvPr id="13" name="Rectangle 12"/>
+            <p:cNvPr id="15" name="Rectangle 14"/>
             <p:cNvSpPr/>
             <p:nvPr/>
           </p:nvSpPr>
           <p:spPr>
             <a:xfrm>
-              <a:off x="4626864" y="1759424"/>
+              <a:off x="4626864" y="1577847"/>
               <a:ext cx="4233672" cy="137411"/>
             </a:xfrm>
             <a:prstGeom prst="rect">
@@ -4213,43 +2446,33 @@
       </p:grpSp>
       <p:sp>
         <p:nvSpPr>
-          <p:cNvPr id="2" name="Title 1"/>
-          <p:cNvSpPr>
-            <a:spLocks noGrp="1"/>
-          </p:cNvSpPr>
-          <p:nvPr>
-            <p:ph type="ctrTitle"/>
-          </p:nvPr>
-        </p:nvSpPr>
-        <p:spPr>
-          <a:xfrm>
-            <a:off x="418633" y="444728"/>
-            <a:ext cx="7810967" cy="1088237"/>
-          </a:xfrm>
-          <a:noFill/>
-        </p:spPr>
-        <p:txBody>
-          <a:bodyPr bIns="45720" anchor="b" anchorCtr="0">
-            <a:normAutofit/>
-          </a:bodyPr>
-          <a:lstStyle>
-            <a:lvl1pPr algn="l">
-              <a:lnSpc>
-                <a:spcPts val="4600"/>
-              </a:lnSpc>
-              <a:defRPr/>
-            </a:lvl1pPr>
-          </a:lstStyle>
+          <p:cNvPr id="16" name="Title 15"/>
+          <p:cNvSpPr>
+            <a:spLocks noGrp="1"/>
+          </p:cNvSpPr>
+          <p:nvPr>
+            <p:ph type="title"/>
+          </p:nvPr>
+        </p:nvSpPr>
+        <p:spPr/>
+        <p:txBody>
+          <a:bodyPr/>
+          <a:lstStyle/>
           <a:p>
             <a:r>
               <a:rPr lang="en-US" smtClean="0"/>
               <a:t>Click to edit Master title style</a:t>
             </a:r>
-            <a:endParaRPr/>
+            <a:endParaRPr lang="en-US"/>
           </a:p>
         </p:txBody>
       </p:sp>
     </p:spTree>
+    <p:extLst>
+      <p:ext uri="{BB962C8B-B14F-4D97-AF65-F5344CB8AC3E}">
+        <p14:creationId xmlns:p14="http://schemas.microsoft.com/office/powerpoint/2010/main" val="32309449"/>
+      </p:ext>
+    </p:extLst>
   </p:cSld>
   <p:clrMapOvr>
     <a:masterClrMapping/>
@@ -4264,8 +2487,8 @@
 </p:sldLayout>
 </file>
 
-<file path=ppt/slideLayouts/slideLayout4.xml><?xml version="1.0" encoding="utf-8"?>
-<p:sldLayout xmlns:a="http://schemas.openxmlformats.org/drawingml/2006/main" xmlns:r="http://schemas.openxmlformats.org/officeDocument/2006/relationships" xmlns:p="http://schemas.openxmlformats.org/presentationml/2006/main" type="secHead" preserve="1">
+<file path=ppt/slideLayouts/slideLayout3.xml><?xml version="1.0" encoding="utf-8"?>
+<p:sldLayout xmlns:a="http://schemas.openxmlformats.org/drawingml/2006/main" xmlns:r="http://schemas.openxmlformats.org/officeDocument/2006/relationships" xmlns:p="http://schemas.openxmlformats.org/presentationml/2006/main" preserve="1">
   <p:cSld name="Section Header">
     <p:spTree>
       <p:nvGrpSpPr>
@@ -4283,79 +2506,62 @@
       </p:grpSpPr>
       <p:sp>
         <p:nvSpPr>
-          <p:cNvPr id="8" name="Rectangle 7"/>
-          <p:cNvSpPr/>
-          <p:nvPr/>
+          <p:cNvPr id="20" name="Title 19"/>
+          <p:cNvSpPr>
+            <a:spLocks noGrp="1"/>
+          </p:cNvSpPr>
+          <p:nvPr>
+            <p:ph type="title"/>
+          </p:nvPr>
         </p:nvSpPr>
         <p:spPr>
           <a:xfrm>
-            <a:off x="284163" y="4801575"/>
-            <a:ext cx="8574087" cy="1468437"/>
+            <a:off x="0" y="5075171"/>
+            <a:ext cx="9143999" cy="1782829"/>
           </a:xfrm>
-          <a:prstGeom prst="rect">
-            <a:avLst/>
-          </a:prstGeom>
-          <a:solidFill>
-            <a:schemeClr val="tx1">
-              <a:lumMod val="85000"/>
-              <a:lumOff val="15000"/>
-              <a:alpha val="85000"/>
-            </a:schemeClr>
-          </a:solidFill>
         </p:spPr>
         <p:txBody>
-          <a:bodyPr vert="horz" lIns="91440" tIns="45720" rIns="182880" bIns="365760" rtlCol="0" anchor="b" anchorCtr="0">
-            <a:normAutofit/>
-          </a:bodyPr>
-          <a:lstStyle/>
-          <a:p>
-            <a:pPr algn="l" defTabSz="914400" rtl="0" eaLnBrk="1" latinLnBrk="0" hangingPunct="1">
-              <a:spcBef>
-                <a:spcPct val="0"/>
-              </a:spcBef>
-              <a:buNone/>
-            </a:pPr>
-            <a:endParaRPr sz="4200" kern="1200">
-              <a:solidFill>
-                <a:schemeClr val="bg1"/>
-              </a:solidFill>
-              <a:latin typeface="+mj-lt"/>
-              <a:ea typeface="+mj-ea"/>
-              <a:cs typeface="+mj-cs"/>
-            </a:endParaRPr>
+          <a:bodyPr/>
+          <a:lstStyle/>
+          <a:p>
+            <a:r>
+              <a:rPr lang="en-US" smtClean="0"/>
+              <a:t>Click to edit Master title style</a:t>
+            </a:r>
+            <a:endParaRPr lang="en-US"/>
           </a:p>
         </p:txBody>
       </p:sp>
       <p:grpSp>
         <p:nvGrpSpPr>
-          <p:cNvPr id="9" name="Group 8"/>
+          <p:cNvPr id="15" name="Group 14"/>
           <p:cNvGrpSpPr/>
           <p:nvPr/>
         </p:nvGrpSpPr>
         <p:grpSpPr>
           <a:xfrm>
-            <a:off x="284163" y="6263389"/>
-            <a:ext cx="8576373" cy="137411"/>
-            <a:chOff x="284163" y="1759424"/>
+            <a:off x="0" y="4937760"/>
+            <a:ext cx="9144000" cy="137411"/>
+            <a:chOff x="284163" y="1577847"/>
             <a:chExt cx="8576373" cy="137411"/>
           </a:xfrm>
         </p:grpSpPr>
         <p:sp>
           <p:nvSpPr>
-            <p:cNvPr id="10" name="Rectangle 9"/>
+            <p:cNvPr id="16" name="Rectangle 15"/>
             <p:cNvSpPr/>
             <p:nvPr/>
           </p:nvSpPr>
           <p:spPr>
             <a:xfrm>
-              <a:off x="284163" y="1759424"/>
-              <a:ext cx="2743200" cy="137411"/>
+              <a:off x="284163" y="1577847"/>
+              <a:ext cx="1600200" cy="137411"/>
             </a:xfrm>
             <a:prstGeom prst="rect">
               <a:avLst/>
             </a:prstGeom>
             <a:solidFill>
-              <a:schemeClr val="accent1"/>
+              <a:srgbClr val="7030A0"/>
             </a:solidFill>
             <a:ln>
               <a:noFill/>
@@ -4388,20 +2594,20 @@
         </p:sp>
         <p:sp>
           <p:nvSpPr>
-            <p:cNvPr id="11" name="Rectangle 10"/>
+            <p:cNvPr id="17" name="Rectangle 16"/>
             <p:cNvSpPr/>
             <p:nvPr/>
           </p:nvSpPr>
           <p:spPr>
             <a:xfrm>
-              <a:off x="3026392" y="1759424"/>
-              <a:ext cx="1600200" cy="137411"/>
+              <a:off x="1885174" y="1577847"/>
+              <a:ext cx="2743200" cy="137411"/>
             </a:xfrm>
             <a:prstGeom prst="rect">
               <a:avLst/>
             </a:prstGeom>
             <a:solidFill>
-              <a:schemeClr val="accent2"/>
+              <a:srgbClr val="00B050"/>
             </a:solidFill>
             <a:ln>
               <a:noFill/>
@@ -4434,20 +2640,20 @@
         </p:sp>
         <p:sp>
           <p:nvSpPr>
-            <p:cNvPr id="12" name="Rectangle 11"/>
+            <p:cNvPr id="18" name="Rectangle 17"/>
             <p:cNvSpPr/>
             <p:nvPr/>
           </p:nvSpPr>
           <p:spPr>
             <a:xfrm>
-              <a:off x="4626864" y="1759424"/>
+              <a:off x="4626864" y="1577847"/>
               <a:ext cx="4233672" cy="137411"/>
             </a:xfrm>
             <a:prstGeom prst="rect">
               <a:avLst/>
             </a:prstGeom>
             <a:solidFill>
-              <a:schemeClr val="accent4"/>
+              <a:srgbClr val="0070C0"/>
             </a:solidFill>
             <a:ln>
               <a:noFill/>
@@ -4481,288 +2687,74 @@
       </p:grpSp>
       <p:sp>
         <p:nvSpPr>
-          <p:cNvPr id="13" name="TextBox 12"/>
-          <p:cNvSpPr txBox="1"/>
-          <p:nvPr/>
-        </p:nvSpPr>
-        <p:spPr>
-          <a:xfrm>
-            <a:off x="8230889" y="4801575"/>
-            <a:ext cx="587020" cy="646331"/>
-          </a:xfrm>
-          <a:prstGeom prst="rect">
-            <a:avLst/>
-          </a:prstGeom>
-          <a:noFill/>
-        </p:spPr>
-        <p:txBody>
-          <a:bodyPr wrap="none" rtlCol="0">
-            <a:spAutoFit/>
-          </a:bodyPr>
-          <a:lstStyle/>
-          <a:p>
-            <a:r>
-              <a:rPr sz="3600">
+          <p:cNvPr id="4" name="Date Placeholder 3"/>
+          <p:cNvSpPr>
+            <a:spLocks noGrp="1"/>
+          </p:cNvSpPr>
+          <p:nvPr>
+            <p:ph type="dt" sz="half" idx="10"/>
+          </p:nvPr>
+        </p:nvSpPr>
+        <p:spPr/>
+        <p:txBody>
+          <a:bodyPr/>
+          <a:lstStyle/>
+          <a:p>
+            <a:fld id="{FCE16FEE-4A79-4781-AACB-61C8F868F7BA}" type="datetime1">
+              <a:rPr lang="en-US" smtClean="0"/>
+              <a:t>11/15/15</a:t>
+            </a:fld>
+            <a:endParaRPr lang="en-US" dirty="0"/>
+          </a:p>
+        </p:txBody>
+      </p:sp>
+      <p:sp>
+        <p:nvSpPr>
+          <p:cNvPr id="5" name="Footer Placeholder 4"/>
+          <p:cNvSpPr>
+            <a:spLocks noGrp="1"/>
+          </p:cNvSpPr>
+          <p:nvPr>
+            <p:ph type="ftr" sz="quarter" idx="11"/>
+          </p:nvPr>
+        </p:nvSpPr>
+        <p:spPr/>
+        <p:txBody>
+          <a:bodyPr/>
+          <a:lstStyle/>
+          <a:p>
+            <a:r>
+              <a:rPr lang="en-US" smtClean="0"/>
+              <a:t>© 2015 EV3Lessons.com, Last edit 11/10/2015</a:t>
+            </a:r>
+            <a:endParaRPr lang="en-US" dirty="0"/>
+          </a:p>
+        </p:txBody>
+      </p:sp>
+      <p:sp>
+        <p:nvSpPr>
+          <p:cNvPr id="6" name="Slide Number Placeholder 5"/>
+          <p:cNvSpPr>
+            <a:spLocks noGrp="1"/>
+          </p:cNvSpPr>
+          <p:nvPr>
+            <p:ph type="sldNum" sz="quarter" idx="12"/>
+          </p:nvPr>
+        </p:nvSpPr>
+        <p:spPr/>
+        <p:txBody>
+          <a:bodyPr/>
+          <a:lstStyle>
+            <a:lvl1pPr>
+              <a:defRPr>
                 <a:solidFill>
                   <a:schemeClr val="bg1"/>
                 </a:solidFill>
-                <a:sym typeface="Wingdings"/>
-              </a:rPr>
-              <a:t></a:t>
-            </a:r>
-            <a:endParaRPr sz="3600">
-              <a:solidFill>
-                <a:schemeClr val="bg1"/>
-              </a:solidFill>
-            </a:endParaRPr>
-          </a:p>
-        </p:txBody>
-      </p:sp>
-      <p:sp>
-        <p:nvSpPr>
-          <p:cNvPr id="2" name="Title 1"/>
-          <p:cNvSpPr>
-            <a:spLocks noGrp="1"/>
-          </p:cNvSpPr>
-          <p:nvPr>
-            <p:ph type="title"/>
-          </p:nvPr>
-        </p:nvSpPr>
-        <p:spPr>
-          <a:xfrm>
-            <a:off x="429768" y="4814125"/>
-            <a:ext cx="7772400" cy="1051560"/>
-          </a:xfrm>
-          <a:noFill/>
-        </p:spPr>
-        <p:txBody>
-          <a:bodyPr vert="horz" lIns="91440" tIns="45720" rIns="91440" bIns="45720" rtlCol="0" anchor="b" anchorCtr="0">
-            <a:normAutofit/>
-          </a:bodyPr>
-          <a:lstStyle>
-            <a:lvl1pPr algn="l" defTabSz="914400" rtl="0" eaLnBrk="1" latinLnBrk="0" hangingPunct="1">
-              <a:spcBef>
-                <a:spcPct val="0"/>
-              </a:spcBef>
-              <a:buNone/>
-              <a:defRPr sz="4200" b="0" i="0" kern="1200" cap="none" baseline="0">
-                <a:solidFill>
-                  <a:schemeClr val="bg1"/>
-                </a:solidFill>
-                <a:latin typeface="+mj-lt"/>
-                <a:ea typeface="+mj-ea"/>
-                <a:cs typeface="+mj-cs"/>
               </a:defRPr>
             </a:lvl1pPr>
           </a:lstStyle>
           <a:p>
-            <a:r>
-              <a:rPr lang="en-US" smtClean="0"/>
-              <a:t>Click to edit Master title style</a:t>
-            </a:r>
-            <a:endParaRPr/>
-          </a:p>
-        </p:txBody>
-      </p:sp>
-      <p:sp>
-        <p:nvSpPr>
-          <p:cNvPr id="3" name="Text Placeholder 2"/>
-          <p:cNvSpPr>
-            <a:spLocks noGrp="1"/>
-          </p:cNvSpPr>
-          <p:nvPr>
-            <p:ph type="body" idx="1"/>
-          </p:nvPr>
-        </p:nvSpPr>
-        <p:spPr>
-          <a:xfrm>
-            <a:off x="475488" y="5861304"/>
-            <a:ext cx="7735824" cy="402336"/>
-          </a:xfrm>
-        </p:spPr>
-        <p:txBody>
-          <a:bodyPr vert="horz" lIns="91440" tIns="45720" rIns="91440" bIns="45720" rtlCol="0" anchor="t" anchorCtr="0">
-            <a:normAutofit/>
-          </a:bodyPr>
-          <a:lstStyle>
-            <a:lvl1pPr marL="0" indent="0">
-              <a:spcBef>
-                <a:spcPts val="0"/>
-              </a:spcBef>
-              <a:buNone/>
-              <a:defRPr sz="1800" kern="1200">
-                <a:solidFill>
-                  <a:schemeClr val="bg1"/>
-                </a:solidFill>
-                <a:latin typeface="+mn-lt"/>
-                <a:ea typeface="+mn-ea"/>
-                <a:cs typeface="+mn-cs"/>
-              </a:defRPr>
-            </a:lvl1pPr>
-            <a:lvl2pPr marL="457200" indent="0">
-              <a:buNone/>
-              <a:defRPr sz="1800">
-                <a:solidFill>
-                  <a:schemeClr val="tx1">
-                    <a:tint val="75000"/>
-                  </a:schemeClr>
-                </a:solidFill>
-              </a:defRPr>
-            </a:lvl2pPr>
-            <a:lvl3pPr marL="914400" indent="0">
-              <a:buNone/>
-              <a:defRPr sz="1600">
-                <a:solidFill>
-                  <a:schemeClr val="tx1">
-                    <a:tint val="75000"/>
-                  </a:schemeClr>
-                </a:solidFill>
-              </a:defRPr>
-            </a:lvl3pPr>
-            <a:lvl4pPr marL="1371600" indent="0">
-              <a:buNone/>
-              <a:defRPr sz="1400">
-                <a:solidFill>
-                  <a:schemeClr val="tx1">
-                    <a:tint val="75000"/>
-                  </a:schemeClr>
-                </a:solidFill>
-              </a:defRPr>
-            </a:lvl4pPr>
-            <a:lvl5pPr marL="1828800" indent="0">
-              <a:buNone/>
-              <a:defRPr sz="1400">
-                <a:solidFill>
-                  <a:schemeClr val="tx1">
-                    <a:tint val="75000"/>
-                  </a:schemeClr>
-                </a:solidFill>
-              </a:defRPr>
-            </a:lvl5pPr>
-            <a:lvl6pPr marL="2286000" indent="0">
-              <a:buNone/>
-              <a:defRPr sz="1400">
-                <a:solidFill>
-                  <a:schemeClr val="tx1">
-                    <a:tint val="75000"/>
-                  </a:schemeClr>
-                </a:solidFill>
-              </a:defRPr>
-            </a:lvl6pPr>
-            <a:lvl7pPr marL="2743200" indent="0">
-              <a:buNone/>
-              <a:defRPr sz="1400">
-                <a:solidFill>
-                  <a:schemeClr val="tx1">
-                    <a:tint val="75000"/>
-                  </a:schemeClr>
-                </a:solidFill>
-              </a:defRPr>
-            </a:lvl7pPr>
-            <a:lvl8pPr marL="3200400" indent="0">
-              <a:buNone/>
-              <a:defRPr sz="1400">
-                <a:solidFill>
-                  <a:schemeClr val="tx1">
-                    <a:tint val="75000"/>
-                  </a:schemeClr>
-                </a:solidFill>
-              </a:defRPr>
-            </a:lvl8pPr>
-            <a:lvl9pPr marL="3657600" indent="0">
-              <a:buNone/>
-              <a:defRPr sz="1400">
-                <a:solidFill>
-                  <a:schemeClr val="tx1">
-                    <a:tint val="75000"/>
-                  </a:schemeClr>
-                </a:solidFill>
-              </a:defRPr>
-            </a:lvl9pPr>
-          </a:lstStyle>
-          <a:p>
-            <a:pPr marL="0" lvl="0" indent="0" algn="l" defTabSz="914400" rtl="0" eaLnBrk="1" latinLnBrk="0" hangingPunct="1">
-              <a:spcBef>
-                <a:spcPts val="2000"/>
-              </a:spcBef>
-              <a:buClr>
-                <a:schemeClr val="bg1">
-                  <a:lumMod val="65000"/>
-                </a:schemeClr>
-              </a:buClr>
-              <a:buSzPct val="90000"/>
-              <a:buFont typeface="Wingdings" pitchFamily="2" charset="2"/>
-              <a:buNone/>
-            </a:pPr>
-            <a:r>
-              <a:rPr lang="en-US" smtClean="0"/>
-              <a:t>Click to edit Master text styles</a:t>
-            </a:r>
-          </a:p>
-        </p:txBody>
-      </p:sp>
-      <p:sp>
-        <p:nvSpPr>
-          <p:cNvPr id="4" name="Date Placeholder 3"/>
-          <p:cNvSpPr>
-            <a:spLocks noGrp="1"/>
-          </p:cNvSpPr>
-          <p:nvPr>
-            <p:ph type="dt" sz="half" idx="10"/>
-          </p:nvPr>
-        </p:nvSpPr>
-        <p:spPr/>
-        <p:txBody>
-          <a:bodyPr/>
-          <a:lstStyle/>
-          <a:p>
-            <a:fld id="{7E1584FB-7979-4182-BDC4-BE8F5E969862}" type="datetime1">
-              <a:rPr lang="en-US" smtClean="0"/>
-              <a:t>11/12/2015</a:t>
-            </a:fld>
-            <a:endParaRPr lang="en-US"/>
-          </a:p>
-        </p:txBody>
-      </p:sp>
-      <p:sp>
-        <p:nvSpPr>
-          <p:cNvPr id="5" name="Footer Placeholder 4"/>
-          <p:cNvSpPr>
-            <a:spLocks noGrp="1"/>
-          </p:cNvSpPr>
-          <p:nvPr>
-            <p:ph type="ftr" sz="quarter" idx="11"/>
-          </p:nvPr>
-        </p:nvSpPr>
-        <p:spPr/>
-        <p:txBody>
-          <a:bodyPr/>
-          <a:lstStyle/>
-          <a:p>
-            <a:r>
-              <a:rPr lang="en-US" smtClean="0"/>
-              <a:t>© 2015 EV3Lessons.com, Last edit 11/10/2015</a:t>
-            </a:r>
-            <a:endParaRPr lang="en-US"/>
-          </a:p>
-        </p:txBody>
-      </p:sp>
-      <p:sp>
-        <p:nvSpPr>
-          <p:cNvPr id="6" name="Slide Number Placeholder 5"/>
-          <p:cNvSpPr>
-            <a:spLocks noGrp="1"/>
-          </p:cNvSpPr>
-          <p:nvPr>
-            <p:ph type="sldNum" sz="quarter" idx="12"/>
-          </p:nvPr>
-        </p:nvSpPr>
-        <p:spPr/>
-        <p:txBody>
-          <a:bodyPr/>
-          <a:lstStyle/>
-          <a:p>
-            <a:fld id="{162F1D00-BD13-4404-86B0-79703945A0A7}" type="slidenum">
+            <a:fld id="{4382A7F7-08BF-4252-8141-63FB96055BBB}" type="slidenum">
               <a:rPr lang="en-US" smtClean="0"/>
               <a:t>‹#›</a:t>
             </a:fld>
@@ -4771,6 +2763,11 @@
         </p:txBody>
       </p:sp>
     </p:spTree>
+    <p:extLst>
+      <p:ext uri="{BB962C8B-B14F-4D97-AF65-F5344CB8AC3E}">
+        <p14:creationId xmlns:p14="http://schemas.microsoft.com/office/powerpoint/2010/main" val="1859030299"/>
+      </p:ext>
+    </p:extLst>
   </p:cSld>
   <p:clrMapOvr>
     <a:masterClrMapping/>
@@ -4782,12 +2779,13 @@
       </p:par>
     </p:tnLst>
   </p:timing>
+  <p:hf hdr="0" dt="0"/>
 </p:sldLayout>
 </file>
 
-<file path=ppt/slideLayouts/slideLayout5.xml><?xml version="1.0" encoding="utf-8"?>
+<file path=ppt/slideLayouts/slideLayout4.xml><?xml version="1.0" encoding="utf-8"?>
 <p:sldLayout xmlns:a="http://schemas.openxmlformats.org/drawingml/2006/main" xmlns:r="http://schemas.openxmlformats.org/officeDocument/2006/relationships" xmlns:p="http://schemas.openxmlformats.org/presentationml/2006/main" preserve="1">
-  <p:cSld name="Section with Picture">
+  <p:cSld name="Two Content">
     <p:spTree>
       <p:nvGrpSpPr>
         <p:cNvPr id="1" name=""/>
@@ -4804,158 +2802,57 @@
       </p:grpSpPr>
       <p:sp>
         <p:nvSpPr>
-          <p:cNvPr id="13" name="Picture Placeholder 7"/>
-          <p:cNvSpPr>
-            <a:spLocks noGrp="1"/>
-          </p:cNvSpPr>
-          <p:nvPr>
-            <p:ph type="pic" sz="quarter" idx="13"/>
-          </p:nvPr>
-        </p:nvSpPr>
-        <p:spPr>
-          <a:xfrm>
-            <a:off x="284162" y="443754"/>
-            <a:ext cx="8574087" cy="4370293"/>
-          </a:xfrm>
-        </p:spPr>
+          <p:cNvPr id="6" name="Title 5"/>
+          <p:cNvSpPr>
+            <a:spLocks noGrp="1"/>
+          </p:cNvSpPr>
+          <p:nvPr>
+            <p:ph type="title"/>
+          </p:nvPr>
+        </p:nvSpPr>
+        <p:spPr/>
         <p:txBody>
           <a:bodyPr/>
-          <a:lstStyle>
-            <a:lvl1pPr>
-              <a:buNone/>
-              <a:defRPr/>
-            </a:lvl1pPr>
-          </a:lstStyle>
-          <a:p>
-            <a:r>
-              <a:rPr lang="en-US" smtClean="0"/>
-              <a:t>Drag picture to placeholder or click icon to add</a:t>
-            </a:r>
-            <a:endParaRPr/>
-          </a:p>
-        </p:txBody>
-      </p:sp>
-      <p:sp>
-        <p:nvSpPr>
-          <p:cNvPr id="4" name="Date Placeholder 3"/>
-          <p:cNvSpPr>
-            <a:spLocks noGrp="1"/>
-          </p:cNvSpPr>
-          <p:nvPr>
-            <p:ph type="dt" sz="half" idx="10"/>
-          </p:nvPr>
-        </p:nvSpPr>
-        <p:spPr/>
-        <p:txBody>
-          <a:bodyPr/>
-          <a:lstStyle/>
-          <a:p>
-            <a:fld id="{EC06FD87-F18D-457A-806B-AA5D1A76FFA4}" type="datetime1">
-              <a:rPr lang="en-US" smtClean="0"/>
-              <a:t>11/12/2015</a:t>
-            </a:fld>
-            <a:endParaRPr lang="en-US" dirty="0"/>
-          </a:p>
-        </p:txBody>
-      </p:sp>
-      <p:sp>
-        <p:nvSpPr>
-          <p:cNvPr id="6" name="Slide Number Placeholder 5"/>
-          <p:cNvSpPr>
-            <a:spLocks noGrp="1"/>
-          </p:cNvSpPr>
-          <p:nvPr>
-            <p:ph type="sldNum" sz="quarter" idx="12"/>
-          </p:nvPr>
-        </p:nvSpPr>
-        <p:spPr/>
-        <p:txBody>
-          <a:bodyPr/>
-          <a:lstStyle/>
-          <a:p>
-            <a:fld id="{4382A7F7-08BF-4252-8141-63FB96055BBB}" type="slidenum">
-              <a:rPr lang="en-US" smtClean="0"/>
-              <a:t>‹#›</a:t>
-            </a:fld>
+          <a:lstStyle/>
+          <a:p>
+            <a:r>
+              <a:rPr lang="en-US" smtClean="0"/>
+              <a:t>Click to edit Master title style</a:t>
+            </a:r>
             <a:endParaRPr lang="en-US"/>
-          </a:p>
-        </p:txBody>
-      </p:sp>
-      <p:sp>
-        <p:nvSpPr>
-          <p:cNvPr id="7" name="Rectangle 6"/>
-          <p:cNvSpPr/>
-          <p:nvPr/>
-        </p:nvSpPr>
-        <p:spPr>
-          <a:xfrm>
-            <a:off x="284163" y="4801575"/>
-            <a:ext cx="8574087" cy="1468437"/>
-          </a:xfrm>
-          <a:prstGeom prst="rect">
-            <a:avLst/>
-          </a:prstGeom>
-          <a:solidFill>
-            <a:schemeClr val="tx1">
-              <a:lumMod val="85000"/>
-              <a:lumOff val="15000"/>
-              <a:alpha val="85000"/>
-            </a:schemeClr>
-          </a:solidFill>
-        </p:spPr>
-        <p:txBody>
-          <a:bodyPr vert="horz" lIns="91440" tIns="45720" rIns="182880" bIns="365760" rtlCol="0" anchor="b" anchorCtr="0">
-            <a:normAutofit/>
-          </a:bodyPr>
-          <a:lstStyle/>
-          <a:p>
-            <a:pPr algn="l" defTabSz="914400" rtl="0" eaLnBrk="1" latinLnBrk="0" hangingPunct="1">
-              <a:spcBef>
-                <a:spcPct val="0"/>
-              </a:spcBef>
-              <a:buNone/>
-            </a:pPr>
-            <a:endParaRPr sz="4200" kern="1200">
-              <a:solidFill>
-                <a:schemeClr val="bg1"/>
-              </a:solidFill>
-              <a:latin typeface="+mj-lt"/>
-              <a:ea typeface="+mj-ea"/>
-              <a:cs typeface="+mj-cs"/>
-            </a:endParaRPr>
           </a:p>
         </p:txBody>
       </p:sp>
       <p:grpSp>
         <p:nvGrpSpPr>
-          <p:cNvPr id="8" name="Group 7"/>
+          <p:cNvPr id="17" name="Group 16"/>
           <p:cNvGrpSpPr/>
           <p:nvPr/>
         </p:nvGrpSpPr>
         <p:grpSpPr>
           <a:xfrm>
-            <a:off x="284163" y="6263389"/>
-            <a:ext cx="8576373" cy="137411"/>
-            <a:chOff x="284163" y="1759424"/>
+            <a:off x="0" y="1188720"/>
+            <a:ext cx="9144000" cy="137411"/>
+            <a:chOff x="284163" y="1577847"/>
             <a:chExt cx="8576373" cy="137411"/>
           </a:xfrm>
         </p:grpSpPr>
         <p:sp>
           <p:nvSpPr>
-            <p:cNvPr id="9" name="Rectangle 8"/>
+            <p:cNvPr id="18" name="Rectangle 17"/>
             <p:cNvSpPr/>
             <p:nvPr/>
           </p:nvSpPr>
           <p:spPr>
             <a:xfrm>
-              <a:off x="284163" y="1759424"/>
-              <a:ext cx="2743200" cy="137411"/>
+              <a:off x="284163" y="1577847"/>
+              <a:ext cx="1600200" cy="137411"/>
             </a:xfrm>
             <a:prstGeom prst="rect">
               <a:avLst/>
             </a:prstGeom>
             <a:solidFill>
-              <a:schemeClr val="accent1"/>
+              <a:srgbClr val="7030A0"/>
             </a:solidFill>
             <a:ln>
               <a:noFill/>
@@ -4988,20 +2885,20 @@
         </p:sp>
         <p:sp>
           <p:nvSpPr>
-            <p:cNvPr id="10" name="Rectangle 9"/>
+            <p:cNvPr id="19" name="Rectangle 18"/>
             <p:cNvSpPr/>
             <p:nvPr/>
           </p:nvSpPr>
           <p:spPr>
             <a:xfrm>
-              <a:off x="3026392" y="1759424"/>
-              <a:ext cx="1600200" cy="137411"/>
+              <a:off x="1885174" y="1577847"/>
+              <a:ext cx="2743200" cy="137411"/>
             </a:xfrm>
             <a:prstGeom prst="rect">
               <a:avLst/>
             </a:prstGeom>
             <a:solidFill>
-              <a:schemeClr val="accent2"/>
+              <a:srgbClr val="00B050"/>
             </a:solidFill>
             <a:ln>
               <a:noFill/>
@@ -5034,20 +2931,20 @@
         </p:sp>
         <p:sp>
           <p:nvSpPr>
-            <p:cNvPr id="11" name="Rectangle 10"/>
+            <p:cNvPr id="20" name="Rectangle 19"/>
             <p:cNvSpPr/>
             <p:nvPr/>
           </p:nvSpPr>
           <p:spPr>
             <a:xfrm>
-              <a:off x="4626864" y="1759424"/>
+              <a:off x="4626864" y="1577847"/>
               <a:ext cx="4233672" cy="137411"/>
             </a:xfrm>
             <a:prstGeom prst="rect">
               <a:avLst/>
             </a:prstGeom>
             <a:solidFill>
-              <a:schemeClr val="accent4"/>
+              <a:srgbClr val="0070C0"/>
             </a:solidFill>
             <a:ln>
               <a:noFill/>
@@ -5081,189 +2978,138 @@
       </p:grpSp>
       <p:sp>
         <p:nvSpPr>
-          <p:cNvPr id="12" name="TextBox 11"/>
-          <p:cNvSpPr txBox="1"/>
-          <p:nvPr/>
+          <p:cNvPr id="3" name="Content Placeholder 2"/>
+          <p:cNvSpPr>
+            <a:spLocks noGrp="1"/>
+          </p:cNvSpPr>
+          <p:nvPr>
+            <p:ph sz="half" idx="1"/>
+          </p:nvPr>
         </p:nvSpPr>
         <p:spPr>
           <a:xfrm>
-            <a:off x="8230889" y="4801575"/>
-            <a:ext cx="587020" cy="646331"/>
+            <a:off x="403412" y="2151063"/>
+            <a:ext cx="3931920" cy="3975100"/>
           </a:xfrm>
-          <a:prstGeom prst="rect">
-            <a:avLst/>
-          </a:prstGeom>
-          <a:noFill/>
         </p:spPr>
         <p:txBody>
-          <a:bodyPr wrap="none" rtlCol="0">
-            <a:spAutoFit/>
-          </a:bodyPr>
-          <a:lstStyle/>
-          <a:p>
-            <a:r>
-              <a:rPr sz="3600">
-                <a:solidFill>
-                  <a:schemeClr val="bg1"/>
-                </a:solidFill>
-                <a:sym typeface="Wingdings"/>
-              </a:rPr>
-              <a:t></a:t>
-            </a:r>
-            <a:endParaRPr sz="3600">
-              <a:solidFill>
-                <a:schemeClr val="bg1"/>
-              </a:solidFill>
-            </a:endParaRPr>
-          </a:p>
-        </p:txBody>
-      </p:sp>
-      <p:sp>
-        <p:nvSpPr>
-          <p:cNvPr id="2" name="Title 1"/>
-          <p:cNvSpPr>
-            <a:spLocks noGrp="1"/>
-          </p:cNvSpPr>
-          <p:nvPr>
-            <p:ph type="title"/>
-          </p:nvPr>
-        </p:nvSpPr>
-        <p:spPr>
-          <a:xfrm>
-            <a:off x="430306" y="4814047"/>
-            <a:ext cx="7772400" cy="1048871"/>
-          </a:xfrm>
-          <a:noFill/>
-        </p:spPr>
-        <p:txBody>
-          <a:bodyPr anchor="b" anchorCtr="0">
+          <a:bodyPr>
             <a:normAutofit/>
           </a:bodyPr>
           <a:lstStyle>
-            <a:lvl1pPr algn="l">
-              <a:defRPr sz="4200" b="0" i="0" cap="none" baseline="0"/>
+            <a:lvl1pPr>
+              <a:defRPr sz="2200"/>
             </a:lvl1pPr>
+            <a:lvl2pPr>
+              <a:defRPr sz="2000"/>
+            </a:lvl2pPr>
+            <a:lvl3pPr>
+              <a:defRPr sz="1800"/>
+            </a:lvl3pPr>
+            <a:lvl4pPr>
+              <a:defRPr sz="1800"/>
+            </a:lvl4pPr>
+            <a:lvl5pPr>
+              <a:defRPr sz="1800"/>
+            </a:lvl5pPr>
+            <a:lvl6pPr>
+              <a:defRPr sz="1800"/>
+            </a:lvl6pPr>
+            <a:lvl7pPr>
+              <a:defRPr sz="1800"/>
+            </a:lvl7pPr>
+            <a:lvl8pPr>
+              <a:defRPr sz="1800"/>
+            </a:lvl8pPr>
+            <a:lvl9pPr>
+              <a:defRPr sz="1800"/>
+            </a:lvl9pPr>
           </a:lstStyle>
           <a:p>
-            <a:r>
-              <a:rPr lang="en-US" smtClean="0"/>
-              <a:t>Click to edit Master title style</a:t>
-            </a:r>
-            <a:endParaRPr/>
-          </a:p>
-        </p:txBody>
-      </p:sp>
-      <p:sp>
-        <p:nvSpPr>
-          <p:cNvPr id="3" name="Text Placeholder 2"/>
-          <p:cNvSpPr>
-            <a:spLocks noGrp="1"/>
-          </p:cNvSpPr>
-          <p:nvPr>
-            <p:ph type="body" idx="1"/>
+            <a:pPr lvl="0"/>
+            <a:r>
+              <a:rPr lang="en-US" smtClean="0"/>
+              <a:t>Click to edit Master text styles</a:t>
+            </a:r>
+          </a:p>
+          <a:p>
+            <a:pPr lvl="1"/>
+            <a:r>
+              <a:rPr lang="en-US" smtClean="0"/>
+              <a:t>Second level</a:t>
+            </a:r>
+          </a:p>
+          <a:p>
+            <a:pPr lvl="2"/>
+            <a:r>
+              <a:rPr lang="en-US" smtClean="0"/>
+              <a:t>Third level</a:t>
+            </a:r>
+          </a:p>
+          <a:p>
+            <a:pPr lvl="3"/>
+            <a:r>
+              <a:rPr lang="en-US" smtClean="0"/>
+              <a:t>Fourth level</a:t>
+            </a:r>
+          </a:p>
+          <a:p>
+            <a:pPr lvl="4"/>
+            <a:r>
+              <a:rPr lang="en-US" smtClean="0"/>
+              <a:t>Fifth level</a:t>
+            </a:r>
+            <a:endParaRPr dirty="0"/>
+          </a:p>
+        </p:txBody>
+      </p:sp>
+      <p:sp>
+        <p:nvSpPr>
+          <p:cNvPr id="4" name="Content Placeholder 3"/>
+          <p:cNvSpPr>
+            <a:spLocks noGrp="1"/>
+          </p:cNvSpPr>
+          <p:nvPr>
+            <p:ph sz="half" idx="2"/>
           </p:nvPr>
         </p:nvSpPr>
         <p:spPr>
           <a:xfrm>
-            <a:off x="470647" y="5862918"/>
-            <a:ext cx="7732059" cy="403412"/>
+            <a:off x="4778188" y="2151063"/>
+            <a:ext cx="3931920" cy="3975100"/>
           </a:xfrm>
         </p:spPr>
         <p:txBody>
-          <a:bodyPr anchor="t" anchorCtr="0">
+          <a:bodyPr>
             <a:normAutofit/>
           </a:bodyPr>
           <a:lstStyle>
-            <a:lvl1pPr marL="0" indent="0">
-              <a:spcBef>
-                <a:spcPts val="0"/>
-              </a:spcBef>
-              <a:buNone/>
-              <a:defRPr sz="1800">
-                <a:solidFill>
-                  <a:schemeClr val="bg1"/>
-                </a:solidFill>
-              </a:defRPr>
+            <a:lvl1pPr>
+              <a:defRPr sz="2200"/>
             </a:lvl1pPr>
-            <a:lvl2pPr marL="457200" indent="0">
-              <a:buNone/>
-              <a:defRPr sz="1800">
-                <a:solidFill>
-                  <a:schemeClr val="tx1">
-                    <a:tint val="75000"/>
-                  </a:schemeClr>
-                </a:solidFill>
-              </a:defRPr>
+            <a:lvl2pPr>
+              <a:defRPr sz="2000"/>
             </a:lvl2pPr>
-            <a:lvl3pPr marL="914400" indent="0">
-              <a:buNone/>
-              <a:defRPr sz="1600">
-                <a:solidFill>
-                  <a:schemeClr val="tx1">
-                    <a:tint val="75000"/>
-                  </a:schemeClr>
-                </a:solidFill>
-              </a:defRPr>
+            <a:lvl3pPr>
+              <a:defRPr sz="1800"/>
             </a:lvl3pPr>
-            <a:lvl4pPr marL="1371600" indent="0">
-              <a:buNone/>
-              <a:defRPr sz="1400">
-                <a:solidFill>
-                  <a:schemeClr val="tx1">
-                    <a:tint val="75000"/>
-                  </a:schemeClr>
-                </a:solidFill>
-              </a:defRPr>
+            <a:lvl4pPr>
+              <a:defRPr sz="1800"/>
             </a:lvl4pPr>
-            <a:lvl5pPr marL="1828800" indent="0">
-              <a:buNone/>
-              <a:defRPr sz="1400">
-                <a:solidFill>
-                  <a:schemeClr val="tx1">
-                    <a:tint val="75000"/>
-                  </a:schemeClr>
-                </a:solidFill>
-              </a:defRPr>
+            <a:lvl5pPr>
+              <a:defRPr sz="1800"/>
             </a:lvl5pPr>
-            <a:lvl6pPr marL="2286000" indent="0">
-              <a:buNone/>
-              <a:defRPr sz="1400">
-                <a:solidFill>
-                  <a:schemeClr val="tx1">
-                    <a:tint val="75000"/>
-                  </a:schemeClr>
-                </a:solidFill>
-              </a:defRPr>
+            <a:lvl6pPr>
+              <a:defRPr sz="1800"/>
             </a:lvl6pPr>
-            <a:lvl7pPr marL="2743200" indent="0">
-              <a:buNone/>
-              <a:defRPr sz="1400">
-                <a:solidFill>
-                  <a:schemeClr val="tx1">
-                    <a:tint val="75000"/>
-                  </a:schemeClr>
-                </a:solidFill>
-              </a:defRPr>
+            <a:lvl7pPr>
+              <a:defRPr sz="1800"/>
             </a:lvl7pPr>
-            <a:lvl8pPr marL="3200400" indent="0">
-              <a:buNone/>
-              <a:defRPr sz="1400">
-                <a:solidFill>
-                  <a:schemeClr val="tx1">
-                    <a:tint val="75000"/>
-                  </a:schemeClr>
-                </a:solidFill>
-              </a:defRPr>
+            <a:lvl8pPr>
+              <a:defRPr sz="1800"/>
             </a:lvl8pPr>
-            <a:lvl9pPr marL="3657600" indent="0">
-              <a:buNone/>
-              <a:defRPr sz="1400">
-                <a:solidFill>
-                  <a:schemeClr val="tx1">
-                    <a:tint val="75000"/>
-                  </a:schemeClr>
-                </a:solidFill>
-              </a:defRPr>
+            <a:lvl9pPr>
+              <a:defRPr sz="1800"/>
             </a:lvl9pPr>
           </a:lstStyle>
           <a:p>
@@ -5273,60 +3119,99 @@
               <a:t>Click to edit Master text styles</a:t>
             </a:r>
           </a:p>
-        </p:txBody>
-      </p:sp>
-    </p:spTree>
-  </p:cSld>
-  <p:clrMapOvr>
-    <a:masterClrMapping/>
-  </p:clrMapOvr>
-  <p:timing>
-    <p:tnLst>
-      <p:par>
-        <p:cTn id="1" dur="indefinite" restart="never" nodeType="tmRoot"/>
-      </p:par>
-    </p:tnLst>
-  </p:timing>
-</p:sldLayout>
-</file>
-
-<file path=ppt/slideLayouts/slideLayout6.xml><?xml version="1.0" encoding="utf-8"?>
-<p:sldLayout xmlns:a="http://schemas.openxmlformats.org/drawingml/2006/main" xmlns:r="http://schemas.openxmlformats.org/officeDocument/2006/relationships" xmlns:p="http://schemas.openxmlformats.org/presentationml/2006/main" type="twoObj" preserve="1">
-  <p:cSld name="Two Content">
-    <p:spTree>
-      <p:nvGrpSpPr>
-        <p:cNvPr id="1" name=""/>
-        <p:cNvGrpSpPr/>
-        <p:nvPr/>
-      </p:nvGrpSpPr>
-      <p:grpSpPr>
-        <a:xfrm>
-          <a:off x="0" y="0"/>
-          <a:ext cx="0" cy="0"/>
-          <a:chOff x="0" y="0"/>
-          <a:chExt cx="0" cy="0"/>
-        </a:xfrm>
-      </p:grpSpPr>
-      <p:sp>
-        <p:nvSpPr>
-          <p:cNvPr id="8" name="Rectangle 7"/>
+          <a:p>
+            <a:pPr lvl="1"/>
+            <a:r>
+              <a:rPr lang="en-US" smtClean="0"/>
+              <a:t>Second level</a:t>
+            </a:r>
+          </a:p>
+          <a:p>
+            <a:pPr lvl="2"/>
+            <a:r>
+              <a:rPr lang="en-US" smtClean="0"/>
+              <a:t>Third level</a:t>
+            </a:r>
+          </a:p>
+          <a:p>
+            <a:pPr lvl="3"/>
+            <a:r>
+              <a:rPr lang="en-US" smtClean="0"/>
+              <a:t>Fourth level</a:t>
+            </a:r>
+          </a:p>
+          <a:p>
+            <a:pPr lvl="4"/>
+            <a:r>
+              <a:rPr lang="en-US" smtClean="0"/>
+              <a:t>Fifth level</a:t>
+            </a:r>
+            <a:endParaRPr dirty="0"/>
+          </a:p>
+        </p:txBody>
+      </p:sp>
+      <p:sp>
+        <p:nvSpPr>
+          <p:cNvPr id="5" name="Date Placeholder 4"/>
+          <p:cNvSpPr>
+            <a:spLocks noGrp="1"/>
+          </p:cNvSpPr>
+          <p:nvPr>
+            <p:ph type="dt" sz="half" idx="10"/>
+          </p:nvPr>
+        </p:nvSpPr>
+        <p:spPr/>
+        <p:txBody>
+          <a:bodyPr/>
+          <a:lstStyle/>
+          <a:p>
+            <a:fld id="{C0284210-0621-4985-A7D5-2E097962EC1A}" type="datetime1">
+              <a:rPr lang="en-US" smtClean="0"/>
+              <a:t>11/15/15</a:t>
+            </a:fld>
+            <a:endParaRPr lang="en-US"/>
+          </a:p>
+        </p:txBody>
+      </p:sp>
+      <p:sp>
+        <p:nvSpPr>
+          <p:cNvPr id="7" name="Slide Number Placeholder 6"/>
+          <p:cNvSpPr>
+            <a:spLocks noGrp="1"/>
+          </p:cNvSpPr>
+          <p:nvPr>
+            <p:ph type="sldNum" sz="quarter" idx="12"/>
+          </p:nvPr>
+        </p:nvSpPr>
+        <p:spPr/>
+        <p:txBody>
+          <a:bodyPr/>
+          <a:lstStyle/>
+          <a:p>
+            <a:fld id="{4382A7F7-08BF-4252-8141-63FB96055BBB}" type="slidenum">
+              <a:rPr lang="en-US" smtClean="0"/>
+              <a:t>‹#›</a:t>
+            </a:fld>
+            <a:endParaRPr lang="en-US"/>
+          </a:p>
+        </p:txBody>
+      </p:sp>
+      <p:sp>
+        <p:nvSpPr>
+          <p:cNvPr id="11" name="Rectangle 10"/>
           <p:cNvSpPr/>
           <p:nvPr/>
         </p:nvSpPr>
         <p:spPr>
           <a:xfrm>
-            <a:off x="284163" y="455773"/>
-            <a:ext cx="8574087" cy="1133949"/>
+            <a:off x="284163" y="1577847"/>
+            <a:ext cx="1600200" cy="137411"/>
           </a:xfrm>
           <a:prstGeom prst="rect">
             <a:avLst/>
           </a:prstGeom>
           <a:solidFill>
-            <a:schemeClr val="tx1">
-              <a:lumMod val="85000"/>
-              <a:lumOff val="15000"/>
-              <a:alpha val="70000"/>
-            </a:schemeClr>
+            <a:srgbClr val="7030A0"/>
           </a:solidFill>
           <a:ln>
             <a:noFill/>
@@ -5357,23 +3242,175 @@
           </a:p>
         </p:txBody>
       </p:sp>
+      <p:sp>
+        <p:nvSpPr>
+          <p:cNvPr id="12" name="Rectangle 11"/>
+          <p:cNvSpPr/>
+          <p:nvPr/>
+        </p:nvSpPr>
+        <p:spPr>
+          <a:xfrm>
+            <a:off x="1885174" y="1577847"/>
+            <a:ext cx="2743200" cy="137411"/>
+          </a:xfrm>
+          <a:prstGeom prst="rect">
+            <a:avLst/>
+          </a:prstGeom>
+          <a:solidFill>
+            <a:srgbClr val="00B050"/>
+          </a:solidFill>
+          <a:ln>
+            <a:noFill/>
+          </a:ln>
+        </p:spPr>
+        <p:style>
+          <a:lnRef idx="2">
+            <a:schemeClr val="accent1">
+              <a:shade val="50000"/>
+            </a:schemeClr>
+          </a:lnRef>
+          <a:fillRef idx="1">
+            <a:schemeClr val="accent1"/>
+          </a:fillRef>
+          <a:effectRef idx="0">
+            <a:schemeClr val="accent1"/>
+          </a:effectRef>
+          <a:fontRef idx="minor">
+            <a:schemeClr val="lt1"/>
+          </a:fontRef>
+        </p:style>
+        <p:txBody>
+          <a:bodyPr rtlCol="0" anchor="ctr"/>
+          <a:lstStyle/>
+          <a:p>
+            <a:pPr algn="ctr"/>
+            <a:endParaRPr/>
+          </a:p>
+        </p:txBody>
+      </p:sp>
+      <p:sp>
+        <p:nvSpPr>
+          <p:cNvPr id="13" name="Rectangle 12"/>
+          <p:cNvSpPr/>
+          <p:nvPr/>
+        </p:nvSpPr>
+        <p:spPr>
+          <a:xfrm>
+            <a:off x="4626864" y="1577847"/>
+            <a:ext cx="4233672" cy="137411"/>
+          </a:xfrm>
+          <a:prstGeom prst="rect">
+            <a:avLst/>
+          </a:prstGeom>
+          <a:solidFill>
+            <a:srgbClr val="0070C0"/>
+          </a:solidFill>
+          <a:ln>
+            <a:noFill/>
+          </a:ln>
+        </p:spPr>
+        <p:style>
+          <a:lnRef idx="2">
+            <a:schemeClr val="accent1">
+              <a:shade val="50000"/>
+            </a:schemeClr>
+          </a:lnRef>
+          <a:fillRef idx="1">
+            <a:schemeClr val="accent1"/>
+          </a:fillRef>
+          <a:effectRef idx="0">
+            <a:schemeClr val="accent1"/>
+          </a:effectRef>
+          <a:fontRef idx="minor">
+            <a:schemeClr val="lt1"/>
+          </a:fontRef>
+        </p:style>
+        <p:txBody>
+          <a:bodyPr rtlCol="0" anchor="ctr"/>
+          <a:lstStyle/>
+          <a:p>
+            <a:pPr algn="ctr"/>
+            <a:endParaRPr/>
+          </a:p>
+        </p:txBody>
+      </p:sp>
+    </p:spTree>
+    <p:extLst>
+      <p:ext uri="{BB962C8B-B14F-4D97-AF65-F5344CB8AC3E}">
+        <p14:creationId xmlns:p14="http://schemas.microsoft.com/office/powerpoint/2010/main" val="982655090"/>
+      </p:ext>
+    </p:extLst>
+  </p:cSld>
+  <p:clrMapOvr>
+    <a:masterClrMapping/>
+  </p:clrMapOvr>
+  <p:timing>
+    <p:tnLst>
+      <p:par>
+        <p:cTn id="1" dur="indefinite" restart="never" nodeType="tmRoot"/>
+      </p:par>
+    </p:tnLst>
+  </p:timing>
+</p:sldLayout>
+</file>
+
+<file path=ppt/slideLayouts/slideLayout5.xml><?xml version="1.0" encoding="utf-8"?>
+<p:sldLayout xmlns:a="http://schemas.openxmlformats.org/drawingml/2006/main" xmlns:r="http://schemas.openxmlformats.org/officeDocument/2006/relationships" xmlns:p="http://schemas.openxmlformats.org/presentationml/2006/main" preserve="1">
+  <p:cSld name="Comparison">
+    <p:spTree>
+      <p:nvGrpSpPr>
+        <p:cNvPr id="1" name=""/>
+        <p:cNvGrpSpPr/>
+        <p:nvPr/>
+      </p:nvGrpSpPr>
+      <p:grpSpPr>
+        <a:xfrm>
+          <a:off x="0" y="0"/>
+          <a:ext cx="0" cy="0"/>
+          <a:chOff x="0" y="0"/>
+          <a:chExt cx="0" cy="0"/>
+        </a:xfrm>
+      </p:grpSpPr>
+      <p:sp>
+        <p:nvSpPr>
+          <p:cNvPr id="11" name="Title 10"/>
+          <p:cNvSpPr>
+            <a:spLocks noGrp="1"/>
+          </p:cNvSpPr>
+          <p:nvPr>
+            <p:ph type="title"/>
+          </p:nvPr>
+        </p:nvSpPr>
+        <p:spPr/>
+        <p:txBody>
+          <a:bodyPr/>
+          <a:lstStyle/>
+          <a:p>
+            <a:r>
+              <a:rPr lang="en-US" smtClean="0"/>
+              <a:t>Click to edit Master title style</a:t>
+            </a:r>
+            <a:endParaRPr lang="en-US"/>
+          </a:p>
+        </p:txBody>
+      </p:sp>
       <p:grpSp>
         <p:nvGrpSpPr>
-          <p:cNvPr id="9" name="Group 8"/>
+          <p:cNvPr id="20" name="Group 19"/>
           <p:cNvGrpSpPr/>
           <p:nvPr/>
         </p:nvGrpSpPr>
         <p:grpSpPr>
           <a:xfrm>
-            <a:off x="284163" y="1577847"/>
-            <a:ext cx="8576373" cy="137411"/>
+            <a:off x="0" y="1188720"/>
+            <a:ext cx="9144000" cy="137411"/>
             <a:chOff x="284163" y="1577847"/>
             <a:chExt cx="8576373" cy="137411"/>
           </a:xfrm>
         </p:grpSpPr>
         <p:sp>
           <p:nvSpPr>
-            <p:cNvPr id="10" name="Rectangle 9"/>
+            <p:cNvPr id="21" name="Rectangle 20"/>
             <p:cNvSpPr/>
             <p:nvPr/>
           </p:nvSpPr>
@@ -5386,7 +3423,7 @@
               <a:avLst/>
             </a:prstGeom>
             <a:solidFill>
-              <a:schemeClr val="accent1"/>
+              <a:srgbClr val="7030A0"/>
             </a:solidFill>
             <a:ln>
               <a:noFill/>
@@ -5419,7 +3456,7 @@
         </p:sp>
         <p:sp>
           <p:nvSpPr>
-            <p:cNvPr id="11" name="Rectangle 10"/>
+            <p:cNvPr id="22" name="Rectangle 21"/>
             <p:cNvSpPr/>
             <p:nvPr/>
           </p:nvSpPr>
@@ -5432,7 +3469,7 @@
               <a:avLst/>
             </a:prstGeom>
             <a:solidFill>
-              <a:schemeClr val="accent2"/>
+              <a:srgbClr val="00B050"/>
             </a:solidFill>
             <a:ln>
               <a:noFill/>
@@ -5465,7 +3502,7 @@
         </p:sp>
         <p:sp>
           <p:nvSpPr>
-            <p:cNvPr id="12" name="Rectangle 11"/>
+            <p:cNvPr id="23" name="Rectangle 22"/>
             <p:cNvSpPr/>
             <p:nvPr/>
           </p:nvSpPr>
@@ -5478,7 +3515,7 @@
               <a:avLst/>
             </a:prstGeom>
             <a:solidFill>
-              <a:schemeClr val="accent4"/>
+              <a:srgbClr val="0070C0"/>
             </a:solidFill>
             <a:ln>
               <a:noFill/>
@@ -5510,513 +3547,6 @@
           </p:txBody>
         </p:sp>
       </p:grpSp>
-      <p:sp>
-        <p:nvSpPr>
-          <p:cNvPr id="2" name="Title 1"/>
-          <p:cNvSpPr>
-            <a:spLocks noGrp="1"/>
-          </p:cNvSpPr>
-          <p:nvPr>
-            <p:ph type="title"/>
-          </p:nvPr>
-        </p:nvSpPr>
-        <p:spPr>
-          <a:noFill/>
-        </p:spPr>
-        <p:txBody>
-          <a:bodyPr/>
-          <a:lstStyle/>
-          <a:p>
-            <a:r>
-              <a:rPr lang="en-US" smtClean="0"/>
-              <a:t>Click to edit Master title style</a:t>
-            </a:r>
-            <a:endParaRPr/>
-          </a:p>
-        </p:txBody>
-      </p:sp>
-      <p:sp>
-        <p:nvSpPr>
-          <p:cNvPr id="3" name="Content Placeholder 2"/>
-          <p:cNvSpPr>
-            <a:spLocks noGrp="1"/>
-          </p:cNvSpPr>
-          <p:nvPr>
-            <p:ph sz="half" idx="1"/>
-          </p:nvPr>
-        </p:nvSpPr>
-        <p:spPr>
-          <a:xfrm>
-            <a:off x="403412" y="2151063"/>
-            <a:ext cx="3931920" cy="3975100"/>
-          </a:xfrm>
-        </p:spPr>
-        <p:txBody>
-          <a:bodyPr>
-            <a:normAutofit/>
-          </a:bodyPr>
-          <a:lstStyle>
-            <a:lvl1pPr>
-              <a:defRPr sz="2200"/>
-            </a:lvl1pPr>
-            <a:lvl2pPr>
-              <a:defRPr sz="2000"/>
-            </a:lvl2pPr>
-            <a:lvl3pPr>
-              <a:defRPr sz="1800"/>
-            </a:lvl3pPr>
-            <a:lvl4pPr>
-              <a:defRPr sz="1800"/>
-            </a:lvl4pPr>
-            <a:lvl5pPr>
-              <a:defRPr sz="1800"/>
-            </a:lvl5pPr>
-            <a:lvl6pPr>
-              <a:defRPr sz="1800"/>
-            </a:lvl6pPr>
-            <a:lvl7pPr>
-              <a:defRPr sz="1800"/>
-            </a:lvl7pPr>
-            <a:lvl8pPr>
-              <a:defRPr sz="1800"/>
-            </a:lvl8pPr>
-            <a:lvl9pPr>
-              <a:defRPr sz="1800"/>
-            </a:lvl9pPr>
-          </a:lstStyle>
-          <a:p>
-            <a:pPr lvl="0"/>
-            <a:r>
-              <a:rPr lang="en-US" smtClean="0"/>
-              <a:t>Click to edit Master text styles</a:t>
-            </a:r>
-          </a:p>
-          <a:p>
-            <a:pPr lvl="1"/>
-            <a:r>
-              <a:rPr lang="en-US" smtClean="0"/>
-              <a:t>Second level</a:t>
-            </a:r>
-          </a:p>
-          <a:p>
-            <a:pPr lvl="2"/>
-            <a:r>
-              <a:rPr lang="en-US" smtClean="0"/>
-              <a:t>Third level</a:t>
-            </a:r>
-          </a:p>
-          <a:p>
-            <a:pPr lvl="3"/>
-            <a:r>
-              <a:rPr lang="en-US" smtClean="0"/>
-              <a:t>Fourth level</a:t>
-            </a:r>
-          </a:p>
-          <a:p>
-            <a:pPr lvl="4"/>
-            <a:r>
-              <a:rPr lang="en-US" smtClean="0"/>
-              <a:t>Fifth level</a:t>
-            </a:r>
-            <a:endParaRPr dirty="0"/>
-          </a:p>
-        </p:txBody>
-      </p:sp>
-      <p:sp>
-        <p:nvSpPr>
-          <p:cNvPr id="4" name="Content Placeholder 3"/>
-          <p:cNvSpPr>
-            <a:spLocks noGrp="1"/>
-          </p:cNvSpPr>
-          <p:nvPr>
-            <p:ph sz="half" idx="2"/>
-          </p:nvPr>
-        </p:nvSpPr>
-        <p:spPr>
-          <a:xfrm>
-            <a:off x="4778188" y="2151063"/>
-            <a:ext cx="3931920" cy="3975100"/>
-          </a:xfrm>
-        </p:spPr>
-        <p:txBody>
-          <a:bodyPr>
-            <a:normAutofit/>
-          </a:bodyPr>
-          <a:lstStyle>
-            <a:lvl1pPr>
-              <a:defRPr sz="2200"/>
-            </a:lvl1pPr>
-            <a:lvl2pPr>
-              <a:defRPr sz="2000"/>
-            </a:lvl2pPr>
-            <a:lvl3pPr>
-              <a:defRPr sz="1800"/>
-            </a:lvl3pPr>
-            <a:lvl4pPr>
-              <a:defRPr sz="1800"/>
-            </a:lvl4pPr>
-            <a:lvl5pPr>
-              <a:defRPr sz="1800"/>
-            </a:lvl5pPr>
-            <a:lvl6pPr>
-              <a:defRPr sz="1800"/>
-            </a:lvl6pPr>
-            <a:lvl7pPr>
-              <a:defRPr sz="1800"/>
-            </a:lvl7pPr>
-            <a:lvl8pPr>
-              <a:defRPr sz="1800"/>
-            </a:lvl8pPr>
-            <a:lvl9pPr>
-              <a:defRPr sz="1800"/>
-            </a:lvl9pPr>
-          </a:lstStyle>
-          <a:p>
-            <a:pPr lvl="0"/>
-            <a:r>
-              <a:rPr lang="en-US" smtClean="0"/>
-              <a:t>Click to edit Master text styles</a:t>
-            </a:r>
-          </a:p>
-          <a:p>
-            <a:pPr lvl="1"/>
-            <a:r>
-              <a:rPr lang="en-US" smtClean="0"/>
-              <a:t>Second level</a:t>
-            </a:r>
-          </a:p>
-          <a:p>
-            <a:pPr lvl="2"/>
-            <a:r>
-              <a:rPr lang="en-US" smtClean="0"/>
-              <a:t>Third level</a:t>
-            </a:r>
-          </a:p>
-          <a:p>
-            <a:pPr lvl="3"/>
-            <a:r>
-              <a:rPr lang="en-US" smtClean="0"/>
-              <a:t>Fourth level</a:t>
-            </a:r>
-          </a:p>
-          <a:p>
-            <a:pPr lvl="4"/>
-            <a:r>
-              <a:rPr lang="en-US" smtClean="0"/>
-              <a:t>Fifth level</a:t>
-            </a:r>
-            <a:endParaRPr dirty="0"/>
-          </a:p>
-        </p:txBody>
-      </p:sp>
-      <p:sp>
-        <p:nvSpPr>
-          <p:cNvPr id="5" name="Date Placeholder 4"/>
-          <p:cNvSpPr>
-            <a:spLocks noGrp="1"/>
-          </p:cNvSpPr>
-          <p:nvPr>
-            <p:ph type="dt" sz="half" idx="10"/>
-          </p:nvPr>
-        </p:nvSpPr>
-        <p:spPr/>
-        <p:txBody>
-          <a:bodyPr/>
-          <a:lstStyle/>
-          <a:p>
-            <a:fld id="{C0284210-0621-4985-A7D5-2E097962EC1A}" type="datetime1">
-              <a:rPr lang="en-US" smtClean="0"/>
-              <a:t>11/12/2015</a:t>
-            </a:fld>
-            <a:endParaRPr lang="en-US"/>
-          </a:p>
-        </p:txBody>
-      </p:sp>
-      <p:sp>
-        <p:nvSpPr>
-          <p:cNvPr id="7" name="Slide Number Placeholder 6"/>
-          <p:cNvSpPr>
-            <a:spLocks noGrp="1"/>
-          </p:cNvSpPr>
-          <p:nvPr>
-            <p:ph type="sldNum" sz="quarter" idx="12"/>
-          </p:nvPr>
-        </p:nvSpPr>
-        <p:spPr/>
-        <p:txBody>
-          <a:bodyPr/>
-          <a:lstStyle/>
-          <a:p>
-            <a:fld id="{4382A7F7-08BF-4252-8141-63FB96055BBB}" type="slidenum">
-              <a:rPr lang="en-US" smtClean="0"/>
-              <a:t>‹#›</a:t>
-            </a:fld>
-            <a:endParaRPr lang="en-US"/>
-          </a:p>
-        </p:txBody>
-      </p:sp>
-    </p:spTree>
-  </p:cSld>
-  <p:clrMapOvr>
-    <a:masterClrMapping/>
-  </p:clrMapOvr>
-  <p:timing>
-    <p:tnLst>
-      <p:par>
-        <p:cTn id="1" dur="indefinite" restart="never" nodeType="tmRoot"/>
-      </p:par>
-    </p:tnLst>
-  </p:timing>
-</p:sldLayout>
-</file>
-
-<file path=ppt/slideLayouts/slideLayout7.xml><?xml version="1.0" encoding="utf-8"?>
-<p:sldLayout xmlns:a="http://schemas.openxmlformats.org/drawingml/2006/main" xmlns:r="http://schemas.openxmlformats.org/officeDocument/2006/relationships" xmlns:p="http://schemas.openxmlformats.org/presentationml/2006/main" type="twoTxTwoObj" preserve="1">
-  <p:cSld name="Comparison">
-    <p:spTree>
-      <p:nvGrpSpPr>
-        <p:cNvPr id="1" name=""/>
-        <p:cNvGrpSpPr/>
-        <p:nvPr/>
-      </p:nvGrpSpPr>
-      <p:grpSpPr>
-        <a:xfrm>
-          <a:off x="0" y="0"/>
-          <a:ext cx="0" cy="0"/>
-          <a:chOff x="0" y="0"/>
-          <a:chExt cx="0" cy="0"/>
-        </a:xfrm>
-      </p:grpSpPr>
-      <p:sp>
-        <p:nvSpPr>
-          <p:cNvPr id="10" name="Rectangle 9"/>
-          <p:cNvSpPr/>
-          <p:nvPr/>
-        </p:nvSpPr>
-        <p:spPr>
-          <a:xfrm>
-            <a:off x="284163" y="455773"/>
-            <a:ext cx="8574087" cy="1133949"/>
-          </a:xfrm>
-          <a:prstGeom prst="rect">
-            <a:avLst/>
-          </a:prstGeom>
-          <a:solidFill>
-            <a:schemeClr val="tx1">
-              <a:lumMod val="85000"/>
-              <a:lumOff val="15000"/>
-              <a:alpha val="70000"/>
-            </a:schemeClr>
-          </a:solidFill>
-          <a:ln>
-            <a:noFill/>
-          </a:ln>
-        </p:spPr>
-        <p:style>
-          <a:lnRef idx="2">
-            <a:schemeClr val="accent1">
-              <a:shade val="50000"/>
-            </a:schemeClr>
-          </a:lnRef>
-          <a:fillRef idx="1">
-            <a:schemeClr val="accent1"/>
-          </a:fillRef>
-          <a:effectRef idx="0">
-            <a:schemeClr val="accent1"/>
-          </a:effectRef>
-          <a:fontRef idx="minor">
-            <a:schemeClr val="lt1"/>
-          </a:fontRef>
-        </p:style>
-        <p:txBody>
-          <a:bodyPr rtlCol="0" anchor="ctr"/>
-          <a:lstStyle/>
-          <a:p>
-            <a:pPr algn="ctr"/>
-            <a:endParaRPr/>
-          </a:p>
-        </p:txBody>
-      </p:sp>
-      <p:grpSp>
-        <p:nvGrpSpPr>
-          <p:cNvPr id="11" name="Group 10"/>
-          <p:cNvGrpSpPr/>
-          <p:nvPr/>
-        </p:nvGrpSpPr>
-        <p:grpSpPr>
-          <a:xfrm>
-            <a:off x="284163" y="1577847"/>
-            <a:ext cx="8576373" cy="137411"/>
-            <a:chOff x="284163" y="1577847"/>
-            <a:chExt cx="8576373" cy="137411"/>
-          </a:xfrm>
-        </p:grpSpPr>
-        <p:sp>
-          <p:nvSpPr>
-            <p:cNvPr id="12" name="Rectangle 11"/>
-            <p:cNvSpPr/>
-            <p:nvPr/>
-          </p:nvSpPr>
-          <p:spPr>
-            <a:xfrm>
-              <a:off x="284163" y="1577847"/>
-              <a:ext cx="1600200" cy="137411"/>
-            </a:xfrm>
-            <a:prstGeom prst="rect">
-              <a:avLst/>
-            </a:prstGeom>
-            <a:solidFill>
-              <a:schemeClr val="accent1"/>
-            </a:solidFill>
-            <a:ln>
-              <a:noFill/>
-            </a:ln>
-          </p:spPr>
-          <p:style>
-            <a:lnRef idx="2">
-              <a:schemeClr val="accent1">
-                <a:shade val="50000"/>
-              </a:schemeClr>
-            </a:lnRef>
-            <a:fillRef idx="1">
-              <a:schemeClr val="accent1"/>
-            </a:fillRef>
-            <a:effectRef idx="0">
-              <a:schemeClr val="accent1"/>
-            </a:effectRef>
-            <a:fontRef idx="minor">
-              <a:schemeClr val="lt1"/>
-            </a:fontRef>
-          </p:style>
-          <p:txBody>
-            <a:bodyPr rtlCol="0" anchor="ctr"/>
-            <a:lstStyle/>
-            <a:p>
-              <a:pPr algn="ctr"/>
-              <a:endParaRPr/>
-            </a:p>
-          </p:txBody>
-        </p:sp>
-        <p:sp>
-          <p:nvSpPr>
-            <p:cNvPr id="13" name="Rectangle 12"/>
-            <p:cNvSpPr/>
-            <p:nvPr/>
-          </p:nvSpPr>
-          <p:spPr>
-            <a:xfrm>
-              <a:off x="1885174" y="1577847"/>
-              <a:ext cx="2743200" cy="137411"/>
-            </a:xfrm>
-            <a:prstGeom prst="rect">
-              <a:avLst/>
-            </a:prstGeom>
-            <a:solidFill>
-              <a:schemeClr val="accent2"/>
-            </a:solidFill>
-            <a:ln>
-              <a:noFill/>
-            </a:ln>
-          </p:spPr>
-          <p:style>
-            <a:lnRef idx="2">
-              <a:schemeClr val="accent1">
-                <a:shade val="50000"/>
-              </a:schemeClr>
-            </a:lnRef>
-            <a:fillRef idx="1">
-              <a:schemeClr val="accent1"/>
-            </a:fillRef>
-            <a:effectRef idx="0">
-              <a:schemeClr val="accent1"/>
-            </a:effectRef>
-            <a:fontRef idx="minor">
-              <a:schemeClr val="lt1"/>
-            </a:fontRef>
-          </p:style>
-          <p:txBody>
-            <a:bodyPr rtlCol="0" anchor="ctr"/>
-            <a:lstStyle/>
-            <a:p>
-              <a:pPr algn="ctr"/>
-              <a:endParaRPr/>
-            </a:p>
-          </p:txBody>
-        </p:sp>
-        <p:sp>
-          <p:nvSpPr>
-            <p:cNvPr id="14" name="Rectangle 13"/>
-            <p:cNvSpPr/>
-            <p:nvPr/>
-          </p:nvSpPr>
-          <p:spPr>
-            <a:xfrm>
-              <a:off x="4626864" y="1577847"/>
-              <a:ext cx="4233672" cy="137411"/>
-            </a:xfrm>
-            <a:prstGeom prst="rect">
-              <a:avLst/>
-            </a:prstGeom>
-            <a:solidFill>
-              <a:schemeClr val="accent4"/>
-            </a:solidFill>
-            <a:ln>
-              <a:noFill/>
-            </a:ln>
-          </p:spPr>
-          <p:style>
-            <a:lnRef idx="2">
-              <a:schemeClr val="accent1">
-                <a:shade val="50000"/>
-              </a:schemeClr>
-            </a:lnRef>
-            <a:fillRef idx="1">
-              <a:schemeClr val="accent1"/>
-            </a:fillRef>
-            <a:effectRef idx="0">
-              <a:schemeClr val="accent1"/>
-            </a:effectRef>
-            <a:fontRef idx="minor">
-              <a:schemeClr val="lt1"/>
-            </a:fontRef>
-          </p:style>
-          <p:txBody>
-            <a:bodyPr rtlCol="0" anchor="ctr"/>
-            <a:lstStyle/>
-            <a:p>
-              <a:pPr algn="ctr"/>
-              <a:endParaRPr/>
-            </a:p>
-          </p:txBody>
-        </p:sp>
-      </p:grpSp>
-      <p:sp>
-        <p:nvSpPr>
-          <p:cNvPr id="2" name="Title 1"/>
-          <p:cNvSpPr>
-            <a:spLocks noGrp="1"/>
-          </p:cNvSpPr>
-          <p:nvPr>
-            <p:ph type="title"/>
-          </p:nvPr>
-        </p:nvSpPr>
-        <p:spPr/>
-        <p:txBody>
-          <a:bodyPr/>
-          <a:lstStyle>
-            <a:lvl1pPr>
-              <a:defRPr/>
-            </a:lvl1pPr>
-          </a:lstStyle>
-          <a:p>
-            <a:r>
-              <a:rPr lang="en-US" smtClean="0"/>
-              <a:t>Click to edit Master title style</a:t>
-            </a:r>
-            <a:endParaRPr/>
-          </a:p>
-        </p:txBody>
-      </p:sp>
       <p:sp>
         <p:nvSpPr>
           <p:cNvPr id="3" name="Text Placeholder 2"/>
@@ -6362,7 +3892,7 @@
           <a:p>
             <a:fld id="{DE62B863-8F6A-4F0F-9561-6E711C04B361}" type="datetime1">
               <a:rPr lang="en-US" smtClean="0"/>
-              <a:t>11/12/2015</a:t>
+              <a:t>11/15/15</a:t>
             </a:fld>
             <a:endParaRPr lang="en-US"/>
           </a:p>
@@ -6415,6 +3945,11 @@
         </p:txBody>
       </p:sp>
     </p:spTree>
+    <p:extLst>
+      <p:ext uri="{BB962C8B-B14F-4D97-AF65-F5344CB8AC3E}">
+        <p14:creationId xmlns:p14="http://schemas.microsoft.com/office/powerpoint/2010/main" val="1334852200"/>
+      </p:ext>
+    </p:extLst>
   </p:cSld>
   <p:clrMapOvr>
     <a:masterClrMapping/>
@@ -6429,8 +3964,8 @@
 </p:sldLayout>
 </file>
 
-<file path=ppt/slideLayouts/slideLayout8.xml><?xml version="1.0" encoding="utf-8"?>
-<p:sldLayout xmlns:a="http://schemas.openxmlformats.org/drawingml/2006/main" xmlns:r="http://schemas.openxmlformats.org/officeDocument/2006/relationships" xmlns:p="http://schemas.openxmlformats.org/presentationml/2006/main" type="titleOnly" preserve="1">
+<file path=ppt/slideLayouts/slideLayout6.xml><?xml version="1.0" encoding="utf-8"?>
+<p:sldLayout xmlns:a="http://schemas.openxmlformats.org/drawingml/2006/main" xmlns:r="http://schemas.openxmlformats.org/officeDocument/2006/relationships" xmlns:p="http://schemas.openxmlformats.org/presentationml/2006/main" preserve="1">
   <p:cSld name="Title Only">
     <p:spTree>
       <p:nvGrpSpPr>
@@ -6448,71 +3983,44 @@
       </p:grpSpPr>
       <p:sp>
         <p:nvSpPr>
-          <p:cNvPr id="6" name="Rectangle 5"/>
-          <p:cNvSpPr/>
-          <p:nvPr/>
-        </p:nvSpPr>
-        <p:spPr>
-          <a:xfrm>
-            <a:off x="284163" y="455773"/>
-            <a:ext cx="8574087" cy="1133949"/>
-          </a:xfrm>
-          <a:prstGeom prst="rect">
-            <a:avLst/>
-          </a:prstGeom>
-          <a:solidFill>
-            <a:schemeClr val="tx1">
-              <a:lumMod val="85000"/>
-              <a:lumOff val="15000"/>
-              <a:alpha val="70000"/>
-            </a:schemeClr>
-          </a:solidFill>
-          <a:ln>
-            <a:noFill/>
-          </a:ln>
-        </p:spPr>
-        <p:style>
-          <a:lnRef idx="2">
-            <a:schemeClr val="accent1">
-              <a:shade val="50000"/>
-            </a:schemeClr>
-          </a:lnRef>
-          <a:fillRef idx="1">
-            <a:schemeClr val="accent1"/>
-          </a:fillRef>
-          <a:effectRef idx="0">
-            <a:schemeClr val="accent1"/>
-          </a:effectRef>
-          <a:fontRef idx="minor">
-            <a:schemeClr val="lt1"/>
-          </a:fontRef>
-        </p:style>
-        <p:txBody>
-          <a:bodyPr rtlCol="0" anchor="ctr"/>
-          <a:lstStyle/>
-          <a:p>
-            <a:pPr algn="ctr"/>
-            <a:endParaRPr/>
+          <p:cNvPr id="8" name="Title 7"/>
+          <p:cNvSpPr>
+            <a:spLocks noGrp="1"/>
+          </p:cNvSpPr>
+          <p:nvPr>
+            <p:ph type="title"/>
+          </p:nvPr>
+        </p:nvSpPr>
+        <p:spPr/>
+        <p:txBody>
+          <a:bodyPr/>
+          <a:lstStyle/>
+          <a:p>
+            <a:r>
+              <a:rPr lang="en-US" smtClean="0"/>
+              <a:t>Click to edit Master title style</a:t>
+            </a:r>
+            <a:endParaRPr lang="en-US"/>
           </a:p>
         </p:txBody>
       </p:sp>
       <p:grpSp>
         <p:nvGrpSpPr>
-          <p:cNvPr id="7" name="Group 6"/>
+          <p:cNvPr id="16" name="Group 15"/>
           <p:cNvGrpSpPr/>
           <p:nvPr/>
         </p:nvGrpSpPr>
         <p:grpSpPr>
           <a:xfrm>
-            <a:off x="284163" y="1577847"/>
-            <a:ext cx="8576373" cy="137411"/>
+            <a:off x="0" y="1188720"/>
+            <a:ext cx="9144000" cy="137411"/>
             <a:chOff x="284163" y="1577847"/>
             <a:chExt cx="8576373" cy="137411"/>
           </a:xfrm>
         </p:grpSpPr>
         <p:sp>
           <p:nvSpPr>
-            <p:cNvPr id="8" name="Rectangle 7"/>
+            <p:cNvPr id="17" name="Rectangle 16"/>
             <p:cNvSpPr/>
             <p:nvPr/>
           </p:nvSpPr>
@@ -6525,7 +4033,7 @@
               <a:avLst/>
             </a:prstGeom>
             <a:solidFill>
-              <a:schemeClr val="accent1"/>
+              <a:srgbClr val="7030A0"/>
             </a:solidFill>
             <a:ln>
               <a:noFill/>
@@ -6558,7 +4066,7 @@
         </p:sp>
         <p:sp>
           <p:nvSpPr>
-            <p:cNvPr id="9" name="Rectangle 8"/>
+            <p:cNvPr id="18" name="Rectangle 17"/>
             <p:cNvSpPr/>
             <p:nvPr/>
           </p:nvSpPr>
@@ -6571,7 +4079,7 @@
               <a:avLst/>
             </a:prstGeom>
             <a:solidFill>
-              <a:schemeClr val="accent2"/>
+              <a:srgbClr val="00B050"/>
             </a:solidFill>
             <a:ln>
               <a:noFill/>
@@ -6604,7 +4112,7 @@
         </p:sp>
         <p:sp>
           <p:nvSpPr>
-            <p:cNvPr id="10" name="Rectangle 9"/>
+            <p:cNvPr id="19" name="Rectangle 18"/>
             <p:cNvSpPr/>
             <p:nvPr/>
           </p:nvSpPr>
@@ -6617,7 +4125,7 @@
               <a:avLst/>
             </a:prstGeom>
             <a:solidFill>
-              <a:schemeClr val="accent4"/>
+              <a:srgbClr val="0070C0"/>
             </a:solidFill>
             <a:ln>
               <a:noFill/>
@@ -6651,47 +4159,22 @@
       </p:grpSp>
       <p:sp>
         <p:nvSpPr>
-          <p:cNvPr id="2" name="Title 1"/>
-          <p:cNvSpPr>
-            <a:spLocks noGrp="1"/>
-          </p:cNvSpPr>
-          <p:nvPr>
-            <p:ph type="title"/>
-          </p:nvPr>
-        </p:nvSpPr>
-        <p:spPr>
-          <a:noFill/>
-        </p:spPr>
+          <p:cNvPr id="3" name="Date Placeholder 2"/>
+          <p:cNvSpPr>
+            <a:spLocks noGrp="1"/>
+          </p:cNvSpPr>
+          <p:nvPr>
+            <p:ph type="dt" sz="half" idx="10"/>
+          </p:nvPr>
+        </p:nvSpPr>
+        <p:spPr/>
         <p:txBody>
           <a:bodyPr/>
           <a:lstStyle/>
           <a:p>
-            <a:r>
-              <a:rPr lang="en-US" smtClean="0"/>
-              <a:t>Click to edit Master title style</a:t>
-            </a:r>
-            <a:endParaRPr/>
-          </a:p>
-        </p:txBody>
-      </p:sp>
-      <p:sp>
-        <p:nvSpPr>
-          <p:cNvPr id="3" name="Date Placeholder 2"/>
-          <p:cNvSpPr>
-            <a:spLocks noGrp="1"/>
-          </p:cNvSpPr>
-          <p:nvPr>
-            <p:ph type="dt" sz="half" idx="10"/>
-          </p:nvPr>
-        </p:nvSpPr>
-        <p:spPr/>
-        <p:txBody>
-          <a:bodyPr/>
-          <a:lstStyle/>
-          <a:p>
             <a:fld id="{7647E5A3-DA8C-4E40-8E2B-382623E75419}" type="datetime1">
               <a:rPr lang="en-US" smtClean="0"/>
-              <a:t>11/12/2015</a:t>
+              <a:t>11/15/15</a:t>
             </a:fld>
             <a:endParaRPr lang="en-US"/>
           </a:p>
@@ -6744,6 +4227,11 @@
         </p:txBody>
       </p:sp>
     </p:spTree>
+    <p:extLst>
+      <p:ext uri="{BB962C8B-B14F-4D97-AF65-F5344CB8AC3E}">
+        <p14:creationId xmlns:p14="http://schemas.microsoft.com/office/powerpoint/2010/main" val="99265191"/>
+      </p:ext>
+    </p:extLst>
   </p:cSld>
   <p:clrMapOvr>
     <a:masterClrMapping/>
@@ -6758,9 +4246,9 @@
 </p:sldLayout>
 </file>
 
-<file path=ppt/slideLayouts/slideLayout9.xml><?xml version="1.0" encoding="utf-8"?>
-<p:sldLayout xmlns:a="http://schemas.openxmlformats.org/drawingml/2006/main" xmlns:r="http://schemas.openxmlformats.org/officeDocument/2006/relationships" xmlns:p="http://schemas.openxmlformats.org/presentationml/2006/main" type="picTx" preserve="1">
-  <p:cSld name="Picture with Caption">
+<file path=ppt/slideLayouts/slideLayout7.xml><?xml version="1.0" encoding="utf-8"?>
+<p:sldLayout xmlns:a="http://schemas.openxmlformats.org/drawingml/2006/main" xmlns:r="http://schemas.openxmlformats.org/officeDocument/2006/relationships" xmlns:p="http://schemas.openxmlformats.org/presentationml/2006/main" preserve="1">
+  <p:cSld name="Title and Vertical Text">
     <p:spTree>
       <p:nvGrpSpPr>
         <p:cNvPr id="1" name=""/>
@@ -6775,81 +4263,36 @@
           <a:chExt cx="0" cy="0"/>
         </a:xfrm>
       </p:grpSpPr>
-      <p:sp>
-        <p:nvSpPr>
-          <p:cNvPr id="8" name="Rectangle 7"/>
-          <p:cNvSpPr/>
-          <p:nvPr/>
-        </p:nvSpPr>
-        <p:spPr>
-          <a:xfrm>
-            <a:off x="284163" y="4801575"/>
-            <a:ext cx="8574087" cy="1468437"/>
-          </a:xfrm>
-          <a:prstGeom prst="rect">
-            <a:avLst/>
-          </a:prstGeom>
-          <a:solidFill>
-            <a:schemeClr val="tx1">
-              <a:lumMod val="85000"/>
-              <a:lumOff val="15000"/>
-              <a:alpha val="85000"/>
-            </a:schemeClr>
-          </a:solidFill>
-        </p:spPr>
-        <p:txBody>
-          <a:bodyPr vert="horz" lIns="91440" tIns="45720" rIns="182880" bIns="365760" rtlCol="0" anchor="b" anchorCtr="0">
-            <a:normAutofit/>
-          </a:bodyPr>
-          <a:lstStyle/>
-          <a:p>
-            <a:pPr algn="l" defTabSz="914400" rtl="0" eaLnBrk="1" latinLnBrk="0" hangingPunct="1">
-              <a:spcBef>
-                <a:spcPct val="0"/>
-              </a:spcBef>
-              <a:buNone/>
-            </a:pPr>
-            <a:endParaRPr sz="4200" kern="1200">
-              <a:solidFill>
-                <a:schemeClr val="bg1"/>
-              </a:solidFill>
-              <a:latin typeface="+mj-lt"/>
-              <a:ea typeface="+mj-ea"/>
-              <a:cs typeface="+mj-cs"/>
-            </a:endParaRPr>
-          </a:p>
-        </p:txBody>
-      </p:sp>
       <p:grpSp>
         <p:nvGrpSpPr>
-          <p:cNvPr id="9" name="Group 8"/>
+          <p:cNvPr id="13" name="Group 12"/>
           <p:cNvGrpSpPr/>
           <p:nvPr/>
         </p:nvGrpSpPr>
         <p:grpSpPr>
           <a:xfrm>
-            <a:off x="284163" y="6263389"/>
-            <a:ext cx="8576373" cy="137411"/>
-            <a:chOff x="284163" y="1759424"/>
+            <a:off x="0" y="1188720"/>
+            <a:ext cx="9144000" cy="137411"/>
+            <a:chOff x="284163" y="1577847"/>
             <a:chExt cx="8576373" cy="137411"/>
           </a:xfrm>
         </p:grpSpPr>
         <p:sp>
           <p:nvSpPr>
-            <p:cNvPr id="10" name="Rectangle 9"/>
+            <p:cNvPr id="14" name="Rectangle 13"/>
             <p:cNvSpPr/>
             <p:nvPr/>
           </p:nvSpPr>
           <p:spPr>
             <a:xfrm>
-              <a:off x="284163" y="1759424"/>
-              <a:ext cx="2743200" cy="137411"/>
+              <a:off x="284163" y="1577847"/>
+              <a:ext cx="1600200" cy="137411"/>
             </a:xfrm>
             <a:prstGeom prst="rect">
               <a:avLst/>
             </a:prstGeom>
             <a:solidFill>
-              <a:schemeClr val="accent1"/>
+              <a:srgbClr val="7030A0"/>
             </a:solidFill>
             <a:ln>
               <a:noFill/>
@@ -6882,20 +4325,20 @@
         </p:sp>
         <p:sp>
           <p:nvSpPr>
-            <p:cNvPr id="11" name="Rectangle 10"/>
+            <p:cNvPr id="15" name="Rectangle 14"/>
             <p:cNvSpPr/>
             <p:nvPr/>
           </p:nvSpPr>
           <p:spPr>
             <a:xfrm>
-              <a:off x="3026392" y="1759424"/>
-              <a:ext cx="1600200" cy="137411"/>
+              <a:off x="1885174" y="1577847"/>
+              <a:ext cx="2743200" cy="137411"/>
             </a:xfrm>
             <a:prstGeom prst="rect">
               <a:avLst/>
             </a:prstGeom>
             <a:solidFill>
-              <a:schemeClr val="accent2"/>
+              <a:srgbClr val="00B050"/>
             </a:solidFill>
             <a:ln>
               <a:noFill/>
@@ -6928,20 +4371,20 @@
         </p:sp>
         <p:sp>
           <p:nvSpPr>
-            <p:cNvPr id="12" name="Rectangle 11"/>
+            <p:cNvPr id="16" name="Rectangle 15"/>
             <p:cNvSpPr/>
             <p:nvPr/>
           </p:nvSpPr>
           <p:spPr>
             <a:xfrm>
-              <a:off x="4626864" y="1759424"/>
+              <a:off x="4626864" y="1577847"/>
               <a:ext cx="4233672" cy="137411"/>
             </a:xfrm>
             <a:prstGeom prst="rect">
               <a:avLst/>
             </a:prstGeom>
             <a:solidFill>
-              <a:schemeClr val="accent4"/>
+              <a:srgbClr val="0070C0"/>
             </a:solidFill>
             <a:ln>
               <a:noFill/>
@@ -6975,205 +4418,83 @@
       </p:grpSp>
       <p:sp>
         <p:nvSpPr>
-          <p:cNvPr id="2" name="Title 1"/>
-          <p:cNvSpPr>
-            <a:spLocks noGrp="1"/>
-          </p:cNvSpPr>
-          <p:nvPr>
-            <p:ph type="title"/>
+          <p:cNvPr id="3" name="Vertical Text Placeholder 2"/>
+          <p:cNvSpPr>
+            <a:spLocks noGrp="1"/>
+          </p:cNvSpPr>
+          <p:nvPr>
+            <p:ph type="body" orient="vert" idx="1"/>
           </p:nvPr>
         </p:nvSpPr>
         <p:spPr>
           <a:xfrm>
-            <a:off x="363071" y="4800600"/>
-            <a:ext cx="8360242" cy="566738"/>
-          </a:xfrm>
-          <a:noFill/>
-        </p:spPr>
-        <p:txBody>
-          <a:bodyPr vert="horz" lIns="91440" tIns="45720" rIns="91440" bIns="45720" rtlCol="0" anchor="b" anchorCtr="0">
-            <a:normAutofit/>
-          </a:bodyPr>
-          <a:lstStyle>
-            <a:lvl1pPr algn="l" defTabSz="914400" rtl="0" eaLnBrk="1" latinLnBrk="0" hangingPunct="1">
-              <a:spcBef>
-                <a:spcPct val="0"/>
-              </a:spcBef>
-              <a:buNone/>
-              <a:defRPr sz="2800" b="0" i="0" kern="1200" cap="none" baseline="0">
-                <a:solidFill>
-                  <a:schemeClr val="bg1"/>
-                </a:solidFill>
-                <a:latin typeface="+mj-lt"/>
-                <a:ea typeface="+mj-ea"/>
-                <a:cs typeface="+mj-cs"/>
-              </a:defRPr>
-            </a:lvl1pPr>
-          </a:lstStyle>
-          <a:p>
-            <a:r>
-              <a:rPr lang="en-US" smtClean="0"/>
-              <a:t>Click to edit Master title style</a:t>
-            </a:r>
-            <a:endParaRPr/>
-          </a:p>
-        </p:txBody>
-      </p:sp>
-      <p:sp>
-        <p:nvSpPr>
-          <p:cNvPr id="3" name="Picture Placeholder 2"/>
-          <p:cNvSpPr>
-            <a:spLocks noGrp="1"/>
-          </p:cNvSpPr>
-          <p:nvPr>
-            <p:ph type="pic" idx="1"/>
-          </p:nvPr>
-        </p:nvSpPr>
-        <p:spPr>
-          <a:xfrm>
-            <a:off x="284163" y="457199"/>
-            <a:ext cx="8577072" cy="4352544"/>
+            <a:off x="284163" y="2133600"/>
+            <a:ext cx="8574087" cy="4013200"/>
           </a:xfrm>
         </p:spPr>
         <p:txBody>
+          <a:bodyPr vert="eaVert"/>
+          <a:lstStyle>
+            <a:lvl5pPr>
+              <a:defRPr/>
+            </a:lvl5pPr>
+          </a:lstStyle>
+          <a:p>
+            <a:pPr lvl="0"/>
+            <a:r>
+              <a:rPr lang="en-US" smtClean="0"/>
+              <a:t>Click to edit Master text styles</a:t>
+            </a:r>
+          </a:p>
+          <a:p>
+            <a:pPr lvl="1"/>
+            <a:r>
+              <a:rPr lang="en-US" smtClean="0"/>
+              <a:t>Second level</a:t>
+            </a:r>
+          </a:p>
+          <a:p>
+            <a:pPr lvl="2"/>
+            <a:r>
+              <a:rPr lang="en-US" smtClean="0"/>
+              <a:t>Third level</a:t>
+            </a:r>
+          </a:p>
+          <a:p>
+            <a:pPr lvl="3"/>
+            <a:r>
+              <a:rPr lang="en-US" smtClean="0"/>
+              <a:t>Fourth level</a:t>
+            </a:r>
+          </a:p>
+          <a:p>
+            <a:pPr lvl="4"/>
+            <a:r>
+              <a:rPr lang="en-US" smtClean="0"/>
+              <a:t>Fifth level</a:t>
+            </a:r>
+            <a:endParaRPr dirty="0"/>
+          </a:p>
+        </p:txBody>
+      </p:sp>
+      <p:sp>
+        <p:nvSpPr>
+          <p:cNvPr id="4" name="Date Placeholder 3"/>
+          <p:cNvSpPr>
+            <a:spLocks noGrp="1"/>
+          </p:cNvSpPr>
+          <p:nvPr>
+            <p:ph type="dt" sz="half" idx="10"/>
+          </p:nvPr>
+        </p:nvSpPr>
+        <p:spPr/>
+        <p:txBody>
           <a:bodyPr/>
-          <a:lstStyle>
-            <a:lvl1pPr marL="0" indent="0">
-              <a:buNone/>
-              <a:defRPr sz="3200"/>
-            </a:lvl1pPr>
-            <a:lvl2pPr marL="457200" indent="0">
-              <a:buNone/>
-              <a:defRPr sz="2800"/>
-            </a:lvl2pPr>
-            <a:lvl3pPr marL="914400" indent="0">
-              <a:buNone/>
-              <a:defRPr sz="2400"/>
-            </a:lvl3pPr>
-            <a:lvl4pPr marL="1371600" indent="0">
-              <a:buNone/>
-              <a:defRPr sz="2000"/>
-            </a:lvl4pPr>
-            <a:lvl5pPr marL="1828800" indent="0">
-              <a:buNone/>
-              <a:defRPr sz="2000"/>
-            </a:lvl5pPr>
-            <a:lvl6pPr marL="2286000" indent="0">
-              <a:buNone/>
-              <a:defRPr sz="2000"/>
-            </a:lvl6pPr>
-            <a:lvl7pPr marL="2743200" indent="0">
-              <a:buNone/>
-              <a:defRPr sz="2000"/>
-            </a:lvl7pPr>
-            <a:lvl8pPr marL="3200400" indent="0">
-              <a:buNone/>
-              <a:defRPr sz="2000"/>
-            </a:lvl8pPr>
-            <a:lvl9pPr marL="3657600" indent="0">
-              <a:buNone/>
-              <a:defRPr sz="2000"/>
-            </a:lvl9pPr>
-          </a:lstStyle>
-          <a:p>
-            <a:r>
-              <a:rPr lang="en-US" smtClean="0"/>
-              <a:t>Drag picture to placeholder or click icon to add</a:t>
-            </a:r>
-            <a:endParaRPr/>
-          </a:p>
-        </p:txBody>
-      </p:sp>
-      <p:sp>
-        <p:nvSpPr>
-          <p:cNvPr id="4" name="Text Placeholder 3"/>
-          <p:cNvSpPr>
-            <a:spLocks noGrp="1"/>
-          </p:cNvSpPr>
-          <p:nvPr>
-            <p:ph type="body" sz="half" idx="2"/>
-          </p:nvPr>
-        </p:nvSpPr>
-        <p:spPr>
-          <a:xfrm>
-            <a:off x="419099" y="5367338"/>
-            <a:ext cx="8304213" cy="804862"/>
-          </a:xfrm>
-        </p:spPr>
-        <p:txBody>
-          <a:bodyPr/>
-          <a:lstStyle>
-            <a:lvl1pPr marL="0" indent="0">
-              <a:spcBef>
-                <a:spcPts val="0"/>
-              </a:spcBef>
-              <a:buNone/>
-              <a:defRPr sz="1400">
-                <a:solidFill>
-                  <a:schemeClr val="bg1"/>
-                </a:solidFill>
-              </a:defRPr>
-            </a:lvl1pPr>
-            <a:lvl2pPr marL="457200" indent="0">
-              <a:buNone/>
-              <a:defRPr sz="1200"/>
-            </a:lvl2pPr>
-            <a:lvl3pPr marL="914400" indent="0">
-              <a:buNone/>
-              <a:defRPr sz="1000"/>
-            </a:lvl3pPr>
-            <a:lvl4pPr marL="1371600" indent="0">
-              <a:buNone/>
-              <a:defRPr sz="900"/>
-            </a:lvl4pPr>
-            <a:lvl5pPr marL="1828800" indent="0">
-              <a:buNone/>
-              <a:defRPr sz="900"/>
-            </a:lvl5pPr>
-            <a:lvl6pPr marL="2286000" indent="0">
-              <a:buNone/>
-              <a:defRPr sz="900"/>
-            </a:lvl6pPr>
-            <a:lvl7pPr marL="2743200" indent="0">
-              <a:buNone/>
-              <a:defRPr sz="900"/>
-            </a:lvl7pPr>
-            <a:lvl8pPr marL="3200400" indent="0">
-              <a:buNone/>
-              <a:defRPr sz="900"/>
-            </a:lvl8pPr>
-            <a:lvl9pPr marL="3657600" indent="0">
-              <a:buNone/>
-              <a:defRPr sz="900"/>
-            </a:lvl9pPr>
-          </a:lstStyle>
-          <a:p>
-            <a:pPr lvl="0"/>
-            <a:r>
-              <a:rPr lang="en-US" smtClean="0"/>
-              <a:t>Click to edit Master text styles</a:t>
-            </a:r>
-          </a:p>
-        </p:txBody>
-      </p:sp>
-      <p:sp>
-        <p:nvSpPr>
-          <p:cNvPr id="5" name="Date Placeholder 4"/>
-          <p:cNvSpPr>
-            <a:spLocks noGrp="1"/>
-          </p:cNvSpPr>
-          <p:nvPr>
-            <p:ph type="dt" sz="half" idx="10"/>
-          </p:nvPr>
-        </p:nvSpPr>
-        <p:spPr/>
-        <p:txBody>
-          <a:bodyPr/>
-          <a:lstStyle/>
-          <a:p>
-            <a:fld id="{43482767-80F5-47AB-876A-9FA9E8365339}" type="datetime1">
-              <a:rPr lang="en-US" smtClean="0"/>
-              <a:t>11/12/2015</a:t>
+          <a:lstStyle/>
+          <a:p>
+            <a:fld id="{2D62DFCC-42FA-4151-A3BC-7A02EE95FA20}" type="datetime1">
+              <a:rPr lang="en-US" smtClean="0"/>
+              <a:t>11/15/15</a:t>
             </a:fld>
             <a:endParaRPr lang="en-US"/>
           </a:p>
@@ -7181,7 +4502,7 @@
       </p:sp>
       <p:sp>
         <p:nvSpPr>
-          <p:cNvPr id="6" name="Footer Placeholder 5"/>
+          <p:cNvPr id="5" name="Footer Placeholder 4"/>
           <p:cNvSpPr>
             <a:spLocks noGrp="1"/>
           </p:cNvSpPr>
@@ -7204,7 +4525,7 @@
       </p:sp>
       <p:sp>
         <p:nvSpPr>
-          <p:cNvPr id="7" name="Slide Number Placeholder 6"/>
+          <p:cNvPr id="6" name="Slide Number Placeholder 5"/>
           <p:cNvSpPr>
             <a:spLocks noGrp="1"/>
           </p:cNvSpPr>
@@ -7225,7 +4546,35 @@
           </a:p>
         </p:txBody>
       </p:sp>
+      <p:sp>
+        <p:nvSpPr>
+          <p:cNvPr id="17" name="Title 16"/>
+          <p:cNvSpPr>
+            <a:spLocks noGrp="1"/>
+          </p:cNvSpPr>
+          <p:nvPr>
+            <p:ph type="title"/>
+          </p:nvPr>
+        </p:nvSpPr>
+        <p:spPr/>
+        <p:txBody>
+          <a:bodyPr/>
+          <a:lstStyle/>
+          <a:p>
+            <a:r>
+              <a:rPr lang="en-US" smtClean="0"/>
+              <a:t>Click to edit Master title style</a:t>
+            </a:r>
+            <a:endParaRPr lang="en-US"/>
+          </a:p>
+        </p:txBody>
+      </p:sp>
     </p:spTree>
+    <p:extLst>
+      <p:ext uri="{BB962C8B-B14F-4D97-AF65-F5344CB8AC3E}">
+        <p14:creationId xmlns:p14="http://schemas.microsoft.com/office/powerpoint/2010/main" val="1902755065"/>
+      </p:ext>
+    </p:extLst>
   </p:cSld>
   <p:clrMapOvr>
     <a:masterClrMapping/>
@@ -7240,13 +4589,560 @@
 </p:sldLayout>
 </file>
 
+<file path=ppt/slideLayouts/slideLayout8.xml><?xml version="1.0" encoding="utf-8"?>
+<p:sldLayout xmlns:a="http://schemas.openxmlformats.org/drawingml/2006/main" xmlns:r="http://schemas.openxmlformats.org/officeDocument/2006/relationships" xmlns:p="http://schemas.openxmlformats.org/presentationml/2006/main" preserve="1">
+  <p:cSld name="Vertical Title and Text">
+    <p:spTree>
+      <p:nvGrpSpPr>
+        <p:cNvPr id="1" name=""/>
+        <p:cNvGrpSpPr/>
+        <p:nvPr/>
+      </p:nvGrpSpPr>
+      <p:grpSpPr>
+        <a:xfrm>
+          <a:off x="0" y="0"/>
+          <a:ext cx="0" cy="0"/>
+          <a:chOff x="0" y="0"/>
+          <a:chExt cx="0" cy="0"/>
+        </a:xfrm>
+      </p:grpSpPr>
+      <p:sp>
+        <p:nvSpPr>
+          <p:cNvPr id="16" name="Title 15"/>
+          <p:cNvSpPr>
+            <a:spLocks noGrp="1"/>
+          </p:cNvSpPr>
+          <p:nvPr>
+            <p:ph type="title"/>
+          </p:nvPr>
+        </p:nvSpPr>
+        <p:spPr>
+          <a:xfrm rot="5400000">
+            <a:off x="5257800" y="2965449"/>
+            <a:ext cx="6858000" cy="914400"/>
+          </a:xfrm>
+        </p:spPr>
+        <p:txBody>
+          <a:bodyPr>
+            <a:normAutofit/>
+          </a:bodyPr>
+          <a:lstStyle>
+            <a:lvl1pPr algn="ctr">
+              <a:defRPr sz="3600"/>
+            </a:lvl1pPr>
+          </a:lstStyle>
+          <a:p>
+            <a:r>
+              <a:rPr lang="en-US" smtClean="0"/>
+              <a:t>Click to edit Master title style</a:t>
+            </a:r>
+            <a:endParaRPr lang="en-US"/>
+          </a:p>
+        </p:txBody>
+      </p:sp>
+      <p:sp>
+        <p:nvSpPr>
+          <p:cNvPr id="3" name="Vertical Text Placeholder 2"/>
+          <p:cNvSpPr>
+            <a:spLocks noGrp="1"/>
+          </p:cNvSpPr>
+          <p:nvPr>
+            <p:ph type="body" orient="vert" idx="1"/>
+          </p:nvPr>
+        </p:nvSpPr>
+        <p:spPr>
+          <a:xfrm>
+            <a:off x="284163" y="457200"/>
+            <a:ext cx="6497637" cy="5937250"/>
+          </a:xfrm>
+        </p:spPr>
+        <p:txBody>
+          <a:bodyPr vert="eaVert"/>
+          <a:lstStyle>
+            <a:lvl5pPr algn="l">
+              <a:defRPr/>
+            </a:lvl5pPr>
+          </a:lstStyle>
+          <a:p>
+            <a:pPr lvl="0"/>
+            <a:r>
+              <a:rPr lang="en-US" smtClean="0"/>
+              <a:t>Click to edit Master text styles</a:t>
+            </a:r>
+          </a:p>
+          <a:p>
+            <a:pPr lvl="1"/>
+            <a:r>
+              <a:rPr lang="en-US" smtClean="0"/>
+              <a:t>Second level</a:t>
+            </a:r>
+          </a:p>
+          <a:p>
+            <a:pPr lvl="2"/>
+            <a:r>
+              <a:rPr lang="en-US" smtClean="0"/>
+              <a:t>Third level</a:t>
+            </a:r>
+          </a:p>
+          <a:p>
+            <a:pPr lvl="3"/>
+            <a:r>
+              <a:rPr lang="en-US" smtClean="0"/>
+              <a:t>Fourth level</a:t>
+            </a:r>
+          </a:p>
+          <a:p>
+            <a:pPr lvl="4"/>
+            <a:r>
+              <a:rPr lang="en-US" smtClean="0"/>
+              <a:t>Fifth level</a:t>
+            </a:r>
+            <a:endParaRPr dirty="0"/>
+          </a:p>
+        </p:txBody>
+      </p:sp>
+      <p:sp>
+        <p:nvSpPr>
+          <p:cNvPr id="4" name="Date Placeholder 3"/>
+          <p:cNvSpPr>
+            <a:spLocks noGrp="1"/>
+          </p:cNvSpPr>
+          <p:nvPr>
+            <p:ph type="dt" sz="half" idx="10"/>
+          </p:nvPr>
+        </p:nvSpPr>
+        <p:spPr>
+          <a:xfrm>
+            <a:off x="3679924" y="6437032"/>
+            <a:ext cx="2133600" cy="365125"/>
+          </a:xfrm>
+        </p:spPr>
+        <p:txBody>
+          <a:bodyPr/>
+          <a:lstStyle/>
+          <a:p>
+            <a:fld id="{634138B8-64FD-4912-85B2-4445A010F270}" type="datetime1">
+              <a:rPr lang="en-US" smtClean="0"/>
+              <a:t>11/15/15</a:t>
+            </a:fld>
+            <a:endParaRPr lang="en-US"/>
+          </a:p>
+        </p:txBody>
+      </p:sp>
+      <p:sp>
+        <p:nvSpPr>
+          <p:cNvPr id="5" name="Footer Placeholder 4"/>
+          <p:cNvSpPr>
+            <a:spLocks noGrp="1"/>
+          </p:cNvSpPr>
+          <p:nvPr>
+            <p:ph type="ftr" sz="quarter" idx="11"/>
+          </p:nvPr>
+        </p:nvSpPr>
+        <p:spPr/>
+        <p:txBody>
+          <a:bodyPr/>
+          <a:lstStyle/>
+          <a:p>
+            <a:r>
+              <a:rPr lang="en-US" smtClean="0"/>
+              <a:t>© 2015 EV3Lessons.com, Last edit 11/10/2015</a:t>
+            </a:r>
+            <a:endParaRPr lang="en-US"/>
+          </a:p>
+        </p:txBody>
+      </p:sp>
+      <p:sp>
+        <p:nvSpPr>
+          <p:cNvPr id="6" name="Slide Number Placeholder 5"/>
+          <p:cNvSpPr>
+            <a:spLocks noGrp="1"/>
+          </p:cNvSpPr>
+          <p:nvPr>
+            <p:ph type="sldNum" sz="quarter" idx="12"/>
+          </p:nvPr>
+        </p:nvSpPr>
+        <p:spPr>
+          <a:xfrm>
+            <a:off x="7477031" y="6439714"/>
+            <a:ext cx="630621" cy="359760"/>
+          </a:xfrm>
+        </p:spPr>
+        <p:txBody>
+          <a:bodyPr/>
+          <a:lstStyle/>
+          <a:p>
+            <a:fld id="{4382A7F7-08BF-4252-8141-63FB96055BBB}" type="slidenum">
+              <a:rPr lang="en-US" smtClean="0"/>
+              <a:t>‹#›</a:t>
+            </a:fld>
+            <a:endParaRPr lang="en-US"/>
+          </a:p>
+        </p:txBody>
+      </p:sp>
+      <p:grpSp>
+        <p:nvGrpSpPr>
+          <p:cNvPr id="12" name="Group 11"/>
+          <p:cNvGrpSpPr/>
+          <p:nvPr/>
+        </p:nvGrpSpPr>
+        <p:grpSpPr>
+          <a:xfrm rot="5400000">
+            <a:off x="4753323" y="3358675"/>
+            <a:ext cx="6861177" cy="137475"/>
+            <a:chOff x="284163" y="1577847"/>
+            <a:chExt cx="8576373" cy="137411"/>
+          </a:xfrm>
+        </p:grpSpPr>
+        <p:sp>
+          <p:nvSpPr>
+            <p:cNvPr id="13" name="Rectangle 12"/>
+            <p:cNvSpPr/>
+            <p:nvPr/>
+          </p:nvSpPr>
+          <p:spPr>
+            <a:xfrm>
+              <a:off x="284163" y="1577847"/>
+              <a:ext cx="1600200" cy="137411"/>
+            </a:xfrm>
+            <a:prstGeom prst="rect">
+              <a:avLst/>
+            </a:prstGeom>
+            <a:solidFill>
+              <a:srgbClr val="7030A0"/>
+            </a:solidFill>
+            <a:ln>
+              <a:noFill/>
+            </a:ln>
+          </p:spPr>
+          <p:style>
+            <a:lnRef idx="2">
+              <a:schemeClr val="accent1">
+                <a:shade val="50000"/>
+              </a:schemeClr>
+            </a:lnRef>
+            <a:fillRef idx="1">
+              <a:schemeClr val="accent1"/>
+            </a:fillRef>
+            <a:effectRef idx="0">
+              <a:schemeClr val="accent1"/>
+            </a:effectRef>
+            <a:fontRef idx="minor">
+              <a:schemeClr val="lt1"/>
+            </a:fontRef>
+          </p:style>
+          <p:txBody>
+            <a:bodyPr rtlCol="0" anchor="ctr"/>
+            <a:lstStyle/>
+            <a:p>
+              <a:pPr algn="ctr"/>
+              <a:endParaRPr/>
+            </a:p>
+          </p:txBody>
+        </p:sp>
+        <p:sp>
+          <p:nvSpPr>
+            <p:cNvPr id="14" name="Rectangle 13"/>
+            <p:cNvSpPr/>
+            <p:nvPr/>
+          </p:nvSpPr>
+          <p:spPr>
+            <a:xfrm>
+              <a:off x="1885174" y="1577847"/>
+              <a:ext cx="2743200" cy="137411"/>
+            </a:xfrm>
+            <a:prstGeom prst="rect">
+              <a:avLst/>
+            </a:prstGeom>
+            <a:solidFill>
+              <a:srgbClr val="00B050"/>
+            </a:solidFill>
+            <a:ln>
+              <a:noFill/>
+            </a:ln>
+          </p:spPr>
+          <p:style>
+            <a:lnRef idx="2">
+              <a:schemeClr val="accent1">
+                <a:shade val="50000"/>
+              </a:schemeClr>
+            </a:lnRef>
+            <a:fillRef idx="1">
+              <a:schemeClr val="accent1"/>
+            </a:fillRef>
+            <a:effectRef idx="0">
+              <a:schemeClr val="accent1"/>
+            </a:effectRef>
+            <a:fontRef idx="minor">
+              <a:schemeClr val="lt1"/>
+            </a:fontRef>
+          </p:style>
+          <p:txBody>
+            <a:bodyPr rtlCol="0" anchor="ctr"/>
+            <a:lstStyle/>
+            <a:p>
+              <a:pPr algn="ctr"/>
+              <a:endParaRPr/>
+            </a:p>
+          </p:txBody>
+        </p:sp>
+        <p:sp>
+          <p:nvSpPr>
+            <p:cNvPr id="15" name="Rectangle 14"/>
+            <p:cNvSpPr/>
+            <p:nvPr/>
+          </p:nvSpPr>
+          <p:spPr>
+            <a:xfrm>
+              <a:off x="4626864" y="1577847"/>
+              <a:ext cx="4233672" cy="137411"/>
+            </a:xfrm>
+            <a:prstGeom prst="rect">
+              <a:avLst/>
+            </a:prstGeom>
+            <a:solidFill>
+              <a:srgbClr val="0070C0"/>
+            </a:solidFill>
+            <a:ln>
+              <a:noFill/>
+            </a:ln>
+          </p:spPr>
+          <p:style>
+            <a:lnRef idx="2">
+              <a:schemeClr val="accent1">
+                <a:shade val="50000"/>
+              </a:schemeClr>
+            </a:lnRef>
+            <a:fillRef idx="1">
+              <a:schemeClr val="accent1"/>
+            </a:fillRef>
+            <a:effectRef idx="0">
+              <a:schemeClr val="accent1"/>
+            </a:effectRef>
+            <a:fontRef idx="minor">
+              <a:schemeClr val="lt1"/>
+            </a:fontRef>
+          </p:style>
+          <p:txBody>
+            <a:bodyPr rtlCol="0" anchor="ctr"/>
+            <a:lstStyle/>
+            <a:p>
+              <a:pPr algn="ctr"/>
+              <a:endParaRPr/>
+            </a:p>
+          </p:txBody>
+        </p:sp>
+      </p:grpSp>
+    </p:spTree>
+    <p:extLst>
+      <p:ext uri="{BB962C8B-B14F-4D97-AF65-F5344CB8AC3E}">
+        <p14:creationId xmlns:p14="http://schemas.microsoft.com/office/powerpoint/2010/main" val="1425389978"/>
+      </p:ext>
+    </p:extLst>
+  </p:cSld>
+  <p:clrMapOvr>
+    <a:masterClrMapping/>
+  </p:clrMapOvr>
+  <p:timing>
+    <p:tnLst>
+      <p:par>
+        <p:cTn id="1" dur="indefinite" restart="never" nodeType="tmRoot"/>
+      </p:par>
+    </p:tnLst>
+  </p:timing>
+</p:sldLayout>
+</file>
+
+<file path=ppt/slideLayouts/slideLayout9.xml><?xml version="1.0" encoding="utf-8"?>
+<p:sldLayout xmlns:a="http://schemas.openxmlformats.org/drawingml/2006/main" xmlns:r="http://schemas.openxmlformats.org/officeDocument/2006/relationships" xmlns:p="http://schemas.openxmlformats.org/presentationml/2006/main" preserve="1">
+  <p:cSld name="Custom Layout">
+    <p:spTree>
+      <p:nvGrpSpPr>
+        <p:cNvPr id="1" name=""/>
+        <p:cNvGrpSpPr/>
+        <p:nvPr/>
+      </p:nvGrpSpPr>
+      <p:grpSpPr>
+        <a:xfrm>
+          <a:off x="0" y="0"/>
+          <a:ext cx="0" cy="0"/>
+          <a:chOff x="0" y="0"/>
+          <a:chExt cx="0" cy="0"/>
+        </a:xfrm>
+      </p:grpSpPr>
+      <p:sp>
+        <p:nvSpPr>
+          <p:cNvPr id="2" name="Title 1"/>
+          <p:cNvSpPr>
+            <a:spLocks noGrp="1"/>
+          </p:cNvSpPr>
+          <p:nvPr>
+            <p:ph type="title"/>
+          </p:nvPr>
+        </p:nvSpPr>
+        <p:spPr/>
+        <p:txBody>
+          <a:bodyPr/>
+          <a:lstStyle/>
+          <a:p>
+            <a:r>
+              <a:rPr lang="en-US" smtClean="0"/>
+              <a:t>Click to edit Master title style</a:t>
+            </a:r>
+            <a:endParaRPr lang="en-US"/>
+          </a:p>
+        </p:txBody>
+      </p:sp>
+      <p:sp>
+        <p:nvSpPr>
+          <p:cNvPr id="3" name="Date Placeholder 2"/>
+          <p:cNvSpPr>
+            <a:spLocks noGrp="1"/>
+          </p:cNvSpPr>
+          <p:nvPr>
+            <p:ph type="dt" sz="half" idx="10"/>
+          </p:nvPr>
+        </p:nvSpPr>
+        <p:spPr/>
+        <p:txBody>
+          <a:bodyPr/>
+          <a:lstStyle/>
+          <a:p>
+            <a:fld id="{FCE16FEE-4A79-4781-AACB-61C8F868F7BA}" type="datetime1">
+              <a:rPr lang="en-US" smtClean="0"/>
+              <a:t>11/15/15</a:t>
+            </a:fld>
+            <a:endParaRPr lang="en-US" dirty="0"/>
+          </a:p>
+        </p:txBody>
+      </p:sp>
+      <p:sp>
+        <p:nvSpPr>
+          <p:cNvPr id="4" name="Footer Placeholder 3"/>
+          <p:cNvSpPr>
+            <a:spLocks noGrp="1"/>
+          </p:cNvSpPr>
+          <p:nvPr>
+            <p:ph type="ftr" sz="quarter" idx="11"/>
+          </p:nvPr>
+        </p:nvSpPr>
+        <p:spPr/>
+        <p:txBody>
+          <a:bodyPr/>
+          <a:lstStyle/>
+          <a:p>
+            <a:r>
+              <a:rPr lang="en-US" smtClean="0"/>
+              <a:t>© 2015 EV3Lessons.com, Last edit 11/10/2015</a:t>
+            </a:r>
+            <a:endParaRPr lang="en-US" dirty="0"/>
+          </a:p>
+        </p:txBody>
+      </p:sp>
+      <p:sp>
+        <p:nvSpPr>
+          <p:cNvPr id="5" name="Slide Number Placeholder 4"/>
+          <p:cNvSpPr>
+            <a:spLocks noGrp="1"/>
+          </p:cNvSpPr>
+          <p:nvPr>
+            <p:ph type="sldNum" sz="quarter" idx="12"/>
+          </p:nvPr>
+        </p:nvSpPr>
+        <p:spPr/>
+        <p:txBody>
+          <a:bodyPr/>
+          <a:lstStyle/>
+          <a:p>
+            <a:fld id="{4382A7F7-08BF-4252-8141-63FB96055BBB}" type="slidenum">
+              <a:rPr lang="en-US" smtClean="0"/>
+              <a:t>‹#›</a:t>
+            </a:fld>
+            <a:endParaRPr lang="en-US"/>
+          </a:p>
+        </p:txBody>
+      </p:sp>
+      <p:sp>
+        <p:nvSpPr>
+          <p:cNvPr id="7" name="Text Placeholder 6"/>
+          <p:cNvSpPr>
+            <a:spLocks noGrp="1"/>
+          </p:cNvSpPr>
+          <p:nvPr>
+            <p:ph type="body" sz="quarter" idx="13"/>
+          </p:nvPr>
+        </p:nvSpPr>
+        <p:spPr>
+          <a:xfrm>
+            <a:off x="199698" y="1554163"/>
+            <a:ext cx="8737927" cy="4741862"/>
+          </a:xfrm>
+        </p:spPr>
+        <p:txBody>
+          <a:bodyPr/>
+          <a:lstStyle/>
+          <a:p>
+            <a:pPr lvl="0"/>
+            <a:r>
+              <a:rPr lang="en-US" smtClean="0"/>
+              <a:t>Click to edit Master text styles</a:t>
+            </a:r>
+          </a:p>
+          <a:p>
+            <a:pPr lvl="1"/>
+            <a:r>
+              <a:rPr lang="en-US" smtClean="0"/>
+              <a:t>Second level</a:t>
+            </a:r>
+          </a:p>
+          <a:p>
+            <a:pPr lvl="2"/>
+            <a:r>
+              <a:rPr lang="en-US" smtClean="0"/>
+              <a:t>Third level</a:t>
+            </a:r>
+          </a:p>
+          <a:p>
+            <a:pPr lvl="3"/>
+            <a:r>
+              <a:rPr lang="en-US" smtClean="0"/>
+              <a:t>Fourth level</a:t>
+            </a:r>
+          </a:p>
+          <a:p>
+            <a:pPr lvl="4"/>
+            <a:r>
+              <a:rPr lang="en-US" smtClean="0"/>
+              <a:t>Fifth level</a:t>
+            </a:r>
+            <a:endParaRPr lang="en-US"/>
+          </a:p>
+        </p:txBody>
+      </p:sp>
+    </p:spTree>
+    <p:extLst>
+      <p:ext uri="{BB962C8B-B14F-4D97-AF65-F5344CB8AC3E}">
+        <p14:creationId xmlns:p14="http://schemas.microsoft.com/office/powerpoint/2010/main" val="1349277961"/>
+      </p:ext>
+    </p:extLst>
+  </p:cSld>
+  <p:clrMapOvr>
+    <a:masterClrMapping/>
+  </p:clrMapOvr>
+  <p:hf hdr="0" dt="0"/>
+</p:sldLayout>
+</file>
+
 <file path=ppt/slideMasters/slideMaster1.xml><?xml version="1.0" encoding="utf-8"?>
 <p:sldMaster xmlns:a="http://schemas.openxmlformats.org/drawingml/2006/main" xmlns:r="http://schemas.openxmlformats.org/officeDocument/2006/relationships" xmlns:p="http://schemas.openxmlformats.org/presentationml/2006/main">
   <p:cSld>
     <p:bg>
-      <p:bgRef idx="1001">
-        <a:schemeClr val="bg1"/>
-      </p:bgRef>
+      <p:bgPr>
+        <a:solidFill>
+          <a:schemeClr val="bg1"/>
+        </a:solidFill>
+        <a:effectLst/>
+      </p:bgPr>
     </p:bg>
     <p:spTree>
       <p:nvGrpSpPr>
@@ -7336,7 +5232,7 @@
         </p:nvSpPr>
         <p:spPr>
           <a:xfrm>
-            <a:off x="6794936" y="6437032"/>
+            <a:off x="2784041" y="6434349"/>
             <a:ext cx="2133600" cy="365125"/>
           </a:xfrm>
           <a:prstGeom prst="rect">
@@ -7359,7 +5255,7 @@
           <a:p>
             <a:fld id="{FCE16FEE-4A79-4781-AACB-61C8F868F7BA}" type="datetime1">
               <a:rPr lang="en-US" smtClean="0"/>
-              <a:t>11/12/2015</a:t>
+              <a:t>11/15/15</a:t>
             </a:fld>
             <a:endParaRPr lang="en-US" dirty="0"/>
           </a:p>
@@ -7408,22 +5304,63 @@
       </p:sp>
       <p:sp>
         <p:nvSpPr>
-          <p:cNvPr id="6" name="Slide Number Placeholder 5"/>
-          <p:cNvSpPr>
-            <a:spLocks noGrp="1"/>
-          </p:cNvSpPr>
-          <p:nvPr>
-            <p:ph type="sldNum" sz="quarter" idx="4"/>
+          <p:cNvPr id="2" name="Title Placeholder 1"/>
+          <p:cNvSpPr>
+            <a:spLocks noGrp="1"/>
+          </p:cNvSpPr>
+          <p:nvPr>
+            <p:ph type="title"/>
           </p:nvPr>
         </p:nvSpPr>
         <p:spPr>
           <a:xfrm>
-            <a:off x="8306459" y="167347"/>
+            <a:off x="0" y="0"/>
+            <a:ext cx="9143999" cy="1188720"/>
+          </a:xfrm>
+          <a:prstGeom prst="rect">
+            <a:avLst/>
+          </a:prstGeom>
+          <a:solidFill>
+            <a:schemeClr val="bg2">
+              <a:lumMod val="25000"/>
+            </a:schemeClr>
+          </a:solidFill>
+        </p:spPr>
+        <p:txBody>
+          <a:bodyPr vert="horz" lIns="91440" tIns="45720" rIns="91440" bIns="45720" rtlCol="0" anchor="ctr">
+            <a:normAutofit/>
+          </a:bodyPr>
+          <a:lstStyle/>
+          <a:p>
+            <a:r>
+              <a:rPr lang="en-US" smtClean="0"/>
+              <a:t>Click to edit Master title style</a:t>
+            </a:r>
+            <a:endParaRPr dirty="0"/>
+          </a:p>
+        </p:txBody>
+      </p:sp>
+      <p:sp>
+        <p:nvSpPr>
+          <p:cNvPr id="6" name="Slide Number Placeholder 5"/>
+          <p:cNvSpPr>
+            <a:spLocks noGrp="1"/>
+          </p:cNvSpPr>
+          <p:nvPr>
+            <p:ph type="sldNum" sz="quarter" idx="4"/>
+          </p:nvPr>
+        </p:nvSpPr>
+        <p:spPr>
+          <a:xfrm>
+            <a:off x="8297915" y="6439714"/>
             <a:ext cx="630621" cy="359760"/>
           </a:xfrm>
           <a:prstGeom prst="rect">
             <a:avLst/>
           </a:prstGeom>
+          <a:ln>
+            <a:noFill/>
+          </a:ln>
         </p:spPr>
         <p:txBody>
           <a:bodyPr vert="horz" lIns="91440" tIns="45720" rIns="91440" bIns="45720" rtlCol="0" anchor="ctr"/>
@@ -7431,10 +5368,7 @@
             <a:lvl1pPr algn="r">
               <a:defRPr sz="1400" b="1">
                 <a:solidFill>
-                  <a:schemeClr val="tx1">
-                    <a:lumMod val="85000"/>
-                    <a:lumOff val="15000"/>
-                  </a:schemeClr>
+                  <a:schemeClr val="tx1"/>
                 </a:solidFill>
               </a:defRPr>
             </a:lvl1pPr>
@@ -7448,63 +5382,25 @@
           </a:p>
         </p:txBody>
       </p:sp>
-      <p:sp>
-        <p:nvSpPr>
-          <p:cNvPr id="2" name="Title Placeholder 1"/>
-          <p:cNvSpPr>
-            <a:spLocks noGrp="1"/>
-          </p:cNvSpPr>
-          <p:nvPr>
-            <p:ph type="title"/>
-          </p:nvPr>
-        </p:nvSpPr>
-        <p:spPr>
-          <a:xfrm>
-            <a:off x="284163" y="630382"/>
-            <a:ext cx="8574087" cy="967840"/>
-          </a:xfrm>
-          <a:prstGeom prst="rect">
-            <a:avLst/>
-          </a:prstGeom>
-          <a:solidFill>
-            <a:schemeClr val="tx1">
-              <a:lumMod val="85000"/>
-              <a:lumOff val="15000"/>
-              <a:alpha val="70000"/>
-            </a:schemeClr>
-          </a:solidFill>
-        </p:spPr>
-        <p:txBody>
-          <a:bodyPr vert="horz" lIns="91440" tIns="45720" rIns="91440" bIns="45720" rtlCol="0" anchor="ctr">
-            <a:normAutofit/>
-          </a:bodyPr>
-          <a:lstStyle/>
-          <a:p>
-            <a:r>
-              <a:rPr lang="en-US" smtClean="0"/>
-              <a:t>Click to edit Master title style</a:t>
-            </a:r>
-            <a:endParaRPr/>
-          </a:p>
-        </p:txBody>
-      </p:sp>
     </p:spTree>
+    <p:extLst>
+      <p:ext uri="{BB962C8B-B14F-4D97-AF65-F5344CB8AC3E}">
+        <p14:creationId xmlns:p14="http://schemas.microsoft.com/office/powerpoint/2010/main" val="197783522"/>
+      </p:ext>
+    </p:extLst>
   </p:cSld>
   <p:clrMap bg1="lt1" tx1="dk1" bg2="lt2" tx2="dk2" accent1="accent1" accent2="accent2" accent3="accent3" accent4="accent4" accent5="accent5" accent6="accent6" hlink="hlink" folHlink="folHlink"/>
   <p:sldLayoutIdLst>
-    <p:sldLayoutId id="2147483819" r:id="rId1"/>
-    <p:sldLayoutId id="2147483820" r:id="rId2"/>
-    <p:sldLayoutId id="2147483821" r:id="rId3"/>
-    <p:sldLayoutId id="2147483822" r:id="rId4"/>
-    <p:sldLayoutId id="2147483823" r:id="rId5"/>
-    <p:sldLayoutId id="2147483824" r:id="rId6"/>
-    <p:sldLayoutId id="2147483825" r:id="rId7"/>
-    <p:sldLayoutId id="2147483826" r:id="rId8"/>
-    <p:sldLayoutId id="2147483829" r:id="rId9"/>
-    <p:sldLayoutId id="2147483831" r:id="rId10"/>
-    <p:sldLayoutId id="2147483832" r:id="rId11"/>
-    <p:sldLayoutId id="2147483833" r:id="rId12"/>
-    <p:sldLayoutId id="2147483834" r:id="rId13"/>
+    <p:sldLayoutId id="2147483836" r:id="rId1"/>
+    <p:sldLayoutId id="2147483837" r:id="rId2"/>
+    <p:sldLayoutId id="2147483838" r:id="rId3"/>
+    <p:sldLayoutId id="2147483839" r:id="rId4"/>
+    <p:sldLayoutId id="2147483840" r:id="rId5"/>
+    <p:sldLayoutId id="2147483841" r:id="rId6"/>
+    <p:sldLayoutId id="2147483842" r:id="rId7"/>
+    <p:sldLayoutId id="2147483843" r:id="rId8"/>
+    <p:sldLayoutId id="2147483844" r:id="rId9"/>
+    <p:sldLayoutId id="2147483845" r:id="rId10"/>
   </p:sldLayoutIdLst>
   <p:timing>
     <p:tnLst>
@@ -7516,18 +5412,19 @@
   <p:hf hdr="0" dt="0"/>
   <p:txStyles>
     <p:titleStyle>
-      <a:lvl1pPr algn="r" defTabSz="914400" rtl="0" eaLnBrk="1" latinLnBrk="0" hangingPunct="1">
+      <a:lvl1pPr marL="231775" indent="3175" algn="l" defTabSz="914400" rtl="0" eaLnBrk="1" latinLnBrk="0" hangingPunct="1">
         <a:spcBef>
           <a:spcPct val="0"/>
         </a:spcBef>
         <a:buNone/>
+        <a:tabLst/>
         <a:defRPr sz="4200" kern="1200">
           <a:solidFill>
             <a:schemeClr val="bg1"/>
           </a:solidFill>
-          <a:latin typeface="+mj-lt"/>
-          <a:ea typeface="+mj-ea"/>
-          <a:cs typeface="+mj-cs"/>
+          <a:latin typeface="Calibri" charset="0"/>
+          <a:ea typeface="Calibri" charset="0"/>
+          <a:cs typeface="Calibri" charset="0"/>
         </a:defRPr>
       </a:lvl1pPr>
     </p:titleStyle>
@@ -7879,143 +5776,38 @@
             <p:ph type="ctrTitle"/>
           </p:nvPr>
         </p:nvSpPr>
-        <p:spPr>
-          <a:xfrm>
-            <a:off x="199698" y="2974369"/>
-            <a:ext cx="7810967" cy="1088237"/>
-          </a:xfrm>
-        </p:spPr>
-        <p:txBody>
-          <a:bodyPr>
-            <a:normAutofit/>
-          </a:bodyPr>
-          <a:lstStyle/>
-          <a:p>
-            <a:r>
-              <a:rPr lang="en-US" sz="4400" dirty="0" smtClean="0">
-                <a:solidFill>
-                  <a:srgbClr val="FF0000"/>
-                </a:solidFill>
-              </a:rPr>
+        <p:spPr/>
+        <p:txBody>
+          <a:bodyPr/>
+          <a:lstStyle/>
+          <a:p>
+            <a:r>
+              <a:rPr lang="en-US" smtClean="0"/>
               <a:t>Gyro Turns</a:t>
             </a:r>
-            <a:endParaRPr lang="en-US" sz="2800" dirty="0">
-              <a:solidFill>
-                <a:srgbClr val="FF0000"/>
-              </a:solidFill>
-            </a:endParaRPr>
-          </a:p>
-        </p:txBody>
-      </p:sp>
-      <p:sp>
-        <p:nvSpPr>
-          <p:cNvPr id="3" name="TextBox 2"/>
-          <p:cNvSpPr txBox="1"/>
-          <p:nvPr/>
-        </p:nvSpPr>
-        <p:spPr>
-          <a:xfrm>
-            <a:off x="329321" y="454946"/>
-            <a:ext cx="5352131" cy="1323439"/>
-          </a:xfrm>
-          <a:prstGeom prst="rect">
-            <a:avLst/>
-          </a:prstGeom>
-          <a:noFill/>
-        </p:spPr>
-        <p:txBody>
-          <a:bodyPr wrap="square" rtlCol="0">
-            <a:spAutoFit/>
-          </a:bodyPr>
-          <a:lstStyle/>
-          <a:p>
-            <a:r>
-              <a:rPr lang="en-US" sz="4000" dirty="0" smtClean="0">
-                <a:solidFill>
-                  <a:schemeClr val="bg1"/>
-                </a:solidFill>
-              </a:rPr>
-              <a:t>ADVANCED EV3 PROGRAMMING LESSON</a:t>
-            </a:r>
-            <a:endParaRPr lang="en-US" sz="4000" dirty="0">
-              <a:solidFill>
-                <a:schemeClr val="bg1"/>
-              </a:solidFill>
-            </a:endParaRPr>
-          </a:p>
-        </p:txBody>
-      </p:sp>
-      <p:pic>
-        <p:nvPicPr>
-          <p:cNvPr id="1026" name="Picture 2" descr="EV3Lessons.com"/>
-          <p:cNvPicPr>
-            <a:picLocks noChangeAspect="1" noChangeArrowheads="1"/>
-          </p:cNvPicPr>
-          <p:nvPr/>
-        </p:nvPicPr>
-        <p:blipFill>
-          <a:blip r:embed="rId3" cstate="email">
-            <a:extLst>
-              <a:ext uri="{28A0092B-C50C-407E-A947-70E740481C1C}">
-                <a14:useLocalDpi xmlns:a14="http://schemas.microsoft.com/office/drawing/2010/main" val="0"/>
-              </a:ext>
-            </a:extLst>
-          </a:blip>
-          <a:srcRect/>
-          <a:stretch>
-            <a:fillRect/>
-          </a:stretch>
-        </p:blipFill>
-        <p:spPr bwMode="auto">
-          <a:xfrm>
-            <a:off x="5783052" y="614039"/>
-            <a:ext cx="2940317" cy="1092118"/>
-          </a:xfrm>
-          <a:prstGeom prst="rect">
-            <a:avLst/>
-          </a:prstGeom>
-          <a:noFill/>
-          <a:extLst>
-            <a:ext uri="{909E8E84-426E-40dd-AFC4-6F175D3DCCD1}">
-              <a14:hiddenFill xmlns="" xmlns:a14="http://schemas.microsoft.com/office/drawing/2010/main">
-                <a:solidFill>
-                  <a:srgbClr val="FFFFFF"/>
-                </a:solidFill>
-              </a14:hiddenFill>
-            </a:ext>
-          </a:extLst>
-        </p:spPr>
-      </p:pic>
-      <p:pic>
-        <p:nvPicPr>
-          <p:cNvPr id="6" name="Picture 5"/>
-          <p:cNvPicPr>
-            <a:picLocks noChangeAspect="1"/>
-          </p:cNvPicPr>
-          <p:nvPr/>
-        </p:nvPicPr>
-        <p:blipFill>
-          <a:blip r:embed="rId4" cstate="email">
-            <a:extLst>
-              <a:ext uri="{28A0092B-C50C-407E-A947-70E740481C1C}">
-                <a14:useLocalDpi xmlns:a14="http://schemas.microsoft.com/office/drawing/2010/main" val="0"/>
-              </a:ext>
-            </a:extLst>
-          </a:blip>
-          <a:stretch>
-            <a:fillRect/>
-          </a:stretch>
-        </p:blipFill>
-        <p:spPr>
-          <a:xfrm>
-            <a:off x="329321" y="5469467"/>
-            <a:ext cx="1371546" cy="1312112"/>
-          </a:xfrm>
-          <a:prstGeom prst="rect">
-            <a:avLst/>
-          </a:prstGeom>
-        </p:spPr>
-      </p:pic>
+            <a:endParaRPr lang="en-US" dirty="0"/>
+          </a:p>
+        </p:txBody>
+      </p:sp>
+      <p:sp>
+        <p:nvSpPr>
+          <p:cNvPr id="7" name="Subtitle 6"/>
+          <p:cNvSpPr>
+            <a:spLocks noGrp="1"/>
+          </p:cNvSpPr>
+          <p:nvPr>
+            <p:ph type="subTitle" idx="1"/>
+          </p:nvPr>
+        </p:nvSpPr>
+        <p:spPr/>
+        <p:txBody>
+          <a:bodyPr/>
+          <a:lstStyle/>
+          <a:p>
+            <a:endParaRPr lang="en-US"/>
+          </a:p>
+        </p:txBody>
+      </p:sp>
       <p:sp>
         <p:nvSpPr>
           <p:cNvPr id="17" name="Subtitle 3"/>
@@ -8026,7 +5818,7 @@
         </p:nvSpPr>
         <p:spPr>
           <a:xfrm>
-            <a:off x="1736414" y="6068887"/>
+            <a:off x="3314843" y="5886037"/>
             <a:ext cx="3749229" cy="484094"/>
           </a:xfrm>
           <a:prstGeom prst="rect">
@@ -8035,7 +5827,7 @@
         </p:spPr>
         <p:txBody>
           <a:bodyPr vert="horz" lIns="91440" tIns="45720" rIns="91440" bIns="45720" rtlCol="0">
-            <a:normAutofit fontScale="85000" lnSpcReduction="20000"/>
+            <a:normAutofit fontScale="85000" lnSpcReduction="10000"/>
           </a:bodyPr>
           <a:lstStyle>
             <a:lvl1pPr marL="0" indent="0" algn="l" defTabSz="914400" rtl="0" eaLnBrk="1" latinLnBrk="0" hangingPunct="1">
@@ -8253,20 +6045,28 @@
           </a:lstStyle>
           <a:p>
             <a:r>
+              <a:rPr lang="en-US">
+                <a:solidFill>
+                  <a:schemeClr val="tx1"/>
+                </a:solidFill>
+              </a:rPr>
+              <a:t>w</a:t>
+            </a:r>
+            <a:r>
+              <a:rPr lang="en-US" smtClean="0">
+                <a:solidFill>
+                  <a:schemeClr val="tx1"/>
+                </a:solidFill>
+              </a:rPr>
+              <a:t>ith </a:t>
+            </a:r>
+            <a:r>
               <a:rPr lang="en-US" dirty="0" smtClean="0">
                 <a:solidFill>
                   <a:schemeClr val="tx1"/>
                 </a:solidFill>
               </a:rPr>
-              <a:t>By Droids Robotics</a:t>
-            </a:r>
-            <a:r>
-              <a:rPr lang="en-US" dirty="0">
-                <a:solidFill>
-                  <a:schemeClr val="tx1"/>
-                </a:solidFill>
-              </a:rPr>
-              <a:t> </a:t>
+              <a:t>code from the Construction </a:t>
             </a:r>
             <a:r>
               <a:rPr lang="en-US" dirty="0" smtClean="0">
@@ -8274,7 +6074,7 @@
                   <a:schemeClr val="tx1"/>
                 </a:solidFill>
               </a:rPr>
-              <a:t>and Construction Mavericks</a:t>
+              <a:t>Mavericks</a:t>
             </a:r>
           </a:p>
         </p:txBody>
@@ -8318,44 +6118,22 @@
       </p:grpSpPr>
       <p:sp>
         <p:nvSpPr>
-          <p:cNvPr id="2" name="Title 1"/>
-          <p:cNvSpPr>
-            <a:spLocks noGrp="1"/>
-          </p:cNvSpPr>
-          <p:nvPr>
-            <p:ph type="title"/>
-          </p:nvPr>
-        </p:nvSpPr>
-        <p:spPr>
-          <a:xfrm>
-            <a:off x="387791" y="527106"/>
-            <a:ext cx="8245475" cy="997211"/>
-          </a:xfrm>
-          <a:noFill/>
-        </p:spPr>
+          <p:cNvPr id="4" name="Footer Placeholder 3"/>
+          <p:cNvSpPr>
+            <a:spLocks noGrp="1"/>
+          </p:cNvSpPr>
+          <p:nvPr>
+            <p:ph type="ftr" sz="quarter" idx="11"/>
+          </p:nvPr>
+        </p:nvSpPr>
+        <p:spPr/>
         <p:txBody>
           <a:bodyPr/>
           <a:lstStyle/>
           <a:p>
             <a:r>
-              <a:rPr lang="en-US" dirty="0" smtClean="0"/>
-              <a:t>Stage </a:t>
-            </a:r>
-            <a:r>
-              <a:rPr lang="en-US" dirty="0"/>
-              <a:t>3</a:t>
-            </a:r>
-            <a:r>
-              <a:rPr lang="en-US" dirty="0" smtClean="0"/>
-              <a:t>B: Wire the </a:t>
-            </a:r>
-            <a:r>
-              <a:rPr lang="en-US" dirty="0"/>
-              <a:t>M</a:t>
-            </a:r>
-            <a:r>
-              <a:rPr lang="en-US" dirty="0" smtClean="0"/>
-              <a:t>y Block</a:t>
+              <a:rPr lang="en-US" smtClean="0"/>
+              <a:t>© 2015 EV3Lessons.com, Last edit 11/10/2015</a:t>
             </a:r>
             <a:endParaRPr lang="en-US" dirty="0"/>
           </a:p>
@@ -8363,12 +6141,12 @@
       </p:sp>
       <p:sp>
         <p:nvSpPr>
-          <p:cNvPr id="4" name="Footer Placeholder 3"/>
-          <p:cNvSpPr>
-            <a:spLocks noGrp="1"/>
-          </p:cNvSpPr>
-          <p:nvPr>
-            <p:ph type="ftr" sz="quarter" idx="11"/>
+          <p:cNvPr id="3" name="Slide Number Placeholder 2"/>
+          <p:cNvSpPr>
+            <a:spLocks noGrp="1"/>
+          </p:cNvSpPr>
+          <p:nvPr>
+            <p:ph type="sldNum" sz="quarter" idx="12"/>
           </p:nvPr>
         </p:nvSpPr>
         <p:spPr/>
@@ -8376,33 +6154,34 @@
           <a:bodyPr/>
           <a:lstStyle/>
           <a:p>
-            <a:r>
-              <a:rPr lang="en-US" dirty="0" smtClean="0"/>
-              <a:t>© 2015 EV3Lessons.com, Last edit 11/10/2015</a:t>
-            </a:r>
-            <a:endParaRPr lang="en-US" dirty="0"/>
-          </a:p>
-        </p:txBody>
-      </p:sp>
-      <p:sp>
-        <p:nvSpPr>
-          <p:cNvPr id="3" name="Slide Number Placeholder 2"/>
-          <p:cNvSpPr>
-            <a:spLocks noGrp="1"/>
-          </p:cNvSpPr>
-          <p:nvPr>
-            <p:ph type="sldNum" sz="quarter" idx="12"/>
-          </p:nvPr>
-        </p:nvSpPr>
-        <p:spPr/>
-        <p:txBody>
-          <a:bodyPr/>
-          <a:lstStyle/>
-          <a:p>
             <a:fld id="{4382A7F7-08BF-4252-8141-63FB96055BBB}" type="slidenum">
               <a:rPr lang="en-US" smtClean="0"/>
+              <a:pPr/>
               <a:t>10</a:t>
             </a:fld>
+            <a:endParaRPr lang="en-US" dirty="0"/>
+          </a:p>
+        </p:txBody>
+      </p:sp>
+      <p:sp>
+        <p:nvSpPr>
+          <p:cNvPr id="2" name="Title 1"/>
+          <p:cNvSpPr>
+            <a:spLocks noGrp="1"/>
+          </p:cNvSpPr>
+          <p:nvPr>
+            <p:ph type="title"/>
+          </p:nvPr>
+        </p:nvSpPr>
+        <p:spPr/>
+        <p:txBody>
+          <a:bodyPr/>
+          <a:lstStyle/>
+          <a:p>
+            <a:r>
+              <a:rPr lang="en-US" smtClean="0"/>
+              <a:t>Stage 3B: Wire the My Block</a:t>
+            </a:r>
             <a:endParaRPr lang="en-US" dirty="0"/>
           </a:p>
         </p:txBody>
@@ -8565,28 +6344,22 @@
       </p:grpSpPr>
       <p:sp>
         <p:nvSpPr>
-          <p:cNvPr id="2" name="Title 1"/>
-          <p:cNvSpPr>
-            <a:spLocks noGrp="1"/>
-          </p:cNvSpPr>
-          <p:nvPr>
-            <p:ph type="title"/>
-          </p:nvPr>
-        </p:nvSpPr>
-        <p:spPr>
-          <a:xfrm>
-            <a:off x="203210" y="152718"/>
-            <a:ext cx="8245475" cy="1371600"/>
-          </a:xfrm>
-          <a:noFill/>
-        </p:spPr>
+          <p:cNvPr id="4" name="Footer Placeholder 3"/>
+          <p:cNvSpPr>
+            <a:spLocks noGrp="1"/>
+          </p:cNvSpPr>
+          <p:nvPr>
+            <p:ph type="ftr" sz="quarter" idx="11"/>
+          </p:nvPr>
+        </p:nvSpPr>
+        <p:spPr/>
         <p:txBody>
           <a:bodyPr/>
           <a:lstStyle/>
           <a:p>
             <a:r>
-              <a:rPr lang="en-US" dirty="0" smtClean="0"/>
-              <a:t>Stage 4: Using the My Block</a:t>
+              <a:rPr lang="en-US" smtClean="0"/>
+              <a:t>© 2015 EV3Lessons.com, Last edit 11/10/2015</a:t>
             </a:r>
             <a:endParaRPr lang="en-US" dirty="0"/>
           </a:p>
@@ -8594,12 +6367,12 @@
       </p:sp>
       <p:sp>
         <p:nvSpPr>
-          <p:cNvPr id="4" name="Footer Placeholder 3"/>
-          <p:cNvSpPr>
-            <a:spLocks noGrp="1"/>
-          </p:cNvSpPr>
-          <p:nvPr>
-            <p:ph type="ftr" sz="quarter" idx="11"/>
+          <p:cNvPr id="3" name="Slide Number Placeholder 2"/>
+          <p:cNvSpPr>
+            <a:spLocks noGrp="1"/>
+          </p:cNvSpPr>
+          <p:nvPr>
+            <p:ph type="sldNum" sz="quarter" idx="12"/>
           </p:nvPr>
         </p:nvSpPr>
         <p:spPr/>
@@ -8607,33 +6380,34 @@
           <a:bodyPr/>
           <a:lstStyle/>
           <a:p>
-            <a:r>
-              <a:rPr lang="en-US" dirty="0" smtClean="0"/>
-              <a:t>© 2015 EV3Lessons.com, Last edit 11/10/2015</a:t>
-            </a:r>
-            <a:endParaRPr lang="en-US" dirty="0"/>
-          </a:p>
-        </p:txBody>
-      </p:sp>
-      <p:sp>
-        <p:nvSpPr>
-          <p:cNvPr id="3" name="Slide Number Placeholder 2"/>
-          <p:cNvSpPr>
-            <a:spLocks noGrp="1"/>
-          </p:cNvSpPr>
-          <p:nvPr>
-            <p:ph type="sldNum" sz="quarter" idx="12"/>
-          </p:nvPr>
-        </p:nvSpPr>
-        <p:spPr/>
-        <p:txBody>
-          <a:bodyPr/>
-          <a:lstStyle/>
-          <a:p>
             <a:fld id="{4382A7F7-08BF-4252-8141-63FB96055BBB}" type="slidenum">
               <a:rPr lang="en-US" smtClean="0"/>
+              <a:pPr/>
               <a:t>11</a:t>
             </a:fld>
+            <a:endParaRPr lang="en-US" dirty="0"/>
+          </a:p>
+        </p:txBody>
+      </p:sp>
+      <p:sp>
+        <p:nvSpPr>
+          <p:cNvPr id="2" name="Title 1"/>
+          <p:cNvSpPr>
+            <a:spLocks noGrp="1"/>
+          </p:cNvSpPr>
+          <p:nvPr>
+            <p:ph type="title"/>
+          </p:nvPr>
+        </p:nvSpPr>
+        <p:spPr/>
+        <p:txBody>
+          <a:bodyPr/>
+          <a:lstStyle/>
+          <a:p>
+            <a:r>
+              <a:rPr lang="en-US" smtClean="0"/>
+              <a:t>Stage 4: Using the My Block</a:t>
+            </a:r>
             <a:endParaRPr lang="en-US" dirty="0"/>
           </a:p>
         </p:txBody>
@@ -8707,30 +6481,22 @@
       </p:grpSpPr>
       <p:sp>
         <p:nvSpPr>
-          <p:cNvPr id="2" name="Title 1"/>
-          <p:cNvSpPr>
-            <a:spLocks noGrp="1"/>
-          </p:cNvSpPr>
-          <p:nvPr>
-            <p:ph type="title"/>
-          </p:nvPr>
-        </p:nvSpPr>
-        <p:spPr>
-          <a:xfrm>
-            <a:off x="26423" y="363732"/>
-            <a:ext cx="8798271" cy="1371600"/>
-          </a:xfrm>
-          <a:noFill/>
-        </p:spPr>
-        <p:txBody>
-          <a:bodyPr>
-            <a:normAutofit/>
-          </a:bodyPr>
-          <a:lstStyle/>
-          <a:p>
-            <a:r>
-              <a:rPr lang="en-US" dirty="0" smtClean="0"/>
-              <a:t>Step 4: Turn Degrees Right</a:t>
+          <p:cNvPr id="4" name="Footer Placeholder 3"/>
+          <p:cNvSpPr>
+            <a:spLocks noGrp="1"/>
+          </p:cNvSpPr>
+          <p:nvPr>
+            <p:ph type="ftr" sz="quarter" idx="11"/>
+          </p:nvPr>
+        </p:nvSpPr>
+        <p:spPr/>
+        <p:txBody>
+          <a:bodyPr/>
+          <a:lstStyle/>
+          <a:p>
+            <a:r>
+              <a:rPr lang="en-US" smtClean="0"/>
+              <a:t>© 2015 EV3Lessons.com, Last edit 11/10/2015</a:t>
             </a:r>
             <a:endParaRPr lang="en-US" dirty="0"/>
           </a:p>
@@ -8738,12 +6504,12 @@
       </p:sp>
       <p:sp>
         <p:nvSpPr>
-          <p:cNvPr id="4" name="Footer Placeholder 3"/>
-          <p:cNvSpPr>
-            <a:spLocks noGrp="1"/>
-          </p:cNvSpPr>
-          <p:nvPr>
-            <p:ph type="ftr" sz="quarter" idx="11"/>
+          <p:cNvPr id="3" name="Slide Number Placeholder 2"/>
+          <p:cNvSpPr>
+            <a:spLocks noGrp="1"/>
+          </p:cNvSpPr>
+          <p:nvPr>
+            <p:ph type="sldNum" sz="quarter" idx="12"/>
           </p:nvPr>
         </p:nvSpPr>
         <p:spPr/>
@@ -8751,33 +6517,34 @@
           <a:bodyPr/>
           <a:lstStyle/>
           <a:p>
-            <a:r>
-              <a:rPr lang="en-US" dirty="0" smtClean="0"/>
-              <a:t>© 2015 EV3Lessons.com, Last edit 11/10/2015</a:t>
-            </a:r>
-            <a:endParaRPr lang="en-US" dirty="0"/>
-          </a:p>
-        </p:txBody>
-      </p:sp>
-      <p:sp>
-        <p:nvSpPr>
-          <p:cNvPr id="3" name="Slide Number Placeholder 2"/>
-          <p:cNvSpPr>
-            <a:spLocks noGrp="1"/>
-          </p:cNvSpPr>
-          <p:nvPr>
-            <p:ph type="sldNum" sz="quarter" idx="12"/>
-          </p:nvPr>
-        </p:nvSpPr>
-        <p:spPr/>
-        <p:txBody>
-          <a:bodyPr/>
-          <a:lstStyle/>
-          <a:p>
             <a:fld id="{4382A7F7-08BF-4252-8141-63FB96055BBB}" type="slidenum">
               <a:rPr lang="en-US" smtClean="0"/>
+              <a:pPr/>
               <a:t>12</a:t>
             </a:fld>
+            <a:endParaRPr lang="en-US" dirty="0"/>
+          </a:p>
+        </p:txBody>
+      </p:sp>
+      <p:sp>
+        <p:nvSpPr>
+          <p:cNvPr id="2" name="Title 1"/>
+          <p:cNvSpPr>
+            <a:spLocks noGrp="1"/>
+          </p:cNvSpPr>
+          <p:nvPr>
+            <p:ph type="title"/>
+          </p:nvPr>
+        </p:nvSpPr>
+        <p:spPr/>
+        <p:txBody>
+          <a:bodyPr/>
+          <a:lstStyle/>
+          <a:p>
+            <a:r>
+              <a:rPr lang="en-US" smtClean="0"/>
+              <a:t>Step 4: Turn Degrees Right</a:t>
+            </a:r>
             <a:endParaRPr lang="en-US" dirty="0"/>
           </a:p>
         </p:txBody>
@@ -8851,30 +6618,22 @@
       </p:grpSpPr>
       <p:sp>
         <p:nvSpPr>
-          <p:cNvPr id="2" name="Title 1"/>
-          <p:cNvSpPr>
-            <a:spLocks noGrp="1"/>
-          </p:cNvSpPr>
-          <p:nvPr>
-            <p:ph type="title"/>
-          </p:nvPr>
-        </p:nvSpPr>
-        <p:spPr>
-          <a:xfrm>
-            <a:off x="105313" y="340286"/>
-            <a:ext cx="8742029" cy="1371600"/>
-          </a:xfrm>
-          <a:noFill/>
-        </p:spPr>
-        <p:txBody>
-          <a:bodyPr>
-            <a:normAutofit/>
-          </a:bodyPr>
-          <a:lstStyle/>
-          <a:p>
-            <a:r>
-              <a:rPr lang="en-US" dirty="0" smtClean="0"/>
-              <a:t>Step 4: Turn Degrees Left</a:t>
+          <p:cNvPr id="4" name="Footer Placeholder 3"/>
+          <p:cNvSpPr>
+            <a:spLocks noGrp="1"/>
+          </p:cNvSpPr>
+          <p:nvPr>
+            <p:ph type="ftr" sz="quarter" idx="11"/>
+          </p:nvPr>
+        </p:nvSpPr>
+        <p:spPr/>
+        <p:txBody>
+          <a:bodyPr/>
+          <a:lstStyle/>
+          <a:p>
+            <a:r>
+              <a:rPr lang="en-US" smtClean="0"/>
+              <a:t>© 2015 EV3Lessons.com, Last edit 11/10/2015</a:t>
             </a:r>
             <a:endParaRPr lang="en-US" dirty="0"/>
           </a:p>
@@ -8882,12 +6641,12 @@
       </p:sp>
       <p:sp>
         <p:nvSpPr>
-          <p:cNvPr id="4" name="Footer Placeholder 3"/>
-          <p:cNvSpPr>
-            <a:spLocks noGrp="1"/>
-          </p:cNvSpPr>
-          <p:nvPr>
-            <p:ph type="ftr" sz="quarter" idx="11"/>
+          <p:cNvPr id="3" name="Slide Number Placeholder 2"/>
+          <p:cNvSpPr>
+            <a:spLocks noGrp="1"/>
+          </p:cNvSpPr>
+          <p:nvPr>
+            <p:ph type="sldNum" sz="quarter" idx="12"/>
           </p:nvPr>
         </p:nvSpPr>
         <p:spPr/>
@@ -8895,33 +6654,34 @@
           <a:bodyPr/>
           <a:lstStyle/>
           <a:p>
-            <a:r>
-              <a:rPr lang="en-US" dirty="0" smtClean="0"/>
-              <a:t>© 2015 EV3Lessons.com, Last edit 11/10/2015</a:t>
-            </a:r>
-            <a:endParaRPr lang="en-US" dirty="0"/>
-          </a:p>
-        </p:txBody>
-      </p:sp>
-      <p:sp>
-        <p:nvSpPr>
-          <p:cNvPr id="3" name="Slide Number Placeholder 2"/>
-          <p:cNvSpPr>
-            <a:spLocks noGrp="1"/>
-          </p:cNvSpPr>
-          <p:nvPr>
-            <p:ph type="sldNum" sz="quarter" idx="12"/>
-          </p:nvPr>
-        </p:nvSpPr>
-        <p:spPr/>
-        <p:txBody>
-          <a:bodyPr/>
-          <a:lstStyle/>
-          <a:p>
             <a:fld id="{4382A7F7-08BF-4252-8141-63FB96055BBB}" type="slidenum">
               <a:rPr lang="en-US" smtClean="0"/>
+              <a:pPr/>
               <a:t>13</a:t>
             </a:fld>
+            <a:endParaRPr lang="en-US" dirty="0"/>
+          </a:p>
+        </p:txBody>
+      </p:sp>
+      <p:sp>
+        <p:nvSpPr>
+          <p:cNvPr id="2" name="Title 1"/>
+          <p:cNvSpPr>
+            <a:spLocks noGrp="1"/>
+          </p:cNvSpPr>
+          <p:nvPr>
+            <p:ph type="title"/>
+          </p:nvPr>
+        </p:nvSpPr>
+        <p:spPr/>
+        <p:txBody>
+          <a:bodyPr/>
+          <a:lstStyle/>
+          <a:p>
+            <a:r>
+              <a:rPr lang="en-US" smtClean="0"/>
+              <a:t>Step 4: Turn Degrees Left</a:t>
+            </a:r>
             <a:endParaRPr lang="en-US" dirty="0"/>
           </a:p>
         </p:txBody>
@@ -8995,6 +6755,110 @@
       </p:grpSpPr>
       <p:sp>
         <p:nvSpPr>
+          <p:cNvPr id="3" name="Content Placeholder 2"/>
+          <p:cNvSpPr>
+            <a:spLocks noGrp="1"/>
+          </p:cNvSpPr>
+          <p:nvPr>
+            <p:ph idx="1"/>
+          </p:nvPr>
+        </p:nvSpPr>
+        <p:spPr/>
+        <p:txBody>
+          <a:bodyPr>
+            <a:normAutofit fontScale="85000" lnSpcReduction="20000"/>
+          </a:bodyPr>
+          <a:lstStyle/>
+          <a:p>
+            <a:r>
+              <a:rPr lang="en-US" smtClean="0"/>
+              <a:t>The remainder of this lesson is a contribution by The Construction Mavericks.</a:t>
+            </a:r>
+          </a:p>
+          <a:p>
+            <a:r>
+              <a:rPr lang="en-US" smtClean="0"/>
+              <a:t>This method improves over the simple overshoot correction mechanism from earlier by using proportional control</a:t>
+            </a:r>
+          </a:p>
+          <a:p>
+            <a:pPr lvl="1"/>
+            <a:r>
+              <a:rPr lang="en-US" smtClean="0"/>
+              <a:t>If you are unfamiliar with proportional control, please see the advanced lesson on proportional control before continuing.</a:t>
+            </a:r>
+          </a:p>
+          <a:p>
+            <a:pPr lvl="1"/>
+            <a:r>
+              <a:rPr lang="en-US" smtClean="0"/>
+              <a:t>The basic idea is to use the current gyro position and where it wants to point to determine how to set the motor power.  </a:t>
+            </a:r>
+          </a:p>
+          <a:p>
+            <a:r>
+              <a:rPr lang="en-US" smtClean="0"/>
+              <a:t>Note from Construction Mavericks: It's not perfect, but we have had much better success with these blocks than the overshoot-corrected ones.  </a:t>
+            </a:r>
+          </a:p>
+          <a:p>
+            <a:r>
+              <a:rPr lang="en-US" smtClean="0"/>
+              <a:t>Tip from Construction Mavericks: Try to set the outer loop to an infinite loop.  Once the robot settles into place, pick it up and rotate it and watch it try to get back to where it wants to be.</a:t>
+            </a:r>
+            <a:endParaRPr lang="en-US" dirty="0"/>
+          </a:p>
+        </p:txBody>
+      </p:sp>
+      <p:sp>
+        <p:nvSpPr>
+          <p:cNvPr id="4" name="Footer Placeholder 3"/>
+          <p:cNvSpPr>
+            <a:spLocks noGrp="1"/>
+          </p:cNvSpPr>
+          <p:nvPr>
+            <p:ph type="ftr" sz="quarter" idx="11"/>
+          </p:nvPr>
+        </p:nvSpPr>
+        <p:spPr/>
+        <p:txBody>
+          <a:bodyPr/>
+          <a:lstStyle/>
+          <a:p>
+            <a:r>
+              <a:rPr lang="en-US" smtClean="0"/>
+              <a:t>© 2015 EV3Lessons.com, Last edit 11/10/2015</a:t>
+            </a:r>
+            <a:endParaRPr lang="en-US" dirty="0"/>
+          </a:p>
+        </p:txBody>
+      </p:sp>
+      <p:sp>
+        <p:nvSpPr>
+          <p:cNvPr id="5" name="Slide Number Placeholder 4"/>
+          <p:cNvSpPr>
+            <a:spLocks noGrp="1"/>
+          </p:cNvSpPr>
+          <p:nvPr>
+            <p:ph type="sldNum" sz="quarter" idx="12"/>
+          </p:nvPr>
+        </p:nvSpPr>
+        <p:spPr/>
+        <p:txBody>
+          <a:bodyPr/>
+          <a:lstStyle/>
+          <a:p>
+            <a:fld id="{4382A7F7-08BF-4252-8141-63FB96055BBB}" type="slidenum">
+              <a:rPr lang="en-US" smtClean="0"/>
+              <a:pPr/>
+              <a:t>14</a:t>
+            </a:fld>
+            <a:endParaRPr lang="en-US" dirty="0"/>
+          </a:p>
+        </p:txBody>
+      </p:sp>
+      <p:sp>
+        <p:nvSpPr>
           <p:cNvPr id="2" name="Title 1"/>
           <p:cNvSpPr>
             <a:spLocks noGrp="1"/>
@@ -9003,9 +6867,7 @@
             <p:ph type="title"/>
           </p:nvPr>
         </p:nvSpPr>
-        <p:spPr>
-          <a:noFill/>
-        </p:spPr>
+        <p:spPr/>
         <p:txBody>
           <a:bodyPr>
             <a:normAutofit fontScale="90000"/>
@@ -9013,185 +6875,16 @@
           <a:lstStyle/>
           <a:p>
             <a:r>
-              <a:rPr lang="en-US" dirty="0" smtClean="0"/>
+              <a:rPr lang="en-US" smtClean="0"/>
               <a:t>Proportional Gyro Turns</a:t>
             </a:r>
             <a:br>
-              <a:rPr lang="en-US" dirty="0" smtClean="0"/>
+              <a:rPr lang="en-US" smtClean="0"/>
             </a:br>
             <a:r>
-              <a:rPr lang="en-US" sz="3100" dirty="0" smtClean="0"/>
+              <a:rPr lang="en-US" smtClean="0"/>
               <a:t>by The Construction Mavericks</a:t>
             </a:r>
-            <a:endParaRPr lang="en-US" dirty="0"/>
-          </a:p>
-        </p:txBody>
-      </p:sp>
-      <p:sp>
-        <p:nvSpPr>
-          <p:cNvPr id="3" name="Content Placeholder 2"/>
-          <p:cNvSpPr>
-            <a:spLocks noGrp="1"/>
-          </p:cNvSpPr>
-          <p:nvPr>
-            <p:ph idx="1"/>
-          </p:nvPr>
-        </p:nvSpPr>
-        <p:spPr>
-          <a:xfrm>
-            <a:off x="284162" y="1887025"/>
-            <a:ext cx="8574087" cy="4373563"/>
-          </a:xfrm>
-        </p:spPr>
-        <p:txBody>
-          <a:bodyPr>
-            <a:normAutofit fontScale="85000" lnSpcReduction="10000"/>
-          </a:bodyPr>
-          <a:lstStyle/>
-          <a:p>
-            <a:pPr marL="342900" indent="-342900">
-              <a:buFont typeface="Arial"/>
-              <a:buChar char="•"/>
-            </a:pPr>
-            <a:r>
-              <a:rPr lang="en-US" b="0" dirty="0" smtClean="0"/>
-              <a:t>The </a:t>
-            </a:r>
-            <a:r>
-              <a:rPr lang="en-US" dirty="0" smtClean="0"/>
-              <a:t>remainder of this lesson is a contribution by The Construction Mavericks.</a:t>
-            </a:r>
-          </a:p>
-          <a:p>
-            <a:pPr marL="342900" indent="-342900">
-              <a:buFont typeface="Arial"/>
-              <a:buChar char="•"/>
-            </a:pPr>
-            <a:r>
-              <a:rPr lang="en-US" b="0" dirty="0" smtClean="0"/>
-              <a:t>This </a:t>
-            </a:r>
-            <a:r>
-              <a:rPr lang="en-US" b="0" dirty="0" smtClean="0"/>
-              <a:t>method improves over the simple overshoot correction mechanism from earlier by using proportional control</a:t>
-            </a:r>
-          </a:p>
-          <a:p>
-            <a:pPr marL="803275" lvl="1" indent="-342900">
-              <a:buFont typeface="Arial"/>
-              <a:buChar char="•"/>
-            </a:pPr>
-            <a:r>
-              <a:rPr lang="en-US" dirty="0" smtClean="0"/>
-              <a:t>If you are unfamiliar with proportional control, please see the advanced lesson on proportional control before continuing.</a:t>
-            </a:r>
-            <a:endParaRPr lang="en-US" dirty="0"/>
-          </a:p>
-          <a:p>
-            <a:pPr marL="803275" lvl="1" indent="-342900">
-              <a:buFont typeface="Arial"/>
-              <a:buChar char="•"/>
-            </a:pPr>
-            <a:r>
-              <a:rPr lang="en-US" dirty="0" smtClean="0"/>
-              <a:t>The basic idea is to use </a:t>
-            </a:r>
-            <a:r>
-              <a:rPr lang="en-US" b="0" dirty="0" smtClean="0"/>
-              <a:t>the </a:t>
-            </a:r>
-            <a:r>
-              <a:rPr lang="en-US" b="0" dirty="0"/>
-              <a:t>current gyro position and where it wants to point to determine how to set the motor power.  </a:t>
-            </a:r>
-            <a:endParaRPr lang="en-US" b="0" dirty="0" smtClean="0"/>
-          </a:p>
-          <a:p>
-            <a:pPr marL="342900" indent="-342900">
-              <a:buFont typeface="Arial"/>
-              <a:buChar char="•"/>
-            </a:pPr>
-            <a:r>
-              <a:rPr lang="en-US" b="0" dirty="0" smtClean="0"/>
-              <a:t>Note from Construction Mavericks: It's </a:t>
-            </a:r>
-            <a:r>
-              <a:rPr lang="en-US" b="0" dirty="0"/>
-              <a:t>not perfect, but we have had much better success with these blocks than the </a:t>
-            </a:r>
-            <a:r>
-              <a:rPr lang="en-US" b="0" dirty="0" smtClean="0"/>
-              <a:t>overshoot</a:t>
-            </a:r>
-            <a:r>
-              <a:rPr lang="en-US" b="0" dirty="0"/>
-              <a:t>-corrected ones.  </a:t>
-            </a:r>
-            <a:endParaRPr lang="en-US" b="0" dirty="0" smtClean="0"/>
-          </a:p>
-          <a:p>
-            <a:pPr marL="342900" indent="-342900">
-              <a:buFont typeface="Arial"/>
-              <a:buChar char="•"/>
-            </a:pPr>
-            <a:r>
-              <a:rPr lang="en-US" b="0" dirty="0" smtClean="0"/>
-              <a:t>Tip from Construction Mavericks: Try to set </a:t>
-            </a:r>
-            <a:r>
-              <a:rPr lang="en-US" b="0" dirty="0"/>
-              <a:t>the outer loop to an infinite loop.  Once the robot settles into place, pick it up and rotate it and watch it try to get back to where it wants to be</a:t>
-            </a:r>
-            <a:r>
-              <a:rPr lang="en-US" b="0" dirty="0" smtClean="0"/>
-              <a:t>.</a:t>
-            </a:r>
-            <a:endParaRPr lang="en-US" b="0" dirty="0"/>
-          </a:p>
-        </p:txBody>
-      </p:sp>
-      <p:sp>
-        <p:nvSpPr>
-          <p:cNvPr id="4" name="Footer Placeholder 3"/>
-          <p:cNvSpPr>
-            <a:spLocks noGrp="1"/>
-          </p:cNvSpPr>
-          <p:nvPr>
-            <p:ph type="ftr" sz="quarter" idx="11"/>
-          </p:nvPr>
-        </p:nvSpPr>
-        <p:spPr/>
-        <p:txBody>
-          <a:bodyPr/>
-          <a:lstStyle/>
-          <a:p>
-            <a:r>
-              <a:rPr lang="en-US" dirty="0" smtClean="0"/>
-              <a:t>© 2015 EV3Lessons.com, Last edit 11/10/2015</a:t>
-            </a:r>
-            <a:endParaRPr lang="en-US" dirty="0"/>
-          </a:p>
-        </p:txBody>
-      </p:sp>
-      <p:sp>
-        <p:nvSpPr>
-          <p:cNvPr id="5" name="Slide Number Placeholder 4"/>
-          <p:cNvSpPr>
-            <a:spLocks noGrp="1"/>
-          </p:cNvSpPr>
-          <p:nvPr>
-            <p:ph type="sldNum" sz="quarter" idx="12"/>
-          </p:nvPr>
-        </p:nvSpPr>
-        <p:spPr/>
-        <p:txBody>
-          <a:bodyPr/>
-          <a:lstStyle/>
-          <a:p>
-            <a:fld id="{4382A7F7-08BF-4252-8141-63FB96055BBB}" type="slidenum">
-              <a:rPr lang="en-US" smtClean="0"/>
-              <a:t>14</a:t>
-            </a:fld>
             <a:endParaRPr lang="en-US" dirty="0"/>
           </a:p>
         </p:txBody>
@@ -9235,29 +6928,6 @@
       </p:grpSpPr>
       <p:sp>
         <p:nvSpPr>
-          <p:cNvPr id="2" name="Title 1"/>
-          <p:cNvSpPr>
-            <a:spLocks noGrp="1"/>
-          </p:cNvSpPr>
-          <p:nvPr>
-            <p:ph type="title"/>
-          </p:nvPr>
-        </p:nvSpPr>
-        <p:spPr/>
-        <p:txBody>
-          <a:bodyPr/>
-          <a:lstStyle/>
-          <a:p>
-            <a:r>
-              <a:rPr lang="en-US" dirty="0" smtClean="0"/>
-              <a:t>Sample: Proportional Gyro Right Turn</a:t>
-            </a:r>
-            <a:endParaRPr lang="en-US" dirty="0"/>
-          </a:p>
-        </p:txBody>
-      </p:sp>
-      <p:sp>
-        <p:nvSpPr>
           <p:cNvPr id="3" name="Content Placeholder 2"/>
           <p:cNvSpPr>
             <a:spLocks noGrp="1"/>
@@ -9372,7 +7042,6 @@
               <a:rPr lang="en-US" dirty="0"/>
               <a:t> Repeat for the specified duration</a:t>
             </a:r>
-            <a:endParaRPr lang="en-US" dirty="0"/>
           </a:p>
         </p:txBody>
       </p:sp>
@@ -9418,6 +7087,29 @@
               <a:rPr lang="en-US" smtClean="0"/>
               <a:t>15</a:t>
             </a:fld>
+            <a:endParaRPr lang="en-US" dirty="0"/>
+          </a:p>
+        </p:txBody>
+      </p:sp>
+      <p:sp>
+        <p:nvSpPr>
+          <p:cNvPr id="2" name="Title 1"/>
+          <p:cNvSpPr>
+            <a:spLocks noGrp="1"/>
+          </p:cNvSpPr>
+          <p:nvPr>
+            <p:ph type="title"/>
+          </p:nvPr>
+        </p:nvSpPr>
+        <p:spPr/>
+        <p:txBody>
+          <a:bodyPr/>
+          <a:lstStyle/>
+          <a:p>
+            <a:r>
+              <a:rPr lang="en-US" dirty="0" smtClean="0"/>
+              <a:t>Sample: Proportional Gyro Right Turn</a:t>
+            </a:r>
             <a:endParaRPr lang="en-US" dirty="0"/>
           </a:p>
         </p:txBody>
@@ -9459,81 +7151,6 @@
           <a:chExt cx="0" cy="0"/>
         </a:xfrm>
       </p:grpSpPr>
-      <p:sp>
-        <p:nvSpPr>
-          <p:cNvPr id="2" name="Title 1"/>
-          <p:cNvSpPr>
-            <a:spLocks noGrp="1"/>
-          </p:cNvSpPr>
-          <p:nvPr>
-            <p:ph type="title"/>
-          </p:nvPr>
-        </p:nvSpPr>
-        <p:spPr>
-          <a:noFill/>
-        </p:spPr>
-        <p:txBody>
-          <a:bodyPr/>
-          <a:lstStyle/>
-          <a:p>
-            <a:r>
-              <a:rPr lang="en-US" dirty="0"/>
-              <a:t> Proportional Right </a:t>
-            </a:r>
-            <a:r>
-              <a:rPr lang="en-US" dirty="0" smtClean="0"/>
-              <a:t>Turn</a:t>
-            </a:r>
-            <a:endParaRPr lang="en-US" dirty="0"/>
-          </a:p>
-        </p:txBody>
-      </p:sp>
-      <p:sp>
-        <p:nvSpPr>
-          <p:cNvPr id="4" name="Footer Placeholder 3"/>
-          <p:cNvSpPr>
-            <a:spLocks noGrp="1"/>
-          </p:cNvSpPr>
-          <p:nvPr>
-            <p:ph type="ftr" sz="quarter" idx="11"/>
-          </p:nvPr>
-        </p:nvSpPr>
-        <p:spPr/>
-        <p:txBody>
-          <a:bodyPr/>
-          <a:lstStyle/>
-          <a:p>
-            <a:r>
-              <a:rPr lang="en-US" dirty="0" smtClean="0"/>
-              <a:t>© 2015 EV3Lessons.com, Last edit 11/10/2015</a:t>
-            </a:r>
-            <a:endParaRPr lang="en-US" dirty="0"/>
-          </a:p>
-        </p:txBody>
-      </p:sp>
-      <p:sp>
-        <p:nvSpPr>
-          <p:cNvPr id="3" name="Slide Number Placeholder 2"/>
-          <p:cNvSpPr>
-            <a:spLocks noGrp="1"/>
-          </p:cNvSpPr>
-          <p:nvPr>
-            <p:ph type="sldNum" sz="quarter" idx="12"/>
-          </p:nvPr>
-        </p:nvSpPr>
-        <p:spPr/>
-        <p:txBody>
-          <a:bodyPr/>
-          <a:lstStyle/>
-          <a:p>
-            <a:fld id="{4382A7F7-08BF-4252-8141-63FB96055BBB}" type="slidenum">
-              <a:rPr lang="en-US" smtClean="0"/>
-              <a:t>16</a:t>
-            </a:fld>
-            <a:endParaRPr lang="en-US" dirty="0"/>
-          </a:p>
-        </p:txBody>
-      </p:sp>
       <p:pic>
         <p:nvPicPr>
           <p:cNvPr id="9" name="Content Placeholder 8" descr="Screen Clipping"/>
@@ -9563,6 +7180,76 @@
           </a:xfrm>
         </p:spPr>
       </p:pic>
+      <p:sp>
+        <p:nvSpPr>
+          <p:cNvPr id="4" name="Footer Placeholder 3"/>
+          <p:cNvSpPr>
+            <a:spLocks noGrp="1"/>
+          </p:cNvSpPr>
+          <p:nvPr>
+            <p:ph type="ftr" sz="quarter" idx="11"/>
+          </p:nvPr>
+        </p:nvSpPr>
+        <p:spPr/>
+        <p:txBody>
+          <a:bodyPr/>
+          <a:lstStyle/>
+          <a:p>
+            <a:r>
+              <a:rPr lang="en-US" smtClean="0"/>
+              <a:t>© 2015 EV3Lessons.com, Last edit 11/10/2015</a:t>
+            </a:r>
+            <a:endParaRPr lang="en-US" dirty="0"/>
+          </a:p>
+        </p:txBody>
+      </p:sp>
+      <p:sp>
+        <p:nvSpPr>
+          <p:cNvPr id="3" name="Slide Number Placeholder 2"/>
+          <p:cNvSpPr>
+            <a:spLocks noGrp="1"/>
+          </p:cNvSpPr>
+          <p:nvPr>
+            <p:ph type="sldNum" sz="quarter" idx="12"/>
+          </p:nvPr>
+        </p:nvSpPr>
+        <p:spPr/>
+        <p:txBody>
+          <a:bodyPr/>
+          <a:lstStyle/>
+          <a:p>
+            <a:fld id="{4382A7F7-08BF-4252-8141-63FB96055BBB}" type="slidenum">
+              <a:rPr lang="en-US" smtClean="0"/>
+              <a:pPr/>
+              <a:t>16</a:t>
+            </a:fld>
+            <a:endParaRPr lang="en-US" dirty="0"/>
+          </a:p>
+        </p:txBody>
+      </p:sp>
+      <p:sp>
+        <p:nvSpPr>
+          <p:cNvPr id="2" name="Title 1"/>
+          <p:cNvSpPr>
+            <a:spLocks noGrp="1"/>
+          </p:cNvSpPr>
+          <p:nvPr>
+            <p:ph type="title"/>
+          </p:nvPr>
+        </p:nvSpPr>
+        <p:spPr/>
+        <p:txBody>
+          <a:bodyPr/>
+          <a:lstStyle/>
+          <a:p>
+            <a:r>
+              <a:rPr lang="en-US" smtClean="0"/>
+              <a:t> Proportional Right Turn</a:t>
+            </a:r>
+            <a:endParaRPr lang="en-US" dirty="0"/>
+          </a:p>
+        </p:txBody>
+      </p:sp>
     </p:spTree>
     <p:extLst>
       <p:ext uri="{BB962C8B-B14F-4D97-AF65-F5344CB8AC3E}">
@@ -9624,31 +7311,29 @@
         </p:blipFill>
         <p:spPr>
           <a:xfrm>
-            <a:off x="284163" y="1795591"/>
+            <a:off x="284163" y="2028409"/>
             <a:ext cx="8574087" cy="3888619"/>
           </a:xfrm>
         </p:spPr>
       </p:pic>
       <p:sp>
         <p:nvSpPr>
-          <p:cNvPr id="2" name="Title 1"/>
-          <p:cNvSpPr>
-            <a:spLocks noGrp="1"/>
-          </p:cNvSpPr>
-          <p:nvPr>
-            <p:ph type="title"/>
-          </p:nvPr>
-        </p:nvSpPr>
-        <p:spPr>
-          <a:noFill/>
-        </p:spPr>
+          <p:cNvPr id="4" name="Footer Placeholder 3"/>
+          <p:cNvSpPr>
+            <a:spLocks noGrp="1"/>
+          </p:cNvSpPr>
+          <p:nvPr>
+            <p:ph type="ftr" sz="quarter" idx="11"/>
+          </p:nvPr>
+        </p:nvSpPr>
+        <p:spPr/>
         <p:txBody>
           <a:bodyPr/>
           <a:lstStyle/>
           <a:p>
             <a:r>
-              <a:rPr lang="en-US" dirty="0" smtClean="0"/>
-              <a:t>Proportional Left Turn </a:t>
+              <a:rPr lang="en-US" smtClean="0"/>
+              <a:t>© 2015 EV3Lessons.com, Last edit 11/10/2015</a:t>
             </a:r>
             <a:endParaRPr lang="en-US" dirty="0"/>
           </a:p>
@@ -9671,8 +7356,32 @@
           <a:p>
             <a:fld id="{4382A7F7-08BF-4252-8141-63FB96055BBB}" type="slidenum">
               <a:rPr lang="en-US" smtClean="0"/>
+              <a:pPr/>
               <a:t>17</a:t>
             </a:fld>
+            <a:endParaRPr lang="en-US" dirty="0"/>
+          </a:p>
+        </p:txBody>
+      </p:sp>
+      <p:sp>
+        <p:nvSpPr>
+          <p:cNvPr id="2" name="Title 1"/>
+          <p:cNvSpPr>
+            <a:spLocks noGrp="1"/>
+          </p:cNvSpPr>
+          <p:nvPr>
+            <p:ph type="title"/>
+          </p:nvPr>
+        </p:nvSpPr>
+        <p:spPr/>
+        <p:txBody>
+          <a:bodyPr/>
+          <a:lstStyle/>
+          <a:p>
+            <a:r>
+              <a:rPr lang="en-US" smtClean="0"/>
+              <a:t>Proportional Left Turn </a:t>
+            </a:r>
             <a:endParaRPr lang="en-US" dirty="0"/>
           </a:p>
         </p:txBody>
@@ -9966,34 +7675,6 @@
           </a:p>
         </p:txBody>
       </p:sp>
-      <p:sp>
-        <p:nvSpPr>
-          <p:cNvPr id="4" name="Footer Placeholder 3"/>
-          <p:cNvSpPr>
-            <a:spLocks noGrp="1"/>
-          </p:cNvSpPr>
-          <p:nvPr>
-            <p:ph type="ftr" sz="quarter" idx="11"/>
-          </p:nvPr>
-        </p:nvSpPr>
-        <p:spPr>
-          <a:xfrm>
-            <a:off x="82935" y="6734537"/>
-            <a:ext cx="6124902" cy="133216"/>
-          </a:xfrm>
-        </p:spPr>
-        <p:txBody>
-          <a:bodyPr/>
-          <a:lstStyle/>
-          <a:p>
-            <a:r>
-              <a:rPr lang="en-US" dirty="0" smtClean="0"/>
-              <a:t>© 2015 EV3Lessons.com, Last edit 11/10/2015</a:t>
-            </a:r>
-            <a:endParaRPr lang="en-US" dirty="0"/>
-          </a:p>
-        </p:txBody>
-      </p:sp>
     </p:spTree>
     <p:extLst>
       <p:ext uri="{BB962C8B-B14F-4D97-AF65-F5344CB8AC3E}">
@@ -10033,135 +7714,67 @@
       </p:grpSpPr>
       <p:sp>
         <p:nvSpPr>
-          <p:cNvPr id="2" name="Title 1"/>
-          <p:cNvSpPr>
-            <a:spLocks noGrp="1"/>
-          </p:cNvSpPr>
-          <p:nvPr>
-            <p:ph type="title"/>
-          </p:nvPr>
-        </p:nvSpPr>
-        <p:spPr>
-          <a:noFill/>
-        </p:spPr>
+          <p:cNvPr id="3" name="Content Placeholder 2"/>
+          <p:cNvSpPr>
+            <a:spLocks noGrp="1"/>
+          </p:cNvSpPr>
+          <p:nvPr>
+            <p:ph idx="1"/>
+          </p:nvPr>
+        </p:nvSpPr>
+        <p:spPr/>
         <p:txBody>
           <a:bodyPr/>
           <a:lstStyle/>
           <a:p>
-            <a:r>
-              <a:rPr lang="en-US" dirty="0" smtClean="0">
-                <a:latin typeface="+mn-lt"/>
-              </a:rPr>
-              <a:t>Discussion</a:t>
-            </a:r>
-            <a:endParaRPr lang="en-US" dirty="0">
-              <a:latin typeface="+mn-lt"/>
-            </a:endParaRPr>
-          </a:p>
-        </p:txBody>
-      </p:sp>
-      <p:sp>
-        <p:nvSpPr>
-          <p:cNvPr id="3" name="Content Placeholder 2"/>
-          <p:cNvSpPr>
-            <a:spLocks noGrp="1"/>
-          </p:cNvSpPr>
-          <p:nvPr>
-            <p:ph idx="1"/>
-          </p:nvPr>
-        </p:nvSpPr>
-        <p:spPr>
-          <a:xfrm>
-            <a:off x="284162" y="1915912"/>
-            <a:ext cx="8574087" cy="3581400"/>
-          </a:xfrm>
-        </p:spPr>
-        <p:txBody>
-          <a:bodyPr>
-            <a:normAutofit/>
-          </a:bodyPr>
-          <a:lstStyle/>
-          <a:p>
-            <a:pPr marL="457200" lvl="1">
-              <a:spcBef>
-                <a:spcPts val="2000"/>
-              </a:spcBef>
-              <a:buClr>
-                <a:schemeClr val="bg1">
-                  <a:lumMod val="65000"/>
-                </a:schemeClr>
-              </a:buClr>
-              <a:buFont typeface="+mj-lt"/>
-              <a:buAutoNum type="arabicPeriod"/>
-            </a:pPr>
-            <a:r>
-              <a:rPr lang="en-US" dirty="0" smtClean="0">
-                <a:solidFill>
-                  <a:srgbClr val="FF0000"/>
-                </a:solidFill>
-              </a:rPr>
+            <a:pPr lvl="1"/>
+            <a:r>
+              <a:rPr lang="en-US" smtClean="0"/>
               <a:t>What is gyro lag?</a:t>
             </a:r>
             <a:br>
-              <a:rPr lang="en-US" dirty="0" smtClean="0">
-                <a:solidFill>
-                  <a:srgbClr val="FF0000"/>
-                </a:solidFill>
-              </a:rPr>
+              <a:rPr lang="en-US" smtClean="0"/>
             </a:br>
             <a:r>
-              <a:rPr lang="en-US" dirty="0" smtClean="0"/>
+              <a:rPr lang="en-US" smtClean="0"/>
               <a:t>Ans. The gyro sensor’s reading lags behind the true reading</a:t>
             </a:r>
+          </a:p>
+          <a:p>
+            <a:pPr lvl="1"/>
+            <a:r>
+              <a:rPr lang="en-US" smtClean="0"/>
+              <a:t>What is the difference between the two solutions presented in this lesson?</a:t>
+            </a:r>
+            <a:br>
+              <a:rPr lang="en-US" smtClean="0"/>
+            </a:br>
+            <a:r>
+              <a:rPr lang="en-US" smtClean="0"/>
+              <a:t>Ans. The first way was to reduce the amount of angle that you turn to compensate for lag. The second way was to use proportional control to continue performing your turn for a requested duration</a:t>
+            </a:r>
             <a:endParaRPr lang="en-US" dirty="0"/>
           </a:p>
-          <a:p>
-            <a:pPr marL="457200" lvl="1">
-              <a:spcBef>
-                <a:spcPts val="2000"/>
-              </a:spcBef>
-              <a:buClr>
-                <a:schemeClr val="bg1">
-                  <a:lumMod val="65000"/>
-                </a:schemeClr>
-              </a:buClr>
-              <a:buFont typeface="+mj-lt"/>
-              <a:buAutoNum type="arabicPeriod"/>
-            </a:pPr>
-            <a:r>
-              <a:rPr lang="en-US" dirty="0" smtClean="0">
-                <a:solidFill>
-                  <a:srgbClr val="FF0000"/>
-                </a:solidFill>
-              </a:rPr>
-              <a:t>What is the difference between the two solutions presented in this lesson?</a:t>
-            </a:r>
-            <a:br>
-              <a:rPr lang="en-US" dirty="0" smtClean="0">
-                <a:solidFill>
-                  <a:srgbClr val="FF0000"/>
-                </a:solidFill>
-              </a:rPr>
-            </a:br>
-            <a:r>
-              <a:rPr lang="en-US" dirty="0" smtClean="0"/>
-              <a:t>Ans. The first way was to reduce </a:t>
-            </a:r>
-            <a:r>
-              <a:rPr lang="en-US" dirty="0"/>
-              <a:t>the amount of angle that you turn to compensate for </a:t>
-            </a:r>
-            <a:r>
-              <a:rPr lang="en-US" dirty="0" smtClean="0"/>
-              <a:t>lag. The second way was to use </a:t>
-            </a:r>
-            <a:r>
-              <a:rPr lang="en-US" dirty="0"/>
-              <a:t>proportional control to continue performing your turn for a requested </a:t>
-            </a:r>
-            <a:r>
-              <a:rPr lang="en-US" dirty="0" smtClean="0"/>
-              <a:t>duration</a:t>
+        </p:txBody>
+      </p:sp>
+      <p:sp>
+        <p:nvSpPr>
+          <p:cNvPr id="4" name="Footer Placeholder 3"/>
+          <p:cNvSpPr>
+            <a:spLocks noGrp="1"/>
+          </p:cNvSpPr>
+          <p:nvPr>
+            <p:ph type="ftr" sz="quarter" idx="11"/>
+          </p:nvPr>
+        </p:nvSpPr>
+        <p:spPr/>
+        <p:txBody>
+          <a:bodyPr/>
+          <a:lstStyle/>
+          <a:p>
+            <a:r>
+              <a:rPr lang="en-US" smtClean="0"/>
+              <a:t>© 2015 EV3Lessons.com, Last edit 11/10/2015</a:t>
             </a:r>
             <a:endParaRPr lang="en-US" dirty="0"/>
           </a:p>
@@ -10169,12 +7782,12 @@
       </p:sp>
       <p:sp>
         <p:nvSpPr>
-          <p:cNvPr id="4" name="Footer Placeholder 3"/>
-          <p:cNvSpPr>
-            <a:spLocks noGrp="1"/>
-          </p:cNvSpPr>
-          <p:nvPr>
-            <p:ph type="ftr" sz="quarter" idx="11"/>
+          <p:cNvPr id="7" name="Slide Number Placeholder 6"/>
+          <p:cNvSpPr>
+            <a:spLocks noGrp="1"/>
+          </p:cNvSpPr>
+          <p:nvPr>
+            <p:ph type="sldNum" sz="quarter" idx="12"/>
           </p:nvPr>
         </p:nvSpPr>
         <p:spPr/>
@@ -10182,33 +7795,34 @@
           <a:bodyPr/>
           <a:lstStyle/>
           <a:p>
-            <a:r>
-              <a:rPr lang="en-US" dirty="0" smtClean="0"/>
-              <a:t>© 2015 EV3Lessons.com, Last edit 11/10/2015</a:t>
-            </a:r>
-            <a:endParaRPr lang="en-US" dirty="0"/>
-          </a:p>
-        </p:txBody>
-      </p:sp>
-      <p:sp>
-        <p:nvSpPr>
-          <p:cNvPr id="7" name="Slide Number Placeholder 6"/>
-          <p:cNvSpPr>
-            <a:spLocks noGrp="1"/>
-          </p:cNvSpPr>
-          <p:nvPr>
-            <p:ph type="sldNum" sz="quarter" idx="12"/>
-          </p:nvPr>
-        </p:nvSpPr>
-        <p:spPr/>
-        <p:txBody>
-          <a:bodyPr/>
-          <a:lstStyle/>
-          <a:p>
             <a:fld id="{4382A7F7-08BF-4252-8141-63FB96055BBB}" type="slidenum">
               <a:rPr lang="en-US" smtClean="0"/>
+              <a:pPr/>
               <a:t>18</a:t>
             </a:fld>
+            <a:endParaRPr lang="en-US" dirty="0"/>
+          </a:p>
+        </p:txBody>
+      </p:sp>
+      <p:sp>
+        <p:nvSpPr>
+          <p:cNvPr id="2" name="Title 1"/>
+          <p:cNvSpPr>
+            <a:spLocks noGrp="1"/>
+          </p:cNvSpPr>
+          <p:nvPr>
+            <p:ph type="title"/>
+          </p:nvPr>
+        </p:nvSpPr>
+        <p:spPr/>
+        <p:txBody>
+          <a:bodyPr/>
+          <a:lstStyle/>
+          <a:p>
+            <a:r>
+              <a:rPr lang="en-US" smtClean="0"/>
+              <a:t>Discussion</a:t>
+            </a:r>
             <a:endParaRPr lang="en-US" dirty="0"/>
           </a:p>
         </p:txBody>
@@ -10260,90 +7874,55 @@
       </p:grpSpPr>
       <p:sp>
         <p:nvSpPr>
-          <p:cNvPr id="2" name="Title 1"/>
-          <p:cNvSpPr>
-            <a:spLocks noGrp="1"/>
-          </p:cNvSpPr>
-          <p:nvPr>
-            <p:ph type="title"/>
-          </p:nvPr>
-        </p:nvSpPr>
-        <p:spPr>
-          <a:noFill/>
-        </p:spPr>
+          <p:cNvPr id="3" name="Content Placeholder 2"/>
+          <p:cNvSpPr>
+            <a:spLocks noGrp="1"/>
+          </p:cNvSpPr>
+          <p:nvPr>
+            <p:ph idx="1"/>
+          </p:nvPr>
+        </p:nvSpPr>
+        <p:spPr/>
         <p:txBody>
           <a:bodyPr/>
           <a:lstStyle/>
           <a:p>
             <a:r>
-              <a:rPr lang="en-US" dirty="0" smtClean="0">
-                <a:latin typeface="+mn-lt"/>
-              </a:rPr>
-              <a:t>Credits</a:t>
-            </a:r>
-            <a:endParaRPr lang="en-US" dirty="0">
-              <a:latin typeface="+mn-lt"/>
-            </a:endParaRPr>
-          </a:p>
-        </p:txBody>
-      </p:sp>
-      <p:sp>
-        <p:nvSpPr>
-          <p:cNvPr id="3" name="Content Placeholder 2"/>
-          <p:cNvSpPr>
-            <a:spLocks noGrp="1"/>
-          </p:cNvSpPr>
-          <p:nvPr>
-            <p:ph idx="1"/>
-          </p:nvPr>
-        </p:nvSpPr>
-        <p:spPr>
-          <a:xfrm>
-            <a:off x="284162" y="1915912"/>
-            <a:ext cx="8574087" cy="3581400"/>
-          </a:xfrm>
-        </p:spPr>
-        <p:txBody>
-          <a:bodyPr>
-            <a:normAutofit/>
-          </a:bodyPr>
-          <a:lstStyle/>
-          <a:p>
-            <a:pPr marL="454025" lvl="1" indent="-454025">
-              <a:spcBef>
-                <a:spcPts val="2000"/>
-              </a:spcBef>
-              <a:buClr>
-                <a:schemeClr val="bg1">
-                  <a:lumMod val="65000"/>
-                </a:schemeClr>
-              </a:buClr>
-            </a:pPr>
-            <a:r>
-              <a:rPr lang="en-US" dirty="0"/>
-              <a:t>This tutorial was </a:t>
+              <a:rPr lang="en-US" smtClean="0"/>
+              <a:t>This tutorial was written by Sanjay </a:t>
+            </a:r>
+            <a:r>
+              <a:rPr lang="en-US" dirty="0" err="1" smtClean="0"/>
+              <a:t>Seshan</a:t>
             </a:r>
             <a:r>
               <a:rPr lang="en-US" dirty="0" smtClean="0"/>
-              <a:t>written by </a:t>
-            </a:r>
-            <a:r>
-              <a:rPr lang="en-US" dirty="0"/>
-              <a:t>Sanjay Seshan and Arvind Seshan from Droids </a:t>
+              <a:t> and Arvind </a:t>
+            </a:r>
+            <a:r>
+              <a:rPr lang="en-US" dirty="0" err="1" smtClean="0"/>
+              <a:t>Seshan</a:t>
             </a:r>
             <a:r>
               <a:rPr lang="en-US" dirty="0" smtClean="0"/>
-              <a:t>Robotics using code shared by The Construction </a:t>
-            </a:r>
-            <a:r>
-              <a:rPr lang="en-US" dirty="0"/>
-              <a:t>Mavericks (http://</a:t>
+              <a:t> from Droids Robotics using code shared by The Construction Mavericks (http://</a:t>
+            </a:r>
+            <a:r>
+              <a:rPr lang="en-US" dirty="0" err="1" smtClean="0"/>
+              <a:t>fllmavericks.wix.com</a:t>
             </a:r>
             <a:r>
               <a:rPr lang="en-US" dirty="0" smtClean="0"/>
-              <a:t>fllmavericks.wix.com/fllmavericks)</a:t>
-            </a:r>
-            <a:endParaRPr lang="en-US" dirty="0"/>
+              <a:t>/</a:t>
+            </a:r>
+            <a:r>
+              <a:rPr lang="en-US" dirty="0" err="1" smtClean="0"/>
+              <a:t>fllmavericks</a:t>
+            </a:r>
+            <a:r>
+              <a:rPr lang="en-US" dirty="0" smtClean="0"/>
+              <a:t>)</a:t>
+            </a:r>
           </a:p>
           <a:p>
             <a:r>
@@ -10370,8 +7949,55 @@
           <a:lstStyle/>
           <a:p>
             <a:r>
-              <a:rPr lang="en-US" dirty="0" smtClean="0"/>
+              <a:rPr lang="en-US" smtClean="0"/>
               <a:t>© 2015 EV3Lessons.com, Last edit 11/10/2015</a:t>
+            </a:r>
+            <a:endParaRPr lang="en-US" dirty="0"/>
+          </a:p>
+        </p:txBody>
+      </p:sp>
+      <p:sp>
+        <p:nvSpPr>
+          <p:cNvPr id="7" name="Slide Number Placeholder 6"/>
+          <p:cNvSpPr>
+            <a:spLocks noGrp="1"/>
+          </p:cNvSpPr>
+          <p:nvPr>
+            <p:ph type="sldNum" sz="quarter" idx="12"/>
+          </p:nvPr>
+        </p:nvSpPr>
+        <p:spPr/>
+        <p:txBody>
+          <a:bodyPr/>
+          <a:lstStyle/>
+          <a:p>
+            <a:fld id="{4382A7F7-08BF-4252-8141-63FB96055BBB}" type="slidenum">
+              <a:rPr lang="en-US" smtClean="0"/>
+              <a:pPr/>
+              <a:t>19</a:t>
+            </a:fld>
+            <a:endParaRPr lang="en-US"/>
+          </a:p>
+        </p:txBody>
+      </p:sp>
+      <p:sp>
+        <p:nvSpPr>
+          <p:cNvPr id="2" name="Title 1"/>
+          <p:cNvSpPr>
+            <a:spLocks noGrp="1"/>
+          </p:cNvSpPr>
+          <p:nvPr>
+            <p:ph type="title"/>
+          </p:nvPr>
+        </p:nvSpPr>
+        <p:spPr/>
+        <p:txBody>
+          <a:bodyPr/>
+          <a:lstStyle/>
+          <a:p>
+            <a:r>
+              <a:rPr lang="en-US" smtClean="0"/>
+              <a:t>Credits</a:t>
             </a:r>
             <a:endParaRPr lang="en-US" dirty="0"/>
           </a:p>
@@ -10402,7 +8028,7 @@
           <a:effectLst/>
           <a:extLst>
             <a:ext uri="{91240B29-F687-4f45-9708-019B960494DF}">
-              <a14:hiddenLine xmlns="" xmlns:a14="http://schemas.microsoft.com/office/drawing/2010/main" w="9525">
+              <a14:hiddenLine xmlns:a14="http://schemas.microsoft.com/office/drawing/2010/main" xmlns="" w="9525">
                 <a:solidFill>
                   <a:schemeClr val="tx1"/>
                 </a:solidFill>
@@ -10412,7 +8038,7 @@
               </a14:hiddenLine>
             </a:ext>
             <a:ext uri="{AF507438-7753-43e0-B8FC-AC1667EBCBE1}">
-              <a14:hiddenEffects xmlns="" xmlns:a14="http://schemas.microsoft.com/office/drawing/2010/main">
+              <a14:hiddenEffects xmlns:a14="http://schemas.microsoft.com/office/drawing/2010/main" xmlns="">
                 <a:effectLst>
                   <a:outerShdw dist="35921" dir="2700000" algn="ctr" rotWithShape="0">
                     <a:schemeClr val="bg2"/>
@@ -10765,7 +8391,7 @@
           <a:noFill/>
           <a:extLst>
             <a:ext uri="{909E8E84-426E-40dd-AFC4-6F175D3DCCD1}">
-              <a14:hiddenFill xmlns="" xmlns:a14="http://schemas.microsoft.com/office/drawing/2010/main">
+              <a14:hiddenFill xmlns:a14="http://schemas.microsoft.com/office/drawing/2010/main" xmlns="">
                 <a:solidFill>
                   <a:srgbClr val="FFFFFF"/>
                 </a:solidFill>
@@ -10774,29 +8400,6 @@
           </a:extLst>
         </p:spPr>
       </p:pic>
-      <p:sp>
-        <p:nvSpPr>
-          <p:cNvPr id="7" name="Slide Number Placeholder 6"/>
-          <p:cNvSpPr>
-            <a:spLocks noGrp="1"/>
-          </p:cNvSpPr>
-          <p:nvPr>
-            <p:ph type="sldNum" sz="quarter" idx="12"/>
-          </p:nvPr>
-        </p:nvSpPr>
-        <p:spPr/>
-        <p:txBody>
-          <a:bodyPr/>
-          <a:lstStyle/>
-          <a:p>
-            <a:fld id="{4382A7F7-08BF-4252-8141-63FB96055BBB}" type="slidenum">
-              <a:rPr lang="en-US" smtClean="0"/>
-              <a:t>19</a:t>
-            </a:fld>
-            <a:endParaRPr lang="en-US"/>
-          </a:p>
-        </p:txBody>
-      </p:sp>
     </p:spTree>
     <p:extLst>
       <p:ext uri="{BB962C8B-B14F-4D97-AF65-F5344CB8AC3E}">
@@ -10844,29 +8447,6 @@
       </p:grpSpPr>
       <p:sp>
         <p:nvSpPr>
-          <p:cNvPr id="2" name="Title 1"/>
-          <p:cNvSpPr>
-            <a:spLocks noGrp="1"/>
-          </p:cNvSpPr>
-          <p:nvPr>
-            <p:ph type="title"/>
-          </p:nvPr>
-        </p:nvSpPr>
-        <p:spPr/>
-        <p:txBody>
-          <a:bodyPr/>
-          <a:lstStyle/>
-          <a:p>
-            <a:r>
-              <a:rPr lang="en-US" dirty="0" smtClean="0"/>
-              <a:t>Lesson Objectives</a:t>
-            </a:r>
-            <a:endParaRPr lang="en-US" dirty="0"/>
-          </a:p>
-        </p:txBody>
-      </p:sp>
-      <p:sp>
-        <p:nvSpPr>
           <p:cNvPr id="3" name="Content Placeholder 2"/>
           <p:cNvSpPr>
             <a:spLocks noGrp="1"/>
@@ -10966,6 +8546,29 @@
               <a:pPr/>
               <a:t>2</a:t>
             </a:fld>
+            <a:endParaRPr lang="en-US" dirty="0"/>
+          </a:p>
+        </p:txBody>
+      </p:sp>
+      <p:sp>
+        <p:nvSpPr>
+          <p:cNvPr id="2" name="Title 1"/>
+          <p:cNvSpPr>
+            <a:spLocks noGrp="1"/>
+          </p:cNvSpPr>
+          <p:nvPr>
+            <p:ph type="title"/>
+          </p:nvPr>
+        </p:nvSpPr>
+        <p:spPr/>
+        <p:txBody>
+          <a:bodyPr/>
+          <a:lstStyle/>
+          <a:p>
+            <a:r>
+              <a:rPr lang="en-US" dirty="0" smtClean="0"/>
+              <a:t>Lesson Objectives</a:t>
+            </a:r>
             <a:endParaRPr lang="en-US" dirty="0"/>
           </a:p>
         </p:txBody>
@@ -11009,29 +8612,6 @@
       </p:grpSpPr>
       <p:sp>
         <p:nvSpPr>
-          <p:cNvPr id="2" name="Title 1"/>
-          <p:cNvSpPr>
-            <a:spLocks noGrp="1"/>
-          </p:cNvSpPr>
-          <p:nvPr>
-            <p:ph type="title"/>
-          </p:nvPr>
-        </p:nvSpPr>
-        <p:spPr/>
-        <p:txBody>
-          <a:bodyPr/>
-          <a:lstStyle/>
-          <a:p>
-            <a:r>
-              <a:rPr lang="en-US" dirty="0" smtClean="0"/>
-              <a:t>Gyro Problem 2: Lag</a:t>
-            </a:r>
-            <a:endParaRPr lang="en-US" dirty="0"/>
-          </a:p>
-        </p:txBody>
-      </p:sp>
-      <p:sp>
-        <p:nvSpPr>
           <p:cNvPr id="3" name="Content Placeholder 2"/>
           <p:cNvSpPr>
             <a:spLocks noGrp="1"/>
@@ -11145,6 +8725,29 @@
               <a:pPr/>
               <a:t>3</a:t>
             </a:fld>
+            <a:endParaRPr lang="en-US" dirty="0"/>
+          </a:p>
+        </p:txBody>
+      </p:sp>
+      <p:sp>
+        <p:nvSpPr>
+          <p:cNvPr id="2" name="Title 1"/>
+          <p:cNvSpPr>
+            <a:spLocks noGrp="1"/>
+          </p:cNvSpPr>
+          <p:nvPr>
+            <p:ph type="title"/>
+          </p:nvPr>
+        </p:nvSpPr>
+        <p:spPr/>
+        <p:txBody>
+          <a:bodyPr/>
+          <a:lstStyle/>
+          <a:p>
+            <a:r>
+              <a:rPr lang="en-US" dirty="0" smtClean="0"/>
+              <a:t>Gyro Problem 2: Lag</a:t>
+            </a:r>
             <a:endParaRPr lang="en-US" dirty="0"/>
           </a:p>
         </p:txBody>
@@ -11186,83 +8789,6 @@
           <a:chExt cx="0" cy="0"/>
         </a:xfrm>
       </p:grpSpPr>
-      <p:sp>
-        <p:nvSpPr>
-          <p:cNvPr id="2" name="Title 1"/>
-          <p:cNvSpPr>
-            <a:spLocks noGrp="1"/>
-          </p:cNvSpPr>
-          <p:nvPr>
-            <p:ph type="title"/>
-          </p:nvPr>
-        </p:nvSpPr>
-        <p:spPr/>
-        <p:txBody>
-          <a:bodyPr/>
-          <a:lstStyle/>
-          <a:p>
-            <a:r>
-              <a:rPr lang="en-US" dirty="0" smtClean="0"/>
-              <a:t>Change Mode in Wait </a:t>
-            </a:r>
-            <a:r>
-              <a:rPr lang="en-US" dirty="0"/>
-              <a:t>B</a:t>
-            </a:r>
-            <a:r>
-              <a:rPr lang="en-US" dirty="0" smtClean="0"/>
-              <a:t>lock</a:t>
-            </a:r>
-            <a:endParaRPr lang="en-US" dirty="0"/>
-          </a:p>
-        </p:txBody>
-      </p:sp>
-      <p:sp>
-        <p:nvSpPr>
-          <p:cNvPr id="4" name="Footer Placeholder 3"/>
-          <p:cNvSpPr>
-            <a:spLocks noGrp="1"/>
-          </p:cNvSpPr>
-          <p:nvPr>
-            <p:ph type="ftr" sz="quarter" idx="11"/>
-          </p:nvPr>
-        </p:nvSpPr>
-        <p:spPr/>
-        <p:txBody>
-          <a:bodyPr/>
-          <a:lstStyle/>
-          <a:p>
-            <a:r>
-              <a:rPr lang="en-US" smtClean="0"/>
-              <a:t>© 2015 EV3Lessons.com, Last edit 11/10/2015</a:t>
-            </a:r>
-            <a:endParaRPr lang="en-US"/>
-          </a:p>
-        </p:txBody>
-      </p:sp>
-      <p:sp>
-        <p:nvSpPr>
-          <p:cNvPr id="5" name="Slide Number Placeholder 4"/>
-          <p:cNvSpPr>
-            <a:spLocks noGrp="1"/>
-          </p:cNvSpPr>
-          <p:nvPr>
-            <p:ph type="sldNum" sz="quarter" idx="12"/>
-          </p:nvPr>
-        </p:nvSpPr>
-        <p:spPr/>
-        <p:txBody>
-          <a:bodyPr/>
-          <a:lstStyle/>
-          <a:p>
-            <a:fld id="{4382A7F7-08BF-4252-8141-63FB96055BBB}" type="slidenum">
-              <a:rPr lang="en-US" smtClean="0"/>
-              <a:t>4</a:t>
-            </a:fld>
-            <a:endParaRPr lang="en-US"/>
-          </a:p>
-        </p:txBody>
-      </p:sp>
       <p:pic>
         <p:nvPicPr>
           <p:cNvPr id="6" name="Content Placeholder 5" descr="Screen Clipping"/>
@@ -11294,6 +8820,83 @@
           </a:prstGeom>
         </p:spPr>
       </p:pic>
+      <p:sp>
+        <p:nvSpPr>
+          <p:cNvPr id="4" name="Footer Placeholder 3"/>
+          <p:cNvSpPr>
+            <a:spLocks noGrp="1"/>
+          </p:cNvSpPr>
+          <p:nvPr>
+            <p:ph type="ftr" sz="quarter" idx="11"/>
+          </p:nvPr>
+        </p:nvSpPr>
+        <p:spPr/>
+        <p:txBody>
+          <a:bodyPr/>
+          <a:lstStyle/>
+          <a:p>
+            <a:r>
+              <a:rPr lang="en-US" smtClean="0"/>
+              <a:t>© 2015 EV3Lessons.com, Last edit 11/10/2015</a:t>
+            </a:r>
+            <a:endParaRPr lang="en-US"/>
+          </a:p>
+        </p:txBody>
+      </p:sp>
+      <p:sp>
+        <p:nvSpPr>
+          <p:cNvPr id="5" name="Slide Number Placeholder 4"/>
+          <p:cNvSpPr>
+            <a:spLocks noGrp="1"/>
+          </p:cNvSpPr>
+          <p:nvPr>
+            <p:ph type="sldNum" sz="quarter" idx="12"/>
+          </p:nvPr>
+        </p:nvSpPr>
+        <p:spPr/>
+        <p:txBody>
+          <a:bodyPr/>
+          <a:lstStyle/>
+          <a:p>
+            <a:fld id="{4382A7F7-08BF-4252-8141-63FB96055BBB}" type="slidenum">
+              <a:rPr lang="en-US" smtClean="0"/>
+              <a:t>4</a:t>
+            </a:fld>
+            <a:endParaRPr lang="en-US"/>
+          </a:p>
+        </p:txBody>
+      </p:sp>
+      <p:sp>
+        <p:nvSpPr>
+          <p:cNvPr id="2" name="Title 1"/>
+          <p:cNvSpPr>
+            <a:spLocks noGrp="1"/>
+          </p:cNvSpPr>
+          <p:nvPr>
+            <p:ph type="title"/>
+          </p:nvPr>
+        </p:nvSpPr>
+        <p:spPr/>
+        <p:txBody>
+          <a:bodyPr/>
+          <a:lstStyle/>
+          <a:p>
+            <a:r>
+              <a:rPr lang="en-US" dirty="0" smtClean="0"/>
+              <a:t>Change Mode in Wait </a:t>
+            </a:r>
+            <a:r>
+              <a:rPr lang="en-US" dirty="0"/>
+              <a:t>B</a:t>
+            </a:r>
+            <a:r>
+              <a:rPr lang="en-US" dirty="0" smtClean="0"/>
+              <a:t>lock</a:t>
+            </a:r>
+            <a:endParaRPr lang="en-US" dirty="0"/>
+          </a:p>
+        </p:txBody>
+      </p:sp>
       <p:pic>
         <p:nvPicPr>
           <p:cNvPr id="8" name="Picture 7" descr="LEGO MINDSTORMS Education EV3 Teacher Edition"/>
@@ -11331,7 +8934,7 @@
         </p:nvSpPr>
         <p:spPr>
           <a:xfrm>
-            <a:off x="355600" y="2082800"/>
+            <a:off x="199698" y="1912717"/>
             <a:ext cx="5445760" cy="4524315"/>
           </a:xfrm>
           <a:prstGeom prst="rect">
@@ -11529,29 +9132,6 @@
       </p:grpSpPr>
       <p:sp>
         <p:nvSpPr>
-          <p:cNvPr id="2" name="Title 1"/>
-          <p:cNvSpPr>
-            <a:spLocks noGrp="1"/>
-          </p:cNvSpPr>
-          <p:nvPr>
-            <p:ph type="title"/>
-          </p:nvPr>
-        </p:nvSpPr>
-        <p:spPr/>
-        <p:txBody>
-          <a:bodyPr/>
-          <a:lstStyle/>
-          <a:p>
-            <a:r>
-              <a:rPr lang="en-US" dirty="0" smtClean="0"/>
-              <a:t>Gyro Turn in Four Easy Steps</a:t>
-            </a:r>
-            <a:endParaRPr lang="en-US" dirty="0"/>
-          </a:p>
-        </p:txBody>
-      </p:sp>
-      <p:sp>
-        <p:nvSpPr>
           <p:cNvPr id="3" name="Content Placeholder 2"/>
           <p:cNvSpPr>
             <a:spLocks noGrp="1"/>
@@ -11687,6 +9267,29 @@
               <a:rPr lang="en-US" smtClean="0"/>
               <a:t>5</a:t>
             </a:fld>
+            <a:endParaRPr lang="en-US" dirty="0"/>
+          </a:p>
+        </p:txBody>
+      </p:sp>
+      <p:sp>
+        <p:nvSpPr>
+          <p:cNvPr id="2" name="Title 1"/>
+          <p:cNvSpPr>
+            <a:spLocks noGrp="1"/>
+          </p:cNvSpPr>
+          <p:nvPr>
+            <p:ph type="title"/>
+          </p:nvPr>
+        </p:nvSpPr>
+        <p:spPr/>
+        <p:txBody>
+          <a:bodyPr/>
+          <a:lstStyle/>
+          <a:p>
+            <a:r>
+              <a:rPr lang="en-US" dirty="0" smtClean="0"/>
+              <a:t>Gyro Turn in Four Easy Steps</a:t>
+            </a:r>
             <a:endParaRPr lang="en-US" dirty="0"/>
           </a:p>
         </p:txBody>
@@ -11817,36 +9420,41 @@
       </p:grpSpPr>
       <p:sp>
         <p:nvSpPr>
-          <p:cNvPr id="2" name="Title 1"/>
-          <p:cNvSpPr>
-            <a:spLocks noGrp="1"/>
-          </p:cNvSpPr>
-          <p:nvPr>
-            <p:ph type="title"/>
-          </p:nvPr>
-        </p:nvSpPr>
-        <p:spPr>
-          <a:xfrm>
-            <a:off x="641806" y="347227"/>
-            <a:ext cx="8245475" cy="1371600"/>
-          </a:xfrm>
-          <a:noFill/>
-        </p:spPr>
+          <p:cNvPr id="9" name="Content Placeholder 8"/>
+          <p:cNvSpPr>
+            <a:spLocks noGrp="1"/>
+          </p:cNvSpPr>
+          <p:nvPr>
+            <p:ph idx="1"/>
+          </p:nvPr>
+        </p:nvSpPr>
+        <p:spPr/>
         <p:txBody>
           <a:bodyPr/>
           <a:lstStyle/>
           <a:p>
-            <a:r>
-              <a:rPr lang="en-US" dirty="0" smtClean="0"/>
-              <a:t>Step 1: Simple Gyro </a:t>
-            </a:r>
-            <a:r>
-              <a:rPr lang="en-US" dirty="0"/>
-              <a:t>T</a:t>
-            </a:r>
-            <a:r>
-              <a:rPr lang="en-US" dirty="0" smtClean="0"/>
-              <a:t>urn </a:t>
+            <a:endParaRPr lang="en-US"/>
+          </a:p>
+        </p:txBody>
+      </p:sp>
+      <p:sp>
+        <p:nvSpPr>
+          <p:cNvPr id="4" name="Footer Placeholder 3"/>
+          <p:cNvSpPr>
+            <a:spLocks noGrp="1"/>
+          </p:cNvSpPr>
+          <p:nvPr>
+            <p:ph type="ftr" sz="quarter" idx="11"/>
+          </p:nvPr>
+        </p:nvSpPr>
+        <p:spPr/>
+        <p:txBody>
+          <a:bodyPr/>
+          <a:lstStyle/>
+          <a:p>
+            <a:r>
+              <a:rPr lang="en-US" smtClean="0"/>
+              <a:t>© 2015 EV3Lessons.com, Last edit 11/10/2015</a:t>
             </a:r>
             <a:endParaRPr lang="en-US" dirty="0"/>
           </a:p>
@@ -11854,12 +9462,12 @@
       </p:sp>
       <p:sp>
         <p:nvSpPr>
-          <p:cNvPr id="4" name="Footer Placeholder 3"/>
-          <p:cNvSpPr>
-            <a:spLocks noGrp="1"/>
-          </p:cNvSpPr>
-          <p:nvPr>
-            <p:ph type="ftr" sz="quarter" idx="11"/>
+          <p:cNvPr id="3" name="Slide Number Placeholder 2"/>
+          <p:cNvSpPr>
+            <a:spLocks noGrp="1"/>
+          </p:cNvSpPr>
+          <p:nvPr>
+            <p:ph type="sldNum" sz="quarter" idx="12"/>
           </p:nvPr>
         </p:nvSpPr>
         <p:spPr/>
@@ -11867,33 +9475,34 @@
           <a:bodyPr/>
           <a:lstStyle/>
           <a:p>
-            <a:r>
-              <a:rPr lang="en-US" dirty="0" smtClean="0"/>
-              <a:t>© 2015 EV3Lessons.com, Last edit 11/10/2015</a:t>
-            </a:r>
-            <a:endParaRPr lang="en-US" dirty="0"/>
-          </a:p>
-        </p:txBody>
-      </p:sp>
-      <p:sp>
-        <p:nvSpPr>
-          <p:cNvPr id="3" name="Slide Number Placeholder 2"/>
-          <p:cNvSpPr>
-            <a:spLocks noGrp="1"/>
-          </p:cNvSpPr>
-          <p:nvPr>
-            <p:ph type="sldNum" sz="quarter" idx="12"/>
-          </p:nvPr>
-        </p:nvSpPr>
-        <p:spPr/>
-        <p:txBody>
-          <a:bodyPr/>
-          <a:lstStyle/>
-          <a:p>
             <a:fld id="{4382A7F7-08BF-4252-8141-63FB96055BBB}" type="slidenum">
               <a:rPr lang="en-US" smtClean="0"/>
+              <a:pPr/>
               <a:t>6</a:t>
             </a:fld>
+            <a:endParaRPr lang="en-US" dirty="0"/>
+          </a:p>
+        </p:txBody>
+      </p:sp>
+      <p:sp>
+        <p:nvSpPr>
+          <p:cNvPr id="2" name="Title 1"/>
+          <p:cNvSpPr>
+            <a:spLocks noGrp="1"/>
+          </p:cNvSpPr>
+          <p:nvPr>
+            <p:ph type="title"/>
+          </p:nvPr>
+        </p:nvSpPr>
+        <p:spPr/>
+        <p:txBody>
+          <a:bodyPr/>
+          <a:lstStyle/>
+          <a:p>
+            <a:r>
+              <a:rPr lang="en-US" smtClean="0"/>
+              <a:t>Step 1: Simple Gyro Turn </a:t>
+            </a:r>
             <a:endParaRPr lang="en-US" dirty="0"/>
           </a:p>
         </p:txBody>
@@ -11997,28 +9606,22 @@
       </p:pic>
       <p:sp>
         <p:nvSpPr>
-          <p:cNvPr id="2" name="Title 1"/>
-          <p:cNvSpPr>
-            <a:spLocks noGrp="1"/>
-          </p:cNvSpPr>
-          <p:nvPr>
-            <p:ph type="title"/>
-          </p:nvPr>
-        </p:nvSpPr>
-        <p:spPr>
-          <a:xfrm>
-            <a:off x="387791" y="527106"/>
-            <a:ext cx="8245475" cy="997211"/>
-          </a:xfrm>
-          <a:noFill/>
-        </p:spPr>
+          <p:cNvPr id="4" name="Footer Placeholder 3"/>
+          <p:cNvSpPr>
+            <a:spLocks noGrp="1"/>
+          </p:cNvSpPr>
+          <p:nvPr>
+            <p:ph type="ftr" sz="quarter" idx="11"/>
+          </p:nvPr>
+        </p:nvSpPr>
+        <p:spPr/>
         <p:txBody>
           <a:bodyPr/>
           <a:lstStyle/>
           <a:p>
             <a:r>
-              <a:rPr lang="en-US" dirty="0" smtClean="0"/>
-              <a:t>Step 2A: Dealing with Lag</a:t>
+              <a:rPr lang="en-US" smtClean="0"/>
+              <a:t>© 2015 EV3Lessons.com, Last edit 11/10/2015</a:t>
             </a:r>
             <a:endParaRPr lang="en-US" dirty="0"/>
           </a:p>
@@ -12026,12 +9629,12 @@
       </p:sp>
       <p:sp>
         <p:nvSpPr>
-          <p:cNvPr id="4" name="Footer Placeholder 3"/>
-          <p:cNvSpPr>
-            <a:spLocks noGrp="1"/>
-          </p:cNvSpPr>
-          <p:nvPr>
-            <p:ph type="ftr" sz="quarter" idx="11"/>
+          <p:cNvPr id="3" name="Slide Number Placeholder 2"/>
+          <p:cNvSpPr>
+            <a:spLocks noGrp="1"/>
+          </p:cNvSpPr>
+          <p:nvPr>
+            <p:ph type="sldNum" sz="quarter" idx="12"/>
           </p:nvPr>
         </p:nvSpPr>
         <p:spPr/>
@@ -12039,33 +9642,34 @@
           <a:bodyPr/>
           <a:lstStyle/>
           <a:p>
-            <a:r>
-              <a:rPr lang="en-US" dirty="0" smtClean="0"/>
-              <a:t>© 2015 EV3Lessons.com, Last edit 11/10/2015</a:t>
-            </a:r>
-            <a:endParaRPr lang="en-US" dirty="0"/>
-          </a:p>
-        </p:txBody>
-      </p:sp>
-      <p:sp>
-        <p:nvSpPr>
-          <p:cNvPr id="3" name="Slide Number Placeholder 2"/>
-          <p:cNvSpPr>
-            <a:spLocks noGrp="1"/>
-          </p:cNvSpPr>
-          <p:nvPr>
-            <p:ph type="sldNum" sz="quarter" idx="12"/>
-          </p:nvPr>
-        </p:nvSpPr>
-        <p:spPr/>
-        <p:txBody>
-          <a:bodyPr/>
-          <a:lstStyle/>
-          <a:p>
             <a:fld id="{4382A7F7-08BF-4252-8141-63FB96055BBB}" type="slidenum">
               <a:rPr lang="en-US" smtClean="0"/>
+              <a:pPr/>
               <a:t>7</a:t>
             </a:fld>
+            <a:endParaRPr lang="en-US" dirty="0"/>
+          </a:p>
+        </p:txBody>
+      </p:sp>
+      <p:sp>
+        <p:nvSpPr>
+          <p:cNvPr id="2" name="Title 1"/>
+          <p:cNvSpPr>
+            <a:spLocks noGrp="1"/>
+          </p:cNvSpPr>
+          <p:nvPr>
+            <p:ph type="title"/>
+          </p:nvPr>
+        </p:nvSpPr>
+        <p:spPr/>
+        <p:txBody>
+          <a:bodyPr/>
+          <a:lstStyle/>
+          <a:p>
+            <a:r>
+              <a:rPr lang="en-US" smtClean="0"/>
+              <a:t>Step 2A: Dealing with Lag</a:t>
+            </a:r>
             <a:endParaRPr lang="en-US" dirty="0"/>
           </a:p>
         </p:txBody>
@@ -12107,77 +9711,6 @@
           <a:chExt cx="0" cy="0"/>
         </a:xfrm>
       </p:grpSpPr>
-      <p:sp>
-        <p:nvSpPr>
-          <p:cNvPr id="2" name="Title 1"/>
-          <p:cNvSpPr>
-            <a:spLocks noGrp="1"/>
-          </p:cNvSpPr>
-          <p:nvPr>
-            <p:ph type="title"/>
-          </p:nvPr>
-        </p:nvSpPr>
-        <p:spPr/>
-        <p:txBody>
-          <a:bodyPr>
-            <a:normAutofit fontScale="90000"/>
-          </a:bodyPr>
-          <a:lstStyle/>
-          <a:p>
-            <a:r>
-              <a:rPr lang="en-US" dirty="0" smtClean="0"/>
-              <a:t>Step 2B: Automatically Correct for Lag</a:t>
-            </a:r>
-            <a:endParaRPr lang="en-US" dirty="0"/>
-          </a:p>
-        </p:txBody>
-      </p:sp>
-      <p:sp>
-        <p:nvSpPr>
-          <p:cNvPr id="4" name="Footer Placeholder 3"/>
-          <p:cNvSpPr>
-            <a:spLocks noGrp="1"/>
-          </p:cNvSpPr>
-          <p:nvPr>
-            <p:ph type="ftr" sz="quarter" idx="11"/>
-          </p:nvPr>
-        </p:nvSpPr>
-        <p:spPr/>
-        <p:txBody>
-          <a:bodyPr/>
-          <a:lstStyle/>
-          <a:p>
-            <a:r>
-              <a:rPr lang="en-US" smtClean="0"/>
-              <a:t>© 2015 EV3Lessons.com, Last edit 11/10/2015</a:t>
-            </a:r>
-            <a:endParaRPr lang="en-US"/>
-          </a:p>
-        </p:txBody>
-      </p:sp>
-      <p:sp>
-        <p:nvSpPr>
-          <p:cNvPr id="5" name="Slide Number Placeholder 4"/>
-          <p:cNvSpPr>
-            <a:spLocks noGrp="1"/>
-          </p:cNvSpPr>
-          <p:nvPr>
-            <p:ph type="sldNum" sz="quarter" idx="12"/>
-          </p:nvPr>
-        </p:nvSpPr>
-        <p:spPr/>
-        <p:txBody>
-          <a:bodyPr/>
-          <a:lstStyle/>
-          <a:p>
-            <a:fld id="{4382A7F7-08BF-4252-8141-63FB96055BBB}" type="slidenum">
-              <a:rPr lang="en-US" smtClean="0"/>
-              <a:t>8</a:t>
-            </a:fld>
-            <a:endParaRPr lang="en-US"/>
-          </a:p>
-        </p:txBody>
-      </p:sp>
       <p:pic>
         <p:nvPicPr>
           <p:cNvPr id="8" name="Content Placeholder 7" descr="Screen Clipping"/>
@@ -12207,6 +9740,77 @@
           </a:xfrm>
         </p:spPr>
       </p:pic>
+      <p:sp>
+        <p:nvSpPr>
+          <p:cNvPr id="4" name="Footer Placeholder 3"/>
+          <p:cNvSpPr>
+            <a:spLocks noGrp="1"/>
+          </p:cNvSpPr>
+          <p:nvPr>
+            <p:ph type="ftr" sz="quarter" idx="11"/>
+          </p:nvPr>
+        </p:nvSpPr>
+        <p:spPr/>
+        <p:txBody>
+          <a:bodyPr/>
+          <a:lstStyle/>
+          <a:p>
+            <a:r>
+              <a:rPr lang="en-US" smtClean="0"/>
+              <a:t>© 2015 EV3Lessons.com, Last edit 11/10/2015</a:t>
+            </a:r>
+            <a:endParaRPr lang="en-US"/>
+          </a:p>
+        </p:txBody>
+      </p:sp>
+      <p:sp>
+        <p:nvSpPr>
+          <p:cNvPr id="5" name="Slide Number Placeholder 4"/>
+          <p:cNvSpPr>
+            <a:spLocks noGrp="1"/>
+          </p:cNvSpPr>
+          <p:nvPr>
+            <p:ph type="sldNum" sz="quarter" idx="12"/>
+          </p:nvPr>
+        </p:nvSpPr>
+        <p:spPr/>
+        <p:txBody>
+          <a:bodyPr/>
+          <a:lstStyle/>
+          <a:p>
+            <a:fld id="{4382A7F7-08BF-4252-8141-63FB96055BBB}" type="slidenum">
+              <a:rPr lang="en-US" smtClean="0"/>
+              <a:t>8</a:t>
+            </a:fld>
+            <a:endParaRPr lang="en-US"/>
+          </a:p>
+        </p:txBody>
+      </p:sp>
+      <p:sp>
+        <p:nvSpPr>
+          <p:cNvPr id="2" name="Title 1"/>
+          <p:cNvSpPr>
+            <a:spLocks noGrp="1"/>
+          </p:cNvSpPr>
+          <p:nvPr>
+            <p:ph type="title"/>
+          </p:nvPr>
+        </p:nvSpPr>
+        <p:spPr/>
+        <p:txBody>
+          <a:bodyPr>
+            <a:normAutofit/>
+          </a:bodyPr>
+          <a:lstStyle/>
+          <a:p>
+            <a:r>
+              <a:rPr lang="en-US" dirty="0" smtClean="0"/>
+              <a:t>Step 2B: Automatically Correct for Lag</a:t>
+            </a:r>
+            <a:endParaRPr lang="en-US" dirty="0"/>
+          </a:p>
+        </p:txBody>
+      </p:sp>
     </p:spTree>
     <p:extLst>
       <p:ext uri="{BB962C8B-B14F-4D97-AF65-F5344CB8AC3E}">
@@ -12246,6 +9850,52 @@
       </p:grpSpPr>
       <p:sp>
         <p:nvSpPr>
+          <p:cNvPr id="4" name="Footer Placeholder 3"/>
+          <p:cNvSpPr>
+            <a:spLocks noGrp="1"/>
+          </p:cNvSpPr>
+          <p:nvPr>
+            <p:ph type="ftr" sz="quarter" idx="11"/>
+          </p:nvPr>
+        </p:nvSpPr>
+        <p:spPr/>
+        <p:txBody>
+          <a:bodyPr/>
+          <a:lstStyle/>
+          <a:p>
+            <a:r>
+              <a:rPr lang="en-US" dirty="0" smtClean="0"/>
+              <a:t>© 2015 EV3Lessons.com, Last edit 11/10/2015</a:t>
+            </a:r>
+            <a:endParaRPr lang="en-US" dirty="0"/>
+          </a:p>
+        </p:txBody>
+      </p:sp>
+      <p:sp>
+        <p:nvSpPr>
+          <p:cNvPr id="5" name="Slide Number Placeholder 4"/>
+          <p:cNvSpPr>
+            <a:spLocks noGrp="1"/>
+          </p:cNvSpPr>
+          <p:nvPr>
+            <p:ph type="sldNum" sz="quarter" idx="12"/>
+          </p:nvPr>
+        </p:nvSpPr>
+        <p:spPr/>
+        <p:txBody>
+          <a:bodyPr/>
+          <a:lstStyle/>
+          <a:p>
+            <a:fld id="{4382A7F7-08BF-4252-8141-63FB96055BBB}" type="slidenum">
+              <a:rPr lang="en-US" smtClean="0"/>
+              <a:t>9</a:t>
+            </a:fld>
+            <a:endParaRPr lang="en-US" dirty="0"/>
+          </a:p>
+        </p:txBody>
+      </p:sp>
+      <p:sp>
+        <p:nvSpPr>
           <p:cNvPr id="2" name="Title 1"/>
           <p:cNvSpPr>
             <a:spLocks noGrp="1"/>
@@ -12272,29 +9922,6 @@
             <a:r>
               <a:rPr lang="en-US" dirty="0" smtClean="0"/>
               <a:t>A: Create a My Block</a:t>
-            </a:r>
-            <a:endParaRPr lang="en-US" dirty="0"/>
-          </a:p>
-        </p:txBody>
-      </p:sp>
-      <p:sp>
-        <p:nvSpPr>
-          <p:cNvPr id="4" name="Footer Placeholder 3"/>
-          <p:cNvSpPr>
-            <a:spLocks noGrp="1"/>
-          </p:cNvSpPr>
-          <p:nvPr>
-            <p:ph type="ftr" sz="quarter" idx="11"/>
-          </p:nvPr>
-        </p:nvSpPr>
-        <p:spPr/>
-        <p:txBody>
-          <a:bodyPr/>
-          <a:lstStyle/>
-          <a:p>
-            <a:r>
-              <a:rPr lang="en-US" dirty="0" smtClean="0"/>
-              <a:t>© 2015 EV3Lessons.com, Last edit 11/10/2015</a:t>
             </a:r>
             <a:endParaRPr lang="en-US" dirty="0"/>
           </a:p>
@@ -12499,14 +10126,6 @@
           <a:lstStyle/>
           <a:p>
             <a:pPr algn="ctr"/>
-            <a:r>
-              <a:rPr lang="en-US" sz="2800" b="1" dirty="0" smtClean="0">
-                <a:solidFill>
-                  <a:srgbClr val="00B0F0"/>
-                </a:solidFill>
-              </a:rPr>
-              <a:t>A</a:t>
-            </a:r>
             <a:endParaRPr lang="en-US" b="1" dirty="0">
               <a:solidFill>
                 <a:srgbClr val="00B0F0"/>
@@ -12547,24 +10166,39 @@
       </p:pic>
       <p:sp>
         <p:nvSpPr>
-          <p:cNvPr id="5" name="Slide Number Placeholder 4"/>
-          <p:cNvSpPr>
-            <a:spLocks noGrp="1"/>
-          </p:cNvSpPr>
-          <p:nvPr>
-            <p:ph type="sldNum" sz="quarter" idx="12"/>
-          </p:nvPr>
-        </p:nvSpPr>
-        <p:spPr/>
-        <p:txBody>
-          <a:bodyPr/>
-          <a:lstStyle/>
-          <a:p>
-            <a:fld id="{4382A7F7-08BF-4252-8141-63FB96055BBB}" type="slidenum">
-              <a:rPr lang="en-US" smtClean="0"/>
-              <a:t>9</a:t>
-            </a:fld>
-            <a:endParaRPr lang="en-US" dirty="0"/>
+          <p:cNvPr id="10" name="TextBox 9"/>
+          <p:cNvSpPr txBox="1"/>
+          <p:nvPr/>
+        </p:nvSpPr>
+        <p:spPr>
+          <a:xfrm>
+            <a:off x="4415212" y="1785373"/>
+            <a:ext cx="426128" cy="523220"/>
+          </a:xfrm>
+          <a:prstGeom prst="rect">
+            <a:avLst/>
+          </a:prstGeom>
+          <a:noFill/>
+        </p:spPr>
+        <p:txBody>
+          <a:bodyPr wrap="square" rtlCol="0">
+            <a:spAutoFit/>
+          </a:bodyPr>
+          <a:lstStyle/>
+          <a:p>
+            <a:r>
+              <a:rPr lang="en-US" sz="2800" b="1" dirty="0" smtClean="0">
+                <a:solidFill>
+                  <a:srgbClr val="00B0F0"/>
+                </a:solidFill>
+              </a:rPr>
+              <a:t>A</a:t>
+            </a:r>
+            <a:endParaRPr lang="en-US" sz="2800" b="1" dirty="0">
+              <a:solidFill>
+                <a:srgbClr val="00B0F0"/>
+              </a:solidFill>
+            </a:endParaRPr>
           </a:p>
         </p:txBody>
       </p:sp>
@@ -12589,7 +10223,7 @@
 </file>
 
 <file path=ppt/theme/theme1.xml><?xml version="1.0" encoding="utf-8"?>
-<a:theme xmlns:a="http://schemas.openxmlformats.org/drawingml/2006/main" name="Spectrum">
+<a:theme xmlns:a="http://schemas.openxmlformats.org/drawingml/2006/main" name="advanced">
   <a:themeElements>
     <a:clrScheme name="Spectrum">
       <a:dk1>
@@ -12629,22 +10263,76 @@
         <a:srgbClr val="CC3300"/>
       </a:folHlink>
     </a:clrScheme>
-    <a:fontScheme name="Spectrum">
+    <a:fontScheme name="Calibri">
       <a:majorFont>
-        <a:latin typeface="Corbel"/>
+        <a:latin typeface="Calibri" panose="020F0502020204030204"/>
         <a:ea typeface=""/>
         <a:cs typeface=""/>
-        <a:font script="Jpan" typeface="ＭＳ ゴシック"/>
+        <a:font script="Jpan" typeface="メイリオ"/>
+        <a:font script="Hang" typeface="맑은 고딕"/>
         <a:font script="Hans" typeface="宋体"/>
         <a:font script="Hant" typeface="新細明體"/>
+        <a:font script="Arab" typeface="Arial"/>
+        <a:font script="Hebr" typeface="Arial"/>
+        <a:font script="Thai" typeface="Cordia New"/>
+        <a:font script="Ethi" typeface="Nyala"/>
+        <a:font script="Beng" typeface="Vrinda"/>
+        <a:font script="Gujr" typeface="Shruti"/>
+        <a:font script="Khmr" typeface="DaunPenh"/>
+        <a:font script="Knda" typeface="Tunga"/>
+        <a:font script="Guru" typeface="Raavi"/>
+        <a:font script="Cans" typeface="Euphemia"/>
+        <a:font script="Cher" typeface="Plantagenet Cherokee"/>
+        <a:font script="Yiii" typeface="Microsoft Yi Baiti"/>
+        <a:font script="Tibt" typeface="Microsoft Himalaya"/>
+        <a:font script="Thaa" typeface="MV Boli"/>
+        <a:font script="Deva" typeface="Mangal"/>
+        <a:font script="Telu" typeface="Gautami"/>
+        <a:font script="Taml" typeface="Latha"/>
+        <a:font script="Syrc" typeface="Estrangelo Edessa"/>
+        <a:font script="Orya" typeface="Kalinga"/>
+        <a:font script="Mlym" typeface="Kartika"/>
+        <a:font script="Laoo" typeface="DokChampa"/>
+        <a:font script="Sinh" typeface="Iskoola Pota"/>
+        <a:font script="Mong" typeface="Mongolian Baiti"/>
+        <a:font script="Viet" typeface="Tahoma"/>
+        <a:font script="Uigh" typeface="Microsoft Uighur"/>
+        <a:font script="Geor" typeface="Sylfaen"/>
       </a:majorFont>
       <a:minorFont>
-        <a:latin typeface="Calibri"/>
+        <a:latin typeface="Calibri" panose="020F0502020204030204"/>
         <a:ea typeface=""/>
         <a:cs typeface=""/>
-        <a:font script="Jpan" typeface="ＭＳ ゴシック"/>
+        <a:font script="Jpan" typeface="メイリオ"/>
+        <a:font script="Hang" typeface="맑은 고딕"/>
         <a:font script="Hans" typeface="宋体"/>
         <a:font script="Hant" typeface="新細明體"/>
+        <a:font script="Arab" typeface="Arial"/>
+        <a:font script="Hebr" typeface="Arial"/>
+        <a:font script="Thai" typeface="Cordia New"/>
+        <a:font script="Ethi" typeface="Nyala"/>
+        <a:font script="Beng" typeface="Vrinda"/>
+        <a:font script="Gujr" typeface="Shruti"/>
+        <a:font script="Khmr" typeface="DaunPenh"/>
+        <a:font script="Knda" typeface="Tunga"/>
+        <a:font script="Guru" typeface="Raavi"/>
+        <a:font script="Cans" typeface="Euphemia"/>
+        <a:font script="Cher" typeface="Plantagenet Cherokee"/>
+        <a:font script="Yiii" typeface="Microsoft Yi Baiti"/>
+        <a:font script="Tibt" typeface="Microsoft Himalaya"/>
+        <a:font script="Thaa" typeface="MV Boli"/>
+        <a:font script="Deva" typeface="Mangal"/>
+        <a:font script="Telu" typeface="Gautami"/>
+        <a:font script="Taml" typeface="Latha"/>
+        <a:font script="Syrc" typeface="Estrangelo Edessa"/>
+        <a:font script="Orya" typeface="Kalinga"/>
+        <a:font script="Mlym" typeface="Kartika"/>
+        <a:font script="Laoo" typeface="DokChampa"/>
+        <a:font script="Sinh" typeface="Iskoola Pota"/>
+        <a:font script="Mong" typeface="Mongolian Baiti"/>
+        <a:font script="Viet" typeface="Tahoma"/>
+        <a:font script="Uigh" typeface="Microsoft Uighur"/>
+        <a:font script="Geor" typeface="Sylfaen"/>
       </a:minorFont>
     </a:fontScheme>
     <a:fmtScheme name="Spectrum">
@@ -12844,6 +10532,11 @@
     </a:lnDef>
   </a:objectDefaults>
   <a:extraClrSchemeLst/>
+  <a:extLst>
+    <a:ext uri="{05A4C25C-085E-4340-85A3-A5531E510DB2}">
+      <thm15:themeFamily xmlns:thm15="http://schemas.microsoft.com/office/thememl/2012/main" name="advanced" id="{90896108-50DE-FE4A-B182-456CF756ABD8}" vid="{7A7CEA50-AD81-7D48-98DE-F95E5886FB32}"/>
+    </a:ext>
+  </a:extLst>
 </a:theme>
 </file>
 

--- a/translations/en-us/advanced/GyroTurn.pptx
+++ b/translations/en-us/advanced/GyroTurn.pptx
@@ -5,10 +5,10 @@
     <p:sldMasterId id="2147483835" r:id="rId1"/>
   </p:sldMasterIdLst>
   <p:notesMasterIdLst>
-    <p:notesMasterId r:id="rId21"/>
+    <p:notesMasterId r:id="rId17"/>
   </p:notesMasterIdLst>
   <p:handoutMasterIdLst>
-    <p:handoutMasterId r:id="rId22"/>
+    <p:handoutMasterId r:id="rId18"/>
   </p:handoutMasterIdLst>
   <p:sldIdLst>
     <p:sldId id="258" r:id="rId2"/>
@@ -24,12 +24,8 @@
     <p:sldId id="283" r:id="rId12"/>
     <p:sldId id="284" r:id="rId13"/>
     <p:sldId id="285" r:id="rId14"/>
-    <p:sldId id="277" r:id="rId15"/>
-    <p:sldId id="294" r:id="rId16"/>
-    <p:sldId id="288" r:id="rId17"/>
-    <p:sldId id="287" r:id="rId18"/>
-    <p:sldId id="290" r:id="rId19"/>
-    <p:sldId id="274" r:id="rId20"/>
+    <p:sldId id="290" r:id="rId15"/>
+    <p:sldId id="274" r:id="rId16"/>
   </p:sldIdLst>
   <p:sldSz cx="9144000" cy="6858000" type="screen4x3"/>
   <p:notesSz cx="6858000" cy="9144000"/>
@@ -229,7 +225,7 @@
           <a:p>
             <a:fld id="{E354B44E-40A3-0E46-B16A-9BF1250A248B}" type="datetimeFigureOut">
               <a:rPr lang="en-US" smtClean="0"/>
-              <a:t>11/15/15</a:t>
+              <a:t>12/19/15</a:t>
             </a:fld>
             <a:endParaRPr lang="en-US"/>
           </a:p>
@@ -395,7 +391,7 @@
           <a:p>
             <a:fld id="{C86AD16C-2DB4-6642-BAD4-9ED973A087A0}" type="datetimeFigureOut">
               <a:rPr lang="en-US" smtClean="0"/>
-              <a:t>11/15/15</a:t>
+              <a:t>12/19/15</a:t>
             </a:fld>
             <a:endParaRPr lang="en-US"/>
           </a:p>
@@ -813,7 +809,7 @@
           <a:p>
             <a:fld id="{1E5BF589-3978-3C45-966B-D7B7A71F2A02}" type="slidenum">
               <a:rPr lang="en-US" smtClean="0"/>
-              <a:t>18</a:t>
+              <a:t>14</a:t>
             </a:fld>
             <a:endParaRPr lang="en-US" dirty="0"/>
           </a:p>
@@ -897,7 +893,7 @@
           <a:p>
             <a:fld id="{1E5BF589-3978-3C45-966B-D7B7A71F2A02}" type="slidenum">
               <a:rPr lang="en-US" smtClean="0"/>
-              <a:t>19</a:t>
+              <a:t>15</a:t>
             </a:fld>
             <a:endParaRPr lang="en-US"/>
           </a:p>
@@ -948,9 +944,9 @@
           <a:bodyPr/>
           <a:lstStyle/>
           <a:p>
-            <a:fld id="{03D03224-C78A-48B8-ACAD-0B29C3D7860E}" type="datetime1">
-              <a:rPr lang="en-US" smtClean="0"/>
-              <a:t>11/15/15</a:t>
+            <a:fld id="{8AD7084A-C26D-684D-A138-DFE5213BA0DC}" type="datetime1">
+              <a:rPr lang="en-US" smtClean="0"/>
+              <a:t>12/19/15</a:t>
             </a:fld>
             <a:endParaRPr lang="en-US"/>
           </a:p>
@@ -972,8 +968,8 @@
           <a:lstStyle/>
           <a:p>
             <a:r>
-              <a:rPr lang="en-US" smtClean="0"/>
-              <a:t>© 2015 EV3Lessons.com, Last edit 11/10/2015</a:t>
+              <a:rPr lang="sk-SK" smtClean="0"/>
+              <a:t>© 2015 EV3Lessons.com, Last edit 12/19/2015</a:t>
             </a:r>
             <a:endParaRPr lang="en-US"/>
           </a:p>
@@ -1501,7 +1497,7 @@
           <a:noFill/>
           <a:extLst>
             <a:ext uri="{909E8E84-426E-40dd-AFC4-6F175D3DCCD1}">
-              <a14:hiddenFill xmlns="" xmlns:a14="http://schemas.microsoft.com/office/drawing/2010/main">
+              <a14:hiddenFill xmlns:a14="http://schemas.microsoft.com/office/drawing/2010/main" xmlns="">
                 <a:solidFill>
                   <a:srgbClr val="FFFFFF"/>
                 </a:solidFill>
@@ -1879,9 +1875,9 @@
           <a:bodyPr/>
           <a:lstStyle/>
           <a:p>
-            <a:fld id="{23D6D190-0146-476A-ABDB-25C129936575}" type="datetime1">
-              <a:rPr lang="en-US" smtClean="0"/>
-              <a:t>11/15/15</a:t>
+            <a:fld id="{AB9FB5B2-73AB-6340-B2F0-B280A041D803}" type="datetime1">
+              <a:rPr lang="en-US" smtClean="0"/>
+              <a:t>12/19/15</a:t>
             </a:fld>
             <a:endParaRPr lang="en-US"/>
           </a:p>
@@ -1903,8 +1899,8 @@
           <a:lstStyle/>
           <a:p>
             <a:r>
-              <a:rPr lang="en-US" smtClean="0"/>
-              <a:t>© 2015 EV3Lessons.com, Last edit 11/10/2015</a:t>
+              <a:rPr lang="sk-SK" smtClean="0"/>
+              <a:t>© 2015 EV3Lessons.com, Last edit 12/19/2015</a:t>
             </a:r>
             <a:endParaRPr lang="en-US"/>
           </a:p>
@@ -2237,9 +2233,9 @@
           <a:bodyPr/>
           <a:lstStyle/>
           <a:p>
-            <a:fld id="{63262B27-BCFD-478F-A21D-598A0BF1DA83}" type="datetime1">
-              <a:rPr lang="en-US" smtClean="0"/>
-              <a:t>11/15/15</a:t>
+            <a:fld id="{7C8F896A-B34A-AD47-8FCF-F499DA82FFE4}" type="datetime1">
+              <a:rPr lang="en-US" smtClean="0"/>
+              <a:t>12/19/15</a:t>
             </a:fld>
             <a:endParaRPr lang="en-US"/>
           </a:p>
@@ -2261,8 +2257,8 @@
           <a:lstStyle/>
           <a:p>
             <a:r>
-              <a:rPr lang="en-US" smtClean="0"/>
-              <a:t>© 2015 EV3Lessons.com, Last edit 11/10/2015</a:t>
+              <a:rPr lang="sk-SK" smtClean="0"/>
+              <a:t>© 2015 EV3Lessons.com, Last edit 12/19/2015</a:t>
             </a:r>
             <a:endParaRPr lang="en-US"/>
           </a:p>
@@ -2700,9 +2696,9 @@
           <a:bodyPr/>
           <a:lstStyle/>
           <a:p>
-            <a:fld id="{FCE16FEE-4A79-4781-AACB-61C8F868F7BA}" type="datetime1">
-              <a:rPr lang="en-US" smtClean="0"/>
-              <a:t>11/15/15</a:t>
+            <a:fld id="{7D24E7B9-ACD4-CF44-8319-25E01A317645}" type="datetime1">
+              <a:rPr lang="en-US" smtClean="0"/>
+              <a:t>12/19/15</a:t>
             </a:fld>
             <a:endParaRPr lang="en-US" dirty="0"/>
           </a:p>
@@ -2724,8 +2720,8 @@
           <a:lstStyle/>
           <a:p>
             <a:r>
-              <a:rPr lang="en-US" smtClean="0"/>
-              <a:t>© 2015 EV3Lessons.com, Last edit 11/10/2015</a:t>
+              <a:rPr lang="sk-SK" smtClean="0"/>
+              <a:t>© 2015 EV3Lessons.com, Last edit 12/19/2015</a:t>
             </a:r>
             <a:endParaRPr lang="en-US" dirty="0"/>
           </a:p>
@@ -2779,7 +2775,6 @@
       </p:par>
     </p:tnLst>
   </p:timing>
-  <p:hf hdr="0" dt="0"/>
 </p:sldLayout>
 </file>
 
@@ -3165,9 +3160,9 @@
           <a:bodyPr/>
           <a:lstStyle/>
           <a:p>
-            <a:fld id="{C0284210-0621-4985-A7D5-2E097962EC1A}" type="datetime1">
-              <a:rPr lang="en-US" smtClean="0"/>
-              <a:t>11/15/15</a:t>
+            <a:fld id="{9B8A754F-0292-854F-9AF0-16B06A47A294}" type="datetime1">
+              <a:rPr lang="en-US" smtClean="0"/>
+              <a:t>12/19/15</a:t>
             </a:fld>
             <a:endParaRPr lang="en-US"/>
           </a:p>
@@ -3890,9 +3885,9 @@
           <a:bodyPr/>
           <a:lstStyle/>
           <a:p>
-            <a:fld id="{DE62B863-8F6A-4F0F-9561-6E711C04B361}" type="datetime1">
-              <a:rPr lang="en-US" smtClean="0"/>
-              <a:t>11/15/15</a:t>
+            <a:fld id="{FAC70B36-23F6-734C-8A9D-90C93AC344DC}" type="datetime1">
+              <a:rPr lang="en-US" smtClean="0"/>
+              <a:t>12/19/15</a:t>
             </a:fld>
             <a:endParaRPr lang="en-US"/>
           </a:p>
@@ -3914,8 +3909,8 @@
           <a:lstStyle/>
           <a:p>
             <a:r>
-              <a:rPr lang="en-US" smtClean="0"/>
-              <a:t>© 2015 EV3Lessons.com, Last edit 11/10/2015</a:t>
+              <a:rPr lang="sk-SK" smtClean="0"/>
+              <a:t>© 2015 EV3Lessons.com, Last edit 12/19/2015</a:t>
             </a:r>
             <a:endParaRPr lang="en-US"/>
           </a:p>
@@ -4172,9 +4167,9 @@
           <a:bodyPr/>
           <a:lstStyle/>
           <a:p>
-            <a:fld id="{7647E5A3-DA8C-4E40-8E2B-382623E75419}" type="datetime1">
-              <a:rPr lang="en-US" smtClean="0"/>
-              <a:t>11/15/15</a:t>
+            <a:fld id="{96771858-3FB0-4743-BA44-3B4AC6B763D9}" type="datetime1">
+              <a:rPr lang="en-US" smtClean="0"/>
+              <a:t>12/19/15</a:t>
             </a:fld>
             <a:endParaRPr lang="en-US"/>
           </a:p>
@@ -4196,8 +4191,8 @@
           <a:lstStyle/>
           <a:p>
             <a:r>
-              <a:rPr lang="en-US" smtClean="0"/>
-              <a:t>© 2015 EV3Lessons.com, Last edit 11/10/2015</a:t>
+              <a:rPr lang="sk-SK" smtClean="0"/>
+              <a:t>© 2015 EV3Lessons.com, Last edit 12/19/2015</a:t>
             </a:r>
             <a:endParaRPr lang="en-US"/>
           </a:p>
@@ -4492,9 +4487,9 @@
           <a:bodyPr/>
           <a:lstStyle/>
           <a:p>
-            <a:fld id="{2D62DFCC-42FA-4151-A3BC-7A02EE95FA20}" type="datetime1">
-              <a:rPr lang="en-US" smtClean="0"/>
-              <a:t>11/15/15</a:t>
+            <a:fld id="{31BA126B-14E6-B94E-BBAE-964A89DB4FC7}" type="datetime1">
+              <a:rPr lang="en-US" smtClean="0"/>
+              <a:t>12/19/15</a:t>
             </a:fld>
             <a:endParaRPr lang="en-US"/>
           </a:p>
@@ -4516,8 +4511,8 @@
           <a:lstStyle/>
           <a:p>
             <a:r>
-              <a:rPr lang="en-US" smtClean="0"/>
-              <a:t>© 2015 EV3Lessons.com, Last edit 11/10/2015</a:t>
+              <a:rPr lang="sk-SK" smtClean="0"/>
+              <a:t>© 2015 EV3Lessons.com, Last edit 12/19/2015</a:t>
             </a:r>
             <a:endParaRPr lang="en-US"/>
           </a:p>
@@ -4721,9 +4716,9 @@
           <a:bodyPr/>
           <a:lstStyle/>
           <a:p>
-            <a:fld id="{634138B8-64FD-4912-85B2-4445A010F270}" type="datetime1">
-              <a:rPr lang="en-US" smtClean="0"/>
-              <a:t>11/15/15</a:t>
+            <a:fld id="{088593D8-00E2-0741-9BAE-C9D19486700E}" type="datetime1">
+              <a:rPr lang="en-US" smtClean="0"/>
+              <a:t>12/19/15</a:t>
             </a:fld>
             <a:endParaRPr lang="en-US"/>
           </a:p>
@@ -4745,8 +4740,8 @@
           <a:lstStyle/>
           <a:p>
             <a:r>
-              <a:rPr lang="en-US" smtClean="0"/>
-              <a:t>© 2015 EV3Lessons.com, Last edit 11/10/2015</a:t>
+              <a:rPr lang="sk-SK" smtClean="0"/>
+              <a:t>© 2015 EV3Lessons.com, Last edit 12/19/2015</a:t>
             </a:r>
             <a:endParaRPr lang="en-US"/>
           </a:p>
@@ -5008,9 +5003,9 @@
           <a:bodyPr/>
           <a:lstStyle/>
           <a:p>
-            <a:fld id="{FCE16FEE-4A79-4781-AACB-61C8F868F7BA}" type="datetime1">
-              <a:rPr lang="en-US" smtClean="0"/>
-              <a:t>11/15/15</a:t>
+            <a:fld id="{8962EFE1-8801-6C43-A80F-133BD912E9C2}" type="datetime1">
+              <a:rPr lang="en-US" smtClean="0"/>
+              <a:t>12/19/15</a:t>
             </a:fld>
             <a:endParaRPr lang="en-US" dirty="0"/>
           </a:p>
@@ -5032,8 +5027,8 @@
           <a:lstStyle/>
           <a:p>
             <a:r>
-              <a:rPr lang="en-US" smtClean="0"/>
-              <a:t>© 2015 EV3Lessons.com, Last edit 11/10/2015</a:t>
+              <a:rPr lang="sk-SK" smtClean="0"/>
+              <a:t>© 2015 EV3Lessons.com, Last edit 12/19/2015</a:t>
             </a:r>
             <a:endParaRPr lang="en-US" dirty="0"/>
           </a:p>
@@ -5129,7 +5124,6 @@
   <p:clrMapOvr>
     <a:masterClrMapping/>
   </p:clrMapOvr>
-  <p:hf hdr="0" dt="0"/>
 </p:sldLayout>
 </file>
 
@@ -5253,9 +5247,9 @@
             </a:lvl1pPr>
           </a:lstStyle>
           <a:p>
-            <a:fld id="{FCE16FEE-4A79-4781-AACB-61C8F868F7BA}" type="datetime1">
-              <a:rPr lang="en-US" smtClean="0"/>
-              <a:t>11/15/15</a:t>
+            <a:fld id="{8CD010E8-97D7-9048-AC65-0E3AE1CFFEF1}" type="datetime1">
+              <a:rPr lang="en-US" smtClean="0"/>
+              <a:t>12/19/15</a:t>
             </a:fld>
             <a:endParaRPr lang="en-US" dirty="0"/>
           </a:p>
@@ -5295,8 +5289,8 @@
           </a:lstStyle>
           <a:p>
             <a:r>
-              <a:rPr lang="en-US" smtClean="0"/>
-              <a:t>© 2015 EV3Lessons.com, Last edit 11/10/2015</a:t>
+              <a:rPr lang="sk-SK" smtClean="0"/>
+              <a:t>© 2015 EV3Lessons.com, Last edit 12/19/2015</a:t>
             </a:r>
             <a:endParaRPr lang="en-US" dirty="0"/>
           </a:p>
@@ -5810,272 +5804,47 @@
       </p:sp>
       <p:sp>
         <p:nvSpPr>
-          <p:cNvPr id="17" name="Subtitle 3"/>
-          <p:cNvSpPr txBox="1">
-            <a:spLocks/>
-          </p:cNvSpPr>
-          <p:nvPr/>
-        </p:nvSpPr>
-        <p:spPr>
-          <a:xfrm>
-            <a:off x="3314843" y="5886037"/>
-            <a:ext cx="3749229" cy="484094"/>
-          </a:xfrm>
-          <a:prstGeom prst="rect">
-            <a:avLst/>
-          </a:prstGeom>
-        </p:spPr>
-        <p:txBody>
-          <a:bodyPr vert="horz" lIns="91440" tIns="45720" rIns="91440" bIns="45720" rtlCol="0">
-            <a:normAutofit fontScale="85000" lnSpcReduction="10000"/>
-          </a:bodyPr>
-          <a:lstStyle>
-            <a:lvl1pPr marL="0" indent="0" algn="l" defTabSz="914400" rtl="0" eaLnBrk="1" latinLnBrk="0" hangingPunct="1">
-              <a:lnSpc>
-                <a:spcPct val="100000"/>
-              </a:lnSpc>
-              <a:spcBef>
-                <a:spcPts val="0"/>
-              </a:spcBef>
-              <a:buClr>
-                <a:schemeClr val="bg1">
-                  <a:lumMod val="65000"/>
-                </a:schemeClr>
-              </a:buClr>
-              <a:buSzPct val="90000"/>
-              <a:buFont typeface="Wingdings" pitchFamily="2" charset="2"/>
-              <a:buNone/>
-              <a:defRPr sz="1800" kern="1200">
-                <a:solidFill>
-                  <a:schemeClr val="bg1"/>
-                </a:solidFill>
-                <a:latin typeface="+mn-lt"/>
-                <a:ea typeface="+mn-ea"/>
-                <a:cs typeface="+mn-cs"/>
-              </a:defRPr>
-            </a:lvl1pPr>
-            <a:lvl2pPr marL="457200" indent="0" algn="ctr" defTabSz="914400" rtl="0" eaLnBrk="1" latinLnBrk="0" hangingPunct="1">
-              <a:spcBef>
-                <a:spcPts val="600"/>
-              </a:spcBef>
-              <a:buClr>
-                <a:schemeClr val="tx1">
-                  <a:lumMod val="75000"/>
-                  <a:lumOff val="25000"/>
-                </a:schemeClr>
-              </a:buClr>
-              <a:buSzPct val="90000"/>
-              <a:buFont typeface="Wingdings" pitchFamily="2" charset="2"/>
-              <a:buNone/>
-              <a:defRPr sz="2200" kern="1200">
-                <a:solidFill>
-                  <a:schemeClr val="tx1">
-                    <a:tint val="75000"/>
-                  </a:schemeClr>
-                </a:solidFill>
-                <a:latin typeface="+mn-lt"/>
-                <a:ea typeface="+mn-ea"/>
-                <a:cs typeface="+mn-cs"/>
-              </a:defRPr>
-            </a:lvl2pPr>
-            <a:lvl3pPr marL="914400" indent="0" algn="ctr" defTabSz="914400" rtl="0" eaLnBrk="1" latinLnBrk="0" hangingPunct="1">
-              <a:spcBef>
-                <a:spcPts val="600"/>
-              </a:spcBef>
-              <a:buClr>
-                <a:schemeClr val="bg1">
-                  <a:lumMod val="65000"/>
-                </a:schemeClr>
-              </a:buClr>
-              <a:buSzPct val="90000"/>
-              <a:buFont typeface="Wingdings" pitchFamily="2" charset="2"/>
-              <a:buNone/>
-              <a:defRPr sz="2000" kern="1200">
-                <a:solidFill>
-                  <a:schemeClr val="tx1">
-                    <a:tint val="75000"/>
-                  </a:schemeClr>
-                </a:solidFill>
-                <a:latin typeface="+mn-lt"/>
-                <a:ea typeface="+mn-ea"/>
-                <a:cs typeface="+mn-cs"/>
-              </a:defRPr>
-            </a:lvl3pPr>
-            <a:lvl4pPr marL="1371600" indent="0" algn="ctr" defTabSz="914400" rtl="0" eaLnBrk="1" latinLnBrk="0" hangingPunct="1">
-              <a:spcBef>
-                <a:spcPts val="600"/>
-              </a:spcBef>
-              <a:buClr>
-                <a:schemeClr val="tx1">
-                  <a:lumMod val="75000"/>
-                  <a:lumOff val="25000"/>
-                </a:schemeClr>
-              </a:buClr>
-              <a:buSzPct val="90000"/>
-              <a:buFont typeface="Wingdings" pitchFamily="2" charset="2"/>
-              <a:buNone/>
-              <a:defRPr sz="1800" kern="1200">
-                <a:solidFill>
-                  <a:schemeClr val="tx1">
-                    <a:tint val="75000"/>
-                  </a:schemeClr>
-                </a:solidFill>
-                <a:latin typeface="+mn-lt"/>
-                <a:ea typeface="+mn-ea"/>
-                <a:cs typeface="+mn-cs"/>
-              </a:defRPr>
-            </a:lvl4pPr>
-            <a:lvl5pPr marL="1828800" indent="0" algn="ctr" defTabSz="914400" rtl="0" eaLnBrk="1" latinLnBrk="0" hangingPunct="1">
-              <a:spcBef>
-                <a:spcPts val="600"/>
-              </a:spcBef>
-              <a:buClr>
-                <a:schemeClr val="bg1">
-                  <a:lumMod val="65000"/>
-                </a:schemeClr>
-              </a:buClr>
-              <a:buSzPct val="90000"/>
-              <a:buFont typeface="Wingdings" pitchFamily="2" charset="2"/>
-              <a:buNone/>
-              <a:defRPr sz="1800" kern="1200">
-                <a:solidFill>
-                  <a:schemeClr val="tx1">
-                    <a:tint val="75000"/>
-                  </a:schemeClr>
-                </a:solidFill>
-                <a:latin typeface="+mn-lt"/>
-                <a:ea typeface="+mn-ea"/>
-                <a:cs typeface="+mn-cs"/>
-              </a:defRPr>
-            </a:lvl5pPr>
-            <a:lvl6pPr marL="2286000" indent="0" algn="ctr" defTabSz="914400" rtl="0" eaLnBrk="1" latinLnBrk="0" hangingPunct="1">
-              <a:spcBef>
-                <a:spcPts val="600"/>
-              </a:spcBef>
-              <a:buClr>
-                <a:schemeClr val="tx1">
-                  <a:lumMod val="75000"/>
-                  <a:lumOff val="25000"/>
-                </a:schemeClr>
-              </a:buClr>
-              <a:buSzPct val="90000"/>
-              <a:buFont typeface="Wingdings" pitchFamily="2" charset="2"/>
-              <a:buNone/>
-              <a:defRPr lang="en-US" sz="1800" kern="1200">
-                <a:solidFill>
-                  <a:schemeClr val="tx1">
-                    <a:tint val="75000"/>
-                  </a:schemeClr>
-                </a:solidFill>
-                <a:latin typeface="+mn-lt"/>
-                <a:ea typeface="+mn-ea"/>
-                <a:cs typeface="+mn-cs"/>
-              </a:defRPr>
-            </a:lvl6pPr>
-            <a:lvl7pPr marL="2743200" indent="0" algn="ctr" defTabSz="914400" rtl="0" eaLnBrk="1" latinLnBrk="0" hangingPunct="1">
-              <a:spcBef>
-                <a:spcPts val="600"/>
-              </a:spcBef>
-              <a:buClr>
-                <a:schemeClr val="bg1">
-                  <a:lumMod val="65000"/>
-                </a:schemeClr>
-              </a:buClr>
-              <a:buSzPct val="90000"/>
-              <a:buFont typeface="Wingdings" pitchFamily="2" charset="2"/>
-              <a:buNone/>
-              <a:defRPr lang="en-US" sz="1800" kern="1200">
-                <a:solidFill>
-                  <a:schemeClr val="tx1">
-                    <a:tint val="75000"/>
-                  </a:schemeClr>
-                </a:solidFill>
-                <a:latin typeface="+mn-lt"/>
-                <a:ea typeface="+mn-ea"/>
-                <a:cs typeface="+mn-cs"/>
-              </a:defRPr>
-            </a:lvl7pPr>
-            <a:lvl8pPr marL="3200400" indent="0" algn="ctr" defTabSz="914400" rtl="0" eaLnBrk="1" latinLnBrk="0" hangingPunct="1">
-              <a:spcBef>
-                <a:spcPts val="600"/>
-              </a:spcBef>
-              <a:buClr>
-                <a:schemeClr val="tx1">
-                  <a:lumMod val="75000"/>
-                  <a:lumOff val="25000"/>
-                </a:schemeClr>
-              </a:buClr>
-              <a:buSzPct val="90000"/>
-              <a:buFont typeface="Wingdings" pitchFamily="2" charset="2"/>
-              <a:buNone/>
-              <a:defRPr lang="en-US" sz="1800" kern="1200">
-                <a:solidFill>
-                  <a:schemeClr val="tx1">
-                    <a:tint val="75000"/>
-                  </a:schemeClr>
-                </a:solidFill>
-                <a:latin typeface="+mn-lt"/>
-                <a:ea typeface="+mn-ea"/>
-                <a:cs typeface="+mn-cs"/>
-              </a:defRPr>
-            </a:lvl8pPr>
-            <a:lvl9pPr marL="3657600" indent="0" algn="ctr" defTabSz="914400" rtl="0" eaLnBrk="1" latinLnBrk="0" hangingPunct="1">
-              <a:spcBef>
-                <a:spcPts val="600"/>
-              </a:spcBef>
-              <a:buClr>
-                <a:schemeClr val="bg1">
-                  <a:lumMod val="65000"/>
-                </a:schemeClr>
-              </a:buClr>
-              <a:buSzPct val="90000"/>
-              <a:buFont typeface="Wingdings" pitchFamily="2" charset="2"/>
-              <a:buNone/>
-              <a:defRPr lang="en-US" sz="1800" kern="1200">
-                <a:solidFill>
-                  <a:schemeClr val="tx1">
-                    <a:tint val="75000"/>
-                  </a:schemeClr>
-                </a:solidFill>
-                <a:latin typeface="+mn-lt"/>
-                <a:ea typeface="+mn-ea"/>
-                <a:cs typeface="+mn-cs"/>
-              </a:defRPr>
-            </a:lvl9pPr>
-          </a:lstStyle>
-          <a:p>
-            <a:r>
-              <a:rPr lang="en-US">
-                <a:solidFill>
-                  <a:schemeClr val="tx1"/>
-                </a:solidFill>
-              </a:rPr>
-              <a:t>w</a:t>
-            </a:r>
-            <a:r>
-              <a:rPr lang="en-US" smtClean="0">
-                <a:solidFill>
-                  <a:schemeClr val="tx1"/>
-                </a:solidFill>
-              </a:rPr>
-              <a:t>ith </a:t>
-            </a:r>
-            <a:r>
-              <a:rPr lang="en-US" dirty="0" smtClean="0">
-                <a:solidFill>
-                  <a:schemeClr val="tx1"/>
-                </a:solidFill>
-              </a:rPr>
-              <a:t>code from the Construction </a:t>
-            </a:r>
-            <a:r>
-              <a:rPr lang="en-US" dirty="0" smtClean="0">
-                <a:solidFill>
-                  <a:schemeClr val="tx1"/>
-                </a:solidFill>
-              </a:rPr>
-              <a:t>Mavericks</a:t>
-            </a:r>
+          <p:cNvPr id="3" name="Footer Placeholder 2"/>
+          <p:cNvSpPr>
+            <a:spLocks noGrp="1"/>
+          </p:cNvSpPr>
+          <p:nvPr>
+            <p:ph type="ftr" sz="quarter" idx="11"/>
+          </p:nvPr>
+        </p:nvSpPr>
+        <p:spPr/>
+        <p:txBody>
+          <a:bodyPr/>
+          <a:lstStyle/>
+          <a:p>
+            <a:r>
+              <a:rPr lang="sk-SK" smtClean="0"/>
+              <a:t>© 2015 EV3Lessons.com, Last edit 12/19/2015</a:t>
+            </a:r>
+            <a:endParaRPr lang="en-US"/>
+          </a:p>
+        </p:txBody>
+      </p:sp>
+      <p:sp>
+        <p:nvSpPr>
+          <p:cNvPr id="4" name="Slide Number Placeholder 3"/>
+          <p:cNvSpPr>
+            <a:spLocks noGrp="1"/>
+          </p:cNvSpPr>
+          <p:nvPr>
+            <p:ph type="sldNum" sz="quarter" idx="12"/>
+          </p:nvPr>
+        </p:nvSpPr>
+        <p:spPr/>
+        <p:txBody>
+          <a:bodyPr/>
+          <a:lstStyle/>
+          <a:p>
+            <a:fld id="{7F5CE407-6216-4202-80E4-A30DC2F709B2}" type="slidenum">
+              <a:rPr lang="en-US" smtClean="0"/>
+              <a:t>1</a:t>
+            </a:fld>
+            <a:endParaRPr lang="en-US"/>
           </a:p>
         </p:txBody>
       </p:sp>
@@ -6132,8 +5901,8 @@
           <a:lstStyle/>
           <a:p>
             <a:r>
-              <a:rPr lang="en-US" smtClean="0"/>
-              <a:t>© 2015 EV3Lessons.com, Last edit 11/10/2015</a:t>
+              <a:rPr lang="sk-SK" smtClean="0"/>
+              <a:t>© 2015 EV3Lessons.com, Last edit 12/19/2015</a:t>
             </a:r>
             <a:endParaRPr lang="en-US" dirty="0"/>
           </a:p>
@@ -6358,8 +6127,8 @@
           <a:lstStyle/>
           <a:p>
             <a:r>
-              <a:rPr lang="en-US" smtClean="0"/>
-              <a:t>© 2015 EV3Lessons.com, Last edit 11/10/2015</a:t>
+              <a:rPr lang="sk-SK" smtClean="0"/>
+              <a:t>© 2015 EV3Lessons.com, Last edit 12/19/2015</a:t>
             </a:r>
             <a:endParaRPr lang="en-US" dirty="0"/>
           </a:p>
@@ -6495,8 +6264,8 @@
           <a:lstStyle/>
           <a:p>
             <a:r>
-              <a:rPr lang="en-US" smtClean="0"/>
-              <a:t>© 2015 EV3Lessons.com, Last edit 11/10/2015</a:t>
+              <a:rPr lang="sk-SK" smtClean="0"/>
+              <a:t>© 2015 EV3Lessons.com, Last edit 12/19/2015</a:t>
             </a:r>
             <a:endParaRPr lang="en-US" dirty="0"/>
           </a:p>
@@ -6632,8 +6401,8 @@
           <a:lstStyle/>
           <a:p>
             <a:r>
-              <a:rPr lang="en-US" smtClean="0"/>
-              <a:t>© 2015 EV3Lessons.com, Last edit 11/10/2015</a:t>
+              <a:rPr lang="sk-SK" smtClean="0"/>
+              <a:t>© 2015 EV3Lessons.com, Last edit 12/19/2015</a:t>
             </a:r>
             <a:endParaRPr lang="en-US" dirty="0"/>
           </a:p>
@@ -6765,49 +6534,47 @@
         </p:nvSpPr>
         <p:spPr/>
         <p:txBody>
-          <a:bodyPr>
-            <a:normAutofit fontScale="85000" lnSpcReduction="20000"/>
-          </a:bodyPr>
-          <a:lstStyle/>
-          <a:p>
-            <a:r>
-              <a:rPr lang="en-US" smtClean="0"/>
-              <a:t>The remainder of this lesson is a contribution by The Construction Mavericks.</a:t>
-            </a:r>
-          </a:p>
-          <a:p>
-            <a:r>
-              <a:rPr lang="en-US" smtClean="0"/>
-              <a:t>This method improves over the simple overshoot correction mechanism from earlier by using proportional control</a:t>
+          <a:bodyPr/>
+          <a:lstStyle/>
+          <a:p>
+            <a:r>
+              <a:rPr lang="en-US" dirty="0" smtClean="0"/>
+              <a:t>What is gyro lag?</a:t>
+            </a:r>
+          </a:p>
+          <a:p>
+            <a:pPr marL="457200" lvl="1" indent="0">
+              <a:buNone/>
+            </a:pPr>
+            <a:r>
+              <a:rPr lang="en-US" dirty="0" smtClean="0"/>
+              <a:t>Ans. The gyro sensor’s reading lags behind the true reading</a:t>
             </a:r>
           </a:p>
           <a:p>
             <a:pPr lvl="1"/>
-            <a:r>
-              <a:rPr lang="en-US" smtClean="0"/>
-              <a:t>If you are unfamiliar with proportional control, please see the advanced lesson on proportional control before continuing.</a:t>
-            </a:r>
-          </a:p>
-          <a:p>
-            <a:pPr lvl="1"/>
-            <a:r>
-              <a:rPr lang="en-US" smtClean="0"/>
-              <a:t>The basic idea is to use the current gyro position and where it wants to point to determine how to set the motor power.  </a:t>
-            </a:r>
-          </a:p>
-          <a:p>
-            <a:r>
-              <a:rPr lang="en-US" smtClean="0"/>
-              <a:t>Note from Construction Mavericks: It's not perfect, but we have had much better success with these blocks than the overshoot-corrected ones.  </a:t>
-            </a:r>
-          </a:p>
-          <a:p>
-            <a:r>
-              <a:rPr lang="en-US" smtClean="0"/>
-              <a:t>Tip from Construction Mavericks: Try to set the outer loop to an infinite loop.  Once the robot settles into place, pick it up and rotate it and watch it try to get back to where it wants to be.</a:t>
+            <a:endParaRPr lang="en-US" dirty="0" smtClean="0"/>
+          </a:p>
+          <a:p>
+            <a:r>
+              <a:rPr lang="en-US" dirty="0" smtClean="0"/>
+              <a:t>What is one way to compensate for lag?</a:t>
             </a:r>
             <a:endParaRPr lang="en-US" dirty="0"/>
           </a:p>
+          <a:p>
+            <a:pPr marL="457200" lvl="1" indent="0">
+              <a:buNone/>
+            </a:pPr>
+            <a:r>
+              <a:rPr lang="en-US" dirty="0" err="1" smtClean="0"/>
+              <a:t>Ans</a:t>
+            </a:r>
+            <a:r>
+              <a:rPr lang="en-US" dirty="0" smtClean="0"/>
+              <a:t>: Reduce the number of degrees that you turn</a:t>
+            </a:r>
+          </a:p>
         </p:txBody>
       </p:sp>
       <p:sp>
@@ -6826,8 +6593,8 @@
           <a:lstStyle/>
           <a:p>
             <a:r>
-              <a:rPr lang="en-US" smtClean="0"/>
-              <a:t>© 2015 EV3Lessons.com, Last edit 11/10/2015</a:t>
+              <a:rPr lang="sk-SK" smtClean="0"/>
+              <a:t>© 2015 EV3Lessons.com, Last edit 12/19/2015</a:t>
             </a:r>
             <a:endParaRPr lang="en-US" dirty="0"/>
           </a:p>
@@ -6835,7 +6602,7 @@
       </p:sp>
       <p:sp>
         <p:nvSpPr>
-          <p:cNvPr id="5" name="Slide Number Placeholder 4"/>
+          <p:cNvPr id="7" name="Slide Number Placeholder 6"/>
           <p:cNvSpPr>
             <a:spLocks noGrp="1"/>
           </p:cNvSpPr>
@@ -6852,953 +6619,6 @@
               <a:rPr lang="en-US" smtClean="0"/>
               <a:pPr/>
               <a:t>14</a:t>
-            </a:fld>
-            <a:endParaRPr lang="en-US" dirty="0"/>
-          </a:p>
-        </p:txBody>
-      </p:sp>
-      <p:sp>
-        <p:nvSpPr>
-          <p:cNvPr id="2" name="Title 1"/>
-          <p:cNvSpPr>
-            <a:spLocks noGrp="1"/>
-          </p:cNvSpPr>
-          <p:nvPr>
-            <p:ph type="title"/>
-          </p:nvPr>
-        </p:nvSpPr>
-        <p:spPr/>
-        <p:txBody>
-          <a:bodyPr>
-            <a:normAutofit fontScale="90000"/>
-          </a:bodyPr>
-          <a:lstStyle/>
-          <a:p>
-            <a:r>
-              <a:rPr lang="en-US" smtClean="0"/>
-              <a:t>Proportional Gyro Turns</a:t>
-            </a:r>
-            <a:br>
-              <a:rPr lang="en-US" smtClean="0"/>
-            </a:br>
-            <a:r>
-              <a:rPr lang="en-US" smtClean="0"/>
-              <a:t>by The Construction Mavericks</a:t>
-            </a:r>
-            <a:endParaRPr lang="en-US" dirty="0"/>
-          </a:p>
-        </p:txBody>
-      </p:sp>
-    </p:spTree>
-    <p:extLst>
-      <p:ext uri="{BB962C8B-B14F-4D97-AF65-F5344CB8AC3E}">
-        <p14:creationId xmlns:p14="http://schemas.microsoft.com/office/powerpoint/2010/main" val="3719007101"/>
-      </p:ext>
-    </p:extLst>
-  </p:cSld>
-  <p:clrMapOvr>
-    <a:masterClrMapping/>
-  </p:clrMapOvr>
-  <p:timing>
-    <p:tnLst>
-      <p:par>
-        <p:cTn id="1" dur="indefinite" restart="never" nodeType="tmRoot"/>
-      </p:par>
-    </p:tnLst>
-  </p:timing>
-</p:sld>
-</file>
-
-<file path=ppt/slides/slide15.xml><?xml version="1.0" encoding="utf-8"?>
-<p:sld xmlns:a="http://schemas.openxmlformats.org/drawingml/2006/main" xmlns:r="http://schemas.openxmlformats.org/officeDocument/2006/relationships" xmlns:p="http://schemas.openxmlformats.org/presentationml/2006/main">
-  <p:cSld>
-    <p:spTree>
-      <p:nvGrpSpPr>
-        <p:cNvPr id="1" name=""/>
-        <p:cNvGrpSpPr/>
-        <p:nvPr/>
-      </p:nvGrpSpPr>
-      <p:grpSpPr>
-        <a:xfrm>
-          <a:off x="0" y="0"/>
-          <a:ext cx="0" cy="0"/>
-          <a:chOff x="0" y="0"/>
-          <a:chExt cx="0" cy="0"/>
-        </a:xfrm>
-      </p:grpSpPr>
-      <p:sp>
-        <p:nvSpPr>
-          <p:cNvPr id="3" name="Content Placeholder 2"/>
-          <p:cNvSpPr>
-            <a:spLocks noGrp="1"/>
-          </p:cNvSpPr>
-          <p:nvPr>
-            <p:ph idx="1"/>
-          </p:nvPr>
-        </p:nvSpPr>
-        <p:spPr>
-          <a:xfrm>
-            <a:off x="284163" y="1818870"/>
-            <a:ext cx="8395379" cy="4307294"/>
-          </a:xfrm>
-        </p:spPr>
-        <p:txBody>
-          <a:bodyPr>
-            <a:normAutofit/>
-          </a:bodyPr>
-          <a:lstStyle/>
-          <a:p>
-            <a:pPr marL="457200" indent="-457200">
-              <a:buAutoNum type="arabicParenR"/>
-            </a:pPr>
-            <a:r>
-              <a:rPr lang="en-US" dirty="0"/>
-              <a:t>R</a:t>
-            </a:r>
-            <a:r>
-              <a:rPr lang="en-US" dirty="0" smtClean="0"/>
-              <a:t>ead </a:t>
-            </a:r>
-            <a:r>
-              <a:rPr lang="en-US" dirty="0"/>
-              <a:t>the gyro </a:t>
-            </a:r>
-            <a:r>
-              <a:rPr lang="en-US" dirty="0" smtClean="0"/>
-              <a:t>value</a:t>
-            </a:r>
-          </a:p>
-          <a:p>
-            <a:pPr marL="457200" indent="-457200">
-              <a:buAutoNum type="arabicParenR"/>
-            </a:pPr>
-            <a:r>
-              <a:rPr lang="en-US" dirty="0" smtClean="0"/>
-              <a:t>Compute Error: Subtract </a:t>
-            </a:r>
-            <a:r>
-              <a:rPr lang="en-US" dirty="0"/>
-              <a:t>the gyro value from </a:t>
-            </a:r>
-            <a:r>
-              <a:rPr lang="en-US" dirty="0" smtClean="0"/>
-              <a:t>the target amount of degrees to turn. </a:t>
-            </a:r>
-            <a:r>
-              <a:rPr lang="en-US" dirty="0"/>
-              <a:t>Use scaling </a:t>
-            </a:r>
-            <a:r>
-              <a:rPr lang="en-US" dirty="0" smtClean="0"/>
-              <a:t>(multiply to tweak how much to adjust the power) if </a:t>
-            </a:r>
-            <a:r>
-              <a:rPr lang="en-US" dirty="0"/>
-              <a:t>necessary</a:t>
-            </a:r>
-            <a:r>
-              <a:rPr lang="en-US" dirty="0" smtClean="0"/>
-              <a:t>.</a:t>
-            </a:r>
-          </a:p>
-          <a:p>
-            <a:pPr marL="457200" indent="-457200">
-              <a:buAutoNum type="arabicParenR"/>
-            </a:pPr>
-            <a:r>
-              <a:rPr lang="en-US" dirty="0" smtClean="0"/>
-              <a:t>Apply Correction: Use data wires to wire </a:t>
-            </a:r>
-            <a:r>
-              <a:rPr lang="en-US" dirty="0"/>
-              <a:t>the result </a:t>
-            </a:r>
-            <a:r>
-              <a:rPr lang="en-US" dirty="0" smtClean="0"/>
-              <a:t>from the previous step to </a:t>
-            </a:r>
-            <a:r>
-              <a:rPr lang="en-US" dirty="0"/>
-              <a:t>the M</a:t>
-            </a:r>
-            <a:r>
-              <a:rPr lang="en-US" dirty="0" smtClean="0"/>
-              <a:t>ove </a:t>
-            </a:r>
-            <a:r>
-              <a:rPr lang="en-US" dirty="0"/>
-              <a:t>S</a:t>
-            </a:r>
-            <a:r>
-              <a:rPr lang="en-US" dirty="0" smtClean="0"/>
-              <a:t>teering block’s power input, with steering 50</a:t>
-            </a:r>
-          </a:p>
-          <a:p>
-            <a:pPr marL="457200" indent="-457200">
-              <a:buAutoNum type="arabicParenR"/>
-            </a:pPr>
-            <a:r>
-              <a:rPr lang="en-US" dirty="0"/>
-              <a:t> Repeat for the specified duration</a:t>
-            </a:r>
-          </a:p>
-        </p:txBody>
-      </p:sp>
-      <p:sp>
-        <p:nvSpPr>
-          <p:cNvPr id="4" name="Footer Placeholder 3"/>
-          <p:cNvSpPr>
-            <a:spLocks noGrp="1"/>
-          </p:cNvSpPr>
-          <p:nvPr>
-            <p:ph type="ftr" sz="quarter" idx="11"/>
-          </p:nvPr>
-        </p:nvSpPr>
-        <p:spPr/>
-        <p:txBody>
-          <a:bodyPr/>
-          <a:lstStyle/>
-          <a:p>
-            <a:r>
-              <a:rPr lang="en-US" dirty="0" smtClean="0"/>
-              <a:t>© 2015 EV3Lessons.com, Last edit 11/10/2015</a:t>
-            </a:r>
-            <a:endParaRPr lang="en-US" dirty="0"/>
-          </a:p>
-        </p:txBody>
-      </p:sp>
-      <p:sp>
-        <p:nvSpPr>
-          <p:cNvPr id="5" name="Slide Number Placeholder 4"/>
-          <p:cNvSpPr>
-            <a:spLocks noGrp="1"/>
-          </p:cNvSpPr>
-          <p:nvPr>
-            <p:ph type="sldNum" sz="quarter" idx="12"/>
-          </p:nvPr>
-        </p:nvSpPr>
-        <p:spPr/>
-        <p:txBody>
-          <a:bodyPr/>
-          <a:lstStyle/>
-          <a:p>
-            <a:fld id="{4382A7F7-08BF-4252-8141-63FB96055BBB}" type="slidenum">
-              <a:rPr lang="en-US" smtClean="0"/>
-              <a:t>15</a:t>
-            </a:fld>
-            <a:endParaRPr lang="en-US" dirty="0"/>
-          </a:p>
-        </p:txBody>
-      </p:sp>
-      <p:sp>
-        <p:nvSpPr>
-          <p:cNvPr id="2" name="Title 1"/>
-          <p:cNvSpPr>
-            <a:spLocks noGrp="1"/>
-          </p:cNvSpPr>
-          <p:nvPr>
-            <p:ph type="title"/>
-          </p:nvPr>
-        </p:nvSpPr>
-        <p:spPr/>
-        <p:txBody>
-          <a:bodyPr/>
-          <a:lstStyle/>
-          <a:p>
-            <a:r>
-              <a:rPr lang="en-US" dirty="0" smtClean="0"/>
-              <a:t>Sample: Proportional Gyro Right Turn</a:t>
-            </a:r>
-            <a:endParaRPr lang="en-US" dirty="0"/>
-          </a:p>
-        </p:txBody>
-      </p:sp>
-    </p:spTree>
-    <p:extLst>
-      <p:ext uri="{BB962C8B-B14F-4D97-AF65-F5344CB8AC3E}">
-        <p14:creationId xmlns:p14="http://schemas.microsoft.com/office/powerpoint/2010/main" val="1567009795"/>
-      </p:ext>
-    </p:extLst>
-  </p:cSld>
-  <p:clrMapOvr>
-    <a:masterClrMapping/>
-  </p:clrMapOvr>
-  <p:timing>
-    <p:tnLst>
-      <p:par>
-        <p:cTn id="1" dur="indefinite" restart="never" nodeType="tmRoot"/>
-      </p:par>
-    </p:tnLst>
-  </p:timing>
-</p:sld>
-</file>
-
-<file path=ppt/slides/slide16.xml><?xml version="1.0" encoding="utf-8"?>
-<p:sld xmlns:a="http://schemas.openxmlformats.org/drawingml/2006/main" xmlns:r="http://schemas.openxmlformats.org/officeDocument/2006/relationships" xmlns:p="http://schemas.openxmlformats.org/presentationml/2006/main">
-  <p:cSld>
-    <p:spTree>
-      <p:nvGrpSpPr>
-        <p:cNvPr id="1" name=""/>
-        <p:cNvGrpSpPr/>
-        <p:nvPr/>
-      </p:nvGrpSpPr>
-      <p:grpSpPr>
-        <a:xfrm>
-          <a:off x="0" y="0"/>
-          <a:ext cx="0" cy="0"/>
-          <a:chOff x="0" y="0"/>
-          <a:chExt cx="0" cy="0"/>
-        </a:xfrm>
-      </p:grpSpPr>
-      <p:pic>
-        <p:nvPicPr>
-          <p:cNvPr id="9" name="Content Placeholder 8" descr="Screen Clipping"/>
-          <p:cNvPicPr>
-            <a:picLocks noGrp="1" noChangeAspect="1"/>
-          </p:cNvPicPr>
-          <p:nvPr>
-            <p:ph idx="1"/>
-          </p:nvPr>
-        </p:nvPicPr>
-        <p:blipFill>
-          <a:blip r:embed="rId2" cstate="email">
-            <a:extLst>
-              <a:ext uri="{28A0092B-C50C-407E-A947-70E740481C1C}">
-                <a14:useLocalDpi xmlns:a14="http://schemas.microsoft.com/office/drawing/2010/main" val="0"/>
-              </a:ext>
-            </a:extLst>
-          </a:blip>
-          <a:stretch>
-            <a:fillRect/>
-          </a:stretch>
-        </p:blipFill>
-        <p:spPr>
-          <a:xfrm>
-            <a:off x="284163" y="2077451"/>
-            <a:ext cx="8574087" cy="3790536"/>
-          </a:xfrm>
-        </p:spPr>
-      </p:pic>
-      <p:sp>
-        <p:nvSpPr>
-          <p:cNvPr id="4" name="Footer Placeholder 3"/>
-          <p:cNvSpPr>
-            <a:spLocks noGrp="1"/>
-          </p:cNvSpPr>
-          <p:nvPr>
-            <p:ph type="ftr" sz="quarter" idx="11"/>
-          </p:nvPr>
-        </p:nvSpPr>
-        <p:spPr/>
-        <p:txBody>
-          <a:bodyPr/>
-          <a:lstStyle/>
-          <a:p>
-            <a:r>
-              <a:rPr lang="en-US" smtClean="0"/>
-              <a:t>© 2015 EV3Lessons.com, Last edit 11/10/2015</a:t>
-            </a:r>
-            <a:endParaRPr lang="en-US" dirty="0"/>
-          </a:p>
-        </p:txBody>
-      </p:sp>
-      <p:sp>
-        <p:nvSpPr>
-          <p:cNvPr id="3" name="Slide Number Placeholder 2"/>
-          <p:cNvSpPr>
-            <a:spLocks noGrp="1"/>
-          </p:cNvSpPr>
-          <p:nvPr>
-            <p:ph type="sldNum" sz="quarter" idx="12"/>
-          </p:nvPr>
-        </p:nvSpPr>
-        <p:spPr/>
-        <p:txBody>
-          <a:bodyPr/>
-          <a:lstStyle/>
-          <a:p>
-            <a:fld id="{4382A7F7-08BF-4252-8141-63FB96055BBB}" type="slidenum">
-              <a:rPr lang="en-US" smtClean="0"/>
-              <a:pPr/>
-              <a:t>16</a:t>
-            </a:fld>
-            <a:endParaRPr lang="en-US" dirty="0"/>
-          </a:p>
-        </p:txBody>
-      </p:sp>
-      <p:sp>
-        <p:nvSpPr>
-          <p:cNvPr id="2" name="Title 1"/>
-          <p:cNvSpPr>
-            <a:spLocks noGrp="1"/>
-          </p:cNvSpPr>
-          <p:nvPr>
-            <p:ph type="title"/>
-          </p:nvPr>
-        </p:nvSpPr>
-        <p:spPr/>
-        <p:txBody>
-          <a:bodyPr/>
-          <a:lstStyle/>
-          <a:p>
-            <a:r>
-              <a:rPr lang="en-US" smtClean="0"/>
-              <a:t> Proportional Right Turn</a:t>
-            </a:r>
-            <a:endParaRPr lang="en-US" dirty="0"/>
-          </a:p>
-        </p:txBody>
-      </p:sp>
-    </p:spTree>
-    <p:extLst>
-      <p:ext uri="{BB962C8B-B14F-4D97-AF65-F5344CB8AC3E}">
-        <p14:creationId xmlns:p14="http://schemas.microsoft.com/office/powerpoint/2010/main" val="3367053584"/>
-      </p:ext>
-    </p:extLst>
-  </p:cSld>
-  <p:clrMapOvr>
-    <a:masterClrMapping/>
-  </p:clrMapOvr>
-  <p:timing>
-    <p:tnLst>
-      <p:par>
-        <p:cTn id="1" dur="indefinite" restart="never" nodeType="tmRoot"/>
-      </p:par>
-    </p:tnLst>
-  </p:timing>
-</p:sld>
-</file>
-
-<file path=ppt/slides/slide17.xml><?xml version="1.0" encoding="utf-8"?>
-<p:sld xmlns:a="http://schemas.openxmlformats.org/drawingml/2006/main" xmlns:r="http://schemas.openxmlformats.org/officeDocument/2006/relationships" xmlns:p="http://schemas.openxmlformats.org/presentationml/2006/main">
-  <p:cSld>
-    <p:spTree>
-      <p:nvGrpSpPr>
-        <p:cNvPr id="1" name=""/>
-        <p:cNvGrpSpPr/>
-        <p:nvPr/>
-      </p:nvGrpSpPr>
-      <p:grpSpPr>
-        <a:xfrm>
-          <a:off x="0" y="0"/>
-          <a:ext cx="0" cy="0"/>
-          <a:chOff x="0" y="0"/>
-          <a:chExt cx="0" cy="0"/>
-        </a:xfrm>
-      </p:grpSpPr>
-      <p:pic>
-        <p:nvPicPr>
-          <p:cNvPr id="8" name="Content Placeholder 7" descr="Screen Clipping"/>
-          <p:cNvPicPr>
-            <a:picLocks noGrp="1" noChangeAspect="1"/>
-          </p:cNvPicPr>
-          <p:nvPr>
-            <p:ph idx="1"/>
-          </p:nvPr>
-        </p:nvPicPr>
-        <p:blipFill>
-          <a:blip r:embed="rId2" cstate="email">
-            <a:extLst>
-              <a:ext uri="{28A0092B-C50C-407E-A947-70E740481C1C}">
-                <a14:useLocalDpi xmlns:a14="http://schemas.microsoft.com/office/drawing/2010/main" val="0"/>
-              </a:ext>
-            </a:extLst>
-          </a:blip>
-          <a:stretch>
-            <a:fillRect/>
-          </a:stretch>
-        </p:blipFill>
-        <p:spPr>
-          <a:xfrm>
-            <a:off x="284163" y="2028409"/>
-            <a:ext cx="8574087" cy="3888619"/>
-          </a:xfrm>
-        </p:spPr>
-      </p:pic>
-      <p:sp>
-        <p:nvSpPr>
-          <p:cNvPr id="4" name="Footer Placeholder 3"/>
-          <p:cNvSpPr>
-            <a:spLocks noGrp="1"/>
-          </p:cNvSpPr>
-          <p:nvPr>
-            <p:ph type="ftr" sz="quarter" idx="11"/>
-          </p:nvPr>
-        </p:nvSpPr>
-        <p:spPr/>
-        <p:txBody>
-          <a:bodyPr/>
-          <a:lstStyle/>
-          <a:p>
-            <a:r>
-              <a:rPr lang="en-US" smtClean="0"/>
-              <a:t>© 2015 EV3Lessons.com, Last edit 11/10/2015</a:t>
-            </a:r>
-            <a:endParaRPr lang="en-US" dirty="0"/>
-          </a:p>
-        </p:txBody>
-      </p:sp>
-      <p:sp>
-        <p:nvSpPr>
-          <p:cNvPr id="5" name="Slide Number Placeholder 4"/>
-          <p:cNvSpPr>
-            <a:spLocks noGrp="1"/>
-          </p:cNvSpPr>
-          <p:nvPr>
-            <p:ph type="sldNum" sz="quarter" idx="12"/>
-          </p:nvPr>
-        </p:nvSpPr>
-        <p:spPr/>
-        <p:txBody>
-          <a:bodyPr/>
-          <a:lstStyle/>
-          <a:p>
-            <a:fld id="{4382A7F7-08BF-4252-8141-63FB96055BBB}" type="slidenum">
-              <a:rPr lang="en-US" smtClean="0"/>
-              <a:pPr/>
-              <a:t>17</a:t>
-            </a:fld>
-            <a:endParaRPr lang="en-US" dirty="0"/>
-          </a:p>
-        </p:txBody>
-      </p:sp>
-      <p:sp>
-        <p:nvSpPr>
-          <p:cNvPr id="2" name="Title 1"/>
-          <p:cNvSpPr>
-            <a:spLocks noGrp="1"/>
-          </p:cNvSpPr>
-          <p:nvPr>
-            <p:ph type="title"/>
-          </p:nvPr>
-        </p:nvSpPr>
-        <p:spPr/>
-        <p:txBody>
-          <a:bodyPr/>
-          <a:lstStyle/>
-          <a:p>
-            <a:r>
-              <a:rPr lang="en-US" smtClean="0"/>
-              <a:t>Proportional Left Turn </a:t>
-            </a:r>
-            <a:endParaRPr lang="en-US" dirty="0"/>
-          </a:p>
-        </p:txBody>
-      </p:sp>
-      <p:sp>
-        <p:nvSpPr>
-          <p:cNvPr id="6" name="Content Placeholder 2"/>
-          <p:cNvSpPr txBox="1">
-            <a:spLocks/>
-          </p:cNvSpPr>
-          <p:nvPr/>
-        </p:nvSpPr>
-        <p:spPr>
-          <a:xfrm>
-            <a:off x="82935" y="4931388"/>
-            <a:ext cx="2600716" cy="1796021"/>
-          </a:xfrm>
-          <a:prstGeom prst="rect">
-            <a:avLst/>
-          </a:prstGeom>
-          <a:solidFill>
-            <a:srgbClr val="92D050"/>
-          </a:solidFill>
-        </p:spPr>
-        <p:txBody>
-          <a:bodyPr vert="horz" lIns="91440" tIns="45720" rIns="91440" bIns="45720" rtlCol="0">
-            <a:noAutofit/>
-          </a:bodyPr>
-          <a:lstStyle>
-            <a:lvl1pPr marL="454025" indent="-454025" algn="l" defTabSz="914400" rtl="0" eaLnBrk="1" latinLnBrk="0" hangingPunct="1">
-              <a:spcBef>
-                <a:spcPts val="2000"/>
-              </a:spcBef>
-              <a:buClr>
-                <a:schemeClr val="bg1">
-                  <a:lumMod val="65000"/>
-                </a:schemeClr>
-              </a:buClr>
-              <a:buSzPct val="90000"/>
-              <a:buFont typeface="Wingdings" pitchFamily="2" charset="2"/>
-              <a:buChar char=""/>
-              <a:defRPr sz="2400" kern="1200">
-                <a:solidFill>
-                  <a:schemeClr val="tx1">
-                    <a:lumMod val="85000"/>
-                    <a:lumOff val="15000"/>
-                  </a:schemeClr>
-                </a:solidFill>
-                <a:latin typeface="+mn-lt"/>
-                <a:ea typeface="+mn-ea"/>
-                <a:cs typeface="+mn-cs"/>
-              </a:defRPr>
-            </a:lvl1pPr>
-            <a:lvl2pPr marL="914400" indent="-457200" algn="l" defTabSz="914400" rtl="0" eaLnBrk="1" latinLnBrk="0" hangingPunct="1">
-              <a:spcBef>
-                <a:spcPts val="600"/>
-              </a:spcBef>
-              <a:buClr>
-                <a:schemeClr val="tx1">
-                  <a:lumMod val="75000"/>
-                  <a:lumOff val="25000"/>
-                </a:schemeClr>
-              </a:buClr>
-              <a:buSzPct val="90000"/>
-              <a:buFont typeface="Wingdings" pitchFamily="2" charset="2"/>
-              <a:buChar char=""/>
-              <a:defRPr sz="2200" kern="1200">
-                <a:solidFill>
-                  <a:schemeClr val="tx1">
-                    <a:lumMod val="85000"/>
-                    <a:lumOff val="15000"/>
-                  </a:schemeClr>
-                </a:solidFill>
-                <a:latin typeface="+mn-lt"/>
-                <a:ea typeface="+mn-ea"/>
-                <a:cs typeface="+mn-cs"/>
-              </a:defRPr>
-            </a:lvl2pPr>
-            <a:lvl3pPr marL="1260475" indent="-346075" algn="l" defTabSz="914400" rtl="0" eaLnBrk="1" latinLnBrk="0" hangingPunct="1">
-              <a:spcBef>
-                <a:spcPts val="600"/>
-              </a:spcBef>
-              <a:buClr>
-                <a:schemeClr val="bg1">
-                  <a:lumMod val="65000"/>
-                </a:schemeClr>
-              </a:buClr>
-              <a:buSzPct val="90000"/>
-              <a:buFont typeface="Wingdings" pitchFamily="2" charset="2"/>
-              <a:buChar char=""/>
-              <a:defRPr sz="2000" kern="1200">
-                <a:solidFill>
-                  <a:schemeClr val="tx1">
-                    <a:lumMod val="85000"/>
-                    <a:lumOff val="15000"/>
-                  </a:schemeClr>
-                </a:solidFill>
-                <a:latin typeface="+mn-lt"/>
-                <a:ea typeface="+mn-ea"/>
-                <a:cs typeface="+mn-cs"/>
-              </a:defRPr>
-            </a:lvl3pPr>
-            <a:lvl4pPr marL="1600200" indent="-339725" algn="l" defTabSz="914400" rtl="0" eaLnBrk="1" latinLnBrk="0" hangingPunct="1">
-              <a:spcBef>
-                <a:spcPts val="600"/>
-              </a:spcBef>
-              <a:buClr>
-                <a:schemeClr val="tx1">
-                  <a:lumMod val="75000"/>
-                  <a:lumOff val="25000"/>
-                </a:schemeClr>
-              </a:buClr>
-              <a:buSzPct val="90000"/>
-              <a:buFont typeface="Wingdings" pitchFamily="2" charset="2"/>
-              <a:buChar char=""/>
-              <a:defRPr sz="1800" kern="1200">
-                <a:solidFill>
-                  <a:schemeClr val="tx1">
-                    <a:lumMod val="85000"/>
-                    <a:lumOff val="15000"/>
-                  </a:schemeClr>
-                </a:solidFill>
-                <a:latin typeface="+mn-lt"/>
-                <a:ea typeface="+mn-ea"/>
-                <a:cs typeface="+mn-cs"/>
-              </a:defRPr>
-            </a:lvl4pPr>
-            <a:lvl5pPr marL="1939925" indent="-331788" algn="l" defTabSz="914400" rtl="0" eaLnBrk="1" latinLnBrk="0" hangingPunct="1">
-              <a:spcBef>
-                <a:spcPts val="600"/>
-              </a:spcBef>
-              <a:buClr>
-                <a:schemeClr val="bg1">
-                  <a:lumMod val="65000"/>
-                </a:schemeClr>
-              </a:buClr>
-              <a:buSzPct val="90000"/>
-              <a:buFont typeface="Wingdings" pitchFamily="2" charset="2"/>
-              <a:buChar char=""/>
-              <a:defRPr sz="1800" kern="1200">
-                <a:solidFill>
-                  <a:schemeClr val="tx1">
-                    <a:lumMod val="85000"/>
-                    <a:lumOff val="15000"/>
-                  </a:schemeClr>
-                </a:solidFill>
-                <a:latin typeface="+mn-lt"/>
-                <a:ea typeface="+mn-ea"/>
-                <a:cs typeface="+mn-cs"/>
-              </a:defRPr>
-            </a:lvl5pPr>
-            <a:lvl6pPr marL="2290763" indent="-344488" algn="l" defTabSz="914400" rtl="0" eaLnBrk="1" latinLnBrk="0" hangingPunct="1">
-              <a:spcBef>
-                <a:spcPts val="600"/>
-              </a:spcBef>
-              <a:buClr>
-                <a:schemeClr val="tx1">
-                  <a:lumMod val="75000"/>
-                  <a:lumOff val="25000"/>
-                </a:schemeClr>
-              </a:buClr>
-              <a:buSzPct val="90000"/>
-              <a:buFont typeface="Wingdings" pitchFamily="2" charset="2"/>
-              <a:buChar char=""/>
-              <a:defRPr lang="en-US" sz="1800" kern="1200" dirty="0" smtClean="0">
-                <a:solidFill>
-                  <a:schemeClr val="tx1">
-                    <a:lumMod val="85000"/>
-                    <a:lumOff val="15000"/>
-                  </a:schemeClr>
-                </a:solidFill>
-                <a:latin typeface="+mn-lt"/>
-                <a:ea typeface="+mn-ea"/>
-                <a:cs typeface="+mn-cs"/>
-              </a:defRPr>
-            </a:lvl6pPr>
-            <a:lvl7pPr marL="2625725" indent="-344488" algn="l" defTabSz="914400" rtl="0" eaLnBrk="1" latinLnBrk="0" hangingPunct="1">
-              <a:spcBef>
-                <a:spcPts val="600"/>
-              </a:spcBef>
-              <a:buClr>
-                <a:schemeClr val="bg1">
-                  <a:lumMod val="65000"/>
-                </a:schemeClr>
-              </a:buClr>
-              <a:buSzPct val="90000"/>
-              <a:buFont typeface="Wingdings" pitchFamily="2" charset="2"/>
-              <a:buChar char=""/>
-              <a:defRPr lang="en-US" sz="1800" kern="1200" dirty="0" smtClean="0">
-                <a:solidFill>
-                  <a:schemeClr val="tx1">
-                    <a:lumMod val="85000"/>
-                    <a:lumOff val="15000"/>
-                  </a:schemeClr>
-                </a:solidFill>
-                <a:latin typeface="+mn-lt"/>
-                <a:ea typeface="+mn-ea"/>
-                <a:cs typeface="+mn-cs"/>
-              </a:defRPr>
-            </a:lvl7pPr>
-            <a:lvl8pPr marL="2970213" indent="-344488" algn="l" defTabSz="914400" rtl="0" eaLnBrk="1" latinLnBrk="0" hangingPunct="1">
-              <a:spcBef>
-                <a:spcPts val="600"/>
-              </a:spcBef>
-              <a:buClr>
-                <a:schemeClr val="tx1">
-                  <a:lumMod val="75000"/>
-                  <a:lumOff val="25000"/>
-                </a:schemeClr>
-              </a:buClr>
-              <a:buSzPct val="90000"/>
-              <a:buFont typeface="Wingdings" pitchFamily="2" charset="2"/>
-              <a:buChar char=""/>
-              <a:defRPr lang="en-US" sz="1800" kern="1200" dirty="0" smtClean="0">
-                <a:solidFill>
-                  <a:schemeClr val="tx1">
-                    <a:lumMod val="85000"/>
-                    <a:lumOff val="15000"/>
-                  </a:schemeClr>
-                </a:solidFill>
-                <a:latin typeface="+mn-lt"/>
-                <a:ea typeface="+mn-ea"/>
-                <a:cs typeface="+mn-cs"/>
-              </a:defRPr>
-            </a:lvl8pPr>
-            <a:lvl9pPr marL="3313113" indent="-344488" algn="l" defTabSz="914400" rtl="0" eaLnBrk="1" latinLnBrk="0" hangingPunct="1">
-              <a:spcBef>
-                <a:spcPts val="600"/>
-              </a:spcBef>
-              <a:buClr>
-                <a:schemeClr val="bg1">
-                  <a:lumMod val="65000"/>
-                </a:schemeClr>
-              </a:buClr>
-              <a:buSzPct val="90000"/>
-              <a:buFont typeface="Wingdings" pitchFamily="2" charset="2"/>
-              <a:buChar char=""/>
-              <a:defRPr lang="en-US" sz="1800" kern="1200" dirty="0">
-                <a:solidFill>
-                  <a:schemeClr val="tx1">
-                    <a:lumMod val="85000"/>
-                    <a:lumOff val="15000"/>
-                  </a:schemeClr>
-                </a:solidFill>
-                <a:latin typeface="+mn-lt"/>
-                <a:ea typeface="+mn-ea"/>
-                <a:cs typeface="+mn-cs"/>
-              </a:defRPr>
-            </a:lvl9pPr>
-          </a:lstStyle>
-          <a:p>
-            <a:pPr marL="0" indent="0">
-              <a:buFont typeface="Wingdings" pitchFamily="2" charset="2"/>
-              <a:buNone/>
-            </a:pPr>
-            <a:r>
-              <a:rPr lang="en-US" sz="1100" dirty="0" smtClean="0">
-                <a:solidFill>
-                  <a:srgbClr val="FF0000"/>
-                </a:solidFill>
-              </a:rPr>
-              <a:t>What is going on with the math block in Left Pivot Turn?  You always calculate TARGET/GOAL MINUS CURRENT VALUE. So why an Addition Math Block?  </a:t>
-            </a:r>
-            <a:r>
-              <a:rPr lang="en-US" sz="1100" dirty="0">
-                <a:solidFill>
-                  <a:srgbClr val="FF0000"/>
-                </a:solidFill>
-              </a:rPr>
-              <a:t>W</a:t>
-            </a:r>
-            <a:r>
-              <a:rPr lang="en-US" sz="1100" dirty="0" smtClean="0">
-                <a:solidFill>
-                  <a:srgbClr val="FF0000"/>
-                </a:solidFill>
-              </a:rPr>
-              <a:t>hen you make a Left turn, the gyro always returns negative degrees.  From math, we know that adding a negative number is the same as subtracting the number.  So, that is why we use the Addition Math block in a  Left Gyro Turn.</a:t>
-            </a:r>
-          </a:p>
-          <a:p>
-            <a:pPr marL="0" indent="0">
-              <a:buFont typeface="Wingdings" pitchFamily="2" charset="2"/>
-              <a:buNone/>
-            </a:pPr>
-            <a:endParaRPr lang="en-US" sz="1100" dirty="0">
-              <a:solidFill>
-                <a:srgbClr val="FF0000"/>
-              </a:solidFill>
-            </a:endParaRPr>
-          </a:p>
-        </p:txBody>
-      </p:sp>
-    </p:spTree>
-    <p:extLst>
-      <p:ext uri="{BB962C8B-B14F-4D97-AF65-F5344CB8AC3E}">
-        <p14:creationId xmlns:p14="http://schemas.microsoft.com/office/powerpoint/2010/main" val="1646099312"/>
-      </p:ext>
-    </p:extLst>
-  </p:cSld>
-  <p:clrMapOvr>
-    <a:masterClrMapping/>
-  </p:clrMapOvr>
-  <p:timing>
-    <p:tnLst>
-      <p:par>
-        <p:cTn id="1" dur="indefinite" restart="never" nodeType="tmRoot"/>
-      </p:par>
-    </p:tnLst>
-  </p:timing>
-</p:sld>
-</file>
-
-<file path=ppt/slides/slide18.xml><?xml version="1.0" encoding="utf-8"?>
-<p:sld xmlns:a="http://schemas.openxmlformats.org/drawingml/2006/main" xmlns:r="http://schemas.openxmlformats.org/officeDocument/2006/relationships" xmlns:p="http://schemas.openxmlformats.org/presentationml/2006/main">
-  <p:cSld>
-    <p:spTree>
-      <p:nvGrpSpPr>
-        <p:cNvPr id="1" name=""/>
-        <p:cNvGrpSpPr/>
-        <p:nvPr/>
-      </p:nvGrpSpPr>
-      <p:grpSpPr>
-        <a:xfrm>
-          <a:off x="0" y="0"/>
-          <a:ext cx="0" cy="0"/>
-          <a:chOff x="0" y="0"/>
-          <a:chExt cx="0" cy="0"/>
-        </a:xfrm>
-      </p:grpSpPr>
-      <p:sp>
-        <p:nvSpPr>
-          <p:cNvPr id="3" name="Content Placeholder 2"/>
-          <p:cNvSpPr>
-            <a:spLocks noGrp="1"/>
-          </p:cNvSpPr>
-          <p:nvPr>
-            <p:ph idx="1"/>
-          </p:nvPr>
-        </p:nvSpPr>
-        <p:spPr/>
-        <p:txBody>
-          <a:bodyPr/>
-          <a:lstStyle/>
-          <a:p>
-            <a:pPr lvl="1"/>
-            <a:r>
-              <a:rPr lang="en-US" smtClean="0"/>
-              <a:t>What is gyro lag?</a:t>
-            </a:r>
-            <a:br>
-              <a:rPr lang="en-US" smtClean="0"/>
-            </a:br>
-            <a:r>
-              <a:rPr lang="en-US" smtClean="0"/>
-              <a:t>Ans. The gyro sensor’s reading lags behind the true reading</a:t>
-            </a:r>
-          </a:p>
-          <a:p>
-            <a:pPr lvl="1"/>
-            <a:r>
-              <a:rPr lang="en-US" smtClean="0"/>
-              <a:t>What is the difference between the two solutions presented in this lesson?</a:t>
-            </a:r>
-            <a:br>
-              <a:rPr lang="en-US" smtClean="0"/>
-            </a:br>
-            <a:r>
-              <a:rPr lang="en-US" smtClean="0"/>
-              <a:t>Ans. The first way was to reduce the amount of angle that you turn to compensate for lag. The second way was to use proportional control to continue performing your turn for a requested duration</a:t>
-            </a:r>
-            <a:endParaRPr lang="en-US" dirty="0"/>
-          </a:p>
-        </p:txBody>
-      </p:sp>
-      <p:sp>
-        <p:nvSpPr>
-          <p:cNvPr id="4" name="Footer Placeholder 3"/>
-          <p:cNvSpPr>
-            <a:spLocks noGrp="1"/>
-          </p:cNvSpPr>
-          <p:nvPr>
-            <p:ph type="ftr" sz="quarter" idx="11"/>
-          </p:nvPr>
-        </p:nvSpPr>
-        <p:spPr/>
-        <p:txBody>
-          <a:bodyPr/>
-          <a:lstStyle/>
-          <a:p>
-            <a:r>
-              <a:rPr lang="en-US" smtClean="0"/>
-              <a:t>© 2015 EV3Lessons.com, Last edit 11/10/2015</a:t>
-            </a:r>
-            <a:endParaRPr lang="en-US" dirty="0"/>
-          </a:p>
-        </p:txBody>
-      </p:sp>
-      <p:sp>
-        <p:nvSpPr>
-          <p:cNvPr id="7" name="Slide Number Placeholder 6"/>
-          <p:cNvSpPr>
-            <a:spLocks noGrp="1"/>
-          </p:cNvSpPr>
-          <p:nvPr>
-            <p:ph type="sldNum" sz="quarter" idx="12"/>
-          </p:nvPr>
-        </p:nvSpPr>
-        <p:spPr/>
-        <p:txBody>
-          <a:bodyPr/>
-          <a:lstStyle/>
-          <a:p>
-            <a:fld id="{4382A7F7-08BF-4252-8141-63FB96055BBB}" type="slidenum">
-              <a:rPr lang="en-US" smtClean="0"/>
-              <a:pPr/>
-              <a:t>18</a:t>
             </a:fld>
             <a:endParaRPr lang="en-US" dirty="0"/>
           </a:p>
@@ -7855,7 +6675,7 @@
 </p:sld>
 </file>
 
-<file path=ppt/slides/slide19.xml><?xml version="1.0" encoding="utf-8"?>
+<file path=ppt/slides/slide15.xml><?xml version="1.0" encoding="utf-8"?>
 <p:sld xmlns:a="http://schemas.openxmlformats.org/drawingml/2006/main" xmlns:r="http://schemas.openxmlformats.org/officeDocument/2006/relationships" xmlns:p="http://schemas.openxmlformats.org/presentationml/2006/main">
   <p:cSld>
     <p:spTree>
@@ -7949,8 +6769,8 @@
           <a:lstStyle/>
           <a:p>
             <a:r>
-              <a:rPr lang="en-US" smtClean="0"/>
-              <a:t>© 2015 EV3Lessons.com, Last edit 11/10/2015</a:t>
+              <a:rPr lang="sk-SK" smtClean="0"/>
+              <a:t>© 2015 EV3Lessons.com, Last edit 12/19/2015</a:t>
             </a:r>
             <a:endParaRPr lang="en-US" dirty="0"/>
           </a:p>
@@ -7974,7 +6794,7 @@
             <a:fld id="{4382A7F7-08BF-4252-8141-63FB96055BBB}" type="slidenum">
               <a:rPr lang="en-US" smtClean="0"/>
               <a:pPr/>
-              <a:t>19</a:t>
+              <a:t>15</a:t>
             </a:fld>
             <a:endParaRPr lang="en-US"/>
           </a:p>
@@ -8028,7 +6848,7 @@
           <a:effectLst/>
           <a:extLst>
             <a:ext uri="{91240B29-F687-4f45-9708-019B960494DF}">
-              <a14:hiddenLine xmlns:a14="http://schemas.microsoft.com/office/drawing/2010/main" xmlns="" w="9525">
+              <a14:hiddenLine xmlns="" xmlns:a14="http://schemas.microsoft.com/office/drawing/2010/main" w="9525">
                 <a:solidFill>
                   <a:schemeClr val="tx1"/>
                 </a:solidFill>
@@ -8038,7 +6858,7 @@
               </a14:hiddenLine>
             </a:ext>
             <a:ext uri="{AF507438-7753-43e0-B8FC-AC1667EBCBE1}">
-              <a14:hiddenEffects xmlns:a14="http://schemas.microsoft.com/office/drawing/2010/main" xmlns="">
+              <a14:hiddenEffects xmlns="" xmlns:a14="http://schemas.microsoft.com/office/drawing/2010/main">
                 <a:effectLst>
                   <a:outerShdw dist="35921" dir="2700000" algn="ctr" rotWithShape="0">
                     <a:schemeClr val="bg2"/>
@@ -8391,7 +7211,7 @@
           <a:noFill/>
           <a:extLst>
             <a:ext uri="{909E8E84-426E-40dd-AFC4-6F175D3DCCD1}">
-              <a14:hiddenFill xmlns:a14="http://schemas.microsoft.com/office/drawing/2010/main" xmlns="">
+              <a14:hiddenFill xmlns="" xmlns:a14="http://schemas.microsoft.com/office/drawing/2010/main">
                 <a:solidFill>
                   <a:srgbClr val="FFFFFF"/>
                 </a:solidFill>
@@ -8478,7 +7298,15 @@
             </a:pPr>
             <a:r>
               <a:rPr lang="en-US" dirty="0" smtClean="0"/>
-              <a:t>Learn two ways to correct for this lag</a:t>
+              <a:t>Learn </a:t>
+            </a:r>
+            <a:r>
+              <a:rPr lang="en-US" dirty="0" smtClean="0"/>
+              <a:t>one way </a:t>
+            </a:r>
+            <a:r>
+              <a:rPr lang="en-US" dirty="0" smtClean="0"/>
+              <a:t>to correct for this lag</a:t>
             </a:r>
           </a:p>
           <a:p>
@@ -8497,7 +7325,11 @@
           <a:p>
             <a:r>
               <a:rPr lang="en-US" dirty="0" smtClean="0"/>
-              <a:t>Pre-requisites: My Blocks with Inputs and Outputs, Data wires, Math Blocks, Loops, Proportional Control</a:t>
+              <a:t>Pre-requisites: My Blocks with Inputs and Outputs, Data wires, Math Blocks, </a:t>
+            </a:r>
+            <a:r>
+              <a:rPr lang="en-US" dirty="0" smtClean="0"/>
+              <a:t>Loops</a:t>
             </a:r>
             <a:endParaRPr lang="en-US" dirty="0"/>
           </a:p>
@@ -8519,8 +7351,8 @@
           <a:lstStyle/>
           <a:p>
             <a:r>
-              <a:rPr lang="en-US" dirty="0" smtClean="0"/>
-              <a:t>© 2015 EV3Lessons.com, Last edit 11/10/2015</a:t>
+              <a:rPr lang="sk-SK" smtClean="0"/>
+              <a:t>© 2015 EV3Lessons.com, Last edit 12/19/2015</a:t>
             </a:r>
             <a:endParaRPr lang="en-US" dirty="0"/>
           </a:p>
@@ -8646,39 +7478,41 @@
           <a:p>
             <a:r>
               <a:rPr lang="en-US" dirty="0" smtClean="0"/>
-              <a:t>This lesson presents two ways to deal with lag in a turn</a:t>
-            </a:r>
-          </a:p>
-          <a:p>
-            <a:pPr lvl="1">
-              <a:buFont typeface="+mj-lt"/>
-              <a:buAutoNum type="arabicPeriod"/>
-            </a:pPr>
+              <a:t>This lesson presents </a:t>
+            </a:r>
             <a:r>
               <a:rPr lang="en-US" dirty="0" smtClean="0"/>
-              <a:t>Reduce the amount of angle that you turn to compensate for lag (slides 4-</a:t>
+              <a:t>one way </a:t>
+            </a:r>
+            <a:r>
+              <a:rPr lang="en-US" dirty="0" smtClean="0"/>
+              <a:t>to deal with lag in a </a:t>
+            </a:r>
+            <a:r>
+              <a:rPr lang="en-US" dirty="0" smtClean="0"/>
+              <a:t>turn:</a:t>
             </a:r>
             <a:r>
               <a:rPr lang="en-US" dirty="0"/>
-              <a:t>9</a:t>
+              <a:t> </a:t>
+            </a:r>
+            <a:r>
+              <a:rPr lang="en-US" dirty="0"/>
+              <a:t>r</a:t>
             </a:r>
             <a:r>
               <a:rPr lang="en-US" dirty="0" smtClean="0"/>
-              <a:t>)</a:t>
-            </a:r>
-          </a:p>
-          <a:p>
-            <a:pPr lvl="1">
-              <a:buFont typeface="+mj-lt"/>
-              <a:buAutoNum type="arabicPeriod"/>
-            </a:pPr>
+              <a:t>educe </a:t>
+            </a:r>
             <a:r>
               <a:rPr lang="en-US" dirty="0" smtClean="0"/>
-              <a:t>Use proportional control to continue performing your turn for a requested duration (slides 10-12)</a:t>
-            </a:r>
-          </a:p>
-          <a:p>
-            <a:endParaRPr lang="en-US" dirty="0"/>
+              <a:t>the amount of angle that you turn to compensate for </a:t>
+            </a:r>
+            <a:r>
+              <a:rPr lang="en-US" dirty="0" smtClean="0"/>
+              <a:t>lag</a:t>
+            </a:r>
+            <a:endParaRPr lang="en-US" dirty="0" smtClean="0"/>
           </a:p>
         </p:txBody>
       </p:sp>
@@ -8698,8 +7532,8 @@
           <a:lstStyle/>
           <a:p>
             <a:r>
-              <a:rPr lang="en-US" dirty="0" smtClean="0"/>
-              <a:t>© 2015 EV3Lessons.com, Last edit 11/10/2015</a:t>
+              <a:rPr lang="sk-SK" smtClean="0"/>
+              <a:t>© 2015 EV3Lessons.com, Last edit 12/19/2015</a:t>
             </a:r>
             <a:endParaRPr lang="en-US" dirty="0"/>
           </a:p>
@@ -8836,8 +7670,8 @@
           <a:lstStyle/>
           <a:p>
             <a:r>
-              <a:rPr lang="en-US" smtClean="0"/>
-              <a:t>© 2015 EV3Lessons.com, Last edit 11/10/2015</a:t>
+              <a:rPr lang="sk-SK" smtClean="0"/>
+              <a:t>© 2015 EV3Lessons.com, Last edit 12/19/2015</a:t>
             </a:r>
             <a:endParaRPr lang="en-US"/>
           </a:p>
@@ -9241,8 +8075,8 @@
           <a:lstStyle/>
           <a:p>
             <a:r>
-              <a:rPr lang="en-US" dirty="0" smtClean="0"/>
-              <a:t>© 2015 EV3Lessons.com, Last edit 11/10/2015</a:t>
+              <a:rPr lang="sk-SK" smtClean="0"/>
+              <a:t>© 2015 EV3Lessons.com, Last edit 12/19/2015</a:t>
             </a:r>
             <a:endParaRPr lang="en-US" dirty="0"/>
           </a:p>
@@ -9453,8 +8287,8 @@
           <a:lstStyle/>
           <a:p>
             <a:r>
-              <a:rPr lang="en-US" smtClean="0"/>
-              <a:t>© 2015 EV3Lessons.com, Last edit 11/10/2015</a:t>
+              <a:rPr lang="sk-SK" smtClean="0"/>
+              <a:t>© 2015 EV3Lessons.com, Last edit 12/19/2015</a:t>
             </a:r>
             <a:endParaRPr lang="en-US" dirty="0"/>
           </a:p>
@@ -9620,8 +8454,8 @@
           <a:lstStyle/>
           <a:p>
             <a:r>
-              <a:rPr lang="en-US" smtClean="0"/>
-              <a:t>© 2015 EV3Lessons.com, Last edit 11/10/2015</a:t>
+              <a:rPr lang="sk-SK" smtClean="0"/>
+              <a:t>© 2015 EV3Lessons.com, Last edit 12/19/2015</a:t>
             </a:r>
             <a:endParaRPr lang="en-US" dirty="0"/>
           </a:p>
@@ -9756,8 +8590,8 @@
           <a:lstStyle/>
           <a:p>
             <a:r>
-              <a:rPr lang="en-US" smtClean="0"/>
-              <a:t>© 2015 EV3Lessons.com, Last edit 11/10/2015</a:t>
+              <a:rPr lang="sk-SK" smtClean="0"/>
+              <a:t>© 2015 EV3Lessons.com, Last edit 12/19/2015</a:t>
             </a:r>
             <a:endParaRPr lang="en-US"/>
           </a:p>
@@ -9864,8 +8698,8 @@
           <a:lstStyle/>
           <a:p>
             <a:r>
-              <a:rPr lang="en-US" dirty="0" smtClean="0"/>
-              <a:t>© 2015 EV3Lessons.com, Last edit 11/10/2015</a:t>
+              <a:rPr lang="sk-SK" smtClean="0"/>
+              <a:t>© 2015 EV3Lessons.com, Last edit 12/19/2015</a:t>
             </a:r>
             <a:endParaRPr lang="en-US" dirty="0"/>
           </a:p>

--- a/translations/en-us/advanced/GyroTurn.pptx
+++ b/translations/en-us/advanced/GyroTurn.pptx
@@ -1497,7 +1497,7 @@
           <a:noFill/>
           <a:extLst>
             <a:ext uri="{909E8E84-426E-40dd-AFC4-6F175D3DCCD1}">
-              <a14:hiddenFill xmlns:a14="http://schemas.microsoft.com/office/drawing/2010/main" xmlns="">
+              <a14:hiddenFill xmlns="" xmlns:a14="http://schemas.microsoft.com/office/drawing/2010/main">
                 <a:solidFill>
                   <a:srgbClr val="FFFFFF"/>
                 </a:solidFill>
@@ -6708,7 +6708,7 @@
           <a:lstStyle/>
           <a:p>
             <a:r>
-              <a:rPr lang="en-US" smtClean="0"/>
+              <a:rPr lang="en-US" dirty="0" smtClean="0"/>
               <a:t>This tutorial was written by Sanjay </a:t>
             </a:r>
             <a:r>
@@ -6725,24 +6725,17 @@
             </a:r>
             <a:r>
               <a:rPr lang="en-US" dirty="0" smtClean="0"/>
-              <a:t> from Droids Robotics using code shared by The Construction Mavericks (http://</a:t>
-            </a:r>
-            <a:r>
-              <a:rPr lang="en-US" dirty="0" err="1" smtClean="0"/>
-              <a:t>fllmavericks.wix.com</a:t>
-            </a:r>
-            <a:r>
-              <a:rPr lang="en-US" dirty="0" smtClean="0"/>
-              <a:t>/</a:t>
-            </a:r>
-            <a:r>
-              <a:rPr lang="en-US" dirty="0" err="1" smtClean="0"/>
-              <a:t>fllmavericks</a:t>
-            </a:r>
-            <a:r>
-              <a:rPr lang="en-US" dirty="0" smtClean="0"/>
-              <a:t>)</a:t>
-            </a:r>
+              <a:t> from </a:t>
+            </a:r>
+            <a:r>
+              <a:rPr lang="en-US" smtClean="0"/>
+              <a:t>Droids </a:t>
+            </a:r>
+            <a:r>
+              <a:rPr lang="en-US" smtClean="0"/>
+              <a:t>Robotics</a:t>
+            </a:r>
+            <a:endParaRPr lang="en-US" dirty="0" smtClean="0"/>
           </a:p>
           <a:p>
             <a:r>
@@ -6848,7 +6841,7 @@
           <a:effectLst/>
           <a:extLst>
             <a:ext uri="{91240B29-F687-4f45-9708-019B960494DF}">
-              <a14:hiddenLine xmlns="" xmlns:a14="http://schemas.microsoft.com/office/drawing/2010/main" w="9525">
+              <a14:hiddenLine xmlns:a14="http://schemas.microsoft.com/office/drawing/2010/main" xmlns="" w="9525">
                 <a:solidFill>
                   <a:schemeClr val="tx1"/>
                 </a:solidFill>
@@ -6858,7 +6851,7 @@
               </a14:hiddenLine>
             </a:ext>
             <a:ext uri="{AF507438-7753-43e0-B8FC-AC1667EBCBE1}">
-              <a14:hiddenEffects xmlns="" xmlns:a14="http://schemas.microsoft.com/office/drawing/2010/main">
+              <a14:hiddenEffects xmlns:a14="http://schemas.microsoft.com/office/drawing/2010/main" xmlns="">
                 <a:effectLst>
                   <a:outerShdw dist="35921" dir="2700000" algn="ctr" rotWithShape="0">
                     <a:schemeClr val="bg2"/>
@@ -7211,7 +7204,7 @@
           <a:noFill/>
           <a:extLst>
             <a:ext uri="{909E8E84-426E-40dd-AFC4-6F175D3DCCD1}">
-              <a14:hiddenFill xmlns="" xmlns:a14="http://schemas.microsoft.com/office/drawing/2010/main">
+              <a14:hiddenFill xmlns:a14="http://schemas.microsoft.com/office/drawing/2010/main" xmlns="">
                 <a:solidFill>
                   <a:srgbClr val="FFFFFF"/>
                 </a:solidFill>
@@ -7298,15 +7291,7 @@
             </a:pPr>
             <a:r>
               <a:rPr lang="en-US" dirty="0" smtClean="0"/>
-              <a:t>Learn </a:t>
-            </a:r>
-            <a:r>
-              <a:rPr lang="en-US" dirty="0" smtClean="0"/>
-              <a:t>one way </a:t>
-            </a:r>
-            <a:r>
-              <a:rPr lang="en-US" dirty="0" smtClean="0"/>
-              <a:t>to correct for this lag</a:t>
+              <a:t>Learn one way to correct for this lag</a:t>
             </a:r>
           </a:p>
           <a:p>
@@ -7325,11 +7310,7 @@
           <a:p>
             <a:r>
               <a:rPr lang="en-US" dirty="0" smtClean="0"/>
-              <a:t>Pre-requisites: My Blocks with Inputs and Outputs, Data wires, Math Blocks, </a:t>
-            </a:r>
-            <a:r>
-              <a:rPr lang="en-US" dirty="0" smtClean="0"/>
-              <a:t>Loops</a:t>
+              <a:t>Pre-requisites: My Blocks with Inputs and Outputs, Data wires, Math Blocks, Loops</a:t>
             </a:r>
             <a:endParaRPr lang="en-US" dirty="0"/>
           </a:p>
@@ -7478,41 +7459,16 @@
           <a:p>
             <a:r>
               <a:rPr lang="en-US" dirty="0" smtClean="0"/>
-              <a:t>This lesson presents </a:t>
+              <a:t>This lesson presents one way to deal with lag in a turn:</a:t>
+            </a:r>
+            <a:r>
+              <a:rPr lang="en-US" dirty="0"/>
+              <a:t> r</a:t>
             </a:r>
             <a:r>
               <a:rPr lang="en-US" dirty="0" smtClean="0"/>
-              <a:t>one way </a:t>
-            </a:r>
-            <a:r>
-              <a:rPr lang="en-US" dirty="0" smtClean="0"/>
-              <a:t>to deal with lag in a </a:t>
-            </a:r>
-            <a:r>
-              <a:rPr lang="en-US" dirty="0" smtClean="0"/>
-              <a:t>turn:</a:t>
-            </a:r>
-            <a:r>
-              <a:rPr lang="en-US" dirty="0"/>
-              <a:t> </a:t>
-            </a:r>
-            <a:r>
-              <a:rPr lang="en-US" dirty="0"/>
-              <a:t>r</a:t>
-            </a:r>
-            <a:r>
-              <a:rPr lang="en-US" dirty="0" smtClean="0"/>
-              <a:t>educe </a:t>
-            </a:r>
-            <a:r>
-              <a:rPr lang="en-US" dirty="0" smtClean="0"/>
-              <a:t>the amount of angle that you turn to compensate for </a:t>
-            </a:r>
-            <a:r>
-              <a:rPr lang="en-US" dirty="0" smtClean="0"/>
-              <a:t>lag</a:t>
-            </a:r>
-            <a:endParaRPr lang="en-US" dirty="0" smtClean="0"/>
+              <a:t>educe the amount of angle that you turn to compensate for lag</a:t>
+            </a:r>
           </a:p>
         </p:txBody>
       </p:sp>

--- a/translations/en-us/advanced/GyroTurn.pptx
+++ b/translations/en-us/advanced/GyroTurn.pptx
@@ -225,7 +225,7 @@
           <a:p>
             <a:fld id="{E354B44E-40A3-0E46-B16A-9BF1250A248B}" type="datetimeFigureOut">
               <a:rPr lang="en-US" smtClean="0"/>
-              <a:t>12/19/15</a:t>
+              <a:t>7/19/16</a:t>
             </a:fld>
             <a:endParaRPr lang="en-US"/>
           </a:p>
@@ -391,7 +391,7 @@
           <a:p>
             <a:fld id="{C86AD16C-2DB4-6642-BAD4-9ED973A087A0}" type="datetimeFigureOut">
               <a:rPr lang="en-US" smtClean="0"/>
-              <a:t>12/19/15</a:t>
+              <a:t>7/19/16</a:t>
             </a:fld>
             <a:endParaRPr lang="en-US"/>
           </a:p>
@@ -944,9 +944,9 @@
           <a:bodyPr/>
           <a:lstStyle/>
           <a:p>
-            <a:fld id="{8AD7084A-C26D-684D-A138-DFE5213BA0DC}" type="datetime1">
-              <a:rPr lang="en-US" smtClean="0"/>
-              <a:t>12/19/15</a:t>
+            <a:fld id="{29778D4A-59CD-5F43-959C-F20F1FC8AAF6}" type="datetime1">
+              <a:rPr lang="en-US" smtClean="0"/>
+              <a:t>7/19/16</a:t>
             </a:fld>
             <a:endParaRPr lang="en-US"/>
           </a:p>
@@ -969,7 +969,7 @@
           <a:p>
             <a:r>
               <a:rPr lang="sk-SK" smtClean="0"/>
-              <a:t>© 2015 EV3Lessons.com, Last edit 12/19/2015</a:t>
+              <a:t>© 2016 EV3Lessons.com, Last edit 7/19/2016</a:t>
             </a:r>
             <a:endParaRPr lang="en-US"/>
           </a:p>
@@ -1497,7 +1497,7 @@
           <a:noFill/>
           <a:extLst>
             <a:ext uri="{909E8E84-426E-40dd-AFC4-6F175D3DCCD1}">
-              <a14:hiddenFill xmlns="" xmlns:a14="http://schemas.microsoft.com/office/drawing/2010/main">
+              <a14:hiddenFill xmlns:a14="http://schemas.microsoft.com/office/drawing/2010/main" xmlns="">
                 <a:solidFill>
                   <a:srgbClr val="FFFFFF"/>
                 </a:solidFill>
@@ -1541,288 +1541,6 @@
           </a:fontRef>
         </p:style>
       </p:cxnSp>
-      <p:pic>
-        <p:nvPicPr>
-          <p:cNvPr id="12" name="Picture 11"/>
-          <p:cNvPicPr>
-            <a:picLocks noChangeAspect="1"/>
-          </p:cNvPicPr>
-          <p:nvPr/>
-        </p:nvPicPr>
-        <p:blipFill>
-          <a:blip r:embed="rId3">
-            <a:extLst>
-              <a:ext uri="{28A0092B-C50C-407E-A947-70E740481C1C}">
-                <a14:useLocalDpi xmlns:a14="http://schemas.microsoft.com/office/drawing/2010/main" val="0"/>
-              </a:ext>
-            </a:extLst>
-          </a:blip>
-          <a:stretch>
-            <a:fillRect/>
-          </a:stretch>
-        </p:blipFill>
-        <p:spPr>
-          <a:xfrm>
-            <a:off x="284163" y="4948514"/>
-            <a:ext cx="1265237" cy="1210410"/>
-          </a:xfrm>
-          <a:prstGeom prst="rect">
-            <a:avLst/>
-          </a:prstGeom>
-        </p:spPr>
-      </p:pic>
-      <p:sp>
-        <p:nvSpPr>
-          <p:cNvPr id="18" name="Subtitle 3"/>
-          <p:cNvSpPr txBox="1">
-            <a:spLocks/>
-          </p:cNvSpPr>
-          <p:nvPr/>
-        </p:nvSpPr>
-        <p:spPr>
-          <a:xfrm>
-            <a:off x="1549400" y="5829838"/>
-            <a:ext cx="3749229" cy="484094"/>
-          </a:xfrm>
-          <a:prstGeom prst="rect">
-            <a:avLst/>
-          </a:prstGeom>
-        </p:spPr>
-        <p:txBody>
-          <a:bodyPr vert="horz" lIns="91440" tIns="45720" rIns="91440" bIns="45720" rtlCol="0">
-            <a:normAutofit/>
-          </a:bodyPr>
-          <a:lstStyle>
-            <a:lvl1pPr marL="0" indent="0" algn="l" defTabSz="914400" rtl="0" eaLnBrk="1" latinLnBrk="0" hangingPunct="1">
-              <a:lnSpc>
-                <a:spcPct val="100000"/>
-              </a:lnSpc>
-              <a:spcBef>
-                <a:spcPts val="0"/>
-              </a:spcBef>
-              <a:buClr>
-                <a:schemeClr val="bg1">
-                  <a:lumMod val="65000"/>
-                </a:schemeClr>
-              </a:buClr>
-              <a:buSzPct val="90000"/>
-              <a:buFont typeface="Wingdings" pitchFamily="2" charset="2"/>
-              <a:buNone/>
-              <a:defRPr sz="1800" kern="1200">
-                <a:solidFill>
-                  <a:schemeClr val="bg1"/>
-                </a:solidFill>
-                <a:latin typeface="+mn-lt"/>
-                <a:ea typeface="+mn-ea"/>
-                <a:cs typeface="+mn-cs"/>
-              </a:defRPr>
-            </a:lvl1pPr>
-            <a:lvl2pPr marL="457200" indent="0" algn="ctr" defTabSz="914400" rtl="0" eaLnBrk="1" latinLnBrk="0" hangingPunct="1">
-              <a:spcBef>
-                <a:spcPts val="600"/>
-              </a:spcBef>
-              <a:buClr>
-                <a:schemeClr val="tx1">
-                  <a:lumMod val="75000"/>
-                  <a:lumOff val="25000"/>
-                </a:schemeClr>
-              </a:buClr>
-              <a:buSzPct val="90000"/>
-              <a:buFont typeface="Wingdings" pitchFamily="2" charset="2"/>
-              <a:buNone/>
-              <a:defRPr sz="2200" kern="1200">
-                <a:solidFill>
-                  <a:schemeClr val="tx1">
-                    <a:tint val="75000"/>
-                  </a:schemeClr>
-                </a:solidFill>
-                <a:latin typeface="+mn-lt"/>
-                <a:ea typeface="+mn-ea"/>
-                <a:cs typeface="+mn-cs"/>
-              </a:defRPr>
-            </a:lvl2pPr>
-            <a:lvl3pPr marL="914400" indent="0" algn="ctr" defTabSz="914400" rtl="0" eaLnBrk="1" latinLnBrk="0" hangingPunct="1">
-              <a:spcBef>
-                <a:spcPts val="600"/>
-              </a:spcBef>
-              <a:buClr>
-                <a:schemeClr val="bg1">
-                  <a:lumMod val="65000"/>
-                </a:schemeClr>
-              </a:buClr>
-              <a:buSzPct val="90000"/>
-              <a:buFont typeface="Wingdings" pitchFamily="2" charset="2"/>
-              <a:buNone/>
-              <a:defRPr sz="2000" kern="1200">
-                <a:solidFill>
-                  <a:schemeClr val="tx1">
-                    <a:tint val="75000"/>
-                  </a:schemeClr>
-                </a:solidFill>
-                <a:latin typeface="+mn-lt"/>
-                <a:ea typeface="+mn-ea"/>
-                <a:cs typeface="+mn-cs"/>
-              </a:defRPr>
-            </a:lvl3pPr>
-            <a:lvl4pPr marL="1371600" indent="0" algn="ctr" defTabSz="914400" rtl="0" eaLnBrk="1" latinLnBrk="0" hangingPunct="1">
-              <a:spcBef>
-                <a:spcPts val="600"/>
-              </a:spcBef>
-              <a:buClr>
-                <a:schemeClr val="tx1">
-                  <a:lumMod val="75000"/>
-                  <a:lumOff val="25000"/>
-                </a:schemeClr>
-              </a:buClr>
-              <a:buSzPct val="90000"/>
-              <a:buFont typeface="Wingdings" pitchFamily="2" charset="2"/>
-              <a:buNone/>
-              <a:defRPr sz="1800" kern="1200">
-                <a:solidFill>
-                  <a:schemeClr val="tx1">
-                    <a:tint val="75000"/>
-                  </a:schemeClr>
-                </a:solidFill>
-                <a:latin typeface="+mn-lt"/>
-                <a:ea typeface="+mn-ea"/>
-                <a:cs typeface="+mn-cs"/>
-              </a:defRPr>
-            </a:lvl4pPr>
-            <a:lvl5pPr marL="1828800" indent="0" algn="ctr" defTabSz="914400" rtl="0" eaLnBrk="1" latinLnBrk="0" hangingPunct="1">
-              <a:spcBef>
-                <a:spcPts val="600"/>
-              </a:spcBef>
-              <a:buClr>
-                <a:schemeClr val="bg1">
-                  <a:lumMod val="65000"/>
-                </a:schemeClr>
-              </a:buClr>
-              <a:buSzPct val="90000"/>
-              <a:buFont typeface="Wingdings" pitchFamily="2" charset="2"/>
-              <a:buNone/>
-              <a:defRPr sz="1800" kern="1200">
-                <a:solidFill>
-                  <a:schemeClr val="tx1">
-                    <a:tint val="75000"/>
-                  </a:schemeClr>
-                </a:solidFill>
-                <a:latin typeface="+mn-lt"/>
-                <a:ea typeface="+mn-ea"/>
-                <a:cs typeface="+mn-cs"/>
-              </a:defRPr>
-            </a:lvl5pPr>
-            <a:lvl6pPr marL="2286000" indent="0" algn="ctr" defTabSz="914400" rtl="0" eaLnBrk="1" latinLnBrk="0" hangingPunct="1">
-              <a:spcBef>
-                <a:spcPts val="600"/>
-              </a:spcBef>
-              <a:buClr>
-                <a:schemeClr val="tx1">
-                  <a:lumMod val="75000"/>
-                  <a:lumOff val="25000"/>
-                </a:schemeClr>
-              </a:buClr>
-              <a:buSzPct val="90000"/>
-              <a:buFont typeface="Wingdings" pitchFamily="2" charset="2"/>
-              <a:buNone/>
-              <a:defRPr lang="en-US" sz="1800" kern="1200">
-                <a:solidFill>
-                  <a:schemeClr val="tx1">
-                    <a:tint val="75000"/>
-                  </a:schemeClr>
-                </a:solidFill>
-                <a:latin typeface="+mn-lt"/>
-                <a:ea typeface="+mn-ea"/>
-                <a:cs typeface="+mn-cs"/>
-              </a:defRPr>
-            </a:lvl6pPr>
-            <a:lvl7pPr marL="2743200" indent="0" algn="ctr" defTabSz="914400" rtl="0" eaLnBrk="1" latinLnBrk="0" hangingPunct="1">
-              <a:spcBef>
-                <a:spcPts val="600"/>
-              </a:spcBef>
-              <a:buClr>
-                <a:schemeClr val="bg1">
-                  <a:lumMod val="65000"/>
-                </a:schemeClr>
-              </a:buClr>
-              <a:buSzPct val="90000"/>
-              <a:buFont typeface="Wingdings" pitchFamily="2" charset="2"/>
-              <a:buNone/>
-              <a:defRPr lang="en-US" sz="1800" kern="1200">
-                <a:solidFill>
-                  <a:schemeClr val="tx1">
-                    <a:tint val="75000"/>
-                  </a:schemeClr>
-                </a:solidFill>
-                <a:latin typeface="+mn-lt"/>
-                <a:ea typeface="+mn-ea"/>
-                <a:cs typeface="+mn-cs"/>
-              </a:defRPr>
-            </a:lvl7pPr>
-            <a:lvl8pPr marL="3200400" indent="0" algn="ctr" defTabSz="914400" rtl="0" eaLnBrk="1" latinLnBrk="0" hangingPunct="1">
-              <a:spcBef>
-                <a:spcPts val="600"/>
-              </a:spcBef>
-              <a:buClr>
-                <a:schemeClr val="tx1">
-                  <a:lumMod val="75000"/>
-                  <a:lumOff val="25000"/>
-                </a:schemeClr>
-              </a:buClr>
-              <a:buSzPct val="90000"/>
-              <a:buFont typeface="Wingdings" pitchFamily="2" charset="2"/>
-              <a:buNone/>
-              <a:defRPr lang="en-US" sz="1800" kern="1200">
-                <a:solidFill>
-                  <a:schemeClr val="tx1">
-                    <a:tint val="75000"/>
-                  </a:schemeClr>
-                </a:solidFill>
-                <a:latin typeface="+mn-lt"/>
-                <a:ea typeface="+mn-ea"/>
-                <a:cs typeface="+mn-cs"/>
-              </a:defRPr>
-            </a:lvl8pPr>
-            <a:lvl9pPr marL="3657600" indent="0" algn="ctr" defTabSz="914400" rtl="0" eaLnBrk="1" latinLnBrk="0" hangingPunct="1">
-              <a:spcBef>
-                <a:spcPts val="600"/>
-              </a:spcBef>
-              <a:buClr>
-                <a:schemeClr val="bg1">
-                  <a:lumMod val="65000"/>
-                </a:schemeClr>
-              </a:buClr>
-              <a:buSzPct val="90000"/>
-              <a:buFont typeface="Wingdings" pitchFamily="2" charset="2"/>
-              <a:buNone/>
-              <a:defRPr lang="en-US" sz="1800" kern="1200">
-                <a:solidFill>
-                  <a:schemeClr val="tx1">
-                    <a:tint val="75000"/>
-                  </a:schemeClr>
-                </a:solidFill>
-                <a:latin typeface="+mn-lt"/>
-                <a:ea typeface="+mn-ea"/>
-                <a:cs typeface="+mn-cs"/>
-              </a:defRPr>
-            </a:lvl9pPr>
-          </a:lstStyle>
-          <a:p>
-            <a:r>
-              <a:rPr lang="en-US" dirty="0" smtClean="0">
-                <a:solidFill>
-                  <a:schemeClr val="tx1"/>
-                </a:solidFill>
-              </a:rPr>
-              <a:t>By Droids Robotics</a:t>
-            </a:r>
-            <a:endParaRPr lang="en-US" dirty="0">
-              <a:solidFill>
-                <a:schemeClr val="tx1"/>
-              </a:solidFill>
-            </a:endParaRPr>
-          </a:p>
-        </p:txBody>
-      </p:sp>
     </p:spTree>
     <p:extLst>
       <p:ext uri="{BB962C8B-B14F-4D97-AF65-F5344CB8AC3E}">
@@ -1875,9 +1593,9 @@
           <a:bodyPr/>
           <a:lstStyle/>
           <a:p>
-            <a:fld id="{AB9FB5B2-73AB-6340-B2F0-B280A041D803}" type="datetime1">
-              <a:rPr lang="en-US" smtClean="0"/>
-              <a:t>12/19/15</a:t>
+            <a:fld id="{BD5CAF74-7C5E-2B46-B27A-762C32A5A58F}" type="datetime1">
+              <a:rPr lang="en-US" smtClean="0"/>
+              <a:t>7/19/16</a:t>
             </a:fld>
             <a:endParaRPr lang="en-US"/>
           </a:p>
@@ -1900,7 +1618,7 @@
           <a:p>
             <a:r>
               <a:rPr lang="sk-SK" smtClean="0"/>
-              <a:t>© 2015 EV3Lessons.com, Last edit 12/19/2015</a:t>
+              <a:t>© 2016 EV3Lessons.com, Last edit 7/19/2016</a:t>
             </a:r>
             <a:endParaRPr lang="en-US"/>
           </a:p>
@@ -2233,9 +1951,9 @@
           <a:bodyPr/>
           <a:lstStyle/>
           <a:p>
-            <a:fld id="{7C8F896A-B34A-AD47-8FCF-F499DA82FFE4}" type="datetime1">
-              <a:rPr lang="en-US" smtClean="0"/>
-              <a:t>12/19/15</a:t>
+            <a:fld id="{DE434EBE-9881-CC4F-A3FE-D2B2D6EEA114}" type="datetime1">
+              <a:rPr lang="en-US" smtClean="0"/>
+              <a:t>7/19/16</a:t>
             </a:fld>
             <a:endParaRPr lang="en-US"/>
           </a:p>
@@ -2258,7 +1976,7 @@
           <a:p>
             <a:r>
               <a:rPr lang="sk-SK" smtClean="0"/>
-              <a:t>© 2015 EV3Lessons.com, Last edit 12/19/2015</a:t>
+              <a:t>© 2016 EV3Lessons.com, Last edit 7/19/2016</a:t>
             </a:r>
             <a:endParaRPr lang="en-US"/>
           </a:p>
@@ -2696,9 +2414,9 @@
           <a:bodyPr/>
           <a:lstStyle/>
           <a:p>
-            <a:fld id="{7D24E7B9-ACD4-CF44-8319-25E01A317645}" type="datetime1">
-              <a:rPr lang="en-US" smtClean="0"/>
-              <a:t>12/19/15</a:t>
+            <a:fld id="{9A6B96BE-70FC-1347-8DEF-08C2981126DE}" type="datetime1">
+              <a:rPr lang="en-US" smtClean="0"/>
+              <a:t>7/19/16</a:t>
             </a:fld>
             <a:endParaRPr lang="en-US" dirty="0"/>
           </a:p>
@@ -2721,7 +2439,7 @@
           <a:p>
             <a:r>
               <a:rPr lang="sk-SK" smtClean="0"/>
-              <a:t>© 2015 EV3Lessons.com, Last edit 12/19/2015</a:t>
+              <a:t>© 2016 EV3Lessons.com, Last edit 7/19/2016</a:t>
             </a:r>
             <a:endParaRPr lang="en-US" dirty="0"/>
           </a:p>
@@ -3160,9 +2878,9 @@
           <a:bodyPr/>
           <a:lstStyle/>
           <a:p>
-            <a:fld id="{9B8A754F-0292-854F-9AF0-16B06A47A294}" type="datetime1">
-              <a:rPr lang="en-US" smtClean="0"/>
-              <a:t>12/19/15</a:t>
+            <a:fld id="{91E61C75-28F0-2946-9773-395202F18B93}" type="datetime1">
+              <a:rPr lang="en-US" smtClean="0"/>
+              <a:t>7/19/16</a:t>
             </a:fld>
             <a:endParaRPr lang="en-US"/>
           </a:p>
@@ -3885,9 +3603,9 @@
           <a:bodyPr/>
           <a:lstStyle/>
           <a:p>
-            <a:fld id="{FAC70B36-23F6-734C-8A9D-90C93AC344DC}" type="datetime1">
-              <a:rPr lang="en-US" smtClean="0"/>
-              <a:t>12/19/15</a:t>
+            <a:fld id="{382FE016-8E54-1245-AD96-C5B58B928DFF}" type="datetime1">
+              <a:rPr lang="en-US" smtClean="0"/>
+              <a:t>7/19/16</a:t>
             </a:fld>
             <a:endParaRPr lang="en-US"/>
           </a:p>
@@ -3910,7 +3628,7 @@
           <a:p>
             <a:r>
               <a:rPr lang="sk-SK" smtClean="0"/>
-              <a:t>© 2015 EV3Lessons.com, Last edit 12/19/2015</a:t>
+              <a:t>© 2016 EV3Lessons.com, Last edit 7/19/2016</a:t>
             </a:r>
             <a:endParaRPr lang="en-US"/>
           </a:p>
@@ -4167,9 +3885,9 @@
           <a:bodyPr/>
           <a:lstStyle/>
           <a:p>
-            <a:fld id="{96771858-3FB0-4743-BA44-3B4AC6B763D9}" type="datetime1">
-              <a:rPr lang="en-US" smtClean="0"/>
-              <a:t>12/19/15</a:t>
+            <a:fld id="{C08FDC25-D59E-FB49-86D9-449DBB5E0892}" type="datetime1">
+              <a:rPr lang="en-US" smtClean="0"/>
+              <a:t>7/19/16</a:t>
             </a:fld>
             <a:endParaRPr lang="en-US"/>
           </a:p>
@@ -4192,7 +3910,7 @@
           <a:p>
             <a:r>
               <a:rPr lang="sk-SK" smtClean="0"/>
-              <a:t>© 2015 EV3Lessons.com, Last edit 12/19/2015</a:t>
+              <a:t>© 2016 EV3Lessons.com, Last edit 7/19/2016</a:t>
             </a:r>
             <a:endParaRPr lang="en-US"/>
           </a:p>
@@ -4487,9 +4205,9 @@
           <a:bodyPr/>
           <a:lstStyle/>
           <a:p>
-            <a:fld id="{31BA126B-14E6-B94E-BBAE-964A89DB4FC7}" type="datetime1">
-              <a:rPr lang="en-US" smtClean="0"/>
-              <a:t>12/19/15</a:t>
+            <a:fld id="{9C60D635-1622-EE4F-95D4-798259B64C50}" type="datetime1">
+              <a:rPr lang="en-US" smtClean="0"/>
+              <a:t>7/19/16</a:t>
             </a:fld>
             <a:endParaRPr lang="en-US"/>
           </a:p>
@@ -4512,7 +4230,7 @@
           <a:p>
             <a:r>
               <a:rPr lang="sk-SK" smtClean="0"/>
-              <a:t>© 2015 EV3Lessons.com, Last edit 12/19/2015</a:t>
+              <a:t>© 2016 EV3Lessons.com, Last edit 7/19/2016</a:t>
             </a:r>
             <a:endParaRPr lang="en-US"/>
           </a:p>
@@ -4716,9 +4434,9 @@
           <a:bodyPr/>
           <a:lstStyle/>
           <a:p>
-            <a:fld id="{088593D8-00E2-0741-9BAE-C9D19486700E}" type="datetime1">
-              <a:rPr lang="en-US" smtClean="0"/>
-              <a:t>12/19/15</a:t>
+            <a:fld id="{6AE596ED-4000-C549-A3DC-423B637A860A}" type="datetime1">
+              <a:rPr lang="en-US" smtClean="0"/>
+              <a:t>7/19/16</a:t>
             </a:fld>
             <a:endParaRPr lang="en-US"/>
           </a:p>
@@ -4741,7 +4459,7 @@
           <a:p>
             <a:r>
               <a:rPr lang="sk-SK" smtClean="0"/>
-              <a:t>© 2015 EV3Lessons.com, Last edit 12/19/2015</a:t>
+              <a:t>© 2016 EV3Lessons.com, Last edit 7/19/2016</a:t>
             </a:r>
             <a:endParaRPr lang="en-US"/>
           </a:p>
@@ -5003,9 +4721,9 @@
           <a:bodyPr/>
           <a:lstStyle/>
           <a:p>
-            <a:fld id="{8962EFE1-8801-6C43-A80F-133BD912E9C2}" type="datetime1">
-              <a:rPr lang="en-US" smtClean="0"/>
-              <a:t>12/19/15</a:t>
+            <a:fld id="{EDE0E478-C82D-6F41-B4BF-9EEC34B386C1}" type="datetime1">
+              <a:rPr lang="en-US" smtClean="0"/>
+              <a:t>7/19/16</a:t>
             </a:fld>
             <a:endParaRPr lang="en-US" dirty="0"/>
           </a:p>
@@ -5028,7 +4746,7 @@
           <a:p>
             <a:r>
               <a:rPr lang="sk-SK" smtClean="0"/>
-              <a:t>© 2015 EV3Lessons.com, Last edit 12/19/2015</a:t>
+              <a:t>© 2016 EV3Lessons.com, Last edit 7/19/2016</a:t>
             </a:r>
             <a:endParaRPr lang="en-US" dirty="0"/>
           </a:p>
@@ -5247,9 +4965,9 @@
             </a:lvl1pPr>
           </a:lstStyle>
           <a:p>
-            <a:fld id="{8CD010E8-97D7-9048-AC65-0E3AE1CFFEF1}" type="datetime1">
-              <a:rPr lang="en-US" smtClean="0"/>
-              <a:t>12/19/15</a:t>
+            <a:fld id="{9970E8B9-D7DD-E94F-8AB4-4DDC341DFDDE}" type="datetime1">
+              <a:rPr lang="en-US" smtClean="0"/>
+              <a:t>7/19/16</a:t>
             </a:fld>
             <a:endParaRPr lang="en-US" dirty="0"/>
           </a:p>
@@ -5290,7 +5008,7 @@
           <a:p>
             <a:r>
               <a:rPr lang="sk-SK" smtClean="0"/>
-              <a:t>© 2015 EV3Lessons.com, Last edit 12/19/2015</a:t>
+              <a:t>© 2016 EV3Lessons.com, Last edit 7/19/2016</a:t>
             </a:r>
             <a:endParaRPr lang="en-US" dirty="0"/>
           </a:p>
@@ -5798,7 +5516,15 @@
           <a:bodyPr/>
           <a:lstStyle/>
           <a:p>
-            <a:endParaRPr lang="en-US"/>
+            <a:r>
+              <a:rPr lang="en-US" dirty="0" smtClean="0"/>
+              <a:t>By Sanjay and Arvind </a:t>
+            </a:r>
+            <a:r>
+              <a:rPr lang="en-US" dirty="0" err="1" smtClean="0"/>
+              <a:t>Seshan</a:t>
+            </a:r>
+            <a:endParaRPr lang="en-US" dirty="0"/>
           </a:p>
         </p:txBody>
       </p:sp>
@@ -5819,7 +5545,7 @@
           <a:p>
             <a:r>
               <a:rPr lang="sk-SK" smtClean="0"/>
-              <a:t>© 2015 EV3Lessons.com, Last edit 12/19/2015</a:t>
+              <a:t>© 2016 EV3Lessons.com, Last edit 7/19/2016</a:t>
             </a:r>
             <a:endParaRPr lang="en-US"/>
           </a:p>
@@ -5848,6 +5574,35 @@
           </a:p>
         </p:txBody>
       </p:sp>
+      <p:pic>
+        <p:nvPicPr>
+          <p:cNvPr id="6" name="Picture 5"/>
+          <p:cNvPicPr>
+            <a:picLocks noChangeAspect="1"/>
+          </p:cNvPicPr>
+          <p:nvPr/>
+        </p:nvPicPr>
+        <p:blipFill rotWithShape="1">
+          <a:blip r:embed="rId3">
+            <a:extLst>
+              <a:ext uri="{28A0092B-C50C-407E-A947-70E740481C1C}">
+                <a14:useLocalDpi xmlns:a14="http://schemas.microsoft.com/office/drawing/2010/main" val="0"/>
+              </a:ext>
+            </a:extLst>
+          </a:blip>
+          <a:srcRect l="4523" t="17619" r="3095" b="25000"/>
+          <a:stretch/>
+        </p:blipFill>
+        <p:spPr>
+          <a:xfrm>
+            <a:off x="3459013" y="4560129"/>
+            <a:ext cx="2225974" cy="1382629"/>
+          </a:xfrm>
+          <a:prstGeom prst="rect">
+            <a:avLst/>
+          </a:prstGeom>
+        </p:spPr>
+      </p:pic>
     </p:spTree>
     <p:extLst>
       <p:ext uri="{BB962C8B-B14F-4D97-AF65-F5344CB8AC3E}">
@@ -5902,7 +5657,7 @@
           <a:p>
             <a:r>
               <a:rPr lang="sk-SK" smtClean="0"/>
-              <a:t>© 2015 EV3Lessons.com, Last edit 12/19/2015</a:t>
+              <a:t>© 2016 EV3Lessons.com, Last edit 7/19/2016</a:t>
             </a:r>
             <a:endParaRPr lang="en-US" dirty="0"/>
           </a:p>
@@ -6128,7 +5883,7 @@
           <a:p>
             <a:r>
               <a:rPr lang="sk-SK" smtClean="0"/>
-              <a:t>© 2015 EV3Lessons.com, Last edit 12/19/2015</a:t>
+              <a:t>© 2016 EV3Lessons.com, Last edit 7/19/2016</a:t>
             </a:r>
             <a:endParaRPr lang="en-US" dirty="0"/>
           </a:p>
@@ -6265,7 +6020,7 @@
           <a:p>
             <a:r>
               <a:rPr lang="sk-SK" smtClean="0"/>
-              <a:t>© 2015 EV3Lessons.com, Last edit 12/19/2015</a:t>
+              <a:t>© 2016 EV3Lessons.com, Last edit 7/19/2016</a:t>
             </a:r>
             <a:endParaRPr lang="en-US" dirty="0"/>
           </a:p>
@@ -6402,7 +6157,7 @@
           <a:p>
             <a:r>
               <a:rPr lang="sk-SK" smtClean="0"/>
-              <a:t>© 2015 EV3Lessons.com, Last edit 12/19/2015</a:t>
+              <a:t>© 2016 EV3Lessons.com, Last edit 7/19/2016</a:t>
             </a:r>
             <a:endParaRPr lang="en-US" dirty="0"/>
           </a:p>
@@ -6594,7 +6349,7 @@
           <a:p>
             <a:r>
               <a:rPr lang="sk-SK" smtClean="0"/>
-              <a:t>© 2015 EV3Lessons.com, Last edit 12/19/2015</a:t>
+              <a:t>© 2016 EV3Lessons.com, Last edit 7/19/2016</a:t>
             </a:r>
             <a:endParaRPr lang="en-US" dirty="0"/>
           </a:p>
@@ -6724,23 +6479,19 @@
               <a:t>Seshan</a:t>
             </a:r>
             <a:r>
+              <a:rPr lang="en-US" smtClean="0"/>
+              <a:t> </a:t>
+            </a:r>
+            <a:endParaRPr lang="en-US" smtClean="0"/>
+          </a:p>
+          <a:p>
+            <a:r>
+              <a:rPr lang="en-US" smtClean="0"/>
+              <a:t>More </a:t>
+            </a:r>
+            <a:r>
               <a:rPr lang="en-US" dirty="0" smtClean="0"/>
-              <a:t> from </a:t>
-            </a:r>
-            <a:r>
-              <a:rPr lang="en-US" smtClean="0"/>
-              <a:t>Droids </a:t>
-            </a:r>
-            <a:r>
-              <a:rPr lang="en-US" smtClean="0"/>
-              <a:t>Robotics</a:t>
-            </a:r>
-            <a:endParaRPr lang="en-US" dirty="0" smtClean="0"/>
-          </a:p>
-          <a:p>
-            <a:r>
-              <a:rPr lang="en-US" dirty="0" smtClean="0"/>
-              <a:t>More lessons at www.ev3lessons.com</a:t>
+              <a:t>lessons at www.ev3lessons.com</a:t>
             </a:r>
             <a:endParaRPr lang="en-US" dirty="0"/>
           </a:p>
@@ -6763,7 +6514,7 @@
           <a:p>
             <a:r>
               <a:rPr lang="sk-SK" smtClean="0"/>
-              <a:t>© 2015 EV3Lessons.com, Last edit 12/19/2015</a:t>
+              <a:t>© 2016 EV3Lessons.com, Last edit 7/19/2016</a:t>
             </a:r>
             <a:endParaRPr lang="en-US" dirty="0"/>
           </a:p>
@@ -6841,7 +6592,7 @@
           <a:effectLst/>
           <a:extLst>
             <a:ext uri="{91240B29-F687-4f45-9708-019B960494DF}">
-              <a14:hiddenLine xmlns:a14="http://schemas.microsoft.com/office/drawing/2010/main" xmlns="" w="9525">
+              <a14:hiddenLine xmlns="" xmlns:a14="http://schemas.microsoft.com/office/drawing/2010/main" w="9525">
                 <a:solidFill>
                   <a:schemeClr val="tx1"/>
                 </a:solidFill>
@@ -6851,7 +6602,7 @@
               </a14:hiddenLine>
             </a:ext>
             <a:ext uri="{AF507438-7753-43e0-B8FC-AC1667EBCBE1}">
-              <a14:hiddenEffects xmlns:a14="http://schemas.microsoft.com/office/drawing/2010/main" xmlns="">
+              <a14:hiddenEffects xmlns="" xmlns:a14="http://schemas.microsoft.com/office/drawing/2010/main">
                 <a:effectLst>
                   <a:outerShdw dist="35921" dir="2700000" algn="ctr" rotWithShape="0">
                     <a:schemeClr val="bg2"/>
@@ -7204,7 +6955,7 @@
           <a:noFill/>
           <a:extLst>
             <a:ext uri="{909E8E84-426E-40dd-AFC4-6F175D3DCCD1}">
-              <a14:hiddenFill xmlns:a14="http://schemas.microsoft.com/office/drawing/2010/main" xmlns="">
+              <a14:hiddenFill xmlns="" xmlns:a14="http://schemas.microsoft.com/office/drawing/2010/main">
                 <a:solidFill>
                   <a:srgbClr val="FFFFFF"/>
                 </a:solidFill>
@@ -7333,7 +7084,7 @@
           <a:p>
             <a:r>
               <a:rPr lang="sk-SK" smtClean="0"/>
-              <a:t>© 2015 EV3Lessons.com, Last edit 12/19/2015</a:t>
+              <a:t>© 2016 EV3Lessons.com, Last edit 7/19/2016</a:t>
             </a:r>
             <a:endParaRPr lang="en-US" dirty="0"/>
           </a:p>
@@ -7489,7 +7240,7 @@
           <a:p>
             <a:r>
               <a:rPr lang="sk-SK" smtClean="0"/>
-              <a:t>© 2015 EV3Lessons.com, Last edit 12/19/2015</a:t>
+              <a:t>© 2016 EV3Lessons.com, Last edit 7/19/2016</a:t>
             </a:r>
             <a:endParaRPr lang="en-US" dirty="0"/>
           </a:p>
@@ -7627,7 +7378,7 @@
           <a:p>
             <a:r>
               <a:rPr lang="sk-SK" smtClean="0"/>
-              <a:t>© 2015 EV3Lessons.com, Last edit 12/19/2015</a:t>
+              <a:t>© 2016 EV3Lessons.com, Last edit 7/19/2016</a:t>
             </a:r>
             <a:endParaRPr lang="en-US"/>
           </a:p>
@@ -8032,7 +7783,7 @@
           <a:p>
             <a:r>
               <a:rPr lang="sk-SK" smtClean="0"/>
-              <a:t>© 2015 EV3Lessons.com, Last edit 12/19/2015</a:t>
+              <a:t>© 2016 EV3Lessons.com, Last edit 7/19/2016</a:t>
             </a:r>
             <a:endParaRPr lang="en-US" dirty="0"/>
           </a:p>
@@ -8244,7 +7995,7 @@
           <a:p>
             <a:r>
               <a:rPr lang="sk-SK" smtClean="0"/>
-              <a:t>© 2015 EV3Lessons.com, Last edit 12/19/2015</a:t>
+              <a:t>© 2016 EV3Lessons.com, Last edit 7/19/2016</a:t>
             </a:r>
             <a:endParaRPr lang="en-US" dirty="0"/>
           </a:p>
@@ -8411,7 +8162,7 @@
           <a:p>
             <a:r>
               <a:rPr lang="sk-SK" smtClean="0"/>
-              <a:t>© 2015 EV3Lessons.com, Last edit 12/19/2015</a:t>
+              <a:t>© 2016 EV3Lessons.com, Last edit 7/19/2016</a:t>
             </a:r>
             <a:endParaRPr lang="en-US" dirty="0"/>
           </a:p>
@@ -8547,7 +8298,7 @@
           <a:p>
             <a:r>
               <a:rPr lang="sk-SK" smtClean="0"/>
-              <a:t>© 2015 EV3Lessons.com, Last edit 12/19/2015</a:t>
+              <a:t>© 2016 EV3Lessons.com, Last edit 7/19/2016</a:t>
             </a:r>
             <a:endParaRPr lang="en-US"/>
           </a:p>
@@ -8655,7 +8406,7 @@
           <a:p>
             <a:r>
               <a:rPr lang="sk-SK" smtClean="0"/>
-              <a:t>© 2015 EV3Lessons.com, Last edit 12/19/2015</a:t>
+              <a:t>© 2016 EV3Lessons.com, Last edit 7/19/2016</a:t>
             </a:r>
             <a:endParaRPr lang="en-US" dirty="0"/>
           </a:p>
